--- a/Axions.pptx
+++ b/Axions.pptx
@@ -7,12 +7,12 @@
   <p:sldIdLst>
     <p:sldId id="256" r:id="rId2"/>
     <p:sldId id="257" r:id="rId3"/>
-    <p:sldId id="266" r:id="rId4"/>
-    <p:sldId id="265" r:id="rId5"/>
-    <p:sldId id="264" r:id="rId6"/>
-    <p:sldId id="260" r:id="rId7"/>
-    <p:sldId id="261" r:id="rId8"/>
-    <p:sldId id="263" r:id="rId9"/>
+    <p:sldId id="267" r:id="rId4"/>
+    <p:sldId id="266" r:id="rId5"/>
+    <p:sldId id="263" r:id="rId6"/>
+    <p:sldId id="264" r:id="rId7"/>
+    <p:sldId id="260" r:id="rId8"/>
+    <p:sldId id="261" r:id="rId9"/>
   </p:sldIdLst>
   <p:sldSz cx="12192000" cy="6858000"/>
   <p:notesSz cx="6858000" cy="9144000"/>
@@ -111,20 +111,47 @@
       </a:defRPr>
     </a:lvl9pPr>
   </p:defaultTextStyle>
+  <p:extLst>
+    <p:ext uri="{EFAFB233-063F-42B5-8137-9DF3F51BA10A}">
+      <p15:sldGuideLst xmlns:p15="http://schemas.microsoft.com/office/powerpoint/2012/main"/>
+    </p:ext>
+  </p:extLst>
 </p:presentation>
+</file>
+
+<file path=ppt/revisionInfo.xml><?xml version="1.0" encoding="utf-8"?>
+<p1510:revInfo xmlns:a="http://schemas.openxmlformats.org/drawingml/2006/main" xmlns:r="http://schemas.openxmlformats.org/officeDocument/2006/relationships" xmlns:p1510="http://schemas.microsoft.com/office/powerpoint/2015/10/main">
+  <p1510:revLst>
+    <p1510:client id="{7B5CD704-9F53-4FC0-A2CC-98B7BDB946C0}" v="110" dt="2023-10-22T11:46:23.123"/>
+  </p1510:revLst>
+</p1510:revInfo>
 </file>
 
 <file path=ppt/changesInfos/changesInfo1.xml><?xml version="1.0" encoding="utf-8"?>
 <pc:chgInfo xmlns:a="http://schemas.openxmlformats.org/drawingml/2006/main" xmlns:r="http://schemas.openxmlformats.org/officeDocument/2006/relationships" xmlns:ac="http://schemas.microsoft.com/office/drawing/2013/main/command" xmlns:pc="http://schemas.microsoft.com/office/powerpoint/2013/main/command">
   <pc:docChgLst>
     <pc:chgData name="Ilian Boyadzhiev" userId="ee423c10-14a7-45ae-96e7-9085a23ac076" providerId="ADAL" clId="{7B5CD704-9F53-4FC0-A2CC-98B7BDB946C0}"/>
-    <pc:docChg chg="custSel addSld modSld">
-      <pc:chgData name="Ilian Boyadzhiev" userId="ee423c10-14a7-45ae-96e7-9085a23ac076" providerId="ADAL" clId="{7B5CD704-9F53-4FC0-A2CC-98B7BDB946C0}" dt="2023-10-22T09:57:42.446" v="5" actId="1076"/>
+    <pc:docChg chg="custSel addSld delSld modSld sldOrd">
+      <pc:chgData name="Ilian Boyadzhiev" userId="ee423c10-14a7-45ae-96e7-9085a23ac076" providerId="ADAL" clId="{7B5CD704-9F53-4FC0-A2CC-98B7BDB946C0}" dt="2023-10-22T13:22:01.703" v="135"/>
       <pc:docMkLst>
         <pc:docMk/>
       </pc:docMkLst>
-      <pc:sldChg chg="addSp delSp modSp new mod">
-        <pc:chgData name="Ilian Boyadzhiev" userId="ee423c10-14a7-45ae-96e7-9085a23ac076" providerId="ADAL" clId="{7B5CD704-9F53-4FC0-A2CC-98B7BDB946C0}" dt="2023-10-22T09:57:42.446" v="5" actId="1076"/>
+      <pc:sldChg chg="ord">
+        <pc:chgData name="Ilian Boyadzhiev" userId="ee423c10-14a7-45ae-96e7-9085a23ac076" providerId="ADAL" clId="{7B5CD704-9F53-4FC0-A2CC-98B7BDB946C0}" dt="2023-10-22T12:17:12.947" v="123"/>
+        <pc:sldMkLst>
+          <pc:docMk/>
+          <pc:sldMk cId="1359418074" sldId="263"/>
+        </pc:sldMkLst>
+      </pc:sldChg>
+      <pc:sldChg chg="del">
+        <pc:chgData name="Ilian Boyadzhiev" userId="ee423c10-14a7-45ae-96e7-9085a23ac076" providerId="ADAL" clId="{7B5CD704-9F53-4FC0-A2CC-98B7BDB946C0}" dt="2023-10-22T11:40:10.963" v="58" actId="47"/>
+        <pc:sldMkLst>
+          <pc:docMk/>
+          <pc:sldMk cId="678095931" sldId="265"/>
+        </pc:sldMkLst>
+      </pc:sldChg>
+      <pc:sldChg chg="addSp delSp modSp new mod ord">
+        <pc:chgData name="Ilian Boyadzhiev" userId="ee423c10-14a7-45ae-96e7-9085a23ac076" providerId="ADAL" clId="{7B5CD704-9F53-4FC0-A2CC-98B7BDB946C0}" dt="2023-10-22T13:22:01.703" v="135"/>
         <pc:sldMkLst>
           <pc:docMk/>
           <pc:sldMk cId="3328878725" sldId="266"/>
@@ -151,6 +178,149 @@
             <pc:docMk/>
             <pc:sldMk cId="3328878725" sldId="266"/>
             <ac:picMk id="5" creationId="{FD312962-37C1-3B29-485A-33DE23236529}"/>
+          </ac:picMkLst>
+        </pc:picChg>
+      </pc:sldChg>
+      <pc:sldChg chg="addSp delSp modSp new mod ord">
+        <pc:chgData name="Ilian Boyadzhiev" userId="ee423c10-14a7-45ae-96e7-9085a23ac076" providerId="ADAL" clId="{7B5CD704-9F53-4FC0-A2CC-98B7BDB946C0}" dt="2023-10-22T13:21:58.910" v="133"/>
+        <pc:sldMkLst>
+          <pc:docMk/>
+          <pc:sldMk cId="2433363795" sldId="267"/>
+        </pc:sldMkLst>
+        <pc:spChg chg="del">
+          <ac:chgData name="Ilian Boyadzhiev" userId="ee423c10-14a7-45ae-96e7-9085a23ac076" providerId="ADAL" clId="{7B5CD704-9F53-4FC0-A2CC-98B7BDB946C0}" dt="2023-10-22T11:32:07.873" v="13" actId="478"/>
+          <ac:spMkLst>
+            <pc:docMk/>
+            <pc:sldMk cId="2433363795" sldId="267"/>
+            <ac:spMk id="2" creationId="{A2C6AD73-8777-B6DE-81D5-1CCA4858ED49}"/>
+          </ac:spMkLst>
+        </pc:spChg>
+        <pc:spChg chg="del">
+          <ac:chgData name="Ilian Boyadzhiev" userId="ee423c10-14a7-45ae-96e7-9085a23ac076" providerId="ADAL" clId="{7B5CD704-9F53-4FC0-A2CC-98B7BDB946C0}" dt="2023-10-22T11:32:06.137" v="12" actId="478"/>
+          <ac:spMkLst>
+            <pc:docMk/>
+            <pc:sldMk cId="2433363795" sldId="267"/>
+            <ac:spMk id="3" creationId="{B248E286-3EBA-E9EA-A8CE-34B109350251}"/>
+          </ac:spMkLst>
+        </pc:spChg>
+        <pc:picChg chg="add mod">
+          <ac:chgData name="Ilian Boyadzhiev" userId="ee423c10-14a7-45ae-96e7-9085a23ac076" providerId="ADAL" clId="{7B5CD704-9F53-4FC0-A2CC-98B7BDB946C0}" dt="2023-10-22T11:43:51.543" v="89" actId="1076"/>
+          <ac:picMkLst>
+            <pc:docMk/>
+            <pc:sldMk cId="2433363795" sldId="267"/>
+            <ac:picMk id="1026" creationId="{5E75ABEE-04E0-4947-F07C-8250EE38D896}"/>
+          </ac:picMkLst>
+        </pc:picChg>
+        <pc:picChg chg="add del">
+          <ac:chgData name="Ilian Boyadzhiev" userId="ee423c10-14a7-45ae-96e7-9085a23ac076" providerId="ADAL" clId="{7B5CD704-9F53-4FC0-A2CC-98B7BDB946C0}" dt="2023-10-22T11:32:47.642" v="19"/>
+          <ac:picMkLst>
+            <pc:docMk/>
+            <pc:sldMk cId="2433363795" sldId="267"/>
+            <ac:picMk id="1028" creationId="{67FFACD1-B1D1-0E0F-64D8-332A860D41F8}"/>
+          </ac:picMkLst>
+        </pc:picChg>
+        <pc:picChg chg="add mod">
+          <ac:chgData name="Ilian Boyadzhiev" userId="ee423c10-14a7-45ae-96e7-9085a23ac076" providerId="ADAL" clId="{7B5CD704-9F53-4FC0-A2CC-98B7BDB946C0}" dt="2023-10-22T11:44:45.463" v="96" actId="1076"/>
+          <ac:picMkLst>
+            <pc:docMk/>
+            <pc:sldMk cId="2433363795" sldId="267"/>
+            <ac:picMk id="1030" creationId="{7B8DF099-CB27-5C33-9580-9B99E88A420F}"/>
+          </ac:picMkLst>
+        </pc:picChg>
+        <pc:picChg chg="add mod">
+          <ac:chgData name="Ilian Boyadzhiev" userId="ee423c10-14a7-45ae-96e7-9085a23ac076" providerId="ADAL" clId="{7B5CD704-9F53-4FC0-A2CC-98B7BDB946C0}" dt="2023-10-22T11:44:55.217" v="97" actId="1076"/>
+          <ac:picMkLst>
+            <pc:docMk/>
+            <pc:sldMk cId="2433363795" sldId="267"/>
+            <ac:picMk id="1032" creationId="{C7EF2D7C-18B9-BD8E-DE9B-490CD1AE2FE9}"/>
+          </ac:picMkLst>
+        </pc:picChg>
+        <pc:picChg chg="add mod">
+          <ac:chgData name="Ilian Boyadzhiev" userId="ee423c10-14a7-45ae-96e7-9085a23ac076" providerId="ADAL" clId="{7B5CD704-9F53-4FC0-A2CC-98B7BDB946C0}" dt="2023-10-22T11:46:16.392" v="120" actId="1076"/>
+          <ac:picMkLst>
+            <pc:docMk/>
+            <pc:sldMk cId="2433363795" sldId="267"/>
+            <ac:picMk id="1034" creationId="{2635F529-5812-EAC9-B05E-1466EA59E0A8}"/>
+          </ac:picMkLst>
+        </pc:picChg>
+        <pc:picChg chg="add mod">
+          <ac:chgData name="Ilian Boyadzhiev" userId="ee423c10-14a7-45ae-96e7-9085a23ac076" providerId="ADAL" clId="{7B5CD704-9F53-4FC0-A2CC-98B7BDB946C0}" dt="2023-10-22T11:45:01.352" v="100" actId="1076"/>
+          <ac:picMkLst>
+            <pc:docMk/>
+            <pc:sldMk cId="2433363795" sldId="267"/>
+            <ac:picMk id="1036" creationId="{E84B497A-2D4A-EF41-42C5-4103886750A3}"/>
+          </ac:picMkLst>
+        </pc:picChg>
+        <pc:picChg chg="add mod">
+          <ac:chgData name="Ilian Boyadzhiev" userId="ee423c10-14a7-45ae-96e7-9085a23ac076" providerId="ADAL" clId="{7B5CD704-9F53-4FC0-A2CC-98B7BDB946C0}" dt="2023-10-22T11:46:23.123" v="121" actId="1076"/>
+          <ac:picMkLst>
+            <pc:docMk/>
+            <pc:sldMk cId="2433363795" sldId="267"/>
+            <ac:picMk id="1038" creationId="{16252F47-0356-CC67-58FE-38C046547E74}"/>
+          </ac:picMkLst>
+        </pc:picChg>
+        <pc:picChg chg="add del">
+          <ac:chgData name="Ilian Boyadzhiev" userId="ee423c10-14a7-45ae-96e7-9085a23ac076" providerId="ADAL" clId="{7B5CD704-9F53-4FC0-A2CC-98B7BDB946C0}" dt="2023-10-22T11:39:04.708" v="44"/>
+          <ac:picMkLst>
+            <pc:docMk/>
+            <pc:sldMk cId="2433363795" sldId="267"/>
+            <ac:picMk id="1040" creationId="{5F996BF9-DAD4-5A0E-4744-C4E058188666}"/>
+          </ac:picMkLst>
+        </pc:picChg>
+        <pc:picChg chg="add mod">
+          <ac:chgData name="Ilian Boyadzhiev" userId="ee423c10-14a7-45ae-96e7-9085a23ac076" providerId="ADAL" clId="{7B5CD704-9F53-4FC0-A2CC-98B7BDB946C0}" dt="2023-10-22T11:45:07.002" v="101" actId="1076"/>
+          <ac:picMkLst>
+            <pc:docMk/>
+            <pc:sldMk cId="2433363795" sldId="267"/>
+            <ac:picMk id="1042" creationId="{11130940-1D28-A554-71FD-FE2CA423CA9A}"/>
+          </ac:picMkLst>
+        </pc:picChg>
+        <pc:picChg chg="add mod">
+          <ac:chgData name="Ilian Boyadzhiev" userId="ee423c10-14a7-45ae-96e7-9085a23ac076" providerId="ADAL" clId="{7B5CD704-9F53-4FC0-A2CC-98B7BDB946C0}" dt="2023-10-22T11:45:48.915" v="112" actId="1076"/>
+          <ac:picMkLst>
+            <pc:docMk/>
+            <pc:sldMk cId="2433363795" sldId="267"/>
+            <ac:picMk id="1044" creationId="{6529823D-3A6D-B842-3E86-1900CDF4AB33}"/>
+          </ac:picMkLst>
+        </pc:picChg>
+        <pc:picChg chg="add del">
+          <ac:chgData name="Ilian Boyadzhiev" userId="ee423c10-14a7-45ae-96e7-9085a23ac076" providerId="ADAL" clId="{7B5CD704-9F53-4FC0-A2CC-98B7BDB946C0}" dt="2023-10-22T11:41:52.048" v="71"/>
+          <ac:picMkLst>
+            <pc:docMk/>
+            <pc:sldMk cId="2433363795" sldId="267"/>
+            <ac:picMk id="1046" creationId="{1A2BE9CB-29B2-48A1-3DDB-9DD322641529}"/>
+          </ac:picMkLst>
+        </pc:picChg>
+        <pc:picChg chg="add del">
+          <ac:chgData name="Ilian Boyadzhiev" userId="ee423c10-14a7-45ae-96e7-9085a23ac076" providerId="ADAL" clId="{7B5CD704-9F53-4FC0-A2CC-98B7BDB946C0}" dt="2023-10-22T11:42:07.971" v="73"/>
+          <ac:picMkLst>
+            <pc:docMk/>
+            <pc:sldMk cId="2433363795" sldId="267"/>
+            <ac:picMk id="1048" creationId="{4B7EBF4E-74D6-041D-6558-92A62AD2C3FC}"/>
+          </ac:picMkLst>
+        </pc:picChg>
+        <pc:picChg chg="add mod">
+          <ac:chgData name="Ilian Boyadzhiev" userId="ee423c10-14a7-45ae-96e7-9085a23ac076" providerId="ADAL" clId="{7B5CD704-9F53-4FC0-A2CC-98B7BDB946C0}" dt="2023-10-22T11:46:00.533" v="115" actId="1076"/>
+          <ac:picMkLst>
+            <pc:docMk/>
+            <pc:sldMk cId="2433363795" sldId="267"/>
+            <ac:picMk id="1050" creationId="{970B6EA4-4936-BFDB-0DB2-88BFC7D7F675}"/>
+          </ac:picMkLst>
+        </pc:picChg>
+        <pc:picChg chg="add del">
+          <ac:chgData name="Ilian Boyadzhiev" userId="ee423c10-14a7-45ae-96e7-9085a23ac076" providerId="ADAL" clId="{7B5CD704-9F53-4FC0-A2CC-98B7BDB946C0}" dt="2023-10-22T11:43:09.529" v="81"/>
+          <ac:picMkLst>
+            <pc:docMk/>
+            <pc:sldMk cId="2433363795" sldId="267"/>
+            <ac:picMk id="1052" creationId="{6B22ECB7-2A1E-2C68-6D99-E20724620E22}"/>
+          </ac:picMkLst>
+        </pc:picChg>
+        <pc:picChg chg="add mod">
+          <ac:chgData name="Ilian Boyadzhiev" userId="ee423c10-14a7-45ae-96e7-9085a23ac076" providerId="ADAL" clId="{7B5CD704-9F53-4FC0-A2CC-98B7BDB946C0}" dt="2023-10-22T11:46:05.810" v="116" actId="1076"/>
+          <ac:picMkLst>
+            <pc:docMk/>
+            <pc:sldMk cId="2433363795" sldId="267"/>
+            <ac:picMk id="1054" creationId="{E0B1E7EC-2B58-3D9C-1AE8-68CDD471A01A}"/>
           </ac:picMkLst>
         </pc:picChg>
       </pc:sldChg>
@@ -3433,7 +3603,7 @@
           <a:noFill/>
           <a:extLst>
             <a:ext uri="{909E8E84-426E-40dd-AFC4-6F175D3DCCD1}">
-              <a14:hiddenFill xmlns:a14="http://schemas.microsoft.com/office/drawing/2010/main" xmlns="">
+              <a14:hiddenFill xmlns="" xmlns:a14="http://schemas.microsoft.com/office/drawing/2010/main">
                 <a:solidFill>
                   <a:srgbClr val="FFFFFF"/>
                 </a:solidFill>
@@ -3493,7 +3663,7 @@
             </a:ln>
             <a:extLst>
               <a:ext uri="{91240B29-F687-4f45-9708-019B960494DF}">
-                <a14:hiddenLine xmlns:a14="http://schemas.microsoft.com/office/drawing/2010/main" xmlns="" w="9525">
+                <a14:hiddenLine xmlns="" xmlns:a14="http://schemas.microsoft.com/office/drawing/2010/main" w="9525">
                   <a:solidFill>
                     <a:srgbClr val="000000"/>
                   </a:solidFill>
@@ -3583,7 +3753,7 @@
             </a:ln>
             <a:extLst>
               <a:ext uri="{91240B29-F687-4f45-9708-019B960494DF}">
-                <a14:hiddenLine xmlns:a14="http://schemas.microsoft.com/office/drawing/2010/main" xmlns="" w="9525">
+                <a14:hiddenLine xmlns="" xmlns:a14="http://schemas.microsoft.com/office/drawing/2010/main" w="9525">
                   <a:solidFill>
                     <a:srgbClr val="000000"/>
                   </a:solidFill>
@@ -3673,7 +3843,7 @@
             </a:ln>
             <a:extLst>
               <a:ext uri="{91240B29-F687-4f45-9708-019B960494DF}">
-                <a14:hiddenLine xmlns:a14="http://schemas.microsoft.com/office/drawing/2010/main" xmlns="" w="9525">
+                <a14:hiddenLine xmlns="" xmlns:a14="http://schemas.microsoft.com/office/drawing/2010/main" w="9525">
                   <a:solidFill>
                     <a:srgbClr val="000000"/>
                   </a:solidFill>
@@ -3707,7 +3877,7 @@
             </a:ln>
             <a:extLst>
               <a:ext uri="{91240B29-F687-4f45-9708-019B960494DF}">
-                <a14:hiddenLine xmlns:a14="http://schemas.microsoft.com/office/drawing/2010/main" xmlns="" w="9525">
+                <a14:hiddenLine xmlns="" xmlns:a14="http://schemas.microsoft.com/office/drawing/2010/main" w="9525">
                   <a:solidFill>
                     <a:srgbClr val="000000"/>
                   </a:solidFill>
@@ -3797,7 +3967,7 @@
             </a:ln>
             <a:extLst>
               <a:ext uri="{91240B29-F687-4f45-9708-019B960494DF}">
-                <a14:hiddenLine xmlns:a14="http://schemas.microsoft.com/office/drawing/2010/main" xmlns="" w="9525">
+                <a14:hiddenLine xmlns="" xmlns:a14="http://schemas.microsoft.com/office/drawing/2010/main" w="9525">
                   <a:solidFill>
                     <a:srgbClr val="000000"/>
                   </a:solidFill>
@@ -3859,7 +4029,7 @@
             </a:ln>
             <a:extLst>
               <a:ext uri="{91240B29-F687-4f45-9708-019B960494DF}">
-                <a14:hiddenLine xmlns:a14="http://schemas.microsoft.com/office/drawing/2010/main" xmlns="" w="9525">
+                <a14:hiddenLine xmlns="" xmlns:a14="http://schemas.microsoft.com/office/drawing/2010/main" w="9525">
                   <a:solidFill>
                     <a:srgbClr val="000000"/>
                   </a:solidFill>
@@ -3921,7 +4091,7 @@
             </a:ln>
             <a:extLst>
               <a:ext uri="{91240B29-F687-4f45-9708-019B960494DF}">
-                <a14:hiddenLine xmlns:a14="http://schemas.microsoft.com/office/drawing/2010/main" xmlns="" w="9525">
+                <a14:hiddenLine xmlns="" xmlns:a14="http://schemas.microsoft.com/office/drawing/2010/main" w="9525">
                   <a:solidFill>
                     <a:srgbClr val="000000"/>
                   </a:solidFill>
@@ -4011,7 +4181,7 @@
             </a:ln>
             <a:extLst>
               <a:ext uri="{91240B29-F687-4f45-9708-019B960494DF}">
-                <a14:hiddenLine xmlns:a14="http://schemas.microsoft.com/office/drawing/2010/main" xmlns="" w="9525">
+                <a14:hiddenLine xmlns="" xmlns:a14="http://schemas.microsoft.com/office/drawing/2010/main" w="9525">
                   <a:solidFill>
                     <a:srgbClr val="000000"/>
                   </a:solidFill>
@@ -4073,7 +4243,7 @@
             </a:ln>
             <a:extLst>
               <a:ext uri="{91240B29-F687-4f45-9708-019B960494DF}">
-                <a14:hiddenLine xmlns:a14="http://schemas.microsoft.com/office/drawing/2010/main" xmlns="" w="9525">
+                <a14:hiddenLine xmlns="" xmlns:a14="http://schemas.microsoft.com/office/drawing/2010/main" w="9525">
                   <a:solidFill>
                     <a:srgbClr val="000000"/>
                   </a:solidFill>
@@ -4135,7 +4305,7 @@
             </a:ln>
             <a:extLst>
               <a:ext uri="{91240B29-F687-4f45-9708-019B960494DF}">
-                <a14:hiddenLine xmlns:a14="http://schemas.microsoft.com/office/drawing/2010/main" xmlns="" w="9525">
+                <a14:hiddenLine xmlns="" xmlns:a14="http://schemas.microsoft.com/office/drawing/2010/main" w="9525">
                   <a:solidFill>
                     <a:srgbClr val="000000"/>
                   </a:solidFill>
@@ -4225,7 +4395,7 @@
             </a:ln>
             <a:extLst>
               <a:ext uri="{91240B29-F687-4f45-9708-019B960494DF}">
-                <a14:hiddenLine xmlns:a14="http://schemas.microsoft.com/office/drawing/2010/main" xmlns="" w="9525">
+                <a14:hiddenLine xmlns="" xmlns:a14="http://schemas.microsoft.com/office/drawing/2010/main" w="9525">
                   <a:solidFill>
                     <a:srgbClr val="000000"/>
                   </a:solidFill>
@@ -4315,7 +4485,7 @@
             </a:ln>
             <a:extLst>
               <a:ext uri="{91240B29-F687-4f45-9708-019B960494DF}">
-                <a14:hiddenLine xmlns:a14="http://schemas.microsoft.com/office/drawing/2010/main" xmlns="" w="9525">
+                <a14:hiddenLine xmlns="" xmlns:a14="http://schemas.microsoft.com/office/drawing/2010/main" w="9525">
                   <a:solidFill>
                     <a:srgbClr val="000000"/>
                   </a:solidFill>
@@ -4377,7 +4547,7 @@
             </a:ln>
             <a:extLst>
               <a:ext uri="{91240B29-F687-4f45-9708-019B960494DF}">
-                <a14:hiddenLine xmlns:a14="http://schemas.microsoft.com/office/drawing/2010/main" xmlns="" w="9525">
+                <a14:hiddenLine xmlns="" xmlns:a14="http://schemas.microsoft.com/office/drawing/2010/main" w="9525">
                   <a:solidFill>
                     <a:srgbClr val="000000"/>
                   </a:solidFill>
@@ -4487,7 +4657,7 @@
             </a:ln>
             <a:extLst>
               <a:ext uri="{91240B29-F687-4f45-9708-019B960494DF}">
-                <a14:hiddenLine xmlns:a14="http://schemas.microsoft.com/office/drawing/2010/main" xmlns="" w="9525">
+                <a14:hiddenLine xmlns="" xmlns:a14="http://schemas.microsoft.com/office/drawing/2010/main" w="9525">
                   <a:solidFill>
                     <a:srgbClr val="000000"/>
                   </a:solidFill>
@@ -4549,7 +4719,7 @@
             </a:ln>
             <a:extLst>
               <a:ext uri="{91240B29-F687-4f45-9708-019B960494DF}">
-                <a14:hiddenLine xmlns:a14="http://schemas.microsoft.com/office/drawing/2010/main" xmlns="" w="9525">
+                <a14:hiddenLine xmlns="" xmlns:a14="http://schemas.microsoft.com/office/drawing/2010/main" w="9525">
                   <a:solidFill>
                     <a:srgbClr val="000000"/>
                   </a:solidFill>
@@ -4639,7 +4809,7 @@
             </a:ln>
             <a:extLst>
               <a:ext uri="{91240B29-F687-4f45-9708-019B960494DF}">
-                <a14:hiddenLine xmlns:a14="http://schemas.microsoft.com/office/drawing/2010/main" xmlns="" w="9525">
+                <a14:hiddenLine xmlns="" xmlns:a14="http://schemas.microsoft.com/office/drawing/2010/main" w="9525">
                   <a:solidFill>
                     <a:srgbClr val="000000"/>
                   </a:solidFill>
@@ -4729,7 +4899,7 @@
             </a:ln>
             <a:extLst>
               <a:ext uri="{91240B29-F687-4f45-9708-019B960494DF}">
-                <a14:hiddenLine xmlns:a14="http://schemas.microsoft.com/office/drawing/2010/main" xmlns="" w="9525">
+                <a14:hiddenLine xmlns="" xmlns:a14="http://schemas.microsoft.com/office/drawing/2010/main" w="9525">
                   <a:solidFill>
                     <a:srgbClr val="000000"/>
                   </a:solidFill>
@@ -4791,7 +4961,7 @@
             </a:ln>
             <a:extLst>
               <a:ext uri="{91240B29-F687-4f45-9708-019B960494DF}">
-                <a14:hiddenLine xmlns:a14="http://schemas.microsoft.com/office/drawing/2010/main" xmlns="" w="9525">
+                <a14:hiddenLine xmlns="" xmlns:a14="http://schemas.microsoft.com/office/drawing/2010/main" w="9525">
                   <a:solidFill>
                     <a:srgbClr val="000000"/>
                   </a:solidFill>
@@ -4881,7 +5051,7 @@
             </a:ln>
             <a:extLst>
               <a:ext uri="{91240B29-F687-4f45-9708-019B960494DF}">
-                <a14:hiddenLine xmlns:a14="http://schemas.microsoft.com/office/drawing/2010/main" xmlns="" w="9525">
+                <a14:hiddenLine xmlns="" xmlns:a14="http://schemas.microsoft.com/office/drawing/2010/main" w="9525">
                   <a:solidFill>
                     <a:srgbClr val="000000"/>
                   </a:solidFill>
@@ -4971,7 +5141,7 @@
             </a:ln>
             <a:extLst>
               <a:ext uri="{91240B29-F687-4f45-9708-019B960494DF}">
-                <a14:hiddenLine xmlns:a14="http://schemas.microsoft.com/office/drawing/2010/main" xmlns="" w="9525">
+                <a14:hiddenLine xmlns="" xmlns:a14="http://schemas.microsoft.com/office/drawing/2010/main" w="9525">
                   <a:solidFill>
                     <a:srgbClr val="000000"/>
                   </a:solidFill>
@@ -5027,7 +5197,7 @@
             </a:ln>
             <a:extLst>
               <a:ext uri="{91240B29-F687-4f45-9708-019B960494DF}">
-                <a14:hiddenLine xmlns:a14="http://schemas.microsoft.com/office/drawing/2010/main" xmlns="" w="9525">
+                <a14:hiddenLine xmlns="" xmlns:a14="http://schemas.microsoft.com/office/drawing/2010/main" w="9525">
                   <a:solidFill>
                     <a:srgbClr val="000000"/>
                   </a:solidFill>
@@ -5117,7 +5287,7 @@
             </a:ln>
             <a:extLst>
               <a:ext uri="{91240B29-F687-4f45-9708-019B960494DF}">
-                <a14:hiddenLine xmlns:a14="http://schemas.microsoft.com/office/drawing/2010/main" xmlns="" w="9525">
+                <a14:hiddenLine xmlns="" xmlns:a14="http://schemas.microsoft.com/office/drawing/2010/main" w="9525">
                   <a:solidFill>
                     <a:srgbClr val="000000"/>
                   </a:solidFill>
@@ -5173,7 +5343,7 @@
             </a:ln>
             <a:extLst>
               <a:ext uri="{91240B29-F687-4f45-9708-019B960494DF}">
-                <a14:hiddenLine xmlns:a14="http://schemas.microsoft.com/office/drawing/2010/main" xmlns="" w="9525">
+                <a14:hiddenLine xmlns="" xmlns:a14="http://schemas.microsoft.com/office/drawing/2010/main" w="9525">
                   <a:solidFill>
                     <a:srgbClr val="000000"/>
                   </a:solidFill>
@@ -5263,7 +5433,7 @@
             </a:ln>
             <a:extLst>
               <a:ext uri="{91240B29-F687-4f45-9708-019B960494DF}">
-                <a14:hiddenLine xmlns:a14="http://schemas.microsoft.com/office/drawing/2010/main" xmlns="" w="9525">
+                <a14:hiddenLine xmlns="" xmlns:a14="http://schemas.microsoft.com/office/drawing/2010/main" w="9525">
                   <a:solidFill>
                     <a:srgbClr val="000000"/>
                   </a:solidFill>
@@ -5331,7 +5501,7 @@
             </a:ln>
             <a:extLst>
               <a:ext uri="{91240B29-F687-4f45-9708-019B960494DF}">
-                <a14:hiddenLine xmlns:a14="http://schemas.microsoft.com/office/drawing/2010/main" xmlns="" w="9525">
+                <a14:hiddenLine xmlns="" xmlns:a14="http://schemas.microsoft.com/office/drawing/2010/main" w="9525">
                   <a:solidFill>
                     <a:srgbClr val="000000"/>
                   </a:solidFill>
@@ -5421,7 +5591,7 @@
             </a:ln>
             <a:extLst>
               <a:ext uri="{91240B29-F687-4f45-9708-019B960494DF}">
-                <a14:hiddenLine xmlns:a14="http://schemas.microsoft.com/office/drawing/2010/main" xmlns="" w="9525">
+                <a14:hiddenLine xmlns="" xmlns:a14="http://schemas.microsoft.com/office/drawing/2010/main" w="9525">
                   <a:solidFill>
                     <a:srgbClr val="000000"/>
                   </a:solidFill>
@@ -5489,7 +5659,7 @@
             </a:ln>
             <a:extLst>
               <a:ext uri="{91240B29-F687-4f45-9708-019B960494DF}">
-                <a14:hiddenLine xmlns:a14="http://schemas.microsoft.com/office/drawing/2010/main" xmlns="" w="9525">
+                <a14:hiddenLine xmlns="" xmlns:a14="http://schemas.microsoft.com/office/drawing/2010/main" w="9525">
                   <a:solidFill>
                     <a:srgbClr val="000000"/>
                   </a:solidFill>
@@ -5579,7 +5749,7 @@
             </a:ln>
             <a:extLst>
               <a:ext uri="{91240B29-F687-4f45-9708-019B960494DF}">
-                <a14:hiddenLine xmlns:a14="http://schemas.microsoft.com/office/drawing/2010/main" xmlns="" w="9525">
+                <a14:hiddenLine xmlns="" xmlns:a14="http://schemas.microsoft.com/office/drawing/2010/main" w="9525">
                   <a:solidFill>
                     <a:srgbClr val="000000"/>
                   </a:solidFill>
@@ -5613,7 +5783,7 @@
             </a:ln>
             <a:extLst>
               <a:ext uri="{91240B29-F687-4f45-9708-019B960494DF}">
-                <a14:hiddenLine xmlns:a14="http://schemas.microsoft.com/office/drawing/2010/main" xmlns="" w="9525">
+                <a14:hiddenLine xmlns="" xmlns:a14="http://schemas.microsoft.com/office/drawing/2010/main" w="9525">
                   <a:solidFill>
                     <a:srgbClr val="000000"/>
                   </a:solidFill>
@@ -5703,7 +5873,7 @@
             </a:ln>
             <a:extLst>
               <a:ext uri="{91240B29-F687-4f45-9708-019B960494DF}">
-                <a14:hiddenLine xmlns:a14="http://schemas.microsoft.com/office/drawing/2010/main" xmlns="" w="9525">
+                <a14:hiddenLine xmlns="" xmlns:a14="http://schemas.microsoft.com/office/drawing/2010/main" w="9525">
                   <a:solidFill>
                     <a:srgbClr val="000000"/>
                   </a:solidFill>
@@ -5765,7 +5935,7 @@
             </a:ln>
             <a:extLst>
               <a:ext uri="{91240B29-F687-4f45-9708-019B960494DF}">
-                <a14:hiddenLine xmlns:a14="http://schemas.microsoft.com/office/drawing/2010/main" xmlns="" w="9525">
+                <a14:hiddenLine xmlns="" xmlns:a14="http://schemas.microsoft.com/office/drawing/2010/main" w="9525">
                   <a:solidFill>
                     <a:srgbClr val="000000"/>
                   </a:solidFill>
@@ -5827,7 +5997,7 @@
             </a:ln>
             <a:extLst>
               <a:ext uri="{91240B29-F687-4f45-9708-019B960494DF}">
-                <a14:hiddenLine xmlns:a14="http://schemas.microsoft.com/office/drawing/2010/main" xmlns="" w="9525">
+                <a14:hiddenLine xmlns="" xmlns:a14="http://schemas.microsoft.com/office/drawing/2010/main" w="9525">
                   <a:solidFill>
                     <a:srgbClr val="000000"/>
                   </a:solidFill>
@@ -5917,7 +6087,7 @@
             </a:ln>
             <a:extLst>
               <a:ext uri="{91240B29-F687-4f45-9708-019B960494DF}">
-                <a14:hiddenLine xmlns:a14="http://schemas.microsoft.com/office/drawing/2010/main" xmlns="" w="9525">
+                <a14:hiddenLine xmlns="" xmlns:a14="http://schemas.microsoft.com/office/drawing/2010/main" w="9525">
                   <a:solidFill>
                     <a:srgbClr val="000000"/>
                   </a:solidFill>
@@ -5985,7 +6155,7 @@
             </a:ln>
             <a:extLst>
               <a:ext uri="{91240B29-F687-4f45-9708-019B960494DF}">
-                <a14:hiddenLine xmlns:a14="http://schemas.microsoft.com/office/drawing/2010/main" xmlns="" w="9525">
+                <a14:hiddenLine xmlns="" xmlns:a14="http://schemas.microsoft.com/office/drawing/2010/main" w="9525">
                   <a:solidFill>
                     <a:srgbClr val="000000"/>
                   </a:solidFill>
@@ -6047,7 +6217,7 @@
             </a:ln>
             <a:extLst>
               <a:ext uri="{91240B29-F687-4f45-9708-019B960494DF}">
-                <a14:hiddenLine xmlns:a14="http://schemas.microsoft.com/office/drawing/2010/main" xmlns="" w="9525">
+                <a14:hiddenLine xmlns="" xmlns:a14="http://schemas.microsoft.com/office/drawing/2010/main" w="9525">
                   <a:solidFill>
                     <a:srgbClr val="000000"/>
                   </a:solidFill>
@@ -6137,7 +6307,7 @@
             </a:ln>
             <a:extLst>
               <a:ext uri="{91240B29-F687-4f45-9708-019B960494DF}">
-                <a14:hiddenLine xmlns:a14="http://schemas.microsoft.com/office/drawing/2010/main" xmlns="" w="9525">
+                <a14:hiddenLine xmlns="" xmlns:a14="http://schemas.microsoft.com/office/drawing/2010/main" w="9525">
                   <a:solidFill>
                     <a:srgbClr val="000000"/>
                   </a:solidFill>
@@ -6199,7 +6369,7 @@
             </a:ln>
             <a:extLst>
               <a:ext uri="{91240B29-F687-4f45-9708-019B960494DF}">
-                <a14:hiddenLine xmlns:a14="http://schemas.microsoft.com/office/drawing/2010/main" xmlns="" w="9525">
+                <a14:hiddenLine xmlns="" xmlns:a14="http://schemas.microsoft.com/office/drawing/2010/main" w="9525">
                   <a:solidFill>
                     <a:srgbClr val="000000"/>
                   </a:solidFill>
@@ -6289,7 +6459,7 @@
             </a:ln>
             <a:extLst>
               <a:ext uri="{91240B29-F687-4f45-9708-019B960494DF}">
-                <a14:hiddenLine xmlns:a14="http://schemas.microsoft.com/office/drawing/2010/main" xmlns="" w="9525">
+                <a14:hiddenLine xmlns="" xmlns:a14="http://schemas.microsoft.com/office/drawing/2010/main" w="9525">
                   <a:solidFill>
                     <a:srgbClr val="000000"/>
                   </a:solidFill>
@@ -6351,7 +6521,7 @@
             </a:ln>
             <a:extLst>
               <a:ext uri="{91240B29-F687-4f45-9708-019B960494DF}">
-                <a14:hiddenLine xmlns:a14="http://schemas.microsoft.com/office/drawing/2010/main" xmlns="" w="9525">
+                <a14:hiddenLine xmlns="" xmlns:a14="http://schemas.microsoft.com/office/drawing/2010/main" w="9525">
                   <a:solidFill>
                     <a:srgbClr val="000000"/>
                   </a:solidFill>
@@ -6441,7 +6611,7 @@
             </a:ln>
             <a:extLst>
               <a:ext uri="{91240B29-F687-4f45-9708-019B960494DF}">
-                <a14:hiddenLine xmlns:a14="http://schemas.microsoft.com/office/drawing/2010/main" xmlns="" w="9525">
+                <a14:hiddenLine xmlns="" xmlns:a14="http://schemas.microsoft.com/office/drawing/2010/main" w="9525">
                   <a:solidFill>
                     <a:srgbClr val="000000"/>
                   </a:solidFill>
@@ -6475,7 +6645,7 @@
             </a:ln>
             <a:extLst>
               <a:ext uri="{91240B29-F687-4f45-9708-019B960494DF}">
-                <a14:hiddenLine xmlns:a14="http://schemas.microsoft.com/office/drawing/2010/main" xmlns="" w="9525">
+                <a14:hiddenLine xmlns="" xmlns:a14="http://schemas.microsoft.com/office/drawing/2010/main" w="9525">
                   <a:solidFill>
                     <a:srgbClr val="000000"/>
                   </a:solidFill>
@@ -6540,7 +6710,7 @@
             </a:ln>
             <a:extLst>
               <a:ext uri="{91240B29-F687-4f45-9708-019B960494DF}">
-                <a14:hiddenLine xmlns:a14="http://schemas.microsoft.com/office/drawing/2010/main" xmlns="" w="9525">
+                <a14:hiddenLine xmlns="" xmlns:a14="http://schemas.microsoft.com/office/drawing/2010/main" w="9525">
                   <a:solidFill>
                     <a:srgbClr val="000000"/>
                   </a:solidFill>
@@ -6630,7 +6800,7 @@
             </a:ln>
             <a:extLst>
               <a:ext uri="{91240B29-F687-4f45-9708-019B960494DF}">
-                <a14:hiddenLine xmlns:a14="http://schemas.microsoft.com/office/drawing/2010/main" xmlns="" w="9525">
+                <a14:hiddenLine xmlns="" xmlns:a14="http://schemas.microsoft.com/office/drawing/2010/main" w="9525">
                   <a:solidFill>
                     <a:srgbClr val="000000"/>
                   </a:solidFill>
@@ -6692,7 +6862,7 @@
             </a:ln>
             <a:extLst>
               <a:ext uri="{91240B29-F687-4f45-9708-019B960494DF}">
-                <a14:hiddenLine xmlns:a14="http://schemas.microsoft.com/office/drawing/2010/main" xmlns="" w="9525">
+                <a14:hiddenLine xmlns="" xmlns:a14="http://schemas.microsoft.com/office/drawing/2010/main" w="9525">
                   <a:solidFill>
                     <a:srgbClr val="000000"/>
                   </a:solidFill>
@@ -6782,7 +6952,7 @@
             </a:ln>
             <a:extLst>
               <a:ext uri="{91240B29-F687-4f45-9708-019B960494DF}">
-                <a14:hiddenLine xmlns:a14="http://schemas.microsoft.com/office/drawing/2010/main" xmlns="" w="9525">
+                <a14:hiddenLine xmlns="" xmlns:a14="http://schemas.microsoft.com/office/drawing/2010/main" w="9525">
                   <a:solidFill>
                     <a:srgbClr val="000000"/>
                   </a:solidFill>
@@ -6872,7 +7042,7 @@
             </a:ln>
             <a:extLst>
               <a:ext uri="{91240B29-F687-4f45-9708-019B960494DF}">
-                <a14:hiddenLine xmlns:a14="http://schemas.microsoft.com/office/drawing/2010/main" xmlns="" w="9525">
+                <a14:hiddenLine xmlns="" xmlns:a14="http://schemas.microsoft.com/office/drawing/2010/main" w="9525">
                   <a:solidFill>
                     <a:srgbClr val="000000"/>
                   </a:solidFill>
@@ -6937,7 +7107,7 @@
             </a:ln>
             <a:extLst>
               <a:ext uri="{91240B29-F687-4f45-9708-019B960494DF}">
-                <a14:hiddenLine xmlns:a14="http://schemas.microsoft.com/office/drawing/2010/main" xmlns="" w="9525">
+                <a14:hiddenLine xmlns="" xmlns:a14="http://schemas.microsoft.com/office/drawing/2010/main" w="9525">
                   <a:solidFill>
                     <a:srgbClr val="000000"/>
                   </a:solidFill>
@@ -6999,7 +7169,7 @@
             </a:ln>
             <a:extLst>
               <a:ext uri="{91240B29-F687-4f45-9708-019B960494DF}">
-                <a14:hiddenLine xmlns:a14="http://schemas.microsoft.com/office/drawing/2010/main" xmlns="" w="9525">
+                <a14:hiddenLine xmlns="" xmlns:a14="http://schemas.microsoft.com/office/drawing/2010/main" w="9525">
                   <a:solidFill>
                     <a:srgbClr val="000000"/>
                   </a:solidFill>
@@ -7089,7 +7259,7 @@
             </a:ln>
             <a:extLst>
               <a:ext uri="{91240B29-F687-4f45-9708-019B960494DF}">
-                <a14:hiddenLine xmlns:a14="http://schemas.microsoft.com/office/drawing/2010/main" xmlns="" w="9525">
+                <a14:hiddenLine xmlns="" xmlns:a14="http://schemas.microsoft.com/office/drawing/2010/main" w="9525">
                   <a:solidFill>
                     <a:srgbClr val="000000"/>
                   </a:solidFill>
@@ -7179,7 +7349,7 @@
             </a:ln>
             <a:extLst>
               <a:ext uri="{91240B29-F687-4f45-9708-019B960494DF}">
-                <a14:hiddenLine xmlns:a14="http://schemas.microsoft.com/office/drawing/2010/main" xmlns="" w="9525">
+                <a14:hiddenLine xmlns="" xmlns:a14="http://schemas.microsoft.com/office/drawing/2010/main" w="9525">
                   <a:solidFill>
                     <a:srgbClr val="000000"/>
                   </a:solidFill>
@@ -7241,7 +7411,7 @@
             </a:ln>
             <a:extLst>
               <a:ext uri="{91240B29-F687-4f45-9708-019B960494DF}">
-                <a14:hiddenLine xmlns:a14="http://schemas.microsoft.com/office/drawing/2010/main" xmlns="" w="9525">
+                <a14:hiddenLine xmlns="" xmlns:a14="http://schemas.microsoft.com/office/drawing/2010/main" w="9525">
                   <a:solidFill>
                     <a:srgbClr val="000000"/>
                   </a:solidFill>
@@ -7361,7 +7531,7 @@
             </a:ln>
             <a:extLst>
               <a:ext uri="{91240B29-F687-4f45-9708-019B960494DF}">
-                <a14:hiddenLine xmlns:a14="http://schemas.microsoft.com/office/drawing/2010/main" xmlns="" w="9525">
+                <a14:hiddenLine xmlns="" xmlns:a14="http://schemas.microsoft.com/office/drawing/2010/main" w="9525">
                   <a:solidFill>
                     <a:srgbClr val="000000"/>
                   </a:solidFill>
@@ -7429,7 +7599,7 @@
             </a:ln>
             <a:extLst>
               <a:ext uri="{91240B29-F687-4f45-9708-019B960494DF}">
-                <a14:hiddenLine xmlns:a14="http://schemas.microsoft.com/office/drawing/2010/main" xmlns="" w="9525">
+                <a14:hiddenLine xmlns="" xmlns:a14="http://schemas.microsoft.com/office/drawing/2010/main" w="9525">
                   <a:solidFill>
                     <a:srgbClr val="000000"/>
                   </a:solidFill>
@@ -7519,7 +7689,7 @@
             </a:ln>
             <a:extLst>
               <a:ext uri="{91240B29-F687-4f45-9708-019B960494DF}">
-                <a14:hiddenLine xmlns:a14="http://schemas.microsoft.com/office/drawing/2010/main" xmlns="" w="9525">
+                <a14:hiddenLine xmlns="" xmlns:a14="http://schemas.microsoft.com/office/drawing/2010/main" w="9525">
                   <a:solidFill>
                     <a:srgbClr val="000000"/>
                   </a:solidFill>
@@ -12326,7 +12496,7 @@
           <a:noFill/>
           <a:extLst>
             <a:ext uri="{909E8E84-426E-40dd-AFC4-6F175D3DCCD1}">
-              <a14:hiddenFill xmlns:a14="http://schemas.microsoft.com/office/drawing/2010/main" xmlns="">
+              <a14:hiddenFill xmlns="" xmlns:a14="http://schemas.microsoft.com/office/drawing/2010/main">
                 <a:solidFill>
                   <a:srgbClr val="FFFFFF"/>
                 </a:solidFill>
@@ -12400,7 +12570,7 @@
               </a:ln>
               <a:extLst>
                 <a:ext uri="{91240B29-F687-4f45-9708-019B960494DF}">
-                  <a14:hiddenLine xmlns:a14="http://schemas.microsoft.com/office/drawing/2010/main" xmlns="" w="9525">
+                  <a14:hiddenLine xmlns="" xmlns:a14="http://schemas.microsoft.com/office/drawing/2010/main" w="9525">
                     <a:solidFill>
                       <a:srgbClr val="000000"/>
                     </a:solidFill>
@@ -12490,7 +12660,7 @@
               </a:ln>
               <a:extLst>
                 <a:ext uri="{91240B29-F687-4f45-9708-019B960494DF}">
-                  <a14:hiddenLine xmlns:a14="http://schemas.microsoft.com/office/drawing/2010/main" xmlns="" w="9525">
+                  <a14:hiddenLine xmlns="" xmlns:a14="http://schemas.microsoft.com/office/drawing/2010/main" w="9525">
                     <a:solidFill>
                       <a:srgbClr val="000000"/>
                     </a:solidFill>
@@ -12580,7 +12750,7 @@
               </a:ln>
               <a:extLst>
                 <a:ext uri="{91240B29-F687-4f45-9708-019B960494DF}">
-                  <a14:hiddenLine xmlns:a14="http://schemas.microsoft.com/office/drawing/2010/main" xmlns="" w="9525">
+                  <a14:hiddenLine xmlns="" xmlns:a14="http://schemas.microsoft.com/office/drawing/2010/main" w="9525">
                     <a:solidFill>
                       <a:srgbClr val="000000"/>
                     </a:solidFill>
@@ -12642,7 +12812,7 @@
               </a:ln>
               <a:extLst>
                 <a:ext uri="{91240B29-F687-4f45-9708-019B960494DF}">
-                  <a14:hiddenLine xmlns:a14="http://schemas.microsoft.com/office/drawing/2010/main" xmlns="" w="9525">
+                  <a14:hiddenLine xmlns="" xmlns:a14="http://schemas.microsoft.com/office/drawing/2010/main" w="9525">
                     <a:solidFill>
                       <a:srgbClr val="000000"/>
                     </a:solidFill>
@@ -12732,7 +12902,7 @@
               </a:ln>
               <a:extLst>
                 <a:ext uri="{91240B29-F687-4f45-9708-019B960494DF}">
-                  <a14:hiddenLine xmlns:a14="http://schemas.microsoft.com/office/drawing/2010/main" xmlns="" w="9525">
+                  <a14:hiddenLine xmlns="" xmlns:a14="http://schemas.microsoft.com/office/drawing/2010/main" w="9525">
                     <a:solidFill>
                       <a:srgbClr val="000000"/>
                     </a:solidFill>
@@ -12794,7 +12964,7 @@
               </a:ln>
               <a:extLst>
                 <a:ext uri="{91240B29-F687-4f45-9708-019B960494DF}">
-                  <a14:hiddenLine xmlns:a14="http://schemas.microsoft.com/office/drawing/2010/main" xmlns="" w="9525">
+                  <a14:hiddenLine xmlns="" xmlns:a14="http://schemas.microsoft.com/office/drawing/2010/main" w="9525">
                     <a:solidFill>
                       <a:srgbClr val="000000"/>
                     </a:solidFill>
@@ -12856,7 +13026,7 @@
               </a:ln>
               <a:extLst>
                 <a:ext uri="{91240B29-F687-4f45-9708-019B960494DF}">
-                  <a14:hiddenLine xmlns:a14="http://schemas.microsoft.com/office/drawing/2010/main" xmlns="" w="9525">
+                  <a14:hiddenLine xmlns="" xmlns:a14="http://schemas.microsoft.com/office/drawing/2010/main" w="9525">
                     <a:solidFill>
                       <a:srgbClr val="000000"/>
                     </a:solidFill>
@@ -12946,7 +13116,7 @@
               </a:ln>
               <a:extLst>
                 <a:ext uri="{91240B29-F687-4f45-9708-019B960494DF}">
-                  <a14:hiddenLine xmlns:a14="http://schemas.microsoft.com/office/drawing/2010/main" xmlns="" w="9525">
+                  <a14:hiddenLine xmlns="" xmlns:a14="http://schemas.microsoft.com/office/drawing/2010/main" w="9525">
                     <a:solidFill>
                       <a:srgbClr val="000000"/>
                     </a:solidFill>
@@ -13036,7 +13206,7 @@
               </a:ln>
               <a:extLst>
                 <a:ext uri="{91240B29-F687-4f45-9708-019B960494DF}">
-                  <a14:hiddenLine xmlns:a14="http://schemas.microsoft.com/office/drawing/2010/main" xmlns="" w="9525">
+                  <a14:hiddenLine xmlns="" xmlns:a14="http://schemas.microsoft.com/office/drawing/2010/main" w="9525">
                     <a:solidFill>
                       <a:srgbClr val="000000"/>
                     </a:solidFill>
@@ -13098,7 +13268,7 @@
               </a:ln>
               <a:extLst>
                 <a:ext uri="{91240B29-F687-4f45-9708-019B960494DF}">
-                  <a14:hiddenLine xmlns:a14="http://schemas.microsoft.com/office/drawing/2010/main" xmlns="" w="9525">
+                  <a14:hiddenLine xmlns="" xmlns:a14="http://schemas.microsoft.com/office/drawing/2010/main" w="9525">
                     <a:solidFill>
                       <a:srgbClr val="000000"/>
                     </a:solidFill>
@@ -13208,7 +13378,7 @@
               </a:ln>
               <a:extLst>
                 <a:ext uri="{91240B29-F687-4f45-9708-019B960494DF}">
-                  <a14:hiddenLine xmlns:a14="http://schemas.microsoft.com/office/drawing/2010/main" xmlns="" w="9525">
+                  <a14:hiddenLine xmlns="" xmlns:a14="http://schemas.microsoft.com/office/drawing/2010/main" w="9525">
                     <a:solidFill>
                       <a:srgbClr val="000000"/>
                     </a:solidFill>
@@ -13292,7 +13462,7 @@
               </a:ln>
               <a:extLst>
                 <a:ext uri="{91240B29-F687-4f45-9708-019B960494DF}">
-                  <a14:hiddenLine xmlns:a14="http://schemas.microsoft.com/office/drawing/2010/main" xmlns="" w="9525">
+                  <a14:hiddenLine xmlns="" xmlns:a14="http://schemas.microsoft.com/office/drawing/2010/main" w="9525">
                     <a:solidFill>
                       <a:srgbClr val="000000"/>
                     </a:solidFill>
@@ -13354,7 +13524,7 @@
               </a:ln>
               <a:extLst>
                 <a:ext uri="{91240B29-F687-4f45-9708-019B960494DF}">
-                  <a14:hiddenLine xmlns:a14="http://schemas.microsoft.com/office/drawing/2010/main" xmlns="" w="9525">
+                  <a14:hiddenLine xmlns="" xmlns:a14="http://schemas.microsoft.com/office/drawing/2010/main" w="9525">
                     <a:solidFill>
                       <a:srgbClr val="000000"/>
                     </a:solidFill>
@@ -13416,7 +13586,7 @@
               </a:ln>
               <a:extLst>
                 <a:ext uri="{91240B29-F687-4f45-9708-019B960494DF}">
-                  <a14:hiddenLine xmlns:a14="http://schemas.microsoft.com/office/drawing/2010/main" xmlns="" w="9525">
+                  <a14:hiddenLine xmlns="" xmlns:a14="http://schemas.microsoft.com/office/drawing/2010/main" w="9525">
                     <a:solidFill>
                       <a:srgbClr val="000000"/>
                     </a:solidFill>
@@ -13506,7 +13676,7 @@
               </a:ln>
               <a:extLst>
                 <a:ext uri="{91240B29-F687-4f45-9708-019B960494DF}">
-                  <a14:hiddenLine xmlns:a14="http://schemas.microsoft.com/office/drawing/2010/main" xmlns="" w="9525">
+                  <a14:hiddenLine xmlns="" xmlns:a14="http://schemas.microsoft.com/office/drawing/2010/main" w="9525">
                     <a:solidFill>
                       <a:srgbClr val="000000"/>
                     </a:solidFill>
@@ -13540,7 +13710,7 @@
               </a:ln>
               <a:extLst>
                 <a:ext uri="{91240B29-F687-4f45-9708-019B960494DF}">
-                  <a14:hiddenLine xmlns:a14="http://schemas.microsoft.com/office/drawing/2010/main" xmlns="" w="9525">
+                  <a14:hiddenLine xmlns="" xmlns:a14="http://schemas.microsoft.com/office/drawing/2010/main" w="9525">
                     <a:solidFill>
                       <a:srgbClr val="000000"/>
                     </a:solidFill>
@@ -13605,7 +13775,7 @@
               </a:ln>
               <a:extLst>
                 <a:ext uri="{91240B29-F687-4f45-9708-019B960494DF}">
-                  <a14:hiddenLine xmlns:a14="http://schemas.microsoft.com/office/drawing/2010/main" xmlns="" w="9525">
+                  <a14:hiddenLine xmlns="" xmlns:a14="http://schemas.microsoft.com/office/drawing/2010/main" w="9525">
                     <a:solidFill>
                       <a:srgbClr val="000000"/>
                     </a:solidFill>
@@ -13695,7 +13865,7 @@
               </a:ln>
               <a:extLst>
                 <a:ext uri="{91240B29-F687-4f45-9708-019B960494DF}">
-                  <a14:hiddenLine xmlns:a14="http://schemas.microsoft.com/office/drawing/2010/main" xmlns="" w="9525">
+                  <a14:hiddenLine xmlns="" xmlns:a14="http://schemas.microsoft.com/office/drawing/2010/main" w="9525">
                     <a:solidFill>
                       <a:srgbClr val="000000"/>
                     </a:solidFill>
@@ -13757,7 +13927,7 @@
               </a:ln>
               <a:extLst>
                 <a:ext uri="{91240B29-F687-4f45-9708-019B960494DF}">
-                  <a14:hiddenLine xmlns:a14="http://schemas.microsoft.com/office/drawing/2010/main" xmlns="" w="9525">
+                  <a14:hiddenLine xmlns="" xmlns:a14="http://schemas.microsoft.com/office/drawing/2010/main" w="9525">
                     <a:solidFill>
                       <a:srgbClr val="000000"/>
                     </a:solidFill>
@@ -13847,7 +14017,7 @@
               </a:ln>
               <a:extLst>
                 <a:ext uri="{91240B29-F687-4f45-9708-019B960494DF}">
-                  <a14:hiddenLine xmlns:a14="http://schemas.microsoft.com/office/drawing/2010/main" xmlns="" w="9525">
+                  <a14:hiddenLine xmlns="" xmlns:a14="http://schemas.microsoft.com/office/drawing/2010/main" w="9525">
                     <a:solidFill>
                       <a:srgbClr val="000000"/>
                     </a:solidFill>
@@ -13912,7 +14082,7 @@
               </a:ln>
               <a:extLst>
                 <a:ext uri="{91240B29-F687-4f45-9708-019B960494DF}">
-                  <a14:hiddenLine xmlns:a14="http://schemas.microsoft.com/office/drawing/2010/main" xmlns="" w="9525">
+                  <a14:hiddenLine xmlns="" xmlns:a14="http://schemas.microsoft.com/office/drawing/2010/main" w="9525">
                     <a:solidFill>
                       <a:srgbClr val="000000"/>
                     </a:solidFill>
@@ -13974,7 +14144,7 @@
               </a:ln>
               <a:extLst>
                 <a:ext uri="{91240B29-F687-4f45-9708-019B960494DF}">
-                  <a14:hiddenLine xmlns:a14="http://schemas.microsoft.com/office/drawing/2010/main" xmlns="" w="9525">
+                  <a14:hiddenLine xmlns="" xmlns:a14="http://schemas.microsoft.com/office/drawing/2010/main" w="9525">
                     <a:solidFill>
                       <a:srgbClr val="000000"/>
                     </a:solidFill>
@@ -14064,7 +14234,7 @@
               </a:ln>
               <a:extLst>
                 <a:ext uri="{91240B29-F687-4f45-9708-019B960494DF}">
-                  <a14:hiddenLine xmlns:a14="http://schemas.microsoft.com/office/drawing/2010/main" xmlns="" w="9525">
+                  <a14:hiddenLine xmlns="" xmlns:a14="http://schemas.microsoft.com/office/drawing/2010/main" w="9525">
                     <a:solidFill>
                       <a:srgbClr val="000000"/>
                     </a:solidFill>
@@ -14154,7 +14324,7 @@
               </a:ln>
               <a:extLst>
                 <a:ext uri="{91240B29-F687-4f45-9708-019B960494DF}">
-                  <a14:hiddenLine xmlns:a14="http://schemas.microsoft.com/office/drawing/2010/main" xmlns="" w="9525">
+                  <a14:hiddenLine xmlns="" xmlns:a14="http://schemas.microsoft.com/office/drawing/2010/main" w="9525">
                     <a:solidFill>
                       <a:srgbClr val="000000"/>
                     </a:solidFill>
@@ -14219,7 +14389,7 @@
               </a:ln>
               <a:extLst>
                 <a:ext uri="{91240B29-F687-4f45-9708-019B960494DF}">
-                  <a14:hiddenLine xmlns:a14="http://schemas.microsoft.com/office/drawing/2010/main" xmlns="" w="9525">
+                  <a14:hiddenLine xmlns="" xmlns:a14="http://schemas.microsoft.com/office/drawing/2010/main" w="9525">
                     <a:solidFill>
                       <a:srgbClr val="000000"/>
                     </a:solidFill>
@@ -14339,7 +14509,7 @@
               </a:ln>
               <a:extLst>
                 <a:ext uri="{91240B29-F687-4f45-9708-019B960494DF}">
-                  <a14:hiddenLine xmlns:a14="http://schemas.microsoft.com/office/drawing/2010/main" xmlns="" w="9525">
+                  <a14:hiddenLine xmlns="" xmlns:a14="http://schemas.microsoft.com/office/drawing/2010/main" w="9525">
                     <a:solidFill>
                       <a:srgbClr val="000000"/>
                     </a:solidFill>
@@ -14437,7 +14607,7 @@
               </a:ln>
               <a:extLst>
                 <a:ext uri="{91240B29-F687-4f45-9708-019B960494DF}">
-                  <a14:hiddenLine xmlns:a14="http://schemas.microsoft.com/office/drawing/2010/main" xmlns="" w="9525">
+                  <a14:hiddenLine xmlns="" xmlns:a14="http://schemas.microsoft.com/office/drawing/2010/main" w="9525">
                     <a:solidFill>
                       <a:srgbClr val="000000"/>
                     </a:solidFill>
@@ -14552,7 +14722,7 @@
               </a:ln>
               <a:extLst>
                 <a:ext uri="{91240B29-F687-4f45-9708-019B960494DF}">
-                  <a14:hiddenLine xmlns:a14="http://schemas.microsoft.com/office/drawing/2010/main" xmlns="" w="9525">
+                  <a14:hiddenLine xmlns="" xmlns:a14="http://schemas.microsoft.com/office/drawing/2010/main" w="9525">
                     <a:solidFill>
                       <a:srgbClr val="000000"/>
                     </a:solidFill>
@@ -14642,7 +14812,7 @@
               </a:ln>
               <a:extLst>
                 <a:ext uri="{91240B29-F687-4f45-9708-019B960494DF}">
-                  <a14:hiddenLine xmlns:a14="http://schemas.microsoft.com/office/drawing/2010/main" xmlns="" w="9525">
+                  <a14:hiddenLine xmlns="" xmlns:a14="http://schemas.microsoft.com/office/drawing/2010/main" w="9525">
                     <a:solidFill>
                       <a:srgbClr val="000000"/>
                     </a:solidFill>
@@ -14707,7 +14877,7 @@
               </a:ln>
               <a:extLst>
                 <a:ext uri="{91240B29-F687-4f45-9708-019B960494DF}">
-                  <a14:hiddenLine xmlns:a14="http://schemas.microsoft.com/office/drawing/2010/main" xmlns="" w="9525">
+                  <a14:hiddenLine xmlns="" xmlns:a14="http://schemas.microsoft.com/office/drawing/2010/main" w="9525">
                     <a:solidFill>
                       <a:srgbClr val="000000"/>
                     </a:solidFill>
@@ -14797,7 +14967,7 @@
               </a:ln>
               <a:extLst>
                 <a:ext uri="{91240B29-F687-4f45-9708-019B960494DF}">
-                  <a14:hiddenLine xmlns:a14="http://schemas.microsoft.com/office/drawing/2010/main" xmlns="" w="9525">
+                  <a14:hiddenLine xmlns="" xmlns:a14="http://schemas.microsoft.com/office/drawing/2010/main" w="9525">
                     <a:solidFill>
                       <a:srgbClr val="000000"/>
                     </a:solidFill>
@@ -14865,7 +15035,7 @@
               </a:ln>
               <a:extLst>
                 <a:ext uri="{91240B29-F687-4f45-9708-019B960494DF}">
-                  <a14:hiddenLine xmlns:a14="http://schemas.microsoft.com/office/drawing/2010/main" xmlns="" w="9525">
+                  <a14:hiddenLine xmlns="" xmlns:a14="http://schemas.microsoft.com/office/drawing/2010/main" w="9525">
                     <a:solidFill>
                       <a:srgbClr val="000000"/>
                     </a:solidFill>
@@ -14955,7 +15125,7 @@
               </a:ln>
               <a:extLst>
                 <a:ext uri="{91240B29-F687-4f45-9708-019B960494DF}">
-                  <a14:hiddenLine xmlns:a14="http://schemas.microsoft.com/office/drawing/2010/main" xmlns="" w="9525">
+                  <a14:hiddenLine xmlns="" xmlns:a14="http://schemas.microsoft.com/office/drawing/2010/main" w="9525">
                     <a:solidFill>
                       <a:srgbClr val="000000"/>
                     </a:solidFill>
@@ -15023,7 +15193,7 @@
               </a:ln>
               <a:extLst>
                 <a:ext uri="{91240B29-F687-4f45-9708-019B960494DF}">
-                  <a14:hiddenLine xmlns:a14="http://schemas.microsoft.com/office/drawing/2010/main" xmlns="" w="9525">
+                  <a14:hiddenLine xmlns="" xmlns:a14="http://schemas.microsoft.com/office/drawing/2010/main" w="9525">
                     <a:solidFill>
                       <a:srgbClr val="000000"/>
                     </a:solidFill>
@@ -15113,7 +15283,7 @@
               </a:ln>
               <a:extLst>
                 <a:ext uri="{91240B29-F687-4f45-9708-019B960494DF}">
-                  <a14:hiddenLine xmlns:a14="http://schemas.microsoft.com/office/drawing/2010/main" xmlns="" w="9525">
+                  <a14:hiddenLine xmlns="" xmlns:a14="http://schemas.microsoft.com/office/drawing/2010/main" w="9525">
                     <a:solidFill>
                       <a:srgbClr val="000000"/>
                     </a:solidFill>
@@ -15147,7 +15317,7 @@
               </a:ln>
               <a:extLst>
                 <a:ext uri="{91240B29-F687-4f45-9708-019B960494DF}">
-                  <a14:hiddenLine xmlns:a14="http://schemas.microsoft.com/office/drawing/2010/main" xmlns="" w="9525">
+                  <a14:hiddenLine xmlns="" xmlns:a14="http://schemas.microsoft.com/office/drawing/2010/main" w="9525">
                     <a:solidFill>
                       <a:srgbClr val="000000"/>
                     </a:solidFill>
@@ -15943,6 +16113,506 @@
       </p:grpSpPr>
       <p:pic>
         <p:nvPicPr>
+          <p:cNvPr id="1026" name="Picture 2" descr="Docker Logo , symbol, meaning, history, PNG, brand">
+            <a:extLst>
+              <a:ext uri="{FF2B5EF4-FFF2-40B4-BE49-F238E27FC236}">
+                <a16:creationId xmlns:a16="http://schemas.microsoft.com/office/drawing/2014/main" id="{5E75ABEE-04E0-4947-F07C-8250EE38D896}"/>
+              </a:ext>
+            </a:extLst>
+          </p:cNvPr>
+          <p:cNvPicPr>
+            <a:picLocks noChangeAspect="1" noChangeArrowheads="1"/>
+          </p:cNvPicPr>
+          <p:nvPr/>
+        </p:nvPicPr>
+        <p:blipFill>
+          <a:blip r:embed="rId2">
+            <a:extLst>
+              <a:ext uri="{28A0092B-C50C-407E-A947-70E740481C1C}">
+                <a14:useLocalDpi xmlns:a14="http://schemas.microsoft.com/office/drawing/2010/main" val="0"/>
+              </a:ext>
+            </a:extLst>
+          </a:blip>
+          <a:srcRect/>
+          <a:stretch>
+            <a:fillRect/>
+          </a:stretch>
+        </p:blipFill>
+        <p:spPr bwMode="auto">
+          <a:xfrm>
+            <a:off x="375818" y="803240"/>
+            <a:ext cx="2335388" cy="1313656"/>
+          </a:xfrm>
+          <a:prstGeom prst="rect">
+            <a:avLst/>
+          </a:prstGeom>
+          <a:noFill/>
+          <a:extLst>
+            <a:ext uri="{909E8E84-426E-40DD-AFC4-6F175D3DCCD1}">
+              <a14:hiddenFill xmlns:a14="http://schemas.microsoft.com/office/drawing/2010/main">
+                <a:solidFill>
+                  <a:srgbClr val="FFFFFF"/>
+                </a:solidFill>
+              </a14:hiddenFill>
+            </a:ext>
+          </a:extLst>
+        </p:spPr>
+      </p:pic>
+      <p:pic>
+        <p:nvPicPr>
+          <p:cNvPr id="1030" name="Picture 6" descr="Google Cloud&quot; Icon - Download for free – Iconduck">
+            <a:extLst>
+              <a:ext uri="{FF2B5EF4-FFF2-40B4-BE49-F238E27FC236}">
+                <a16:creationId xmlns:a16="http://schemas.microsoft.com/office/drawing/2014/main" id="{7B8DF099-CB27-5C33-9580-9B99E88A420F}"/>
+              </a:ext>
+            </a:extLst>
+          </p:cNvPr>
+          <p:cNvPicPr>
+            <a:picLocks noChangeAspect="1" noChangeArrowheads="1"/>
+          </p:cNvPicPr>
+          <p:nvPr/>
+        </p:nvPicPr>
+        <p:blipFill>
+          <a:blip r:embed="rId3">
+            <a:extLst>
+              <a:ext uri="{28A0092B-C50C-407E-A947-70E740481C1C}">
+                <a14:useLocalDpi xmlns:a14="http://schemas.microsoft.com/office/drawing/2010/main" val="0"/>
+              </a:ext>
+            </a:extLst>
+          </a:blip>
+          <a:srcRect/>
+          <a:stretch>
+            <a:fillRect/>
+          </a:stretch>
+        </p:blipFill>
+        <p:spPr bwMode="auto">
+          <a:xfrm>
+            <a:off x="3117922" y="944802"/>
+            <a:ext cx="1375514" cy="1105528"/>
+          </a:xfrm>
+          <a:prstGeom prst="rect">
+            <a:avLst/>
+          </a:prstGeom>
+          <a:noFill/>
+          <a:extLst>
+            <a:ext uri="{909E8E84-426E-40DD-AFC4-6F175D3DCCD1}">
+              <a14:hiddenFill xmlns:a14="http://schemas.microsoft.com/office/drawing/2010/main">
+                <a:solidFill>
+                  <a:srgbClr val="FFFFFF"/>
+                </a:solidFill>
+              </a14:hiddenFill>
+            </a:ext>
+          </a:extLst>
+        </p:spPr>
+      </p:pic>
+      <p:pic>
+        <p:nvPicPr>
+          <p:cNvPr id="1032" name="Picture 8" descr="openai&quot; Icon - Download for free – Iconduck">
+            <a:extLst>
+              <a:ext uri="{FF2B5EF4-FFF2-40B4-BE49-F238E27FC236}">
+                <a16:creationId xmlns:a16="http://schemas.microsoft.com/office/drawing/2014/main" id="{C7EF2D7C-18B9-BD8E-DE9B-490CD1AE2FE9}"/>
+              </a:ext>
+            </a:extLst>
+          </p:cNvPr>
+          <p:cNvPicPr>
+            <a:picLocks noChangeAspect="1" noChangeArrowheads="1"/>
+          </p:cNvPicPr>
+          <p:nvPr/>
+        </p:nvPicPr>
+        <p:blipFill>
+          <a:blip r:embed="rId4">
+            <a:extLst>
+              <a:ext uri="{28A0092B-C50C-407E-A947-70E740481C1C}">
+                <a14:useLocalDpi xmlns:a14="http://schemas.microsoft.com/office/drawing/2010/main" val="0"/>
+              </a:ext>
+            </a:extLst>
+          </a:blip>
+          <a:srcRect/>
+          <a:stretch>
+            <a:fillRect/>
+          </a:stretch>
+        </p:blipFill>
+        <p:spPr bwMode="auto">
+          <a:xfrm>
+            <a:off x="5327807" y="872707"/>
+            <a:ext cx="1227773" cy="1244189"/>
+          </a:xfrm>
+          <a:prstGeom prst="rect">
+            <a:avLst/>
+          </a:prstGeom>
+          <a:noFill/>
+          <a:extLst>
+            <a:ext uri="{909E8E84-426E-40DD-AFC4-6F175D3DCCD1}">
+              <a14:hiddenFill xmlns:a14="http://schemas.microsoft.com/office/drawing/2010/main">
+                <a:solidFill>
+                  <a:srgbClr val="FFFFFF"/>
+                </a:solidFill>
+              </a14:hiddenFill>
+            </a:ext>
+          </a:extLst>
+        </p:spPr>
+      </p:pic>
+      <p:pic>
+        <p:nvPicPr>
+          <p:cNvPr id="1034" name="Picture 10" descr="GitHub - bridgecrewio/checkov: Prevent cloud misconfigurations and find  vulnerabilities during build-time in infrastructure as code, container  images and open source packages with Checkov by Bridgecrew.">
+            <a:extLst>
+              <a:ext uri="{FF2B5EF4-FFF2-40B4-BE49-F238E27FC236}">
+                <a16:creationId xmlns:a16="http://schemas.microsoft.com/office/drawing/2014/main" id="{2635F529-5812-EAC9-B05E-1466EA59E0A8}"/>
+              </a:ext>
+            </a:extLst>
+          </p:cNvPr>
+          <p:cNvPicPr>
+            <a:picLocks noChangeAspect="1" noChangeArrowheads="1"/>
+          </p:cNvPicPr>
+          <p:nvPr/>
+        </p:nvPicPr>
+        <p:blipFill>
+          <a:blip r:embed="rId5">
+            <a:extLst>
+              <a:ext uri="{28A0092B-C50C-407E-A947-70E740481C1C}">
+                <a14:useLocalDpi xmlns:a14="http://schemas.microsoft.com/office/drawing/2010/main" val="0"/>
+              </a:ext>
+            </a:extLst>
+          </a:blip>
+          <a:srcRect/>
+          <a:stretch>
+            <a:fillRect/>
+          </a:stretch>
+        </p:blipFill>
+        <p:spPr bwMode="auto">
+          <a:xfrm>
+            <a:off x="2565087" y="4850617"/>
+            <a:ext cx="2828925" cy="952500"/>
+          </a:xfrm>
+          <a:prstGeom prst="rect">
+            <a:avLst/>
+          </a:prstGeom>
+          <a:noFill/>
+          <a:extLst>
+            <a:ext uri="{909E8E84-426E-40DD-AFC4-6F175D3DCCD1}">
+              <a14:hiddenFill xmlns:a14="http://schemas.microsoft.com/office/drawing/2010/main">
+                <a:solidFill>
+                  <a:srgbClr val="FFFFFF"/>
+                </a:solidFill>
+              </a14:hiddenFill>
+            </a:ext>
+          </a:extLst>
+        </p:spPr>
+      </p:pic>
+      <p:pic>
+        <p:nvPicPr>
+          <p:cNvPr id="1036" name="Picture 12" descr="How to Download Microsoft Azure Architecture Icons? | Arun Potti's Power  Platform blog">
+            <a:extLst>
+              <a:ext uri="{FF2B5EF4-FFF2-40B4-BE49-F238E27FC236}">
+                <a16:creationId xmlns:a16="http://schemas.microsoft.com/office/drawing/2014/main" id="{E84B497A-2D4A-EF41-42C5-4103886750A3}"/>
+              </a:ext>
+            </a:extLst>
+          </p:cNvPr>
+          <p:cNvPicPr>
+            <a:picLocks noChangeAspect="1" noChangeArrowheads="1"/>
+          </p:cNvPicPr>
+          <p:nvPr/>
+        </p:nvPicPr>
+        <p:blipFill>
+          <a:blip r:embed="rId6">
+            <a:extLst>
+              <a:ext uri="{28A0092B-C50C-407E-A947-70E740481C1C}">
+                <a14:useLocalDpi xmlns:a14="http://schemas.microsoft.com/office/drawing/2010/main" val="0"/>
+              </a:ext>
+            </a:extLst>
+          </a:blip>
+          <a:srcRect/>
+          <a:stretch>
+            <a:fillRect/>
+          </a:stretch>
+        </p:blipFill>
+        <p:spPr bwMode="auto">
+          <a:xfrm>
+            <a:off x="7575156" y="816062"/>
+            <a:ext cx="1382626" cy="1382626"/>
+          </a:xfrm>
+          <a:prstGeom prst="rect">
+            <a:avLst/>
+          </a:prstGeom>
+          <a:noFill/>
+          <a:extLst>
+            <a:ext uri="{909E8E84-426E-40DD-AFC4-6F175D3DCCD1}">
+              <a14:hiddenFill xmlns:a14="http://schemas.microsoft.com/office/drawing/2010/main">
+                <a:solidFill>
+                  <a:srgbClr val="FFFFFF"/>
+                </a:solidFill>
+              </a14:hiddenFill>
+            </a:ext>
+          </a:extLst>
+        </p:spPr>
+      </p:pic>
+      <p:pic>
+        <p:nvPicPr>
+          <p:cNvPr id="1038" name="Picture 14" descr="Red Hat OpenShift full logo transparent PNG - StickPNG">
+            <a:extLst>
+              <a:ext uri="{FF2B5EF4-FFF2-40B4-BE49-F238E27FC236}">
+                <a16:creationId xmlns:a16="http://schemas.microsoft.com/office/drawing/2014/main" id="{16252F47-0356-CC67-58FE-38C046547E74}"/>
+              </a:ext>
+            </a:extLst>
+          </p:cNvPr>
+          <p:cNvPicPr>
+            <a:picLocks noChangeAspect="1" noChangeArrowheads="1"/>
+          </p:cNvPicPr>
+          <p:nvPr/>
+        </p:nvPicPr>
+        <p:blipFill>
+          <a:blip r:embed="rId7">
+            <a:extLst>
+              <a:ext uri="{28A0092B-C50C-407E-A947-70E740481C1C}">
+                <a14:useLocalDpi xmlns:a14="http://schemas.microsoft.com/office/drawing/2010/main" val="0"/>
+              </a:ext>
+            </a:extLst>
+          </a:blip>
+          <a:srcRect/>
+          <a:stretch>
+            <a:fillRect/>
+          </a:stretch>
+        </p:blipFill>
+        <p:spPr bwMode="auto">
+          <a:xfrm>
+            <a:off x="7386670" y="3898117"/>
+            <a:ext cx="2857500" cy="2857500"/>
+          </a:xfrm>
+          <a:prstGeom prst="rect">
+            <a:avLst/>
+          </a:prstGeom>
+          <a:noFill/>
+          <a:extLst>
+            <a:ext uri="{909E8E84-426E-40DD-AFC4-6F175D3DCCD1}">
+              <a14:hiddenFill xmlns:a14="http://schemas.microsoft.com/office/drawing/2010/main">
+                <a:solidFill>
+                  <a:srgbClr val="FFFFFF"/>
+                </a:solidFill>
+              </a14:hiddenFill>
+            </a:ext>
+          </a:extLst>
+        </p:spPr>
+      </p:pic>
+      <p:pic>
+        <p:nvPicPr>
+          <p:cNvPr id="1042" name="Picture 18" descr="Python Logo transparent PNG - StickPNG">
+            <a:extLst>
+              <a:ext uri="{FF2B5EF4-FFF2-40B4-BE49-F238E27FC236}">
+                <a16:creationId xmlns:a16="http://schemas.microsoft.com/office/drawing/2014/main" id="{11130940-1D28-A554-71FD-FE2CA423CA9A}"/>
+              </a:ext>
+            </a:extLst>
+          </p:cNvPr>
+          <p:cNvPicPr>
+            <a:picLocks noChangeAspect="1" noChangeArrowheads="1"/>
+          </p:cNvPicPr>
+          <p:nvPr/>
+        </p:nvPicPr>
+        <p:blipFill>
+          <a:blip r:embed="rId8">
+            <a:extLst>
+              <a:ext uri="{28A0092B-C50C-407E-A947-70E740481C1C}">
+                <a14:useLocalDpi xmlns:a14="http://schemas.microsoft.com/office/drawing/2010/main" val="0"/>
+              </a:ext>
+            </a:extLst>
+          </a:blip>
+          <a:srcRect/>
+          <a:stretch>
+            <a:fillRect/>
+          </a:stretch>
+        </p:blipFill>
+        <p:spPr bwMode="auto">
+          <a:xfrm>
+            <a:off x="9947334" y="816062"/>
+            <a:ext cx="1388027" cy="1382626"/>
+          </a:xfrm>
+          <a:prstGeom prst="rect">
+            <a:avLst/>
+          </a:prstGeom>
+          <a:noFill/>
+          <a:extLst>
+            <a:ext uri="{909E8E84-426E-40DD-AFC4-6F175D3DCCD1}">
+              <a14:hiddenFill xmlns:a14="http://schemas.microsoft.com/office/drawing/2010/main">
+                <a:solidFill>
+                  <a:srgbClr val="FFFFFF"/>
+                </a:solidFill>
+              </a14:hiddenFill>
+            </a:ext>
+          </a:extLst>
+        </p:spPr>
+      </p:pic>
+      <p:pic>
+        <p:nvPicPr>
+          <p:cNvPr id="1044" name="Picture 20" descr="terraform&quot; Icon - Download for free – Iconduck">
+            <a:extLst>
+              <a:ext uri="{FF2B5EF4-FFF2-40B4-BE49-F238E27FC236}">
+                <a16:creationId xmlns:a16="http://schemas.microsoft.com/office/drawing/2014/main" id="{6529823D-3A6D-B842-3E86-1900CDF4AB33}"/>
+              </a:ext>
+            </a:extLst>
+          </p:cNvPr>
+          <p:cNvPicPr>
+            <a:picLocks noChangeAspect="1" noChangeArrowheads="1"/>
+          </p:cNvPicPr>
+          <p:nvPr/>
+        </p:nvPicPr>
+        <p:blipFill>
+          <a:blip r:embed="rId9">
+            <a:extLst>
+              <a:ext uri="{28A0092B-C50C-407E-A947-70E740481C1C}">
+                <a14:useLocalDpi xmlns:a14="http://schemas.microsoft.com/office/drawing/2010/main" val="0"/>
+              </a:ext>
+            </a:extLst>
+          </a:blip>
+          <a:srcRect/>
+          <a:stretch>
+            <a:fillRect/>
+          </a:stretch>
+        </p:blipFill>
+        <p:spPr bwMode="auto">
+          <a:xfrm>
+            <a:off x="5394012" y="2859847"/>
+            <a:ext cx="1095362" cy="1244272"/>
+          </a:xfrm>
+          <a:prstGeom prst="rect">
+            <a:avLst/>
+          </a:prstGeom>
+          <a:noFill/>
+          <a:extLst>
+            <a:ext uri="{909E8E84-426E-40DD-AFC4-6F175D3DCCD1}">
+              <a14:hiddenFill xmlns:a14="http://schemas.microsoft.com/office/drawing/2010/main">
+                <a:solidFill>
+                  <a:srgbClr val="FFFFFF"/>
+                </a:solidFill>
+              </a14:hiddenFill>
+            </a:ext>
+          </a:extLst>
+        </p:spPr>
+      </p:pic>
+      <p:pic>
+        <p:nvPicPr>
+          <p:cNvPr id="1050" name="Picture 26" descr="Flask Logo icon PNG and SVG Vector Free Download">
+            <a:extLst>
+              <a:ext uri="{FF2B5EF4-FFF2-40B4-BE49-F238E27FC236}">
+                <a16:creationId xmlns:a16="http://schemas.microsoft.com/office/drawing/2014/main" id="{970B6EA4-4936-BFDB-0DB2-88BFC7D7F675}"/>
+              </a:ext>
+            </a:extLst>
+          </p:cNvPr>
+          <p:cNvPicPr>
+            <a:picLocks noChangeAspect="1" noChangeArrowheads="1"/>
+          </p:cNvPicPr>
+          <p:nvPr/>
+        </p:nvPicPr>
+        <p:blipFill>
+          <a:blip r:embed="rId10">
+            <a:extLst>
+              <a:ext uri="{28A0092B-C50C-407E-A947-70E740481C1C}">
+                <a14:useLocalDpi xmlns:a14="http://schemas.microsoft.com/office/drawing/2010/main" val="0"/>
+              </a:ext>
+            </a:extLst>
+          </a:blip>
+          <a:srcRect/>
+          <a:stretch>
+            <a:fillRect/>
+          </a:stretch>
+        </p:blipFill>
+        <p:spPr bwMode="auto">
+          <a:xfrm>
+            <a:off x="2816782" y="2493086"/>
+            <a:ext cx="1977794" cy="1977794"/>
+          </a:xfrm>
+          <a:prstGeom prst="rect">
+            <a:avLst/>
+          </a:prstGeom>
+          <a:noFill/>
+          <a:extLst>
+            <a:ext uri="{909E8E84-426E-40DD-AFC4-6F175D3DCCD1}">
+              <a14:hiddenFill xmlns:a14="http://schemas.microsoft.com/office/drawing/2010/main">
+                <a:solidFill>
+                  <a:srgbClr val="FFFFFF"/>
+                </a:solidFill>
+              </a14:hiddenFill>
+            </a:ext>
+          </a:extLst>
+        </p:spPr>
+      </p:pic>
+      <p:pic>
+        <p:nvPicPr>
+          <p:cNvPr id="1054" name="Picture 30" descr="Neo4j Logo PNG Transparent &amp; SVG Vector - Freebie Supply">
+            <a:extLst>
+              <a:ext uri="{FF2B5EF4-FFF2-40B4-BE49-F238E27FC236}">
+                <a16:creationId xmlns:a16="http://schemas.microsoft.com/office/drawing/2014/main" id="{E0B1E7EC-2B58-3D9C-1AE8-68CDD471A01A}"/>
+              </a:ext>
+            </a:extLst>
+          </p:cNvPr>
+          <p:cNvPicPr>
+            <a:picLocks noChangeAspect="1" noChangeArrowheads="1"/>
+          </p:cNvPicPr>
+          <p:nvPr/>
+        </p:nvPicPr>
+        <p:blipFill>
+          <a:blip r:embed="rId11">
+            <a:extLst>
+              <a:ext uri="{28A0092B-C50C-407E-A947-70E740481C1C}">
+                <a14:useLocalDpi xmlns:a14="http://schemas.microsoft.com/office/drawing/2010/main" val="0"/>
+              </a:ext>
+            </a:extLst>
+          </a:blip>
+          <a:srcRect/>
+          <a:stretch>
+            <a:fillRect/>
+          </a:stretch>
+        </p:blipFill>
+        <p:spPr bwMode="auto">
+          <a:xfrm>
+            <a:off x="7652582" y="2733486"/>
+            <a:ext cx="1227774" cy="1391027"/>
+          </a:xfrm>
+          <a:prstGeom prst="rect">
+            <a:avLst/>
+          </a:prstGeom>
+          <a:noFill/>
+          <a:extLst>
+            <a:ext uri="{909E8E84-426E-40DD-AFC4-6F175D3DCCD1}">
+              <a14:hiddenFill xmlns:a14="http://schemas.microsoft.com/office/drawing/2010/main">
+                <a:solidFill>
+                  <a:srgbClr val="FFFFFF"/>
+                </a:solidFill>
+              </a14:hiddenFill>
+            </a:ext>
+          </a:extLst>
+        </p:spPr>
+      </p:pic>
+    </p:spTree>
+    <p:extLst>
+      <p:ext uri="{BB962C8B-B14F-4D97-AF65-F5344CB8AC3E}">
+        <p14:creationId xmlns:p14="http://schemas.microsoft.com/office/powerpoint/2010/main" val="2433363795"/>
+      </p:ext>
+    </p:extLst>
+  </p:cSld>
+  <p:clrMapOvr>
+    <a:masterClrMapping/>
+  </p:clrMapOvr>
+</p:sld>
+</file>
+
+<file path=ppt/slides/slide4.xml><?xml version="1.0" encoding="utf-8"?>
+<p:sld xmlns:a="http://schemas.openxmlformats.org/drawingml/2006/main" xmlns:r="http://schemas.openxmlformats.org/officeDocument/2006/relationships" xmlns:p="http://schemas.openxmlformats.org/presentationml/2006/main">
+  <p:cSld>
+    <p:spTree>
+      <p:nvGrpSpPr>
+        <p:cNvPr id="1" name=""/>
+        <p:cNvGrpSpPr/>
+        <p:nvPr/>
+      </p:nvGrpSpPr>
+      <p:grpSpPr>
+        <a:xfrm>
+          <a:off x="0" y="0"/>
+          <a:ext cx="0" cy="0"/>
+          <a:chOff x="0" y="0"/>
+          <a:chExt cx="0" cy="0"/>
+        </a:xfrm>
+      </p:grpSpPr>
+      <p:pic>
+        <p:nvPicPr>
           <p:cNvPr id="5" name="Picture 4">
             <a:extLst>
               <a:ext uri="{FF2B5EF4-FFF2-40B4-BE49-F238E27FC236}">
@@ -15984,4231 +16654,7 @@
 </p:sld>
 </file>
 
-<file path=ppt/slides/slide4.xml><?xml version="1.0" encoding="utf-8"?>
-<p:sld xmlns:a="http://schemas.openxmlformats.org/drawingml/2006/main" xmlns:r="http://schemas.openxmlformats.org/officeDocument/2006/relationships" xmlns:p="http://schemas.openxmlformats.org/presentationml/2006/main">
-  <p:cSld>
-    <p:spTree>
-      <p:nvGrpSpPr>
-        <p:cNvPr id="1" name=""/>
-        <p:cNvGrpSpPr/>
-        <p:nvPr/>
-      </p:nvGrpSpPr>
-      <p:grpSpPr>
-        <a:xfrm>
-          <a:off x="0" y="0"/>
-          <a:ext cx="0" cy="0"/>
-          <a:chOff x="0" y="0"/>
-          <a:chExt cx="0" cy="0"/>
-        </a:xfrm>
-      </p:grpSpPr>
-      <p:sp>
-        <p:nvSpPr>
-          <p:cNvPr id="2" name="Title 1">
-            <a:extLst>
-              <a:ext uri="{FF2B5EF4-FFF2-40B4-BE49-F238E27FC236}">
-                <a16:creationId xmlns:a16="http://schemas.microsoft.com/office/drawing/2014/main" id="{31AA0FB9-4BF0-7F9C-7C96-1F40E4F49182}"/>
-              </a:ext>
-            </a:extLst>
-          </p:cNvPr>
-          <p:cNvSpPr>
-            <a:spLocks noGrp="1"/>
-          </p:cNvSpPr>
-          <p:nvPr>
-            <p:ph type="title"/>
-          </p:nvPr>
-        </p:nvSpPr>
-        <p:spPr/>
-        <p:txBody>
-          <a:bodyPr/>
-          <a:lstStyle/>
-          <a:p>
-            <a:r>
-              <a:rPr lang="en-US" dirty="0"/>
-              <a:t>Technology stack</a:t>
-            </a:r>
-          </a:p>
-        </p:txBody>
-      </p:sp>
-      <p:sp>
-        <p:nvSpPr>
-          <p:cNvPr id="3" name="Content Placeholder 2">
-            <a:extLst>
-              <a:ext uri="{FF2B5EF4-FFF2-40B4-BE49-F238E27FC236}">
-                <a16:creationId xmlns:a16="http://schemas.microsoft.com/office/drawing/2014/main" id="{B879F46C-9B62-0931-C5F7-11A2859D755C}"/>
-              </a:ext>
-            </a:extLst>
-          </p:cNvPr>
-          <p:cNvSpPr>
-            <a:spLocks noGrp="1"/>
-          </p:cNvSpPr>
-          <p:nvPr>
-            <p:ph idx="1"/>
-          </p:nvPr>
-        </p:nvSpPr>
-        <p:spPr/>
-        <p:txBody>
-          <a:bodyPr>
-            <a:normAutofit/>
-          </a:bodyPr>
-          <a:lstStyle/>
-          <a:p>
-            <a:r>
-              <a:rPr lang="en-US" dirty="0"/>
-              <a:t>Docker</a:t>
-            </a:r>
-          </a:p>
-          <a:p>
-            <a:r>
-              <a:rPr lang="en-US" dirty="0"/>
-              <a:t>Google Cloud Platform</a:t>
-            </a:r>
-          </a:p>
-          <a:p>
-            <a:r>
-              <a:rPr lang="en-US" dirty="0"/>
-              <a:t>Open AI Language Model</a:t>
-            </a:r>
-          </a:p>
-          <a:p>
-            <a:r>
-              <a:rPr lang="en-US" dirty="0" err="1">
-                <a:latin typeface="gg sans"/>
-              </a:rPr>
-              <a:t>C</a:t>
-            </a:r>
-            <a:r>
-              <a:rPr lang="en-US" b="0" i="0" dirty="0" err="1">
-                <a:effectLst/>
-                <a:latin typeface="gg sans"/>
-              </a:rPr>
-              <a:t>heckov</a:t>
-            </a:r>
-            <a:r>
-              <a:rPr lang="en-US" b="0" i="0" dirty="0">
-                <a:effectLst/>
-                <a:latin typeface="gg sans"/>
-              </a:rPr>
-              <a:t> Vulnerability Scanner</a:t>
-            </a:r>
-          </a:p>
-          <a:p>
-            <a:r>
-              <a:rPr lang="en-US" dirty="0">
-                <a:latin typeface="gg sans"/>
-              </a:rPr>
-              <a:t>Azure AD, Azure B2C, Azure Storage</a:t>
-            </a:r>
-            <a:endParaRPr lang="en-US" dirty="0"/>
-          </a:p>
-          <a:p>
-            <a:r>
-              <a:rPr lang="en-US" dirty="0"/>
-              <a:t>Red Hat OpenShift container platform</a:t>
-            </a:r>
-          </a:p>
-          <a:p>
-            <a:endParaRPr lang="en-US" dirty="0"/>
-          </a:p>
-        </p:txBody>
-      </p:sp>
-    </p:spTree>
-    <p:extLst>
-      <p:ext uri="{BB962C8B-B14F-4D97-AF65-F5344CB8AC3E}">
-        <p14:creationId xmlns:p14="http://schemas.microsoft.com/office/powerpoint/2010/main" val="678095931"/>
-      </p:ext>
-    </p:extLst>
-  </p:cSld>
-  <p:clrMapOvr>
-    <a:masterClrMapping/>
-  </p:clrMapOvr>
-</p:sld>
-</file>
-
 <file path=ppt/slides/slide5.xml><?xml version="1.0" encoding="utf-8"?>
-<p:sld xmlns:a="http://schemas.openxmlformats.org/drawingml/2006/main" xmlns:r="http://schemas.openxmlformats.org/officeDocument/2006/relationships" xmlns:p="http://schemas.openxmlformats.org/presentationml/2006/main">
-  <p:cSld>
-    <p:bg>
-      <p:bgPr>
-        <a:blipFill>
-          <a:blip r:embed="rId2">
-            <a:duotone>
-              <a:schemeClr val="bg2">
-                <a:shade val="88000"/>
-                <a:hueMod val="106000"/>
-                <a:satMod val="140000"/>
-                <a:lumMod val="54000"/>
-              </a:schemeClr>
-              <a:schemeClr val="bg2">
-                <a:tint val="98000"/>
-                <a:hueMod val="90000"/>
-                <a:satMod val="150000"/>
-                <a:lumMod val="160000"/>
-              </a:schemeClr>
-            </a:duotone>
-          </a:blip>
-          <a:stretch/>
-        </a:blipFill>
-        <a:effectLst/>
-      </p:bgPr>
-    </p:bg>
-    <p:spTree>
-      <p:nvGrpSpPr>
-        <p:cNvPr id="1" name=""/>
-        <p:cNvGrpSpPr/>
-        <p:nvPr/>
-      </p:nvGrpSpPr>
-      <p:grpSpPr>
-        <a:xfrm>
-          <a:off x="0" y="0"/>
-          <a:ext cx="0" cy="0"/>
-          <a:chOff x="0" y="0"/>
-          <a:chExt cx="0" cy="0"/>
-        </a:xfrm>
-      </p:grpSpPr>
-      <p:pic>
-        <p:nvPicPr>
-          <p:cNvPr id="132" name="Picture 2">
-            <a:extLst>
-              <a:ext uri="{FF2B5EF4-FFF2-40B4-BE49-F238E27FC236}">
-                <a16:creationId xmlns:a16="http://schemas.microsoft.com/office/drawing/2014/main" id="{EA8ADA9F-99E3-4964-8962-1118D1439FBA}"/>
-              </a:ext>
-              <a:ext uri="{C183D7F6-B498-43B3-948B-1728B52AA6E4}">
-                <adec:decorative xmlns:adec="http://schemas.microsoft.com/office/drawing/2017/decorative" val="1"/>
-              </a:ext>
-            </a:extLst>
-          </p:cNvPr>
-          <p:cNvPicPr>
-            <a:picLocks noGrp="1" noRot="1" noChangeAspect="1" noMove="1" noResize="1" noEditPoints="1" noAdjustHandles="1" noChangeArrowheads="1" noChangeShapeType="1" noCrop="1"/>
-          </p:cNvPicPr>
-          <p:nvPr>
-            <p:extLst>
-              <p:ext uri="{386F3935-93C4-4BCD-93E2-E3B085C9AB24}">
-                <p16:designElem xmlns:p16="http://schemas.microsoft.com/office/powerpoint/2015/main" val="1"/>
-              </p:ext>
-            </p:extLst>
-          </p:nvPr>
-        </p:nvPicPr>
-        <p:blipFill>
-          <a:blip r:embed="rId3">
-            <a:alphaModFix amt="30000"/>
-            <a:extLst>
-              <a:ext uri="{28A0092B-C50C-407E-A947-70E740481C1C}">
-                <a14:useLocalDpi xmlns:a14="http://schemas.microsoft.com/office/drawing/2010/main" val="0"/>
-              </a:ext>
-            </a:extLst>
-          </a:blip>
-          <a:srcRect/>
-          <a:stretch>
-            <a:fillRect/>
-          </a:stretch>
-        </p:blipFill>
-        <p:spPr bwMode="auto">
-          <a:xfrm>
-            <a:off x="0" y="-1"/>
-            <a:ext cx="12192003" cy="6858001"/>
-          </a:xfrm>
-          <a:prstGeom prst="rect">
-            <a:avLst/>
-          </a:prstGeom>
-          <a:noFill/>
-          <a:extLst>
-            <a:ext uri="{909E8E84-426E-40dd-AFC4-6F175D3DCCD1}">
-              <a14:hiddenFill xmlns="" xmlns:a16="http://schemas.microsoft.com/office/drawing/2014/main" xmlns:p14="http://schemas.microsoft.com/office/powerpoint/2010/main" xmlns:a14="http://schemas.microsoft.com/office/drawing/2010/main">
-                <a:solidFill>
-                  <a:srgbClr val="FFFFFF"/>
-                </a:solidFill>
-              </a14:hiddenFill>
-            </a:ext>
-          </a:extLst>
-        </p:spPr>
-      </p:pic>
-      <p:grpSp>
-        <p:nvGrpSpPr>
-          <p:cNvPr id="134" name="Group 133">
-            <a:extLst>
-              <a:ext uri="{FF2B5EF4-FFF2-40B4-BE49-F238E27FC236}">
-                <a16:creationId xmlns:a16="http://schemas.microsoft.com/office/drawing/2014/main" id="{366C3164-AA9F-47E3-913A-4F002BC00F6E}"/>
-              </a:ext>
-              <a:ext uri="{C183D7F6-B498-43B3-948B-1728B52AA6E4}">
-                <adec:decorative xmlns:adec="http://schemas.microsoft.com/office/drawing/2017/decorative" val="1"/>
-              </a:ext>
-            </a:extLst>
-          </p:cNvPr>
-          <p:cNvGrpSpPr>
-            <a:grpSpLocks noGrp="1" noUngrp="1" noRot="1" noChangeAspect="1" noMove="1" noResize="1"/>
-          </p:cNvGrpSpPr>
-          <p:nvPr>
-            <p:extLst>
-              <p:ext uri="{386F3935-93C4-4BCD-93E2-E3B085C9AB24}">
-                <p16:designElem xmlns:p16="http://schemas.microsoft.com/office/powerpoint/2015/main" val="1"/>
-              </p:ext>
-            </p:extLst>
-          </p:nvPr>
-        </p:nvGrpSpPr>
-        <p:grpSpPr>
-          <a:xfrm>
-            <a:off x="-14288" y="0"/>
-            <a:ext cx="12053888" cy="6858001"/>
-            <a:chOff x="-14288" y="0"/>
-            <a:chExt cx="12053888" cy="6858001"/>
-          </a:xfrm>
-        </p:grpSpPr>
-        <p:grpSp>
-          <p:nvGrpSpPr>
-            <p:cNvPr id="135" name="Group 134">
-              <a:extLst>
-                <a:ext uri="{FF2B5EF4-FFF2-40B4-BE49-F238E27FC236}">
-                  <a16:creationId xmlns:a16="http://schemas.microsoft.com/office/drawing/2014/main" id="{23FFBAC2-26D2-48B6-B2AA-34AEA0E79E28}"/>
-                </a:ext>
-                <a:ext uri="{C183D7F6-B498-43B3-948B-1728B52AA6E4}">
-                  <adec:decorative xmlns:adec="http://schemas.microsoft.com/office/drawing/2017/decorative" val="1"/>
-                </a:ext>
-              </a:extLst>
-            </p:cNvPr>
-            <p:cNvGrpSpPr/>
-            <p:nvPr>
-              <p:extLst>
-                <p:ext uri="{386F3935-93C4-4BCD-93E2-E3B085C9AB24}">
-                  <p16:designElem xmlns:p16="http://schemas.microsoft.com/office/powerpoint/2015/main" val="1"/>
-                </p:ext>
-              </p:extLst>
-            </p:nvPr>
-          </p:nvGrpSpPr>
-          <p:grpSpPr>
-            <a:xfrm>
-              <a:off x="-14288" y="0"/>
-              <a:ext cx="1220788" cy="6858001"/>
-              <a:chOff x="-14288" y="0"/>
-              <a:chExt cx="1220788" cy="6858001"/>
-            </a:xfrm>
-            <a:gradFill flip="none" rotWithShape="1">
-              <a:gsLst>
-                <a:gs pos="0">
-                  <a:schemeClr val="tx2"/>
-                </a:gs>
-                <a:gs pos="100000">
-                  <a:schemeClr val="bg2">
-                    <a:lumMod val="60000"/>
-                    <a:lumOff val="40000"/>
-                  </a:schemeClr>
-                </a:gs>
-              </a:gsLst>
-              <a:lin ang="5400000" scaled="0"/>
-              <a:tileRect/>
-            </a:gradFill>
-          </p:grpSpPr>
-          <p:sp>
-            <p:nvSpPr>
-              <p:cNvPr id="147" name="Rectangle 5">
-                <a:extLst>
-                  <a:ext uri="{FF2B5EF4-FFF2-40B4-BE49-F238E27FC236}">
-                    <a16:creationId xmlns:a16="http://schemas.microsoft.com/office/drawing/2014/main" id="{9B164BCB-27D3-4B8C-AC13-0A6F461082B7}"/>
-                  </a:ext>
-                  <a:ext uri="{C183D7F6-B498-43B3-948B-1728B52AA6E4}">
-                    <adec:decorative xmlns:adec="http://schemas.microsoft.com/office/drawing/2017/decorative" val="1"/>
-                  </a:ext>
-                </a:extLst>
-              </p:cNvPr>
-              <p:cNvSpPr>
-                <a:spLocks noChangeArrowheads="1"/>
-              </p:cNvSpPr>
-              <p:nvPr>
-                <p:extLst>
-                  <p:ext uri="{386F3935-93C4-4BCD-93E2-E3B085C9AB24}">
-                    <p16:designElem xmlns:p16="http://schemas.microsoft.com/office/powerpoint/2015/main" val="1"/>
-                  </p:ext>
-                </p:extLst>
-              </p:nvPr>
-            </p:nvSpPr>
-            <p:spPr bwMode="auto">
-              <a:xfrm>
-                <a:off x="114300" y="4763"/>
-                <a:ext cx="23813" cy="2181225"/>
-              </a:xfrm>
-              <a:prstGeom prst="rect">
-                <a:avLst/>
-              </a:prstGeom>
-              <a:grpFill/>
-              <a:ln>
-                <a:noFill/>
-              </a:ln>
-              <a:extLst>
-                <a:ext uri="{91240B29-F687-4f45-9708-019B960494DF}">
-                  <a14:hiddenLine xmlns="" xmlns:a16="http://schemas.microsoft.com/office/drawing/2014/main" xmlns:p14="http://schemas.microsoft.com/office/powerpoint/2010/main" xmlns:a14="http://schemas.microsoft.com/office/drawing/2010/main" w="9525">
-                    <a:solidFill>
-                      <a:srgbClr val="000000"/>
-                    </a:solidFill>
-                    <a:miter lim="800000"/>
-                    <a:headEnd/>
-                    <a:tailEnd/>
-                  </a14:hiddenLine>
-                </a:ext>
-              </a:extLst>
-            </p:spPr>
-          </p:sp>
-          <p:sp>
-            <p:nvSpPr>
-              <p:cNvPr id="148" name="Freeform 6">
-                <a:extLst>
-                  <a:ext uri="{FF2B5EF4-FFF2-40B4-BE49-F238E27FC236}">
-                    <a16:creationId xmlns:a16="http://schemas.microsoft.com/office/drawing/2014/main" id="{10B247BE-F4A2-4259-9B20-FB9A555D2802}"/>
-                  </a:ext>
-                  <a:ext uri="{C183D7F6-B498-43B3-948B-1728B52AA6E4}">
-                    <adec:decorative xmlns:adec="http://schemas.microsoft.com/office/drawing/2017/decorative" val="1"/>
-                  </a:ext>
-                </a:extLst>
-              </p:cNvPr>
-              <p:cNvSpPr>
-                <a:spLocks noEditPoints="1"/>
-              </p:cNvSpPr>
-              <p:nvPr>
-                <p:extLst>
-                  <p:ext uri="{386F3935-93C4-4BCD-93E2-E3B085C9AB24}">
-                    <p16:designElem xmlns:p16="http://schemas.microsoft.com/office/powerpoint/2015/main" val="1"/>
-                  </p:ext>
-                </p:extLst>
-              </p:nvPr>
-            </p:nvSpPr>
-            <p:spPr bwMode="auto">
-              <a:xfrm>
-                <a:off x="33337" y="2176463"/>
-                <a:ext cx="190500" cy="190500"/>
-              </a:xfrm>
-              <a:custGeom>
-                <a:avLst/>
-                <a:gdLst/>
-                <a:ahLst/>
-                <a:cxnLst/>
-                <a:rect l="0" t="0" r="r" b="b"/>
-                <a:pathLst>
-                  <a:path w="40" h="40">
-                    <a:moveTo>
-                      <a:pt x="20" y="40"/>
-                    </a:moveTo>
-                    <a:cubicBezTo>
-                      <a:pt x="9" y="40"/>
-                      <a:pt x="0" y="31"/>
-                      <a:pt x="0" y="20"/>
-                    </a:cubicBezTo>
-                    <a:cubicBezTo>
-                      <a:pt x="0" y="9"/>
-                      <a:pt x="9" y="0"/>
-                      <a:pt x="20" y="0"/>
-                    </a:cubicBezTo>
-                    <a:cubicBezTo>
-                      <a:pt x="31" y="0"/>
-                      <a:pt x="40" y="9"/>
-                      <a:pt x="40" y="20"/>
-                    </a:cubicBezTo>
-                    <a:cubicBezTo>
-                      <a:pt x="40" y="31"/>
-                      <a:pt x="31" y="40"/>
-                      <a:pt x="20" y="40"/>
-                    </a:cubicBezTo>
-                    <a:close/>
-                    <a:moveTo>
-                      <a:pt x="20" y="4"/>
-                    </a:moveTo>
-                    <a:cubicBezTo>
-                      <a:pt x="11" y="4"/>
-                      <a:pt x="4" y="11"/>
-                      <a:pt x="4" y="20"/>
-                    </a:cubicBezTo>
-                    <a:cubicBezTo>
-                      <a:pt x="4" y="29"/>
-                      <a:pt x="11" y="36"/>
-                      <a:pt x="20" y="36"/>
-                    </a:cubicBezTo>
-                    <a:cubicBezTo>
-                      <a:pt x="28" y="36"/>
-                      <a:pt x="36" y="29"/>
-                      <a:pt x="36" y="20"/>
-                    </a:cubicBezTo>
-                    <a:cubicBezTo>
-                      <a:pt x="36" y="11"/>
-                      <a:pt x="28" y="4"/>
-                      <a:pt x="20" y="4"/>
-                    </a:cubicBezTo>
-                    <a:close/>
-                  </a:path>
-                </a:pathLst>
-              </a:custGeom>
-              <a:grpFill/>
-              <a:ln>
-                <a:noFill/>
-              </a:ln>
-              <a:extLst>
-                <a:ext uri="{91240B29-F687-4f45-9708-019B960494DF}">
-                  <a14:hiddenLine xmlns="" xmlns:a16="http://schemas.microsoft.com/office/drawing/2014/main" xmlns:p14="http://schemas.microsoft.com/office/powerpoint/2010/main" xmlns:a14="http://schemas.microsoft.com/office/drawing/2010/main" w="9525">
-                    <a:solidFill>
-                      <a:srgbClr val="000000"/>
-                    </a:solidFill>
-                    <a:round/>
-                    <a:headEnd/>
-                    <a:tailEnd/>
-                  </a14:hiddenLine>
-                </a:ext>
-              </a:extLst>
-            </p:spPr>
-          </p:sp>
-          <p:sp>
-            <p:nvSpPr>
-              <p:cNvPr id="149" name="Freeform 7">
-                <a:extLst>
-                  <a:ext uri="{FF2B5EF4-FFF2-40B4-BE49-F238E27FC236}">
-                    <a16:creationId xmlns:a16="http://schemas.microsoft.com/office/drawing/2014/main" id="{39322C5A-DB6D-4B28-8C1C-1B1E89678918}"/>
-                  </a:ext>
-                  <a:ext uri="{C183D7F6-B498-43B3-948B-1728B52AA6E4}">
-                    <adec:decorative xmlns:adec="http://schemas.microsoft.com/office/drawing/2017/decorative" val="1"/>
-                  </a:ext>
-                </a:extLst>
-              </p:cNvPr>
-              <p:cNvSpPr>
-                <a:spLocks noEditPoints="1"/>
-              </p:cNvSpPr>
-              <p:nvPr>
-                <p:extLst>
-                  <p:ext uri="{386F3935-93C4-4BCD-93E2-E3B085C9AB24}">
-                    <p16:designElem xmlns:p16="http://schemas.microsoft.com/office/powerpoint/2015/main" val="1"/>
-                  </p:ext>
-                </p:extLst>
-              </p:nvPr>
-            </p:nvSpPr>
-            <p:spPr bwMode="auto">
-              <a:xfrm>
-                <a:off x="28575" y="4021138"/>
-                <a:ext cx="190500" cy="188913"/>
-              </a:xfrm>
-              <a:custGeom>
-                <a:avLst/>
-                <a:gdLst/>
-                <a:ahLst/>
-                <a:cxnLst/>
-                <a:rect l="0" t="0" r="r" b="b"/>
-                <a:pathLst>
-                  <a:path w="40" h="40">
-                    <a:moveTo>
-                      <a:pt x="20" y="40"/>
-                    </a:moveTo>
-                    <a:cubicBezTo>
-                      <a:pt x="9" y="40"/>
-                      <a:pt x="0" y="31"/>
-                      <a:pt x="0" y="20"/>
-                    </a:cubicBezTo>
-                    <a:cubicBezTo>
-                      <a:pt x="0" y="9"/>
-                      <a:pt x="9" y="0"/>
-                      <a:pt x="20" y="0"/>
-                    </a:cubicBezTo>
-                    <a:cubicBezTo>
-                      <a:pt x="31" y="0"/>
-                      <a:pt x="40" y="9"/>
-                      <a:pt x="40" y="20"/>
-                    </a:cubicBezTo>
-                    <a:cubicBezTo>
-                      <a:pt x="40" y="31"/>
-                      <a:pt x="31" y="40"/>
-                      <a:pt x="20" y="40"/>
-                    </a:cubicBezTo>
-                    <a:close/>
-                    <a:moveTo>
-                      <a:pt x="20" y="4"/>
-                    </a:moveTo>
-                    <a:cubicBezTo>
-                      <a:pt x="12" y="4"/>
-                      <a:pt x="4" y="11"/>
-                      <a:pt x="4" y="20"/>
-                    </a:cubicBezTo>
-                    <a:cubicBezTo>
-                      <a:pt x="4" y="29"/>
-                      <a:pt x="12" y="36"/>
-                      <a:pt x="20" y="36"/>
-                    </a:cubicBezTo>
-                    <a:cubicBezTo>
-                      <a:pt x="29" y="36"/>
-                      <a:pt x="36" y="29"/>
-                      <a:pt x="36" y="20"/>
-                    </a:cubicBezTo>
-                    <a:cubicBezTo>
-                      <a:pt x="36" y="11"/>
-                      <a:pt x="29" y="4"/>
-                      <a:pt x="20" y="4"/>
-                    </a:cubicBezTo>
-                    <a:close/>
-                  </a:path>
-                </a:pathLst>
-              </a:custGeom>
-              <a:grpFill/>
-              <a:ln>
-                <a:noFill/>
-              </a:ln>
-              <a:extLst>
-                <a:ext uri="{91240B29-F687-4f45-9708-019B960494DF}">
-                  <a14:hiddenLine xmlns="" xmlns:a16="http://schemas.microsoft.com/office/drawing/2014/main" xmlns:p14="http://schemas.microsoft.com/office/powerpoint/2010/main" xmlns:a14="http://schemas.microsoft.com/office/drawing/2010/main" w="9525">
-                    <a:solidFill>
-                      <a:srgbClr val="000000"/>
-                    </a:solidFill>
-                    <a:round/>
-                    <a:headEnd/>
-                    <a:tailEnd/>
-                  </a14:hiddenLine>
-                </a:ext>
-              </a:extLst>
-            </p:spPr>
-          </p:sp>
-          <p:sp>
-            <p:nvSpPr>
-              <p:cNvPr id="150" name="Freeform 8">
-                <a:extLst>
-                  <a:ext uri="{FF2B5EF4-FFF2-40B4-BE49-F238E27FC236}">
-                    <a16:creationId xmlns:a16="http://schemas.microsoft.com/office/drawing/2014/main" id="{67009B08-E345-4516-96EC-ED0AB1F30BAF}"/>
-                  </a:ext>
-                  <a:ext uri="{C183D7F6-B498-43B3-948B-1728B52AA6E4}">
-                    <adec:decorative xmlns:adec="http://schemas.microsoft.com/office/drawing/2017/decorative" val="1"/>
-                  </a:ext>
-                </a:extLst>
-              </p:cNvPr>
-              <p:cNvSpPr/>
-              <p:nvPr>
-                <p:extLst>
-                  <p:ext uri="{386F3935-93C4-4BCD-93E2-E3B085C9AB24}">
-                    <p16:designElem xmlns:p16="http://schemas.microsoft.com/office/powerpoint/2015/main" val="1"/>
-                  </p:ext>
-                </p:extLst>
-              </p:nvPr>
-            </p:nvSpPr>
-            <p:spPr bwMode="auto">
-              <a:xfrm>
-                <a:off x="200025" y="4763"/>
-                <a:ext cx="369888" cy="1811338"/>
-              </a:xfrm>
-              <a:custGeom>
-                <a:avLst/>
-                <a:gdLst/>
-                <a:ahLst/>
-                <a:cxnLst/>
-                <a:rect l="0" t="0" r="r" b="b"/>
-                <a:pathLst>
-                  <a:path w="233" h="1141">
-                    <a:moveTo>
-                      <a:pt x="218" y="1141"/>
-                    </a:moveTo>
-                    <a:lnTo>
-                      <a:pt x="0" y="626"/>
-                    </a:lnTo>
-                    <a:lnTo>
-                      <a:pt x="0" y="0"/>
-                    </a:lnTo>
-                    <a:lnTo>
-                      <a:pt x="15" y="0"/>
-                    </a:lnTo>
-                    <a:lnTo>
-                      <a:pt x="15" y="623"/>
-                    </a:lnTo>
-                    <a:lnTo>
-                      <a:pt x="233" y="1135"/>
-                    </a:lnTo>
-                    <a:lnTo>
-                      <a:pt x="218" y="1141"/>
-                    </a:lnTo>
-                    <a:close/>
-                  </a:path>
-                </a:pathLst>
-              </a:custGeom>
-              <a:grpFill/>
-              <a:ln>
-                <a:noFill/>
-              </a:ln>
-              <a:extLst>
-                <a:ext uri="{91240B29-F687-4f45-9708-019B960494DF}">
-                  <a14:hiddenLine xmlns="" xmlns:a16="http://schemas.microsoft.com/office/drawing/2014/main" xmlns:p14="http://schemas.microsoft.com/office/powerpoint/2010/main" xmlns:a14="http://schemas.microsoft.com/office/drawing/2010/main" w="9525">
-                    <a:solidFill>
-                      <a:srgbClr val="000000"/>
-                    </a:solidFill>
-                    <a:round/>
-                    <a:headEnd/>
-                    <a:tailEnd/>
-                  </a14:hiddenLine>
-                </a:ext>
-              </a:extLst>
-            </p:spPr>
-          </p:sp>
-          <p:sp>
-            <p:nvSpPr>
-              <p:cNvPr id="151" name="Freeform 9">
-                <a:extLst>
-                  <a:ext uri="{FF2B5EF4-FFF2-40B4-BE49-F238E27FC236}">
-                    <a16:creationId xmlns:a16="http://schemas.microsoft.com/office/drawing/2014/main" id="{DFE2793C-165C-4635-A26E-C569C8E0C536}"/>
-                  </a:ext>
-                  <a:ext uri="{C183D7F6-B498-43B3-948B-1728B52AA6E4}">
-                    <adec:decorative xmlns:adec="http://schemas.microsoft.com/office/drawing/2017/decorative" val="1"/>
-                  </a:ext>
-                </a:extLst>
-              </p:cNvPr>
-              <p:cNvSpPr>
-                <a:spLocks noEditPoints="1"/>
-              </p:cNvSpPr>
-              <p:nvPr>
-                <p:extLst>
-                  <p:ext uri="{386F3935-93C4-4BCD-93E2-E3B085C9AB24}">
-                    <p16:designElem xmlns:p16="http://schemas.microsoft.com/office/powerpoint/2015/main" val="1"/>
-                  </p:ext>
-                </p:extLst>
-              </p:nvPr>
-            </p:nvSpPr>
-            <p:spPr bwMode="auto">
-              <a:xfrm>
-                <a:off x="503237" y="1801813"/>
-                <a:ext cx="190500" cy="188913"/>
-              </a:xfrm>
-              <a:custGeom>
-                <a:avLst/>
-                <a:gdLst/>
-                <a:ahLst/>
-                <a:cxnLst/>
-                <a:rect l="0" t="0" r="r" b="b"/>
-                <a:pathLst>
-                  <a:path w="40" h="40">
-                    <a:moveTo>
-                      <a:pt x="20" y="40"/>
-                    </a:moveTo>
-                    <a:cubicBezTo>
-                      <a:pt x="9" y="40"/>
-                      <a:pt x="0" y="31"/>
-                      <a:pt x="0" y="20"/>
-                    </a:cubicBezTo>
-                    <a:cubicBezTo>
-                      <a:pt x="0" y="9"/>
-                      <a:pt x="9" y="0"/>
-                      <a:pt x="20" y="0"/>
-                    </a:cubicBezTo>
-                    <a:cubicBezTo>
-                      <a:pt x="33" y="0"/>
-                      <a:pt x="40" y="6"/>
-                      <a:pt x="40" y="20"/>
-                    </a:cubicBezTo>
-                    <a:cubicBezTo>
-                      <a:pt x="40" y="31"/>
-                      <a:pt x="31" y="40"/>
-                      <a:pt x="20" y="40"/>
-                    </a:cubicBezTo>
-                    <a:close/>
-                    <a:moveTo>
-                      <a:pt x="20" y="4"/>
-                    </a:moveTo>
-                    <a:cubicBezTo>
-                      <a:pt x="11" y="4"/>
-                      <a:pt x="4" y="11"/>
-                      <a:pt x="4" y="20"/>
-                    </a:cubicBezTo>
-                    <a:cubicBezTo>
-                      <a:pt x="4" y="29"/>
-                      <a:pt x="11" y="36"/>
-                      <a:pt x="20" y="36"/>
-                    </a:cubicBezTo>
-                    <a:cubicBezTo>
-                      <a:pt x="28" y="36"/>
-                      <a:pt x="36" y="29"/>
-                      <a:pt x="36" y="20"/>
-                    </a:cubicBezTo>
-                    <a:cubicBezTo>
-                      <a:pt x="36" y="9"/>
-                      <a:pt x="31" y="4"/>
-                      <a:pt x="20" y="4"/>
-                    </a:cubicBezTo>
-                    <a:close/>
-                  </a:path>
-                </a:pathLst>
-              </a:custGeom>
-              <a:grpFill/>
-              <a:ln>
-                <a:noFill/>
-              </a:ln>
-              <a:extLst>
-                <a:ext uri="{91240B29-F687-4f45-9708-019B960494DF}">
-                  <a14:hiddenLine xmlns="" xmlns:a16="http://schemas.microsoft.com/office/drawing/2014/main" xmlns:p14="http://schemas.microsoft.com/office/powerpoint/2010/main" xmlns:a14="http://schemas.microsoft.com/office/drawing/2010/main" w="9525">
-                    <a:solidFill>
-                      <a:srgbClr val="000000"/>
-                    </a:solidFill>
-                    <a:round/>
-                    <a:headEnd/>
-                    <a:tailEnd/>
-                  </a14:hiddenLine>
-                </a:ext>
-              </a:extLst>
-            </p:spPr>
-          </p:sp>
-          <p:sp>
-            <p:nvSpPr>
-              <p:cNvPr id="152" name="Freeform 10">
-                <a:extLst>
-                  <a:ext uri="{FF2B5EF4-FFF2-40B4-BE49-F238E27FC236}">
-                    <a16:creationId xmlns:a16="http://schemas.microsoft.com/office/drawing/2014/main" id="{ECDFEF2C-7B0A-41A1-BB61-C92CB3E3A773}"/>
-                  </a:ext>
-                  <a:ext uri="{C183D7F6-B498-43B3-948B-1728B52AA6E4}">
-                    <adec:decorative xmlns:adec="http://schemas.microsoft.com/office/drawing/2017/decorative" val="1"/>
-                  </a:ext>
-                </a:extLst>
-              </p:cNvPr>
-              <p:cNvSpPr/>
-              <p:nvPr>
-                <p:extLst>
-                  <p:ext uri="{386F3935-93C4-4BCD-93E2-E3B085C9AB24}">
-                    <p16:designElem xmlns:p16="http://schemas.microsoft.com/office/powerpoint/2015/main" val="1"/>
-                  </p:ext>
-                </p:extLst>
-              </p:nvPr>
-            </p:nvSpPr>
-            <p:spPr bwMode="auto">
-              <a:xfrm>
-                <a:off x="285750" y="4763"/>
-                <a:ext cx="369888" cy="1430338"/>
-              </a:xfrm>
-              <a:custGeom>
-                <a:avLst/>
-                <a:gdLst/>
-                <a:ahLst/>
-                <a:cxnLst/>
-                <a:rect l="0" t="0" r="r" b="b"/>
-                <a:pathLst>
-                  <a:path w="233" h="901">
-                    <a:moveTo>
-                      <a:pt x="221" y="901"/>
-                    </a:moveTo>
-                    <a:lnTo>
-                      <a:pt x="0" y="383"/>
-                    </a:lnTo>
-                    <a:lnTo>
-                      <a:pt x="0" y="0"/>
-                    </a:lnTo>
-                    <a:lnTo>
-                      <a:pt x="18" y="0"/>
-                    </a:lnTo>
-                    <a:lnTo>
-                      <a:pt x="18" y="380"/>
-                    </a:lnTo>
-                    <a:lnTo>
-                      <a:pt x="233" y="895"/>
-                    </a:lnTo>
-                    <a:lnTo>
-                      <a:pt x="221" y="901"/>
-                    </a:lnTo>
-                    <a:close/>
-                  </a:path>
-                </a:pathLst>
-              </a:custGeom>
-              <a:grpFill/>
-              <a:ln>
-                <a:noFill/>
-              </a:ln>
-              <a:extLst>
-                <a:ext uri="{91240B29-F687-4f45-9708-019B960494DF}">
-                  <a14:hiddenLine xmlns="" xmlns:a16="http://schemas.microsoft.com/office/drawing/2014/main" xmlns:p14="http://schemas.microsoft.com/office/powerpoint/2010/main" xmlns:a14="http://schemas.microsoft.com/office/drawing/2010/main" w="9525">
-                    <a:solidFill>
-                      <a:srgbClr val="000000"/>
-                    </a:solidFill>
-                    <a:round/>
-                    <a:headEnd/>
-                    <a:tailEnd/>
-                  </a14:hiddenLine>
-                </a:ext>
-              </a:extLst>
-            </p:spPr>
-          </p:sp>
-          <p:sp>
-            <p:nvSpPr>
-              <p:cNvPr id="153" name="Freeform 11">
-                <a:extLst>
-                  <a:ext uri="{FF2B5EF4-FFF2-40B4-BE49-F238E27FC236}">
-                    <a16:creationId xmlns:a16="http://schemas.microsoft.com/office/drawing/2014/main" id="{0012A396-1946-4B40-AA39-0790157CE932}"/>
-                  </a:ext>
-                  <a:ext uri="{C183D7F6-B498-43B3-948B-1728B52AA6E4}">
-                    <adec:decorative xmlns:adec="http://schemas.microsoft.com/office/drawing/2017/decorative" val="1"/>
-                  </a:ext>
-                </a:extLst>
-              </p:cNvPr>
-              <p:cNvSpPr/>
-              <p:nvPr>
-                <p:extLst>
-                  <p:ext uri="{386F3935-93C4-4BCD-93E2-E3B085C9AB24}">
-                    <p16:designElem xmlns:p16="http://schemas.microsoft.com/office/powerpoint/2015/main" val="1"/>
-                  </p:ext>
-                </p:extLst>
-              </p:nvPr>
-            </p:nvSpPr>
-            <p:spPr bwMode="auto">
-              <a:xfrm>
-                <a:off x="546100" y="0"/>
-                <a:ext cx="152400" cy="912813"/>
-              </a:xfrm>
-              <a:custGeom>
-                <a:avLst/>
-                <a:gdLst/>
-                <a:ahLst/>
-                <a:cxnLst/>
-                <a:rect l="0" t="0" r="r" b="b"/>
-                <a:pathLst>
-                  <a:path w="96" h="575">
-                    <a:moveTo>
-                      <a:pt x="96" y="575"/>
-                    </a:moveTo>
-                    <a:lnTo>
-                      <a:pt x="78" y="575"/>
-                    </a:lnTo>
-                    <a:lnTo>
-                      <a:pt x="78" y="192"/>
-                    </a:lnTo>
-                    <a:lnTo>
-                      <a:pt x="0" y="6"/>
-                    </a:lnTo>
-                    <a:lnTo>
-                      <a:pt x="15" y="0"/>
-                    </a:lnTo>
-                    <a:lnTo>
-                      <a:pt x="96" y="189"/>
-                    </a:lnTo>
-                    <a:lnTo>
-                      <a:pt x="96" y="575"/>
-                    </a:lnTo>
-                    <a:close/>
-                  </a:path>
-                </a:pathLst>
-              </a:custGeom>
-              <a:grpFill/>
-              <a:ln>
-                <a:noFill/>
-              </a:ln>
-              <a:extLst>
-                <a:ext uri="{91240B29-F687-4f45-9708-019B960494DF}">
-                  <a14:hiddenLine xmlns="" xmlns:a16="http://schemas.microsoft.com/office/drawing/2014/main" xmlns:p14="http://schemas.microsoft.com/office/powerpoint/2010/main" xmlns:a14="http://schemas.microsoft.com/office/drawing/2010/main" w="9525">
-                    <a:solidFill>
-                      <a:srgbClr val="000000"/>
-                    </a:solidFill>
-                    <a:round/>
-                    <a:headEnd/>
-                    <a:tailEnd/>
-                  </a14:hiddenLine>
-                </a:ext>
-              </a:extLst>
-            </p:spPr>
-          </p:sp>
-          <p:sp>
-            <p:nvSpPr>
-              <p:cNvPr id="154" name="Freeform 12">
-                <a:extLst>
-                  <a:ext uri="{FF2B5EF4-FFF2-40B4-BE49-F238E27FC236}">
-                    <a16:creationId xmlns:a16="http://schemas.microsoft.com/office/drawing/2014/main" id="{CD6C6024-F73D-4991-97B9-BE53FF24E311}"/>
-                  </a:ext>
-                  <a:ext uri="{C183D7F6-B498-43B3-948B-1728B52AA6E4}">
-                    <adec:decorative xmlns:adec="http://schemas.microsoft.com/office/drawing/2017/decorative" val="1"/>
-                  </a:ext>
-                </a:extLst>
-              </p:cNvPr>
-              <p:cNvSpPr>
-                <a:spLocks noEditPoints="1"/>
-              </p:cNvSpPr>
-              <p:nvPr>
-                <p:extLst>
-                  <p:ext uri="{386F3935-93C4-4BCD-93E2-E3B085C9AB24}">
-                    <p16:designElem xmlns:p16="http://schemas.microsoft.com/office/powerpoint/2015/main" val="1"/>
-                  </p:ext>
-                </p:extLst>
-              </p:nvPr>
-            </p:nvSpPr>
-            <p:spPr bwMode="auto">
-              <a:xfrm>
-                <a:off x="588962" y="1420813"/>
-                <a:ext cx="190500" cy="190500"/>
-              </a:xfrm>
-              <a:custGeom>
-                <a:avLst/>
-                <a:gdLst/>
-                <a:ahLst/>
-                <a:cxnLst/>
-                <a:rect l="0" t="0" r="r" b="b"/>
-                <a:pathLst>
-                  <a:path w="40" h="40">
-                    <a:moveTo>
-                      <a:pt x="20" y="40"/>
-                    </a:moveTo>
-                    <a:cubicBezTo>
-                      <a:pt x="9" y="40"/>
-                      <a:pt x="0" y="31"/>
-                      <a:pt x="0" y="20"/>
-                    </a:cubicBezTo>
-                    <a:cubicBezTo>
-                      <a:pt x="0" y="9"/>
-                      <a:pt x="9" y="0"/>
-                      <a:pt x="20" y="0"/>
-                    </a:cubicBezTo>
-                    <a:cubicBezTo>
-                      <a:pt x="33" y="0"/>
-                      <a:pt x="40" y="7"/>
-                      <a:pt x="40" y="20"/>
-                    </a:cubicBezTo>
-                    <a:cubicBezTo>
-                      <a:pt x="40" y="31"/>
-                      <a:pt x="31" y="40"/>
-                      <a:pt x="20" y="40"/>
-                    </a:cubicBezTo>
-                    <a:close/>
-                    <a:moveTo>
-                      <a:pt x="20" y="4"/>
-                    </a:moveTo>
-                    <a:cubicBezTo>
-                      <a:pt x="11" y="4"/>
-                      <a:pt x="4" y="11"/>
-                      <a:pt x="4" y="20"/>
-                    </a:cubicBezTo>
-                    <a:cubicBezTo>
-                      <a:pt x="4" y="29"/>
-                      <a:pt x="11" y="36"/>
-                      <a:pt x="20" y="36"/>
-                    </a:cubicBezTo>
-                    <a:cubicBezTo>
-                      <a:pt x="29" y="36"/>
-                      <a:pt x="36" y="29"/>
-                      <a:pt x="36" y="20"/>
-                    </a:cubicBezTo>
-                    <a:cubicBezTo>
-                      <a:pt x="36" y="9"/>
-                      <a:pt x="31" y="4"/>
-                      <a:pt x="20" y="4"/>
-                    </a:cubicBezTo>
-                    <a:close/>
-                  </a:path>
-                </a:pathLst>
-              </a:custGeom>
-              <a:grpFill/>
-              <a:ln>
-                <a:noFill/>
-              </a:ln>
-              <a:extLst>
-                <a:ext uri="{91240B29-F687-4f45-9708-019B960494DF}">
-                  <a14:hiddenLine xmlns="" xmlns:a16="http://schemas.microsoft.com/office/drawing/2014/main" xmlns:p14="http://schemas.microsoft.com/office/powerpoint/2010/main" xmlns:a14="http://schemas.microsoft.com/office/drawing/2010/main" w="9525">
-                    <a:solidFill>
-                      <a:srgbClr val="000000"/>
-                    </a:solidFill>
-                    <a:round/>
-                    <a:headEnd/>
-                    <a:tailEnd/>
-                  </a14:hiddenLine>
-                </a:ext>
-              </a:extLst>
-            </p:spPr>
-          </p:sp>
-          <p:sp>
-            <p:nvSpPr>
-              <p:cNvPr id="155" name="Freeform 13">
-                <a:extLst>
-                  <a:ext uri="{FF2B5EF4-FFF2-40B4-BE49-F238E27FC236}">
-                    <a16:creationId xmlns:a16="http://schemas.microsoft.com/office/drawing/2014/main" id="{5977EDD1-3D10-43FA-B800-7A7C8112B774}"/>
-                  </a:ext>
-                  <a:ext uri="{C183D7F6-B498-43B3-948B-1728B52AA6E4}">
-                    <adec:decorative xmlns:adec="http://schemas.microsoft.com/office/drawing/2017/decorative" val="1"/>
-                  </a:ext>
-                </a:extLst>
-              </p:cNvPr>
-              <p:cNvSpPr>
-                <a:spLocks noEditPoints="1"/>
-              </p:cNvSpPr>
-              <p:nvPr>
-                <p:extLst>
-                  <p:ext uri="{386F3935-93C4-4BCD-93E2-E3B085C9AB24}">
-                    <p16:designElem xmlns:p16="http://schemas.microsoft.com/office/powerpoint/2015/main" val="1"/>
-                  </p:ext>
-                </p:extLst>
-              </p:nvPr>
-            </p:nvSpPr>
-            <p:spPr bwMode="auto">
-              <a:xfrm>
-                <a:off x="588962" y="903288"/>
-                <a:ext cx="190500" cy="190500"/>
-              </a:xfrm>
-              <a:custGeom>
-                <a:avLst/>
-                <a:gdLst/>
-                <a:ahLst/>
-                <a:cxnLst/>
-                <a:rect l="0" t="0" r="r" b="b"/>
-                <a:pathLst>
-                  <a:path w="40" h="40">
-                    <a:moveTo>
-                      <a:pt x="20" y="40"/>
-                    </a:moveTo>
-                    <a:cubicBezTo>
-                      <a:pt x="9" y="40"/>
-                      <a:pt x="0" y="31"/>
-                      <a:pt x="0" y="20"/>
-                    </a:cubicBezTo>
-                    <a:cubicBezTo>
-                      <a:pt x="0" y="9"/>
-                      <a:pt x="9" y="0"/>
-                      <a:pt x="20" y="0"/>
-                    </a:cubicBezTo>
-                    <a:cubicBezTo>
-                      <a:pt x="31" y="0"/>
-                      <a:pt x="40" y="9"/>
-                      <a:pt x="40" y="20"/>
-                    </a:cubicBezTo>
-                    <a:cubicBezTo>
-                      <a:pt x="40" y="31"/>
-                      <a:pt x="31" y="40"/>
-                      <a:pt x="20" y="40"/>
-                    </a:cubicBezTo>
-                    <a:close/>
-                    <a:moveTo>
-                      <a:pt x="20" y="4"/>
-                    </a:moveTo>
-                    <a:cubicBezTo>
-                      <a:pt x="11" y="4"/>
-                      <a:pt x="4" y="11"/>
-                      <a:pt x="4" y="20"/>
-                    </a:cubicBezTo>
-                    <a:cubicBezTo>
-                      <a:pt x="4" y="29"/>
-                      <a:pt x="11" y="36"/>
-                      <a:pt x="20" y="36"/>
-                    </a:cubicBezTo>
-                    <a:cubicBezTo>
-                      <a:pt x="29" y="36"/>
-                      <a:pt x="36" y="29"/>
-                      <a:pt x="36" y="20"/>
-                    </a:cubicBezTo>
-                    <a:cubicBezTo>
-                      <a:pt x="36" y="11"/>
-                      <a:pt x="29" y="4"/>
-                      <a:pt x="20" y="4"/>
-                    </a:cubicBezTo>
-                    <a:close/>
-                  </a:path>
-                </a:pathLst>
-              </a:custGeom>
-              <a:grpFill/>
-              <a:ln>
-                <a:noFill/>
-              </a:ln>
-              <a:extLst>
-                <a:ext uri="{91240B29-F687-4f45-9708-019B960494DF}">
-                  <a14:hiddenLine xmlns="" xmlns:a16="http://schemas.microsoft.com/office/drawing/2014/main" xmlns:p14="http://schemas.microsoft.com/office/powerpoint/2010/main" xmlns:a14="http://schemas.microsoft.com/office/drawing/2010/main" w="9525">
-                    <a:solidFill>
-                      <a:srgbClr val="000000"/>
-                    </a:solidFill>
-                    <a:round/>
-                    <a:headEnd/>
-                    <a:tailEnd/>
-                  </a14:hiddenLine>
-                </a:ext>
-              </a:extLst>
-            </p:spPr>
-          </p:sp>
-          <p:sp>
-            <p:nvSpPr>
-              <p:cNvPr id="156" name="Freeform 14">
-                <a:extLst>
-                  <a:ext uri="{FF2B5EF4-FFF2-40B4-BE49-F238E27FC236}">
-                    <a16:creationId xmlns:a16="http://schemas.microsoft.com/office/drawing/2014/main" id="{D37988CF-9FC6-48F5-82F8-D2EB0178A3B9}"/>
-                  </a:ext>
-                  <a:ext uri="{C183D7F6-B498-43B3-948B-1728B52AA6E4}">
-                    <adec:decorative xmlns:adec="http://schemas.microsoft.com/office/drawing/2017/decorative" val="1"/>
-                  </a:ext>
-                </a:extLst>
-              </p:cNvPr>
-              <p:cNvSpPr/>
-              <p:nvPr>
-                <p:extLst>
-                  <p:ext uri="{386F3935-93C4-4BCD-93E2-E3B085C9AB24}">
-                    <p16:designElem xmlns:p16="http://schemas.microsoft.com/office/powerpoint/2015/main" val="1"/>
-                  </p:ext>
-                </p:extLst>
-              </p:nvPr>
-            </p:nvSpPr>
-            <p:spPr bwMode="auto">
-              <a:xfrm>
-                <a:off x="641350" y="0"/>
-                <a:ext cx="422275" cy="527050"/>
-              </a:xfrm>
-              <a:custGeom>
-                <a:avLst/>
-                <a:gdLst/>
-                <a:ahLst/>
-                <a:cxnLst/>
-                <a:rect l="0" t="0" r="r" b="b"/>
-                <a:pathLst>
-                  <a:path w="266" h="332">
-                    <a:moveTo>
-                      <a:pt x="257" y="332"/>
-                    </a:moveTo>
-                    <a:lnTo>
-                      <a:pt x="48" y="123"/>
-                    </a:lnTo>
-                    <a:lnTo>
-                      <a:pt x="0" y="6"/>
-                    </a:lnTo>
-                    <a:lnTo>
-                      <a:pt x="15" y="0"/>
-                    </a:lnTo>
-                    <a:lnTo>
-                      <a:pt x="63" y="114"/>
-                    </a:lnTo>
-                    <a:lnTo>
-                      <a:pt x="266" y="320"/>
-                    </a:lnTo>
-                    <a:lnTo>
-                      <a:pt x="257" y="332"/>
-                    </a:lnTo>
-                    <a:close/>
-                  </a:path>
-                </a:pathLst>
-              </a:custGeom>
-              <a:grpFill/>
-              <a:ln>
-                <a:noFill/>
-              </a:ln>
-              <a:extLst>
-                <a:ext uri="{91240B29-F687-4f45-9708-019B960494DF}">
-                  <a14:hiddenLine xmlns="" xmlns:a16="http://schemas.microsoft.com/office/drawing/2014/main" xmlns:p14="http://schemas.microsoft.com/office/powerpoint/2010/main" xmlns:a14="http://schemas.microsoft.com/office/drawing/2010/main" w="9525">
-                    <a:solidFill>
-                      <a:srgbClr val="000000"/>
-                    </a:solidFill>
-                    <a:round/>
-                    <a:headEnd/>
-                    <a:tailEnd/>
-                  </a14:hiddenLine>
-                </a:ext>
-              </a:extLst>
-            </p:spPr>
-          </p:sp>
-          <p:sp>
-            <p:nvSpPr>
-              <p:cNvPr id="157" name="Freeform 15">
-                <a:extLst>
-                  <a:ext uri="{FF2B5EF4-FFF2-40B4-BE49-F238E27FC236}">
-                    <a16:creationId xmlns:a16="http://schemas.microsoft.com/office/drawing/2014/main" id="{EC5BB05B-491C-414A-91C3-B1CAB785A84C}"/>
-                  </a:ext>
-                  <a:ext uri="{C183D7F6-B498-43B3-948B-1728B52AA6E4}">
-                    <adec:decorative xmlns:adec="http://schemas.microsoft.com/office/drawing/2017/decorative" val="1"/>
-                  </a:ext>
-                </a:extLst>
-              </p:cNvPr>
-              <p:cNvSpPr>
-                <a:spLocks noEditPoints="1"/>
-              </p:cNvSpPr>
-              <p:nvPr>
-                <p:extLst>
-                  <p:ext uri="{386F3935-93C4-4BCD-93E2-E3B085C9AB24}">
-                    <p16:designElem xmlns:p16="http://schemas.microsoft.com/office/powerpoint/2015/main" val="1"/>
-                  </p:ext>
-                </p:extLst>
-              </p:nvPr>
-            </p:nvSpPr>
-            <p:spPr bwMode="auto">
-              <a:xfrm>
-                <a:off x="1020762" y="488950"/>
-                <a:ext cx="161925" cy="147638"/>
-              </a:xfrm>
-              <a:custGeom>
-                <a:avLst/>
-                <a:gdLst/>
-                <a:ahLst/>
-                <a:cxnLst/>
-                <a:rect l="0" t="0" r="r" b="b"/>
-                <a:pathLst>
-                  <a:path w="34" h="31">
-                    <a:moveTo>
-                      <a:pt x="17" y="31"/>
-                    </a:moveTo>
-                    <a:cubicBezTo>
-                      <a:pt x="13" y="31"/>
-                      <a:pt x="9" y="30"/>
-                      <a:pt x="6" y="27"/>
-                    </a:cubicBezTo>
-                    <a:cubicBezTo>
-                      <a:pt x="0" y="20"/>
-                      <a:pt x="0" y="10"/>
-                      <a:pt x="6" y="4"/>
-                    </a:cubicBezTo>
-                    <a:cubicBezTo>
-                      <a:pt x="9" y="1"/>
-                      <a:pt x="13" y="0"/>
-                      <a:pt x="17" y="0"/>
-                    </a:cubicBezTo>
-                    <a:cubicBezTo>
-                      <a:pt x="21" y="0"/>
-                      <a:pt x="25" y="1"/>
-                      <a:pt x="28" y="4"/>
-                    </a:cubicBezTo>
-                    <a:cubicBezTo>
-                      <a:pt x="34" y="10"/>
-                      <a:pt x="34" y="20"/>
-                      <a:pt x="28" y="27"/>
-                    </a:cubicBezTo>
-                    <a:cubicBezTo>
-                      <a:pt x="25" y="30"/>
-                      <a:pt x="21" y="31"/>
-                      <a:pt x="17" y="31"/>
-                    </a:cubicBezTo>
-                    <a:close/>
-                    <a:moveTo>
-                      <a:pt x="17" y="4"/>
-                    </a:moveTo>
-                    <a:cubicBezTo>
-                      <a:pt x="14" y="4"/>
-                      <a:pt x="11" y="5"/>
-                      <a:pt x="9" y="7"/>
-                    </a:cubicBezTo>
-                    <a:cubicBezTo>
-                      <a:pt x="4" y="12"/>
-                      <a:pt x="4" y="19"/>
-                      <a:pt x="9" y="24"/>
-                    </a:cubicBezTo>
-                    <a:cubicBezTo>
-                      <a:pt x="11" y="26"/>
-                      <a:pt x="14" y="27"/>
-                      <a:pt x="17" y="27"/>
-                    </a:cubicBezTo>
-                    <a:cubicBezTo>
-                      <a:pt x="20" y="27"/>
-                      <a:pt x="23" y="26"/>
-                      <a:pt x="25" y="24"/>
-                    </a:cubicBezTo>
-                    <a:cubicBezTo>
-                      <a:pt x="30" y="19"/>
-                      <a:pt x="30" y="12"/>
-                      <a:pt x="25" y="7"/>
-                    </a:cubicBezTo>
-                    <a:cubicBezTo>
-                      <a:pt x="23" y="5"/>
-                      <a:pt x="20" y="4"/>
-                      <a:pt x="17" y="4"/>
-                    </a:cubicBezTo>
-                    <a:close/>
-                  </a:path>
-                </a:pathLst>
-              </a:custGeom>
-              <a:grpFill/>
-              <a:ln>
-                <a:noFill/>
-              </a:ln>
-              <a:extLst>
-                <a:ext uri="{91240B29-F687-4f45-9708-019B960494DF}">
-                  <a14:hiddenLine xmlns="" xmlns:a16="http://schemas.microsoft.com/office/drawing/2014/main" xmlns:p14="http://schemas.microsoft.com/office/powerpoint/2010/main" xmlns:a14="http://schemas.microsoft.com/office/drawing/2010/main" w="9525">
-                    <a:solidFill>
-                      <a:srgbClr val="000000"/>
-                    </a:solidFill>
-                    <a:round/>
-                    <a:headEnd/>
-                    <a:tailEnd/>
-                  </a14:hiddenLine>
-                </a:ext>
-              </a:extLst>
-            </p:spPr>
-          </p:sp>
-          <p:sp>
-            <p:nvSpPr>
-              <p:cNvPr id="158" name="Line 16">
-                <a:extLst>
-                  <a:ext uri="{FF2B5EF4-FFF2-40B4-BE49-F238E27FC236}">
-                    <a16:creationId xmlns:a16="http://schemas.microsoft.com/office/drawing/2014/main" id="{F3180CB6-F8D2-4596-B6CB-F9CEF5D3894E}"/>
-                  </a:ext>
-                  <a:ext uri="{C183D7F6-B498-43B3-948B-1728B52AA6E4}">
-                    <adec:decorative xmlns:adec="http://schemas.microsoft.com/office/drawing/2017/decorative" val="1"/>
-                  </a:ext>
-                </a:extLst>
-              </p:cNvPr>
-              <p:cNvSpPr>
-                <a:spLocks noChangeShapeType="1"/>
-              </p:cNvSpPr>
-              <p:nvPr>
-                <p:extLst>
-                  <p:ext uri="{386F3935-93C4-4BCD-93E2-E3B085C9AB24}">
-                    <p16:designElem xmlns:p16="http://schemas.microsoft.com/office/powerpoint/2015/main" val="1"/>
-                  </p:ext>
-                </p:extLst>
-              </p:nvPr>
-            </p:nvSpPr>
-            <p:spPr bwMode="auto">
-              <a:xfrm>
-                <a:off x="-4763" y="9525"/>
-                <a:ext cx="0" cy="0"/>
-              </a:xfrm>
-              <a:prstGeom prst="line">
-                <a:avLst/>
-              </a:prstGeom>
-              <a:grpFill/>
-              <a:ln w="15" cap="flat">
-                <a:solidFill>
-                  <a:srgbClr val="FFFFFF"/>
-                </a:solidFill>
-                <a:prstDash val="solid"/>
-                <a:miter lim="800000"/>
-                <a:headEnd/>
-                <a:tailEnd/>
-              </a:ln>
-            </p:spPr>
-          </p:sp>
-          <p:sp>
-            <p:nvSpPr>
-              <p:cNvPr id="159" name="Freeform 17">
-                <a:extLst>
-                  <a:ext uri="{FF2B5EF4-FFF2-40B4-BE49-F238E27FC236}">
-                    <a16:creationId xmlns:a16="http://schemas.microsoft.com/office/drawing/2014/main" id="{DF338DD3-80F8-4F68-AC7C-361ABF2A9BF7}"/>
-                  </a:ext>
-                  <a:ext uri="{C183D7F6-B498-43B3-948B-1728B52AA6E4}">
-                    <adec:decorative xmlns:adec="http://schemas.microsoft.com/office/drawing/2017/decorative" val="1"/>
-                  </a:ext>
-                </a:extLst>
-              </p:cNvPr>
-              <p:cNvSpPr/>
-              <p:nvPr>
-                <p:extLst>
-                  <p:ext uri="{386F3935-93C4-4BCD-93E2-E3B085C9AB24}">
-                    <p16:designElem xmlns:p16="http://schemas.microsoft.com/office/powerpoint/2015/main" val="1"/>
-                  </p:ext>
-                </p:extLst>
-              </p:nvPr>
-            </p:nvSpPr>
-            <p:spPr bwMode="auto">
-              <a:xfrm>
-                <a:off x="9525" y="1801813"/>
-                <a:ext cx="123825" cy="127000"/>
-              </a:xfrm>
-              <a:custGeom>
-                <a:avLst/>
-                <a:gdLst/>
-                <a:ahLst/>
-                <a:cxnLst/>
-                <a:rect l="0" t="0" r="r" b="b"/>
-                <a:pathLst>
-                  <a:path w="78" h="80">
-                    <a:moveTo>
-                      <a:pt x="6" y="80"/>
-                    </a:moveTo>
-                    <a:lnTo>
-                      <a:pt x="0" y="71"/>
-                    </a:lnTo>
-                    <a:lnTo>
-                      <a:pt x="69" y="0"/>
-                    </a:lnTo>
-                    <a:lnTo>
-                      <a:pt x="78" y="9"/>
-                    </a:lnTo>
-                    <a:lnTo>
-                      <a:pt x="6" y="80"/>
-                    </a:lnTo>
-                    <a:close/>
-                  </a:path>
-                </a:pathLst>
-              </a:custGeom>
-              <a:grpFill/>
-              <a:ln>
-                <a:noFill/>
-              </a:ln>
-              <a:extLst>
-                <a:ext uri="{91240B29-F687-4f45-9708-019B960494DF}">
-                  <a14:hiddenLine xmlns="" xmlns:a16="http://schemas.microsoft.com/office/drawing/2014/main" xmlns:p14="http://schemas.microsoft.com/office/powerpoint/2010/main" xmlns:a14="http://schemas.microsoft.com/office/drawing/2010/main" w="9525">
-                    <a:solidFill>
-                      <a:srgbClr val="000000"/>
-                    </a:solidFill>
-                    <a:round/>
-                    <a:headEnd/>
-                    <a:tailEnd/>
-                  </a14:hiddenLine>
-                </a:ext>
-              </a:extLst>
-            </p:spPr>
-          </p:sp>
-          <p:sp>
-            <p:nvSpPr>
-              <p:cNvPr id="160" name="Freeform 18">
-                <a:extLst>
-                  <a:ext uri="{FF2B5EF4-FFF2-40B4-BE49-F238E27FC236}">
-                    <a16:creationId xmlns:a16="http://schemas.microsoft.com/office/drawing/2014/main" id="{9666E4DB-B855-4A4E-BB50-1880738C11D7}"/>
-                  </a:ext>
-                  <a:ext uri="{C183D7F6-B498-43B3-948B-1728B52AA6E4}">
-                    <adec:decorative xmlns:adec="http://schemas.microsoft.com/office/drawing/2017/decorative" val="1"/>
-                  </a:ext>
-                </a:extLst>
-              </p:cNvPr>
-              <p:cNvSpPr/>
-              <p:nvPr>
-                <p:extLst>
-                  <p:ext uri="{386F3935-93C4-4BCD-93E2-E3B085C9AB24}">
-                    <p16:designElem xmlns:p16="http://schemas.microsoft.com/office/powerpoint/2015/main" val="1"/>
-                  </p:ext>
-                </p:extLst>
-              </p:nvPr>
-            </p:nvSpPr>
-            <p:spPr bwMode="auto">
-              <a:xfrm>
-                <a:off x="-9525" y="3549650"/>
-                <a:ext cx="147638" cy="481013"/>
-              </a:xfrm>
-              <a:custGeom>
-                <a:avLst/>
-                <a:gdLst/>
-                <a:ahLst/>
-                <a:cxnLst/>
-                <a:rect l="0" t="0" r="r" b="b"/>
-                <a:pathLst>
-                  <a:path w="93" h="303">
-                    <a:moveTo>
-                      <a:pt x="93" y="303"/>
-                    </a:moveTo>
-                    <a:lnTo>
-                      <a:pt x="78" y="303"/>
-                    </a:lnTo>
-                    <a:lnTo>
-                      <a:pt x="78" y="78"/>
-                    </a:lnTo>
-                    <a:lnTo>
-                      <a:pt x="0" y="12"/>
-                    </a:lnTo>
-                    <a:lnTo>
-                      <a:pt x="12" y="0"/>
-                    </a:lnTo>
-                    <a:lnTo>
-                      <a:pt x="93" y="69"/>
-                    </a:lnTo>
-                    <a:lnTo>
-                      <a:pt x="93" y="303"/>
-                    </a:lnTo>
-                    <a:close/>
-                  </a:path>
-                </a:pathLst>
-              </a:custGeom>
-              <a:grpFill/>
-              <a:ln>
-                <a:noFill/>
-              </a:ln>
-              <a:extLst>
-                <a:ext uri="{91240B29-F687-4f45-9708-019B960494DF}">
-                  <a14:hiddenLine xmlns="" xmlns:a16="http://schemas.microsoft.com/office/drawing/2014/main" xmlns:p14="http://schemas.microsoft.com/office/powerpoint/2010/main" xmlns:a14="http://schemas.microsoft.com/office/drawing/2010/main" w="9525">
-                    <a:solidFill>
-                      <a:srgbClr val="000000"/>
-                    </a:solidFill>
-                    <a:round/>
-                    <a:headEnd/>
-                    <a:tailEnd/>
-                  </a14:hiddenLine>
-                </a:ext>
-              </a:extLst>
-            </p:spPr>
-          </p:sp>
-          <p:sp>
-            <p:nvSpPr>
-              <p:cNvPr id="161" name="Freeform 19">
-                <a:extLst>
-                  <a:ext uri="{FF2B5EF4-FFF2-40B4-BE49-F238E27FC236}">
-                    <a16:creationId xmlns:a16="http://schemas.microsoft.com/office/drawing/2014/main" id="{F570FD9C-B435-4EF1-962C-621F1261AA5B}"/>
-                  </a:ext>
-                  <a:ext uri="{C183D7F6-B498-43B3-948B-1728B52AA6E4}">
-                    <adec:decorative xmlns:adec="http://schemas.microsoft.com/office/drawing/2017/decorative" val="1"/>
-                  </a:ext>
-                </a:extLst>
-              </p:cNvPr>
-              <p:cNvSpPr/>
-              <p:nvPr>
-                <p:extLst>
-                  <p:ext uri="{386F3935-93C4-4BCD-93E2-E3B085C9AB24}">
-                    <p16:designElem xmlns:p16="http://schemas.microsoft.com/office/powerpoint/2015/main" val="1"/>
-                  </p:ext>
-                </p:extLst>
-              </p:nvPr>
-            </p:nvSpPr>
-            <p:spPr bwMode="auto">
-              <a:xfrm>
-                <a:off x="128587" y="1382713"/>
-                <a:ext cx="142875" cy="476250"/>
-              </a:xfrm>
-              <a:custGeom>
-                <a:avLst/>
-                <a:gdLst/>
-                <a:ahLst/>
-                <a:cxnLst/>
-                <a:rect l="0" t="0" r="r" b="b"/>
-                <a:pathLst>
-                  <a:path w="90" h="300">
-                    <a:moveTo>
-                      <a:pt x="90" y="300"/>
-                    </a:moveTo>
-                    <a:lnTo>
-                      <a:pt x="78" y="300"/>
-                    </a:lnTo>
-                    <a:lnTo>
-                      <a:pt x="78" y="84"/>
-                    </a:lnTo>
-                    <a:lnTo>
-                      <a:pt x="0" y="9"/>
-                    </a:lnTo>
-                    <a:lnTo>
-                      <a:pt x="9" y="0"/>
-                    </a:lnTo>
-                    <a:lnTo>
-                      <a:pt x="90" y="81"/>
-                    </a:lnTo>
-                    <a:lnTo>
-                      <a:pt x="90" y="300"/>
-                    </a:lnTo>
-                    <a:close/>
-                  </a:path>
-                </a:pathLst>
-              </a:custGeom>
-              <a:grpFill/>
-              <a:ln>
-                <a:noFill/>
-              </a:ln>
-              <a:extLst>
-                <a:ext uri="{91240B29-F687-4f45-9708-019B960494DF}">
-                  <a14:hiddenLine xmlns="" xmlns:a16="http://schemas.microsoft.com/office/drawing/2014/main" xmlns:p14="http://schemas.microsoft.com/office/powerpoint/2010/main" xmlns:a14="http://schemas.microsoft.com/office/drawing/2010/main" w="9525">
-                    <a:solidFill>
-                      <a:srgbClr val="000000"/>
-                    </a:solidFill>
-                    <a:round/>
-                    <a:headEnd/>
-                    <a:tailEnd/>
-                  </a14:hiddenLine>
-                </a:ext>
-              </a:extLst>
-            </p:spPr>
-          </p:sp>
-          <p:sp>
-            <p:nvSpPr>
-              <p:cNvPr id="162" name="Freeform 20">
-                <a:extLst>
-                  <a:ext uri="{FF2B5EF4-FFF2-40B4-BE49-F238E27FC236}">
-                    <a16:creationId xmlns:a16="http://schemas.microsoft.com/office/drawing/2014/main" id="{E236AF0B-3BDC-43C3-8FFC-2A94121E9463}"/>
-                  </a:ext>
-                  <a:ext uri="{C183D7F6-B498-43B3-948B-1728B52AA6E4}">
-                    <adec:decorative xmlns:adec="http://schemas.microsoft.com/office/drawing/2017/decorative" val="1"/>
-                  </a:ext>
-                </a:extLst>
-              </p:cNvPr>
-              <p:cNvSpPr>
-                <a:spLocks noEditPoints="1"/>
-              </p:cNvSpPr>
-              <p:nvPr>
-                <p:extLst>
-                  <p:ext uri="{386F3935-93C4-4BCD-93E2-E3B085C9AB24}">
-                    <p16:designElem xmlns:p16="http://schemas.microsoft.com/office/powerpoint/2015/main" val="1"/>
-                  </p:ext>
-                </p:extLst>
-              </p:nvPr>
-            </p:nvSpPr>
-            <p:spPr bwMode="auto">
-              <a:xfrm>
-                <a:off x="204787" y="1849438"/>
-                <a:ext cx="114300" cy="107950"/>
-              </a:xfrm>
-              <a:custGeom>
-                <a:avLst/>
-                <a:gdLst/>
-                <a:ahLst/>
-                <a:cxnLst/>
-                <a:rect l="0" t="0" r="r" b="b"/>
-                <a:pathLst>
-                  <a:path w="24" h="23">
-                    <a:moveTo>
-                      <a:pt x="12" y="23"/>
-                    </a:moveTo>
-                    <a:cubicBezTo>
-                      <a:pt x="6" y="23"/>
-                      <a:pt x="0" y="18"/>
-                      <a:pt x="0" y="12"/>
-                    </a:cubicBezTo>
-                    <a:cubicBezTo>
-                      <a:pt x="0" y="5"/>
-                      <a:pt x="6" y="0"/>
-                      <a:pt x="12" y="0"/>
-                    </a:cubicBezTo>
-                    <a:cubicBezTo>
-                      <a:pt x="18" y="0"/>
-                      <a:pt x="24" y="5"/>
-                      <a:pt x="24" y="12"/>
-                    </a:cubicBezTo>
-                    <a:cubicBezTo>
-                      <a:pt x="24" y="18"/>
-                      <a:pt x="18" y="23"/>
-                      <a:pt x="12" y="23"/>
-                    </a:cubicBezTo>
-                    <a:close/>
-                    <a:moveTo>
-                      <a:pt x="12" y="4"/>
-                    </a:moveTo>
-                    <a:cubicBezTo>
-                      <a:pt x="8" y="4"/>
-                      <a:pt x="4" y="8"/>
-                      <a:pt x="4" y="12"/>
-                    </a:cubicBezTo>
-                    <a:cubicBezTo>
-                      <a:pt x="4" y="16"/>
-                      <a:pt x="8" y="19"/>
-                      <a:pt x="12" y="19"/>
-                    </a:cubicBezTo>
-                    <a:cubicBezTo>
-                      <a:pt x="16" y="19"/>
-                      <a:pt x="20" y="16"/>
-                      <a:pt x="20" y="12"/>
-                    </a:cubicBezTo>
-                    <a:cubicBezTo>
-                      <a:pt x="20" y="8"/>
-                      <a:pt x="16" y="4"/>
-                      <a:pt x="12" y="4"/>
-                    </a:cubicBezTo>
-                    <a:close/>
-                  </a:path>
-                </a:pathLst>
-              </a:custGeom>
-              <a:grpFill/>
-              <a:ln>
-                <a:noFill/>
-              </a:ln>
-              <a:extLst>
-                <a:ext uri="{91240B29-F687-4f45-9708-019B960494DF}">
-                  <a14:hiddenLine xmlns="" xmlns:a16="http://schemas.microsoft.com/office/drawing/2014/main" xmlns:p14="http://schemas.microsoft.com/office/powerpoint/2010/main" xmlns:a14="http://schemas.microsoft.com/office/drawing/2010/main" w="9525">
-                    <a:solidFill>
-                      <a:srgbClr val="000000"/>
-                    </a:solidFill>
-                    <a:round/>
-                    <a:headEnd/>
-                    <a:tailEnd/>
-                  </a14:hiddenLine>
-                </a:ext>
-              </a:extLst>
-            </p:spPr>
-          </p:sp>
-          <p:sp>
-            <p:nvSpPr>
-              <p:cNvPr id="163" name="Rectangle 21">
-                <a:extLst>
-                  <a:ext uri="{FF2B5EF4-FFF2-40B4-BE49-F238E27FC236}">
-                    <a16:creationId xmlns:a16="http://schemas.microsoft.com/office/drawing/2014/main" id="{3BA2C208-5097-4497-AA2C-ADDDAB48B6A5}"/>
-                  </a:ext>
-                  <a:ext uri="{C183D7F6-B498-43B3-948B-1728B52AA6E4}">
-                    <adec:decorative xmlns:adec="http://schemas.microsoft.com/office/drawing/2017/decorative" val="1"/>
-                  </a:ext>
-                </a:extLst>
-              </p:cNvPr>
-              <p:cNvSpPr>
-                <a:spLocks noChangeArrowheads="1"/>
-              </p:cNvSpPr>
-              <p:nvPr>
-                <p:extLst>
-                  <p:ext uri="{386F3935-93C4-4BCD-93E2-E3B085C9AB24}">
-                    <p16:designElem xmlns:p16="http://schemas.microsoft.com/office/powerpoint/2015/main" val="1"/>
-                  </p:ext>
-                </p:extLst>
-              </p:nvPr>
-            </p:nvSpPr>
-            <p:spPr bwMode="auto">
-              <a:xfrm>
-                <a:off x="133350" y="4662488"/>
-                <a:ext cx="23813" cy="2181225"/>
-              </a:xfrm>
-              <a:prstGeom prst="rect">
-                <a:avLst/>
-              </a:prstGeom>
-              <a:grpFill/>
-              <a:ln>
-                <a:noFill/>
-              </a:ln>
-              <a:extLst>
-                <a:ext uri="{91240B29-F687-4f45-9708-019B960494DF}">
-                  <a14:hiddenLine xmlns="" xmlns:a16="http://schemas.microsoft.com/office/drawing/2014/main" xmlns:p14="http://schemas.microsoft.com/office/powerpoint/2010/main" xmlns:a14="http://schemas.microsoft.com/office/drawing/2010/main" w="9525">
-                    <a:solidFill>
-                      <a:srgbClr val="000000"/>
-                    </a:solidFill>
-                    <a:miter lim="800000"/>
-                    <a:headEnd/>
-                    <a:tailEnd/>
-                  </a14:hiddenLine>
-                </a:ext>
-              </a:extLst>
-            </p:spPr>
-          </p:sp>
-          <p:sp>
-            <p:nvSpPr>
-              <p:cNvPr id="164" name="Freeform 22">
-                <a:extLst>
-                  <a:ext uri="{FF2B5EF4-FFF2-40B4-BE49-F238E27FC236}">
-                    <a16:creationId xmlns:a16="http://schemas.microsoft.com/office/drawing/2014/main" id="{6A45DD96-8D07-43CA-B036-6FDA880A17B2}"/>
-                  </a:ext>
-                  <a:ext uri="{C183D7F6-B498-43B3-948B-1728B52AA6E4}">
-                    <adec:decorative xmlns:adec="http://schemas.microsoft.com/office/drawing/2017/decorative" val="1"/>
-                  </a:ext>
-                </a:extLst>
-              </p:cNvPr>
-              <p:cNvSpPr/>
-              <p:nvPr>
-                <p:extLst>
-                  <p:ext uri="{386F3935-93C4-4BCD-93E2-E3B085C9AB24}">
-                    <p16:designElem xmlns:p16="http://schemas.microsoft.com/office/powerpoint/2015/main" val="1"/>
-                  </p:ext>
-                </p:extLst>
-              </p:nvPr>
-            </p:nvSpPr>
-            <p:spPr bwMode="auto">
-              <a:xfrm>
-                <a:off x="223837" y="5041900"/>
-                <a:ext cx="369888" cy="1801813"/>
-              </a:xfrm>
-              <a:custGeom>
-                <a:avLst/>
-                <a:gdLst/>
-                <a:ahLst/>
-                <a:cxnLst/>
-                <a:rect l="0" t="0" r="r" b="b"/>
-                <a:pathLst>
-                  <a:path w="233" h="1135">
-                    <a:moveTo>
-                      <a:pt x="15" y="1135"/>
-                    </a:moveTo>
-                    <a:lnTo>
-                      <a:pt x="0" y="1135"/>
-                    </a:lnTo>
-                    <a:lnTo>
-                      <a:pt x="0" y="515"/>
-                    </a:lnTo>
-                    <a:lnTo>
-                      <a:pt x="0" y="512"/>
-                    </a:lnTo>
-                    <a:lnTo>
-                      <a:pt x="218" y="0"/>
-                    </a:lnTo>
-                    <a:lnTo>
-                      <a:pt x="233" y="6"/>
-                    </a:lnTo>
-                    <a:lnTo>
-                      <a:pt x="15" y="518"/>
-                    </a:lnTo>
-                    <a:lnTo>
-                      <a:pt x="15" y="1135"/>
-                    </a:lnTo>
-                    <a:close/>
-                  </a:path>
-                </a:pathLst>
-              </a:custGeom>
-              <a:grpFill/>
-              <a:ln>
-                <a:noFill/>
-              </a:ln>
-              <a:extLst>
-                <a:ext uri="{91240B29-F687-4f45-9708-019B960494DF}">
-                  <a14:hiddenLine xmlns="" xmlns:a16="http://schemas.microsoft.com/office/drawing/2014/main" xmlns:p14="http://schemas.microsoft.com/office/powerpoint/2010/main" xmlns:a14="http://schemas.microsoft.com/office/drawing/2010/main" w="9525">
-                    <a:solidFill>
-                      <a:srgbClr val="000000"/>
-                    </a:solidFill>
-                    <a:round/>
-                    <a:headEnd/>
-                    <a:tailEnd/>
-                  </a14:hiddenLine>
-                </a:ext>
-              </a:extLst>
-            </p:spPr>
-          </p:sp>
-          <p:sp>
-            <p:nvSpPr>
-              <p:cNvPr id="165" name="Freeform 23">
-                <a:extLst>
-                  <a:ext uri="{FF2B5EF4-FFF2-40B4-BE49-F238E27FC236}">
-                    <a16:creationId xmlns:a16="http://schemas.microsoft.com/office/drawing/2014/main" id="{AF7F7CBB-E154-4CD5-9ED0-D5DDC1DFEAE0}"/>
-                  </a:ext>
-                  <a:ext uri="{C183D7F6-B498-43B3-948B-1728B52AA6E4}">
-                    <adec:decorative xmlns:adec="http://schemas.microsoft.com/office/drawing/2017/decorative" val="1"/>
-                  </a:ext>
-                </a:extLst>
-              </p:cNvPr>
-              <p:cNvSpPr>
-                <a:spLocks noEditPoints="1"/>
-              </p:cNvSpPr>
-              <p:nvPr>
-                <p:extLst>
-                  <p:ext uri="{386F3935-93C4-4BCD-93E2-E3B085C9AB24}">
-                    <p16:designElem xmlns:p16="http://schemas.microsoft.com/office/powerpoint/2015/main" val="1"/>
-                  </p:ext>
-                </p:extLst>
-              </p:nvPr>
-            </p:nvSpPr>
-            <p:spPr bwMode="auto">
-              <a:xfrm>
-                <a:off x="52387" y="4481513"/>
-                <a:ext cx="190500" cy="190500"/>
-              </a:xfrm>
-              <a:custGeom>
-                <a:avLst/>
-                <a:gdLst/>
-                <a:ahLst/>
-                <a:cxnLst/>
-                <a:rect l="0" t="0" r="r" b="b"/>
-                <a:pathLst>
-                  <a:path w="40" h="40">
-                    <a:moveTo>
-                      <a:pt x="20" y="40"/>
-                    </a:moveTo>
-                    <a:cubicBezTo>
-                      <a:pt x="9" y="40"/>
-                      <a:pt x="0" y="31"/>
-                      <a:pt x="0" y="20"/>
-                    </a:cubicBezTo>
-                    <a:cubicBezTo>
-                      <a:pt x="0" y="9"/>
-                      <a:pt x="9" y="0"/>
-                      <a:pt x="20" y="0"/>
-                    </a:cubicBezTo>
-                    <a:cubicBezTo>
-                      <a:pt x="31" y="0"/>
-                      <a:pt x="40" y="9"/>
-                      <a:pt x="40" y="20"/>
-                    </a:cubicBezTo>
-                    <a:cubicBezTo>
-                      <a:pt x="40" y="31"/>
-                      <a:pt x="31" y="40"/>
-                      <a:pt x="20" y="40"/>
-                    </a:cubicBezTo>
-                    <a:close/>
-                    <a:moveTo>
-                      <a:pt x="20" y="4"/>
-                    </a:moveTo>
-                    <a:cubicBezTo>
-                      <a:pt x="11" y="4"/>
-                      <a:pt x="4" y="11"/>
-                      <a:pt x="4" y="20"/>
-                    </a:cubicBezTo>
-                    <a:cubicBezTo>
-                      <a:pt x="4" y="29"/>
-                      <a:pt x="11" y="36"/>
-                      <a:pt x="20" y="36"/>
-                    </a:cubicBezTo>
-                    <a:cubicBezTo>
-                      <a:pt x="28" y="36"/>
-                      <a:pt x="36" y="29"/>
-                      <a:pt x="36" y="20"/>
-                    </a:cubicBezTo>
-                    <a:cubicBezTo>
-                      <a:pt x="36" y="11"/>
-                      <a:pt x="28" y="4"/>
-                      <a:pt x="20" y="4"/>
-                    </a:cubicBezTo>
-                    <a:close/>
-                  </a:path>
-                </a:pathLst>
-              </a:custGeom>
-              <a:grpFill/>
-              <a:ln>
-                <a:noFill/>
-              </a:ln>
-              <a:extLst>
-                <a:ext uri="{91240B29-F687-4f45-9708-019B960494DF}">
-                  <a14:hiddenLine xmlns="" xmlns:a16="http://schemas.microsoft.com/office/drawing/2014/main" xmlns:p14="http://schemas.microsoft.com/office/powerpoint/2010/main" xmlns:a14="http://schemas.microsoft.com/office/drawing/2010/main" w="9525">
-                    <a:solidFill>
-                      <a:srgbClr val="000000"/>
-                    </a:solidFill>
-                    <a:round/>
-                    <a:headEnd/>
-                    <a:tailEnd/>
-                  </a14:hiddenLine>
-                </a:ext>
-              </a:extLst>
-            </p:spPr>
-          </p:sp>
-          <p:sp>
-            <p:nvSpPr>
-              <p:cNvPr id="166" name="Freeform 24">
-                <a:extLst>
-                  <a:ext uri="{FF2B5EF4-FFF2-40B4-BE49-F238E27FC236}">
-                    <a16:creationId xmlns:a16="http://schemas.microsoft.com/office/drawing/2014/main" id="{EFF4AB16-41DD-4877-8C28-ED78F4CA7FEA}"/>
-                  </a:ext>
-                  <a:ext uri="{C183D7F6-B498-43B3-948B-1728B52AA6E4}">
-                    <adec:decorative xmlns:adec="http://schemas.microsoft.com/office/drawing/2017/decorative" val="1"/>
-                  </a:ext>
-                </a:extLst>
-              </p:cNvPr>
-              <p:cNvSpPr/>
-              <p:nvPr>
-                <p:extLst>
-                  <p:ext uri="{386F3935-93C4-4BCD-93E2-E3B085C9AB24}">
-                    <p16:designElem xmlns:p16="http://schemas.microsoft.com/office/powerpoint/2015/main" val="1"/>
-                  </p:ext>
-                </p:extLst>
-              </p:nvPr>
-            </p:nvSpPr>
-            <p:spPr bwMode="auto">
-              <a:xfrm>
-                <a:off x="-14288" y="5627688"/>
-                <a:ext cx="85725" cy="1216025"/>
-              </a:xfrm>
-              <a:custGeom>
-                <a:avLst/>
-                <a:gdLst/>
-                <a:ahLst/>
-                <a:cxnLst/>
-                <a:rect l="0" t="0" r="r" b="b"/>
-                <a:pathLst>
-                  <a:path w="54" h="766">
-                    <a:moveTo>
-                      <a:pt x="54" y="766"/>
-                    </a:moveTo>
-                    <a:lnTo>
-                      <a:pt x="36" y="766"/>
-                    </a:lnTo>
-                    <a:lnTo>
-                      <a:pt x="36" y="149"/>
-                    </a:lnTo>
-                    <a:lnTo>
-                      <a:pt x="0" y="3"/>
-                    </a:lnTo>
-                    <a:lnTo>
-                      <a:pt x="18" y="0"/>
-                    </a:lnTo>
-                    <a:lnTo>
-                      <a:pt x="54" y="146"/>
-                    </a:lnTo>
-                    <a:lnTo>
-                      <a:pt x="54" y="766"/>
-                    </a:lnTo>
-                    <a:close/>
-                  </a:path>
-                </a:pathLst>
-              </a:custGeom>
-              <a:grpFill/>
-              <a:ln>
-                <a:noFill/>
-              </a:ln>
-              <a:extLst>
-                <a:ext uri="{91240B29-F687-4f45-9708-019B960494DF}">
-                  <a14:hiddenLine xmlns="" xmlns:a16="http://schemas.microsoft.com/office/drawing/2014/main" xmlns:p14="http://schemas.microsoft.com/office/powerpoint/2010/main" xmlns:a14="http://schemas.microsoft.com/office/drawing/2010/main" w="9525">
-                    <a:solidFill>
-                      <a:srgbClr val="000000"/>
-                    </a:solidFill>
-                    <a:round/>
-                    <a:headEnd/>
-                    <a:tailEnd/>
-                  </a14:hiddenLine>
-                </a:ext>
-              </a:extLst>
-            </p:spPr>
-          </p:sp>
-          <p:sp>
-            <p:nvSpPr>
-              <p:cNvPr id="167" name="Freeform 25">
-                <a:extLst>
-                  <a:ext uri="{FF2B5EF4-FFF2-40B4-BE49-F238E27FC236}">
-                    <a16:creationId xmlns:a16="http://schemas.microsoft.com/office/drawing/2014/main" id="{30BCBD5D-92EB-487E-B1D0-F9000D45D100}"/>
-                  </a:ext>
-                  <a:ext uri="{C183D7F6-B498-43B3-948B-1728B52AA6E4}">
-                    <adec:decorative xmlns:adec="http://schemas.microsoft.com/office/drawing/2017/decorative" val="1"/>
-                  </a:ext>
-                </a:extLst>
-              </p:cNvPr>
-              <p:cNvSpPr>
-                <a:spLocks noEditPoints="1"/>
-              </p:cNvSpPr>
-              <p:nvPr>
-                <p:extLst>
-                  <p:ext uri="{386F3935-93C4-4BCD-93E2-E3B085C9AB24}">
-                    <p16:designElem xmlns:p16="http://schemas.microsoft.com/office/powerpoint/2015/main" val="1"/>
-                  </p:ext>
-                </p:extLst>
-              </p:nvPr>
-            </p:nvSpPr>
-            <p:spPr bwMode="auto">
-              <a:xfrm>
-                <a:off x="527050" y="4867275"/>
-                <a:ext cx="190500" cy="188913"/>
-              </a:xfrm>
-              <a:custGeom>
-                <a:avLst/>
-                <a:gdLst/>
-                <a:ahLst/>
-                <a:cxnLst/>
-                <a:rect l="0" t="0" r="r" b="b"/>
-                <a:pathLst>
-                  <a:path w="40" h="40">
-                    <a:moveTo>
-                      <a:pt x="20" y="40"/>
-                    </a:moveTo>
-                    <a:cubicBezTo>
-                      <a:pt x="9" y="40"/>
-                      <a:pt x="0" y="31"/>
-                      <a:pt x="0" y="20"/>
-                    </a:cubicBezTo>
-                    <a:cubicBezTo>
-                      <a:pt x="0" y="9"/>
-                      <a:pt x="9" y="0"/>
-                      <a:pt x="20" y="0"/>
-                    </a:cubicBezTo>
-                    <a:cubicBezTo>
-                      <a:pt x="31" y="0"/>
-                      <a:pt x="40" y="9"/>
-                      <a:pt x="40" y="20"/>
-                    </a:cubicBezTo>
-                    <a:cubicBezTo>
-                      <a:pt x="40" y="31"/>
-                      <a:pt x="31" y="40"/>
-                      <a:pt x="20" y="40"/>
-                    </a:cubicBezTo>
-                    <a:close/>
-                    <a:moveTo>
-                      <a:pt x="20" y="4"/>
-                    </a:moveTo>
-                    <a:cubicBezTo>
-                      <a:pt x="11" y="4"/>
-                      <a:pt x="4" y="11"/>
-                      <a:pt x="4" y="20"/>
-                    </a:cubicBezTo>
-                    <a:cubicBezTo>
-                      <a:pt x="4" y="29"/>
-                      <a:pt x="11" y="36"/>
-                      <a:pt x="20" y="36"/>
-                    </a:cubicBezTo>
-                    <a:cubicBezTo>
-                      <a:pt x="29" y="36"/>
-                      <a:pt x="36" y="29"/>
-                      <a:pt x="36" y="20"/>
-                    </a:cubicBezTo>
-                    <a:cubicBezTo>
-                      <a:pt x="36" y="11"/>
-                      <a:pt x="29" y="4"/>
-                      <a:pt x="20" y="4"/>
-                    </a:cubicBezTo>
-                    <a:close/>
-                  </a:path>
-                </a:pathLst>
-              </a:custGeom>
-              <a:grpFill/>
-              <a:ln>
-                <a:noFill/>
-              </a:ln>
-              <a:extLst>
-                <a:ext uri="{91240B29-F687-4f45-9708-019B960494DF}">
-                  <a14:hiddenLine xmlns="" xmlns:a16="http://schemas.microsoft.com/office/drawing/2014/main" xmlns:p14="http://schemas.microsoft.com/office/powerpoint/2010/main" xmlns:a14="http://schemas.microsoft.com/office/drawing/2010/main" w="9525">
-                    <a:solidFill>
-                      <a:srgbClr val="000000"/>
-                    </a:solidFill>
-                    <a:round/>
-                    <a:headEnd/>
-                    <a:tailEnd/>
-                  </a14:hiddenLine>
-                </a:ext>
-              </a:extLst>
-            </p:spPr>
-          </p:sp>
-          <p:sp>
-            <p:nvSpPr>
-              <p:cNvPr id="168" name="Freeform 26">
-                <a:extLst>
-                  <a:ext uri="{FF2B5EF4-FFF2-40B4-BE49-F238E27FC236}">
-                    <a16:creationId xmlns:a16="http://schemas.microsoft.com/office/drawing/2014/main" id="{DA07BDB8-9827-4EBF-9B99-6C503EA0BC64}"/>
-                  </a:ext>
-                  <a:ext uri="{C183D7F6-B498-43B3-948B-1728B52AA6E4}">
-                    <adec:decorative xmlns:adec="http://schemas.microsoft.com/office/drawing/2017/decorative" val="1"/>
-                  </a:ext>
-                </a:extLst>
-              </p:cNvPr>
-              <p:cNvSpPr/>
-              <p:nvPr>
-                <p:extLst>
-                  <p:ext uri="{386F3935-93C4-4BCD-93E2-E3B085C9AB24}">
-                    <p16:designElem xmlns:p16="http://schemas.microsoft.com/office/powerpoint/2015/main" val="1"/>
-                  </p:ext>
-                </p:extLst>
-              </p:nvPr>
-            </p:nvSpPr>
-            <p:spPr bwMode="auto">
-              <a:xfrm>
-                <a:off x="309562" y="5422900"/>
-                <a:ext cx="374650" cy="1425575"/>
-              </a:xfrm>
-              <a:custGeom>
-                <a:avLst/>
-                <a:gdLst/>
-                <a:ahLst/>
-                <a:cxnLst/>
-                <a:rect l="0" t="0" r="r" b="b"/>
-                <a:pathLst>
-                  <a:path w="236" h="898">
-                    <a:moveTo>
-                      <a:pt x="18" y="898"/>
-                    </a:moveTo>
-                    <a:lnTo>
-                      <a:pt x="0" y="898"/>
-                    </a:lnTo>
-                    <a:lnTo>
-                      <a:pt x="0" y="515"/>
-                    </a:lnTo>
-                    <a:lnTo>
-                      <a:pt x="3" y="512"/>
-                    </a:lnTo>
-                    <a:lnTo>
-                      <a:pt x="221" y="0"/>
-                    </a:lnTo>
-                    <a:lnTo>
-                      <a:pt x="236" y="6"/>
-                    </a:lnTo>
-                    <a:lnTo>
-                      <a:pt x="18" y="518"/>
-                    </a:lnTo>
-                    <a:lnTo>
-                      <a:pt x="18" y="898"/>
-                    </a:lnTo>
-                    <a:close/>
-                  </a:path>
-                </a:pathLst>
-              </a:custGeom>
-              <a:grpFill/>
-              <a:ln>
-                <a:noFill/>
-              </a:ln>
-              <a:extLst>
-                <a:ext uri="{91240B29-F687-4f45-9708-019B960494DF}">
-                  <a14:hiddenLine xmlns="" xmlns:a16="http://schemas.microsoft.com/office/drawing/2014/main" xmlns:p14="http://schemas.microsoft.com/office/powerpoint/2010/main" xmlns:a14="http://schemas.microsoft.com/office/drawing/2010/main" w="9525">
-                    <a:solidFill>
-                      <a:srgbClr val="000000"/>
-                    </a:solidFill>
-                    <a:round/>
-                    <a:headEnd/>
-                    <a:tailEnd/>
-                  </a14:hiddenLine>
-                </a:ext>
-              </a:extLst>
-            </p:spPr>
-          </p:sp>
-          <p:sp>
-            <p:nvSpPr>
-              <p:cNvPr id="169" name="Freeform 27">
-                <a:extLst>
-                  <a:ext uri="{FF2B5EF4-FFF2-40B4-BE49-F238E27FC236}">
-                    <a16:creationId xmlns:a16="http://schemas.microsoft.com/office/drawing/2014/main" id="{7F41FB05-1B3F-450A-A1A7-8C8BD182A540}"/>
-                  </a:ext>
-                  <a:ext uri="{C183D7F6-B498-43B3-948B-1728B52AA6E4}">
-                    <adec:decorative xmlns:adec="http://schemas.microsoft.com/office/drawing/2017/decorative" val="1"/>
-                  </a:ext>
-                </a:extLst>
-              </p:cNvPr>
-              <p:cNvSpPr/>
-              <p:nvPr>
-                <p:extLst>
-                  <p:ext uri="{386F3935-93C4-4BCD-93E2-E3B085C9AB24}">
-                    <p16:designElem xmlns:p16="http://schemas.microsoft.com/office/powerpoint/2015/main" val="1"/>
-                  </p:ext>
-                </p:extLst>
-              </p:nvPr>
-            </p:nvSpPr>
-            <p:spPr bwMode="auto">
-              <a:xfrm>
-                <a:off x="569912" y="5945188"/>
-                <a:ext cx="152400" cy="912813"/>
-              </a:xfrm>
-              <a:custGeom>
-                <a:avLst/>
-                <a:gdLst/>
-                <a:ahLst/>
-                <a:cxnLst/>
-                <a:rect l="0" t="0" r="r" b="b"/>
-                <a:pathLst>
-                  <a:path w="96" h="575">
-                    <a:moveTo>
-                      <a:pt x="15" y="575"/>
-                    </a:moveTo>
-                    <a:lnTo>
-                      <a:pt x="0" y="569"/>
-                    </a:lnTo>
-                    <a:lnTo>
-                      <a:pt x="81" y="383"/>
-                    </a:lnTo>
-                    <a:lnTo>
-                      <a:pt x="81" y="0"/>
-                    </a:lnTo>
-                    <a:lnTo>
-                      <a:pt x="96" y="0"/>
-                    </a:lnTo>
-                    <a:lnTo>
-                      <a:pt x="96" y="386"/>
-                    </a:lnTo>
-                    <a:lnTo>
-                      <a:pt x="15" y="575"/>
-                    </a:lnTo>
-                    <a:close/>
-                  </a:path>
-                </a:pathLst>
-              </a:custGeom>
-              <a:grpFill/>
-              <a:ln>
-                <a:noFill/>
-              </a:ln>
-              <a:extLst>
-                <a:ext uri="{91240B29-F687-4f45-9708-019B960494DF}">
-                  <a14:hiddenLine xmlns="" xmlns:a16="http://schemas.microsoft.com/office/drawing/2014/main" xmlns:p14="http://schemas.microsoft.com/office/powerpoint/2010/main" xmlns:a14="http://schemas.microsoft.com/office/drawing/2010/main" w="9525">
-                    <a:solidFill>
-                      <a:srgbClr val="000000"/>
-                    </a:solidFill>
-                    <a:round/>
-                    <a:headEnd/>
-                    <a:tailEnd/>
-                  </a14:hiddenLine>
-                </a:ext>
-              </a:extLst>
-            </p:spPr>
-          </p:sp>
-          <p:sp>
-            <p:nvSpPr>
-              <p:cNvPr id="170" name="Freeform 28">
-                <a:extLst>
-                  <a:ext uri="{FF2B5EF4-FFF2-40B4-BE49-F238E27FC236}">
-                    <a16:creationId xmlns:a16="http://schemas.microsoft.com/office/drawing/2014/main" id="{0629E219-1F32-41C1-B921-05E4561179BE}"/>
-                  </a:ext>
-                  <a:ext uri="{C183D7F6-B498-43B3-948B-1728B52AA6E4}">
-                    <adec:decorative xmlns:adec="http://schemas.microsoft.com/office/drawing/2017/decorative" val="1"/>
-                  </a:ext>
-                </a:extLst>
-              </p:cNvPr>
-              <p:cNvSpPr>
-                <a:spLocks noEditPoints="1"/>
-              </p:cNvSpPr>
-              <p:nvPr>
-                <p:extLst>
-                  <p:ext uri="{386F3935-93C4-4BCD-93E2-E3B085C9AB24}">
-                    <p16:designElem xmlns:p16="http://schemas.microsoft.com/office/powerpoint/2015/main" val="1"/>
-                  </p:ext>
-                </p:extLst>
-              </p:nvPr>
-            </p:nvSpPr>
-            <p:spPr bwMode="auto">
-              <a:xfrm>
-                <a:off x="612775" y="5246688"/>
-                <a:ext cx="190500" cy="190500"/>
-              </a:xfrm>
-              <a:custGeom>
-                <a:avLst/>
-                <a:gdLst/>
-                <a:ahLst/>
-                <a:cxnLst/>
-                <a:rect l="0" t="0" r="r" b="b"/>
-                <a:pathLst>
-                  <a:path w="40" h="40">
-                    <a:moveTo>
-                      <a:pt x="20" y="40"/>
-                    </a:moveTo>
-                    <a:cubicBezTo>
-                      <a:pt x="9" y="40"/>
-                      <a:pt x="0" y="31"/>
-                      <a:pt x="0" y="20"/>
-                    </a:cubicBezTo>
-                    <a:cubicBezTo>
-                      <a:pt x="0" y="9"/>
-                      <a:pt x="9" y="0"/>
-                      <a:pt x="20" y="0"/>
-                    </a:cubicBezTo>
-                    <a:cubicBezTo>
-                      <a:pt x="31" y="0"/>
-                      <a:pt x="40" y="9"/>
-                      <a:pt x="40" y="20"/>
-                    </a:cubicBezTo>
-                    <a:cubicBezTo>
-                      <a:pt x="40" y="31"/>
-                      <a:pt x="31" y="40"/>
-                      <a:pt x="20" y="40"/>
-                    </a:cubicBezTo>
-                    <a:close/>
-                    <a:moveTo>
-                      <a:pt x="20" y="4"/>
-                    </a:moveTo>
-                    <a:cubicBezTo>
-                      <a:pt x="12" y="4"/>
-                      <a:pt x="4" y="11"/>
-                      <a:pt x="4" y="20"/>
-                    </a:cubicBezTo>
-                    <a:cubicBezTo>
-                      <a:pt x="4" y="29"/>
-                      <a:pt x="12" y="36"/>
-                      <a:pt x="20" y="36"/>
-                    </a:cubicBezTo>
-                    <a:cubicBezTo>
-                      <a:pt x="29" y="36"/>
-                      <a:pt x="36" y="29"/>
-                      <a:pt x="36" y="20"/>
-                    </a:cubicBezTo>
-                    <a:cubicBezTo>
-                      <a:pt x="36" y="11"/>
-                      <a:pt x="29" y="4"/>
-                      <a:pt x="20" y="4"/>
-                    </a:cubicBezTo>
-                    <a:close/>
-                  </a:path>
-                </a:pathLst>
-              </a:custGeom>
-              <a:grpFill/>
-              <a:ln>
-                <a:noFill/>
-              </a:ln>
-              <a:extLst>
-                <a:ext uri="{91240B29-F687-4f45-9708-019B960494DF}">
-                  <a14:hiddenLine xmlns="" xmlns:a16="http://schemas.microsoft.com/office/drawing/2014/main" xmlns:p14="http://schemas.microsoft.com/office/powerpoint/2010/main" xmlns:a14="http://schemas.microsoft.com/office/drawing/2010/main" w="9525">
-                    <a:solidFill>
-                      <a:srgbClr val="000000"/>
-                    </a:solidFill>
-                    <a:round/>
-                    <a:headEnd/>
-                    <a:tailEnd/>
-                  </a14:hiddenLine>
-                </a:ext>
-              </a:extLst>
-            </p:spPr>
-          </p:sp>
-          <p:sp>
-            <p:nvSpPr>
-              <p:cNvPr id="171" name="Freeform 29">
-                <a:extLst>
-                  <a:ext uri="{FF2B5EF4-FFF2-40B4-BE49-F238E27FC236}">
-                    <a16:creationId xmlns:a16="http://schemas.microsoft.com/office/drawing/2014/main" id="{8081FB28-486E-4C09-9D15-0B2657B56FB0}"/>
-                  </a:ext>
-                  <a:ext uri="{C183D7F6-B498-43B3-948B-1728B52AA6E4}">
-                    <adec:decorative xmlns:adec="http://schemas.microsoft.com/office/drawing/2017/decorative" val="1"/>
-                  </a:ext>
-                </a:extLst>
-              </p:cNvPr>
-              <p:cNvSpPr>
-                <a:spLocks noEditPoints="1"/>
-              </p:cNvSpPr>
-              <p:nvPr>
-                <p:extLst>
-                  <p:ext uri="{386F3935-93C4-4BCD-93E2-E3B085C9AB24}">
-                    <p16:designElem xmlns:p16="http://schemas.microsoft.com/office/powerpoint/2015/main" val="1"/>
-                  </p:ext>
-                </p:extLst>
-              </p:nvPr>
-            </p:nvSpPr>
-            <p:spPr bwMode="auto">
-              <a:xfrm>
-                <a:off x="612775" y="5764213"/>
-                <a:ext cx="190500" cy="190500"/>
-              </a:xfrm>
-              <a:custGeom>
-                <a:avLst/>
-                <a:gdLst/>
-                <a:ahLst/>
-                <a:cxnLst/>
-                <a:rect l="0" t="0" r="r" b="b"/>
-                <a:pathLst>
-                  <a:path w="40" h="40">
-                    <a:moveTo>
-                      <a:pt x="20" y="40"/>
-                    </a:moveTo>
-                    <a:cubicBezTo>
-                      <a:pt x="9" y="40"/>
-                      <a:pt x="0" y="31"/>
-                      <a:pt x="0" y="20"/>
-                    </a:cubicBezTo>
-                    <a:cubicBezTo>
-                      <a:pt x="0" y="9"/>
-                      <a:pt x="9" y="0"/>
-                      <a:pt x="20" y="0"/>
-                    </a:cubicBezTo>
-                    <a:cubicBezTo>
-                      <a:pt x="31" y="0"/>
-                      <a:pt x="40" y="9"/>
-                      <a:pt x="40" y="20"/>
-                    </a:cubicBezTo>
-                    <a:cubicBezTo>
-                      <a:pt x="40" y="31"/>
-                      <a:pt x="31" y="40"/>
-                      <a:pt x="20" y="40"/>
-                    </a:cubicBezTo>
-                    <a:close/>
-                    <a:moveTo>
-                      <a:pt x="20" y="4"/>
-                    </a:moveTo>
-                    <a:cubicBezTo>
-                      <a:pt x="12" y="4"/>
-                      <a:pt x="4" y="11"/>
-                      <a:pt x="4" y="20"/>
-                    </a:cubicBezTo>
-                    <a:cubicBezTo>
-                      <a:pt x="4" y="29"/>
-                      <a:pt x="12" y="36"/>
-                      <a:pt x="20" y="36"/>
-                    </a:cubicBezTo>
-                    <a:cubicBezTo>
-                      <a:pt x="29" y="36"/>
-                      <a:pt x="36" y="29"/>
-                      <a:pt x="36" y="20"/>
-                    </a:cubicBezTo>
-                    <a:cubicBezTo>
-                      <a:pt x="36" y="11"/>
-                      <a:pt x="29" y="4"/>
-                      <a:pt x="20" y="4"/>
-                    </a:cubicBezTo>
-                    <a:close/>
-                  </a:path>
-                </a:pathLst>
-              </a:custGeom>
-              <a:grpFill/>
-              <a:ln>
-                <a:noFill/>
-              </a:ln>
-              <a:extLst>
-                <a:ext uri="{91240B29-F687-4f45-9708-019B960494DF}">
-                  <a14:hiddenLine xmlns="" xmlns:a16="http://schemas.microsoft.com/office/drawing/2014/main" xmlns:p14="http://schemas.microsoft.com/office/powerpoint/2010/main" xmlns:a14="http://schemas.microsoft.com/office/drawing/2010/main" w="9525">
-                    <a:solidFill>
-                      <a:srgbClr val="000000"/>
-                    </a:solidFill>
-                    <a:round/>
-                    <a:headEnd/>
-                    <a:tailEnd/>
-                  </a14:hiddenLine>
-                </a:ext>
-              </a:extLst>
-            </p:spPr>
-          </p:sp>
-          <p:sp>
-            <p:nvSpPr>
-              <p:cNvPr id="172" name="Freeform 30">
-                <a:extLst>
-                  <a:ext uri="{FF2B5EF4-FFF2-40B4-BE49-F238E27FC236}">
-                    <a16:creationId xmlns:a16="http://schemas.microsoft.com/office/drawing/2014/main" id="{CB547EFB-F29D-4336-9644-0AE7A94EA4CD}"/>
-                  </a:ext>
-                  <a:ext uri="{C183D7F6-B498-43B3-948B-1728B52AA6E4}">
-                    <adec:decorative xmlns:adec="http://schemas.microsoft.com/office/drawing/2017/decorative" val="1"/>
-                  </a:ext>
-                </a:extLst>
-              </p:cNvPr>
-              <p:cNvSpPr/>
-              <p:nvPr>
-                <p:extLst>
-                  <p:ext uri="{386F3935-93C4-4BCD-93E2-E3B085C9AB24}">
-                    <p16:designElem xmlns:p16="http://schemas.microsoft.com/office/powerpoint/2015/main" val="1"/>
-                  </p:ext>
-                </p:extLst>
-              </p:nvPr>
-            </p:nvSpPr>
-            <p:spPr bwMode="auto">
-              <a:xfrm>
-                <a:off x="669925" y="6330950"/>
-                <a:ext cx="417513" cy="517525"/>
-              </a:xfrm>
-              <a:custGeom>
-                <a:avLst/>
-                <a:gdLst/>
-                <a:ahLst/>
-                <a:cxnLst/>
-                <a:rect l="0" t="0" r="r" b="b"/>
-                <a:pathLst>
-                  <a:path w="263" h="326">
-                    <a:moveTo>
-                      <a:pt x="15" y="326"/>
-                    </a:moveTo>
-                    <a:lnTo>
-                      <a:pt x="0" y="320"/>
-                    </a:lnTo>
-                    <a:lnTo>
-                      <a:pt x="45" y="206"/>
-                    </a:lnTo>
-                    <a:lnTo>
-                      <a:pt x="48" y="206"/>
-                    </a:lnTo>
-                    <a:lnTo>
-                      <a:pt x="254" y="0"/>
-                    </a:lnTo>
-                    <a:lnTo>
-                      <a:pt x="263" y="12"/>
-                    </a:lnTo>
-                    <a:lnTo>
-                      <a:pt x="60" y="215"/>
-                    </a:lnTo>
-                    <a:lnTo>
-                      <a:pt x="15" y="326"/>
-                    </a:lnTo>
-                    <a:close/>
-                  </a:path>
-                </a:pathLst>
-              </a:custGeom>
-              <a:grpFill/>
-              <a:ln>
-                <a:noFill/>
-              </a:ln>
-              <a:extLst>
-                <a:ext uri="{91240B29-F687-4f45-9708-019B960494DF}">
-                  <a14:hiddenLine xmlns="" xmlns:a16="http://schemas.microsoft.com/office/drawing/2014/main" xmlns:p14="http://schemas.microsoft.com/office/powerpoint/2010/main" xmlns:a14="http://schemas.microsoft.com/office/drawing/2010/main" w="9525">
-                    <a:solidFill>
-                      <a:srgbClr val="000000"/>
-                    </a:solidFill>
-                    <a:round/>
-                    <a:headEnd/>
-                    <a:tailEnd/>
-                  </a14:hiddenLine>
-                </a:ext>
-              </a:extLst>
-            </p:spPr>
-          </p:sp>
-          <p:sp>
-            <p:nvSpPr>
-              <p:cNvPr id="173" name="Freeform 31">
-                <a:extLst>
-                  <a:ext uri="{FF2B5EF4-FFF2-40B4-BE49-F238E27FC236}">
-                    <a16:creationId xmlns:a16="http://schemas.microsoft.com/office/drawing/2014/main" id="{BB2793F4-FAD7-459A-BC46-06BB1D4FAAC3}"/>
-                  </a:ext>
-                  <a:ext uri="{C183D7F6-B498-43B3-948B-1728B52AA6E4}">
-                    <adec:decorative xmlns:adec="http://schemas.microsoft.com/office/drawing/2017/decorative" val="1"/>
-                  </a:ext>
-                </a:extLst>
-              </p:cNvPr>
-              <p:cNvSpPr>
-                <a:spLocks noEditPoints="1"/>
-              </p:cNvSpPr>
-              <p:nvPr>
-                <p:extLst>
-                  <p:ext uri="{386F3935-93C4-4BCD-93E2-E3B085C9AB24}">
-                    <p16:designElem xmlns:p16="http://schemas.microsoft.com/office/powerpoint/2015/main" val="1"/>
-                  </p:ext>
-                </p:extLst>
-              </p:nvPr>
-            </p:nvSpPr>
-            <p:spPr bwMode="auto">
-              <a:xfrm>
-                <a:off x="1049337" y="6221413"/>
-                <a:ext cx="157163" cy="147638"/>
-              </a:xfrm>
-              <a:custGeom>
-                <a:avLst/>
-                <a:gdLst/>
-                <a:ahLst/>
-                <a:cxnLst/>
-                <a:rect l="0" t="0" r="r" b="b"/>
-                <a:pathLst>
-                  <a:path w="33" h="31">
-                    <a:moveTo>
-                      <a:pt x="16" y="31"/>
-                    </a:moveTo>
-                    <a:cubicBezTo>
-                      <a:pt x="12" y="31"/>
-                      <a:pt x="8" y="29"/>
-                      <a:pt x="5" y="26"/>
-                    </a:cubicBezTo>
-                    <a:cubicBezTo>
-                      <a:pt x="2" y="24"/>
-                      <a:pt x="0" y="20"/>
-                      <a:pt x="0" y="15"/>
-                    </a:cubicBezTo>
-                    <a:cubicBezTo>
-                      <a:pt x="0" y="11"/>
-                      <a:pt x="2" y="7"/>
-                      <a:pt x="5" y="4"/>
-                    </a:cubicBezTo>
-                    <a:cubicBezTo>
-                      <a:pt x="8" y="1"/>
-                      <a:pt x="12" y="0"/>
-                      <a:pt x="16" y="0"/>
-                    </a:cubicBezTo>
-                    <a:cubicBezTo>
-                      <a:pt x="20" y="0"/>
-                      <a:pt x="24" y="1"/>
-                      <a:pt x="27" y="4"/>
-                    </a:cubicBezTo>
-                    <a:cubicBezTo>
-                      <a:pt x="33" y="10"/>
-                      <a:pt x="33" y="20"/>
-                      <a:pt x="27" y="26"/>
-                    </a:cubicBezTo>
-                    <a:cubicBezTo>
-                      <a:pt x="24" y="29"/>
-                      <a:pt x="20" y="31"/>
-                      <a:pt x="16" y="31"/>
-                    </a:cubicBezTo>
-                    <a:close/>
-                    <a:moveTo>
-                      <a:pt x="16" y="4"/>
-                    </a:moveTo>
-                    <a:cubicBezTo>
-                      <a:pt x="13" y="4"/>
-                      <a:pt x="10" y="5"/>
-                      <a:pt x="8" y="7"/>
-                    </a:cubicBezTo>
-                    <a:cubicBezTo>
-                      <a:pt x="6" y="9"/>
-                      <a:pt x="4" y="12"/>
-                      <a:pt x="4" y="15"/>
-                    </a:cubicBezTo>
-                    <a:cubicBezTo>
-                      <a:pt x="4" y="19"/>
-                      <a:pt x="6" y="21"/>
-                      <a:pt x="8" y="24"/>
-                    </a:cubicBezTo>
-                    <a:cubicBezTo>
-                      <a:pt x="10" y="26"/>
-                      <a:pt x="13" y="27"/>
-                      <a:pt x="16" y="27"/>
-                    </a:cubicBezTo>
-                    <a:cubicBezTo>
-                      <a:pt x="19" y="27"/>
-                      <a:pt x="22" y="26"/>
-                      <a:pt x="24" y="24"/>
-                    </a:cubicBezTo>
-                    <a:cubicBezTo>
-                      <a:pt x="29" y="19"/>
-                      <a:pt x="29" y="12"/>
-                      <a:pt x="24" y="7"/>
-                    </a:cubicBezTo>
-                    <a:cubicBezTo>
-                      <a:pt x="22" y="5"/>
-                      <a:pt x="19" y="4"/>
-                      <a:pt x="16" y="4"/>
-                    </a:cubicBezTo>
-                    <a:close/>
-                  </a:path>
-                </a:pathLst>
-              </a:custGeom>
-              <a:grpFill/>
-              <a:ln>
-                <a:noFill/>
-              </a:ln>
-              <a:extLst>
-                <a:ext uri="{91240B29-F687-4f45-9708-019B960494DF}">
-                  <a14:hiddenLine xmlns="" xmlns:a16="http://schemas.microsoft.com/office/drawing/2014/main" xmlns:p14="http://schemas.microsoft.com/office/powerpoint/2010/main" xmlns:a14="http://schemas.microsoft.com/office/drawing/2010/main" w="9525">
-                    <a:solidFill>
-                      <a:srgbClr val="000000"/>
-                    </a:solidFill>
-                    <a:round/>
-                    <a:headEnd/>
-                    <a:tailEnd/>
-                  </a14:hiddenLine>
-                </a:ext>
-              </a:extLst>
-            </p:spPr>
-          </p:sp>
-        </p:grpSp>
-        <p:grpSp>
-          <p:nvGrpSpPr>
-            <p:cNvPr id="136" name="Group 135">
-              <a:extLst>
-                <a:ext uri="{FF2B5EF4-FFF2-40B4-BE49-F238E27FC236}">
-                  <a16:creationId xmlns:a16="http://schemas.microsoft.com/office/drawing/2014/main" id="{FC01589C-0235-4B21-B264-777746D4D595}"/>
-                </a:ext>
-                <a:ext uri="{C183D7F6-B498-43B3-948B-1728B52AA6E4}">
-                  <adec:decorative xmlns:adec="http://schemas.microsoft.com/office/drawing/2017/decorative" val="1"/>
-                </a:ext>
-              </a:extLst>
-            </p:cNvPr>
-            <p:cNvGrpSpPr/>
-            <p:nvPr>
-              <p:extLst>
-                <p:ext uri="{386F3935-93C4-4BCD-93E2-E3B085C9AB24}">
-                  <p16:designElem xmlns:p16="http://schemas.microsoft.com/office/powerpoint/2015/main" val="1"/>
-                </p:ext>
-              </p:extLst>
-            </p:nvPr>
-          </p:nvGrpSpPr>
-          <p:grpSpPr>
-            <a:xfrm>
-              <a:off x="11364912" y="0"/>
-              <a:ext cx="674688" cy="6848476"/>
-              <a:chOff x="11364912" y="0"/>
-              <a:chExt cx="674688" cy="6848476"/>
-            </a:xfrm>
-            <a:gradFill flip="none" rotWithShape="1">
-              <a:gsLst>
-                <a:gs pos="0">
-                  <a:schemeClr val="tx2">
-                    <a:alpha val="80000"/>
-                  </a:schemeClr>
-                </a:gs>
-                <a:gs pos="100000">
-                  <a:schemeClr val="bg2">
-                    <a:lumMod val="60000"/>
-                    <a:lumOff val="40000"/>
-                    <a:alpha val="60000"/>
-                  </a:schemeClr>
-                </a:gs>
-              </a:gsLst>
-              <a:lin ang="5400000" scaled="0"/>
-              <a:tileRect/>
-            </a:gradFill>
-          </p:grpSpPr>
-          <p:sp>
-            <p:nvSpPr>
-              <p:cNvPr id="137" name="Freeform 32">
-                <a:extLst>
-                  <a:ext uri="{FF2B5EF4-FFF2-40B4-BE49-F238E27FC236}">
-                    <a16:creationId xmlns:a16="http://schemas.microsoft.com/office/drawing/2014/main" id="{678F5669-8CE7-445E-8D54-49C5E2013B4D}"/>
-                  </a:ext>
-                  <a:ext uri="{C183D7F6-B498-43B3-948B-1728B52AA6E4}">
-                    <adec:decorative xmlns:adec="http://schemas.microsoft.com/office/drawing/2017/decorative" val="1"/>
-                  </a:ext>
-                </a:extLst>
-              </p:cNvPr>
-              <p:cNvSpPr/>
-              <p:nvPr>
-                <p:extLst>
-                  <p:ext uri="{386F3935-93C4-4BCD-93E2-E3B085C9AB24}">
-                    <p16:designElem xmlns:p16="http://schemas.microsoft.com/office/powerpoint/2015/main" val="1"/>
-                  </p:ext>
-                </p:extLst>
-              </p:nvPr>
-            </p:nvSpPr>
-            <p:spPr bwMode="auto">
-              <a:xfrm>
-                <a:off x="11483975" y="0"/>
-                <a:ext cx="417513" cy="512763"/>
-              </a:xfrm>
-              <a:custGeom>
-                <a:avLst/>
-                <a:gdLst/>
-                <a:ahLst/>
-                <a:cxnLst/>
-                <a:rect l="0" t="0" r="r" b="b"/>
-                <a:pathLst>
-                  <a:path w="263" h="323">
-                    <a:moveTo>
-                      <a:pt x="12" y="323"/>
-                    </a:moveTo>
-                    <a:lnTo>
-                      <a:pt x="0" y="314"/>
-                    </a:lnTo>
-                    <a:lnTo>
-                      <a:pt x="203" y="108"/>
-                    </a:lnTo>
-                    <a:lnTo>
-                      <a:pt x="248" y="0"/>
-                    </a:lnTo>
-                    <a:lnTo>
-                      <a:pt x="263" y="6"/>
-                    </a:lnTo>
-                    <a:lnTo>
-                      <a:pt x="218" y="117"/>
-                    </a:lnTo>
-                    <a:lnTo>
-                      <a:pt x="218" y="117"/>
-                    </a:lnTo>
-                    <a:lnTo>
-                      <a:pt x="12" y="323"/>
-                    </a:lnTo>
-                    <a:close/>
-                  </a:path>
-                </a:pathLst>
-              </a:custGeom>
-              <a:grpFill/>
-              <a:ln>
-                <a:noFill/>
-              </a:ln>
-              <a:extLst>
-                <a:ext uri="{91240B29-F687-4f45-9708-019B960494DF}">
-                  <a14:hiddenLine xmlns="" xmlns:a16="http://schemas.microsoft.com/office/drawing/2014/main" xmlns:p14="http://schemas.microsoft.com/office/powerpoint/2010/main" xmlns:a14="http://schemas.microsoft.com/office/drawing/2010/main" w="9525">
-                    <a:solidFill>
-                      <a:srgbClr val="000000"/>
-                    </a:solidFill>
-                    <a:round/>
-                    <a:headEnd/>
-                    <a:tailEnd/>
-                  </a14:hiddenLine>
-                </a:ext>
-              </a:extLst>
-            </p:spPr>
-          </p:sp>
-          <p:sp>
-            <p:nvSpPr>
-              <p:cNvPr id="138" name="Freeform 33">
-                <a:extLst>
-                  <a:ext uri="{FF2B5EF4-FFF2-40B4-BE49-F238E27FC236}">
-                    <a16:creationId xmlns:a16="http://schemas.microsoft.com/office/drawing/2014/main" id="{E93A3F8E-D876-485E-9EDC-43E315DE1EE4}"/>
-                  </a:ext>
-                  <a:ext uri="{C183D7F6-B498-43B3-948B-1728B52AA6E4}">
-                    <adec:decorative xmlns:adec="http://schemas.microsoft.com/office/drawing/2017/decorative" val="1"/>
-                  </a:ext>
-                </a:extLst>
-              </p:cNvPr>
-              <p:cNvSpPr>
-                <a:spLocks noEditPoints="1"/>
-              </p:cNvSpPr>
-              <p:nvPr>
-                <p:extLst>
-                  <p:ext uri="{386F3935-93C4-4BCD-93E2-E3B085C9AB24}">
-                    <p16:designElem xmlns:p16="http://schemas.microsoft.com/office/powerpoint/2015/main" val="1"/>
-                  </p:ext>
-                </p:extLst>
-              </p:nvPr>
-            </p:nvSpPr>
-            <p:spPr bwMode="auto">
-              <a:xfrm>
-                <a:off x="11364912" y="474663"/>
-                <a:ext cx="157163" cy="152400"/>
-              </a:xfrm>
-              <a:custGeom>
-                <a:avLst/>
-                <a:gdLst/>
-                <a:ahLst/>
-                <a:cxnLst/>
-                <a:rect l="0" t="0" r="r" b="b"/>
-                <a:pathLst>
-                  <a:path w="33" h="32">
-                    <a:moveTo>
-                      <a:pt x="17" y="32"/>
-                    </a:moveTo>
-                    <a:cubicBezTo>
-                      <a:pt x="13" y="32"/>
-                      <a:pt x="9" y="30"/>
-                      <a:pt x="6" y="27"/>
-                    </a:cubicBezTo>
-                    <a:cubicBezTo>
-                      <a:pt x="0" y="21"/>
-                      <a:pt x="0" y="11"/>
-                      <a:pt x="6" y="5"/>
-                    </a:cubicBezTo>
-                    <a:cubicBezTo>
-                      <a:pt x="9" y="2"/>
-                      <a:pt x="13" y="0"/>
-                      <a:pt x="17" y="0"/>
-                    </a:cubicBezTo>
-                    <a:cubicBezTo>
-                      <a:pt x="21" y="0"/>
-                      <a:pt x="25" y="2"/>
-                      <a:pt x="28" y="5"/>
-                    </a:cubicBezTo>
-                    <a:cubicBezTo>
-                      <a:pt x="31" y="8"/>
-                      <a:pt x="33" y="12"/>
-                      <a:pt x="33" y="16"/>
-                    </a:cubicBezTo>
-                    <a:cubicBezTo>
-                      <a:pt x="33" y="20"/>
-                      <a:pt x="31" y="24"/>
-                      <a:pt x="28" y="27"/>
-                    </a:cubicBezTo>
-                    <a:cubicBezTo>
-                      <a:pt x="25" y="30"/>
-                      <a:pt x="21" y="32"/>
-                      <a:pt x="17" y="32"/>
-                    </a:cubicBezTo>
-                    <a:close/>
-                    <a:moveTo>
-                      <a:pt x="17" y="4"/>
-                    </a:moveTo>
-                    <a:cubicBezTo>
-                      <a:pt x="14" y="4"/>
-                      <a:pt x="11" y="6"/>
-                      <a:pt x="9" y="8"/>
-                    </a:cubicBezTo>
-                    <a:cubicBezTo>
-                      <a:pt x="4" y="12"/>
-                      <a:pt x="4" y="20"/>
-                      <a:pt x="9" y="24"/>
-                    </a:cubicBezTo>
-                    <a:cubicBezTo>
-                      <a:pt x="11" y="27"/>
-                      <a:pt x="14" y="28"/>
-                      <a:pt x="17" y="28"/>
-                    </a:cubicBezTo>
-                    <a:cubicBezTo>
-                      <a:pt x="20" y="28"/>
-                      <a:pt x="23" y="27"/>
-                      <a:pt x="26" y="24"/>
-                    </a:cubicBezTo>
-                    <a:cubicBezTo>
-                      <a:pt x="30" y="20"/>
-                      <a:pt x="30" y="12"/>
-                      <a:pt x="26" y="8"/>
-                    </a:cubicBezTo>
-                    <a:cubicBezTo>
-                      <a:pt x="23" y="6"/>
-                      <a:pt x="20" y="4"/>
-                      <a:pt x="17" y="4"/>
-                    </a:cubicBezTo>
-                    <a:close/>
-                  </a:path>
-                </a:pathLst>
-              </a:custGeom>
-              <a:grpFill/>
-              <a:ln>
-                <a:noFill/>
-              </a:ln>
-              <a:extLst>
-                <a:ext uri="{91240B29-F687-4f45-9708-019B960494DF}">
-                  <a14:hiddenLine xmlns="" xmlns:a16="http://schemas.microsoft.com/office/drawing/2014/main" xmlns:p14="http://schemas.microsoft.com/office/powerpoint/2010/main" xmlns:a14="http://schemas.microsoft.com/office/drawing/2010/main" w="9525">
-                    <a:solidFill>
-                      <a:srgbClr val="000000"/>
-                    </a:solidFill>
-                    <a:round/>
-                    <a:headEnd/>
-                    <a:tailEnd/>
-                  </a14:hiddenLine>
-                </a:ext>
-              </a:extLst>
-            </p:spPr>
-          </p:sp>
-          <p:sp>
-            <p:nvSpPr>
-              <p:cNvPr id="139" name="Freeform 34">
-                <a:extLst>
-                  <a:ext uri="{FF2B5EF4-FFF2-40B4-BE49-F238E27FC236}">
-                    <a16:creationId xmlns:a16="http://schemas.microsoft.com/office/drawing/2014/main" id="{B4F848A6-931A-4CC9-9B29-C7A9CEA3ACED}"/>
-                  </a:ext>
-                  <a:ext uri="{C183D7F6-B498-43B3-948B-1728B52AA6E4}">
-                    <adec:decorative xmlns:adec="http://schemas.microsoft.com/office/drawing/2017/decorative" val="1"/>
-                  </a:ext>
-                </a:extLst>
-              </p:cNvPr>
-              <p:cNvSpPr>
-                <a:spLocks noEditPoints="1"/>
-              </p:cNvSpPr>
-              <p:nvPr>
-                <p:extLst>
-                  <p:ext uri="{386F3935-93C4-4BCD-93E2-E3B085C9AB24}">
-                    <p16:designElem xmlns:p16="http://schemas.microsoft.com/office/powerpoint/2015/main" val="1"/>
-                  </p:ext>
-                </p:extLst>
-              </p:nvPr>
-            </p:nvSpPr>
-            <p:spPr bwMode="auto">
-              <a:xfrm>
-                <a:off x="11631612" y="1539875"/>
-                <a:ext cx="188913" cy="190500"/>
-              </a:xfrm>
-              <a:custGeom>
-                <a:avLst/>
-                <a:gdLst/>
-                <a:ahLst/>
-                <a:cxnLst/>
-                <a:rect l="0" t="0" r="r" b="b"/>
-                <a:pathLst>
-                  <a:path w="40" h="40">
-                    <a:moveTo>
-                      <a:pt x="20" y="40"/>
-                    </a:moveTo>
-                    <a:cubicBezTo>
-                      <a:pt x="9" y="40"/>
-                      <a:pt x="0" y="31"/>
-                      <a:pt x="0" y="20"/>
-                    </a:cubicBezTo>
-                    <a:cubicBezTo>
-                      <a:pt x="0" y="9"/>
-                      <a:pt x="9" y="0"/>
-                      <a:pt x="20" y="0"/>
-                    </a:cubicBezTo>
-                    <a:cubicBezTo>
-                      <a:pt x="31" y="0"/>
-                      <a:pt x="40" y="9"/>
-                      <a:pt x="40" y="20"/>
-                    </a:cubicBezTo>
-                    <a:cubicBezTo>
-                      <a:pt x="40" y="31"/>
-                      <a:pt x="31" y="40"/>
-                      <a:pt x="20" y="40"/>
-                    </a:cubicBezTo>
-                    <a:close/>
-                    <a:moveTo>
-                      <a:pt x="20" y="4"/>
-                    </a:moveTo>
-                    <a:cubicBezTo>
-                      <a:pt x="11" y="4"/>
-                      <a:pt x="4" y="11"/>
-                      <a:pt x="4" y="20"/>
-                    </a:cubicBezTo>
-                    <a:cubicBezTo>
-                      <a:pt x="4" y="29"/>
-                      <a:pt x="11" y="36"/>
-                      <a:pt x="20" y="36"/>
-                    </a:cubicBezTo>
-                    <a:cubicBezTo>
-                      <a:pt x="29" y="36"/>
-                      <a:pt x="36" y="29"/>
-                      <a:pt x="36" y="20"/>
-                    </a:cubicBezTo>
-                    <a:cubicBezTo>
-                      <a:pt x="36" y="11"/>
-                      <a:pt x="29" y="4"/>
-                      <a:pt x="20" y="4"/>
-                    </a:cubicBezTo>
-                    <a:close/>
-                  </a:path>
-                </a:pathLst>
-              </a:custGeom>
-              <a:grpFill/>
-              <a:ln>
-                <a:noFill/>
-              </a:ln>
-              <a:extLst>
-                <a:ext uri="{91240B29-F687-4f45-9708-019B960494DF}">
-                  <a14:hiddenLine xmlns="" xmlns:a16="http://schemas.microsoft.com/office/drawing/2014/main" xmlns:p14="http://schemas.microsoft.com/office/powerpoint/2010/main" xmlns:a14="http://schemas.microsoft.com/office/drawing/2010/main" w="9525">
-                    <a:solidFill>
-                      <a:srgbClr val="000000"/>
-                    </a:solidFill>
-                    <a:round/>
-                    <a:headEnd/>
-                    <a:tailEnd/>
-                  </a14:hiddenLine>
-                </a:ext>
-              </a:extLst>
-            </p:spPr>
-          </p:sp>
-          <p:sp>
-            <p:nvSpPr>
-              <p:cNvPr id="140" name="Freeform 35">
-                <a:extLst>
-                  <a:ext uri="{FF2B5EF4-FFF2-40B4-BE49-F238E27FC236}">
-                    <a16:creationId xmlns:a16="http://schemas.microsoft.com/office/drawing/2014/main" id="{5C4204D4-6782-4DB1-8FF8-86CC698AF2F1}"/>
-                  </a:ext>
-                  <a:ext uri="{C183D7F6-B498-43B3-948B-1728B52AA6E4}">
-                    <adec:decorative xmlns:adec="http://schemas.microsoft.com/office/drawing/2017/decorative" val="1"/>
-                  </a:ext>
-                </a:extLst>
-              </p:cNvPr>
-              <p:cNvSpPr/>
-              <p:nvPr>
-                <p:extLst>
-                  <p:ext uri="{386F3935-93C4-4BCD-93E2-E3B085C9AB24}">
-                    <p16:designElem xmlns:p16="http://schemas.microsoft.com/office/powerpoint/2015/main" val="1"/>
-                  </p:ext>
-                </p:extLst>
-              </p:nvPr>
-            </p:nvSpPr>
-            <p:spPr bwMode="auto">
-              <a:xfrm>
-                <a:off x="11531600" y="5694363"/>
-                <a:ext cx="298450" cy="1154113"/>
-              </a:xfrm>
-              <a:custGeom>
-                <a:avLst/>
-                <a:gdLst/>
-                <a:ahLst/>
-                <a:cxnLst/>
-                <a:rect l="0" t="0" r="r" b="b"/>
-                <a:pathLst>
-                  <a:path w="188" h="727">
-                    <a:moveTo>
-                      <a:pt x="15" y="727"/>
-                    </a:moveTo>
-                    <a:lnTo>
-                      <a:pt x="0" y="727"/>
-                    </a:lnTo>
-                    <a:lnTo>
-                      <a:pt x="0" y="407"/>
-                    </a:lnTo>
-                    <a:lnTo>
-                      <a:pt x="0" y="407"/>
-                    </a:lnTo>
-                    <a:lnTo>
-                      <a:pt x="176" y="0"/>
-                    </a:lnTo>
-                    <a:lnTo>
-                      <a:pt x="188" y="6"/>
-                    </a:lnTo>
-                    <a:lnTo>
-                      <a:pt x="15" y="410"/>
-                    </a:lnTo>
-                    <a:lnTo>
-                      <a:pt x="15" y="727"/>
-                    </a:lnTo>
-                    <a:close/>
-                  </a:path>
-                </a:pathLst>
-              </a:custGeom>
-              <a:grpFill/>
-              <a:ln>
-                <a:noFill/>
-              </a:ln>
-              <a:extLst>
-                <a:ext uri="{91240B29-F687-4f45-9708-019B960494DF}">
-                  <a14:hiddenLine xmlns="" xmlns:a16="http://schemas.microsoft.com/office/drawing/2014/main" xmlns:p14="http://schemas.microsoft.com/office/powerpoint/2010/main" xmlns:a14="http://schemas.microsoft.com/office/drawing/2010/main" w="9525">
-                    <a:solidFill>
-                      <a:srgbClr val="000000"/>
-                    </a:solidFill>
-                    <a:round/>
-                    <a:headEnd/>
-                    <a:tailEnd/>
-                  </a14:hiddenLine>
-                </a:ext>
-              </a:extLst>
-            </p:spPr>
-          </p:sp>
-          <p:sp>
-            <p:nvSpPr>
-              <p:cNvPr id="141" name="Freeform 36">
-                <a:extLst>
-                  <a:ext uri="{FF2B5EF4-FFF2-40B4-BE49-F238E27FC236}">
-                    <a16:creationId xmlns:a16="http://schemas.microsoft.com/office/drawing/2014/main" id="{3907C583-5764-43DC-8AF9-992D3472F678}"/>
-                  </a:ext>
-                  <a:ext uri="{C183D7F6-B498-43B3-948B-1728B52AA6E4}">
-                    <adec:decorative xmlns:adec="http://schemas.microsoft.com/office/drawing/2017/decorative" val="1"/>
-                  </a:ext>
-                </a:extLst>
-              </p:cNvPr>
-              <p:cNvSpPr>
-                <a:spLocks noEditPoints="1"/>
-              </p:cNvSpPr>
-              <p:nvPr>
-                <p:extLst>
-                  <p:ext uri="{386F3935-93C4-4BCD-93E2-E3B085C9AB24}">
-                    <p16:designElem xmlns:p16="http://schemas.microsoft.com/office/powerpoint/2015/main" val="1"/>
-                  </p:ext>
-                </p:extLst>
-              </p:nvPr>
-            </p:nvSpPr>
-            <p:spPr bwMode="auto">
-              <a:xfrm>
-                <a:off x="11772900" y="5551488"/>
-                <a:ext cx="157163" cy="155575"/>
-              </a:xfrm>
-              <a:custGeom>
-                <a:avLst/>
-                <a:gdLst/>
-                <a:ahLst/>
-                <a:cxnLst/>
-                <a:rect l="0" t="0" r="r" b="b"/>
-                <a:pathLst>
-                  <a:path w="33" h="33">
-                    <a:moveTo>
-                      <a:pt x="17" y="33"/>
-                    </a:moveTo>
-                    <a:cubicBezTo>
-                      <a:pt x="8" y="33"/>
-                      <a:pt x="0" y="25"/>
-                      <a:pt x="0" y="16"/>
-                    </a:cubicBezTo>
-                    <a:cubicBezTo>
-                      <a:pt x="0" y="7"/>
-                      <a:pt x="8" y="0"/>
-                      <a:pt x="17" y="0"/>
-                    </a:cubicBezTo>
-                    <a:cubicBezTo>
-                      <a:pt x="26" y="0"/>
-                      <a:pt x="33" y="7"/>
-                      <a:pt x="33" y="16"/>
-                    </a:cubicBezTo>
-                    <a:cubicBezTo>
-                      <a:pt x="33" y="25"/>
-                      <a:pt x="26" y="33"/>
-                      <a:pt x="17" y="33"/>
-                    </a:cubicBezTo>
-                    <a:close/>
-                    <a:moveTo>
-                      <a:pt x="17" y="4"/>
-                    </a:moveTo>
-                    <a:cubicBezTo>
-                      <a:pt x="10" y="4"/>
-                      <a:pt x="4" y="9"/>
-                      <a:pt x="4" y="16"/>
-                    </a:cubicBezTo>
-                    <a:cubicBezTo>
-                      <a:pt x="4" y="23"/>
-                      <a:pt x="10" y="29"/>
-                      <a:pt x="17" y="29"/>
-                    </a:cubicBezTo>
-                    <a:cubicBezTo>
-                      <a:pt x="23" y="29"/>
-                      <a:pt x="29" y="23"/>
-                      <a:pt x="29" y="16"/>
-                    </a:cubicBezTo>
-                    <a:cubicBezTo>
-                      <a:pt x="29" y="9"/>
-                      <a:pt x="23" y="4"/>
-                      <a:pt x="17" y="4"/>
-                    </a:cubicBezTo>
-                    <a:close/>
-                  </a:path>
-                </a:pathLst>
-              </a:custGeom>
-              <a:grpFill/>
-              <a:ln>
-                <a:noFill/>
-              </a:ln>
-              <a:extLst>
-                <a:ext uri="{91240B29-F687-4f45-9708-019B960494DF}">
-                  <a14:hiddenLine xmlns="" xmlns:a16="http://schemas.microsoft.com/office/drawing/2014/main" xmlns:p14="http://schemas.microsoft.com/office/powerpoint/2010/main" xmlns:a14="http://schemas.microsoft.com/office/drawing/2010/main" w="9525">
-                    <a:solidFill>
-                      <a:srgbClr val="000000"/>
-                    </a:solidFill>
-                    <a:round/>
-                    <a:headEnd/>
-                    <a:tailEnd/>
-                  </a14:hiddenLine>
-                </a:ext>
-              </a:extLst>
-            </p:spPr>
-          </p:sp>
-          <p:sp>
-            <p:nvSpPr>
-              <p:cNvPr id="142" name="Freeform 37">
-                <a:extLst>
-                  <a:ext uri="{FF2B5EF4-FFF2-40B4-BE49-F238E27FC236}">
-                    <a16:creationId xmlns:a16="http://schemas.microsoft.com/office/drawing/2014/main" id="{56CE3D6E-1121-4EF2-9DFB-7F3937FCCD05}"/>
-                  </a:ext>
-                  <a:ext uri="{C183D7F6-B498-43B3-948B-1728B52AA6E4}">
-                    <adec:decorative xmlns:adec="http://schemas.microsoft.com/office/drawing/2017/decorative" val="1"/>
-                  </a:ext>
-                </a:extLst>
-              </p:cNvPr>
-              <p:cNvSpPr/>
-              <p:nvPr>
-                <p:extLst>
-                  <p:ext uri="{386F3935-93C4-4BCD-93E2-E3B085C9AB24}">
-                    <p16:designElem xmlns:p16="http://schemas.microsoft.com/office/powerpoint/2015/main" val="1"/>
-                  </p:ext>
-                </p:extLst>
-              </p:nvPr>
-            </p:nvSpPr>
-            <p:spPr bwMode="auto">
-              <a:xfrm>
-                <a:off x="11710987" y="4763"/>
-                <a:ext cx="304800" cy="1544638"/>
-              </a:xfrm>
-              <a:custGeom>
-                <a:avLst/>
-                <a:gdLst/>
-                <a:ahLst/>
-                <a:cxnLst/>
-                <a:rect l="0" t="0" r="r" b="b"/>
-                <a:pathLst>
-                  <a:path w="192" h="973">
-                    <a:moveTo>
-                      <a:pt x="15" y="973"/>
-                    </a:moveTo>
-                    <a:lnTo>
-                      <a:pt x="0" y="973"/>
-                    </a:lnTo>
-                    <a:lnTo>
-                      <a:pt x="0" y="790"/>
-                    </a:lnTo>
-                    <a:lnTo>
-                      <a:pt x="174" y="614"/>
-                    </a:lnTo>
-                    <a:lnTo>
-                      <a:pt x="174" y="0"/>
-                    </a:lnTo>
-                    <a:lnTo>
-                      <a:pt x="192" y="0"/>
-                    </a:lnTo>
-                    <a:lnTo>
-                      <a:pt x="192" y="620"/>
-                    </a:lnTo>
-                    <a:lnTo>
-                      <a:pt x="15" y="796"/>
-                    </a:lnTo>
-                    <a:lnTo>
-                      <a:pt x="15" y="973"/>
-                    </a:lnTo>
-                    <a:close/>
-                  </a:path>
-                </a:pathLst>
-              </a:custGeom>
-              <a:grpFill/>
-              <a:ln>
-                <a:noFill/>
-              </a:ln>
-              <a:extLst>
-                <a:ext uri="{91240B29-F687-4f45-9708-019B960494DF}">
-                  <a14:hiddenLine xmlns="" xmlns:a16="http://schemas.microsoft.com/office/drawing/2014/main" xmlns:p14="http://schemas.microsoft.com/office/powerpoint/2010/main" xmlns:a14="http://schemas.microsoft.com/office/drawing/2010/main" w="9525">
-                    <a:solidFill>
-                      <a:srgbClr val="000000"/>
-                    </a:solidFill>
-                    <a:round/>
-                    <a:headEnd/>
-                    <a:tailEnd/>
-                  </a14:hiddenLine>
-                </a:ext>
-              </a:extLst>
-            </p:spPr>
-          </p:sp>
-          <p:sp>
-            <p:nvSpPr>
-              <p:cNvPr id="143" name="Freeform 38">
-                <a:extLst>
-                  <a:ext uri="{FF2B5EF4-FFF2-40B4-BE49-F238E27FC236}">
-                    <a16:creationId xmlns:a16="http://schemas.microsoft.com/office/drawing/2014/main" id="{3AEB7245-E197-4AE5-BCFC-7821E49EFE4F}"/>
-                  </a:ext>
-                  <a:ext uri="{C183D7F6-B498-43B3-948B-1728B52AA6E4}">
-                    <adec:decorative xmlns:adec="http://schemas.microsoft.com/office/drawing/2017/decorative" val="1"/>
-                  </a:ext>
-                </a:extLst>
-              </p:cNvPr>
-              <p:cNvSpPr>
-                <a:spLocks noEditPoints="1"/>
-              </p:cNvSpPr>
-              <p:nvPr>
-                <p:extLst>
-                  <p:ext uri="{386F3935-93C4-4BCD-93E2-E3B085C9AB24}">
-                    <p16:designElem xmlns:p16="http://schemas.microsoft.com/office/powerpoint/2015/main" val="1"/>
-                  </p:ext>
-                </p:extLst>
-              </p:nvPr>
-            </p:nvSpPr>
-            <p:spPr bwMode="auto">
-              <a:xfrm>
-                <a:off x="11636375" y="4867275"/>
-                <a:ext cx="188913" cy="188913"/>
-              </a:xfrm>
-              <a:custGeom>
-                <a:avLst/>
-                <a:gdLst/>
-                <a:ahLst/>
-                <a:cxnLst/>
-                <a:rect l="0" t="0" r="r" b="b"/>
-                <a:pathLst>
-                  <a:path w="40" h="40">
-                    <a:moveTo>
-                      <a:pt x="20" y="40"/>
-                    </a:moveTo>
-                    <a:cubicBezTo>
-                      <a:pt x="9" y="40"/>
-                      <a:pt x="0" y="31"/>
-                      <a:pt x="0" y="20"/>
-                    </a:cubicBezTo>
-                    <a:cubicBezTo>
-                      <a:pt x="0" y="9"/>
-                      <a:pt x="9" y="0"/>
-                      <a:pt x="20" y="0"/>
-                    </a:cubicBezTo>
-                    <a:cubicBezTo>
-                      <a:pt x="31" y="0"/>
-                      <a:pt x="40" y="9"/>
-                      <a:pt x="40" y="20"/>
-                    </a:cubicBezTo>
-                    <a:cubicBezTo>
-                      <a:pt x="40" y="31"/>
-                      <a:pt x="31" y="40"/>
-                      <a:pt x="20" y="40"/>
-                    </a:cubicBezTo>
-                    <a:close/>
-                    <a:moveTo>
-                      <a:pt x="20" y="4"/>
-                    </a:moveTo>
-                    <a:cubicBezTo>
-                      <a:pt x="11" y="4"/>
-                      <a:pt x="4" y="11"/>
-                      <a:pt x="4" y="20"/>
-                    </a:cubicBezTo>
-                    <a:cubicBezTo>
-                      <a:pt x="4" y="29"/>
-                      <a:pt x="11" y="36"/>
-                      <a:pt x="20" y="36"/>
-                    </a:cubicBezTo>
-                    <a:cubicBezTo>
-                      <a:pt x="29" y="36"/>
-                      <a:pt x="36" y="29"/>
-                      <a:pt x="36" y="20"/>
-                    </a:cubicBezTo>
-                    <a:cubicBezTo>
-                      <a:pt x="36" y="11"/>
-                      <a:pt x="29" y="4"/>
-                      <a:pt x="20" y="4"/>
-                    </a:cubicBezTo>
-                    <a:close/>
-                  </a:path>
-                </a:pathLst>
-              </a:custGeom>
-              <a:grpFill/>
-              <a:ln>
-                <a:noFill/>
-              </a:ln>
-              <a:extLst>
-                <a:ext uri="{91240B29-F687-4f45-9708-019B960494DF}">
-                  <a14:hiddenLine xmlns="" xmlns:a16="http://schemas.microsoft.com/office/drawing/2014/main" xmlns:p14="http://schemas.microsoft.com/office/powerpoint/2010/main" xmlns:a14="http://schemas.microsoft.com/office/drawing/2010/main" w="9525">
-                    <a:solidFill>
-                      <a:srgbClr val="000000"/>
-                    </a:solidFill>
-                    <a:round/>
-                    <a:headEnd/>
-                    <a:tailEnd/>
-                  </a14:hiddenLine>
-                </a:ext>
-              </a:extLst>
-            </p:spPr>
-          </p:sp>
-          <p:sp>
-            <p:nvSpPr>
-              <p:cNvPr id="144" name="Freeform 39">
-                <a:extLst>
-                  <a:ext uri="{FF2B5EF4-FFF2-40B4-BE49-F238E27FC236}">
-                    <a16:creationId xmlns:a16="http://schemas.microsoft.com/office/drawing/2014/main" id="{801E9C76-F4FB-4C4D-9350-B526F294E012}"/>
-                  </a:ext>
-                  <a:ext uri="{C183D7F6-B498-43B3-948B-1728B52AA6E4}">
-                    <adec:decorative xmlns:adec="http://schemas.microsoft.com/office/drawing/2017/decorative" val="1"/>
-                  </a:ext>
-                </a:extLst>
-              </p:cNvPr>
-              <p:cNvSpPr/>
-              <p:nvPr>
-                <p:extLst>
-                  <p:ext uri="{386F3935-93C4-4BCD-93E2-E3B085C9AB24}">
-                    <p16:designElem xmlns:p16="http://schemas.microsoft.com/office/powerpoint/2015/main" val="1"/>
-                  </p:ext>
-                </p:extLst>
-              </p:nvPr>
-            </p:nvSpPr>
-            <p:spPr bwMode="auto">
-              <a:xfrm>
-                <a:off x="11441112" y="5046663"/>
-                <a:ext cx="307975" cy="1801813"/>
-              </a:xfrm>
-              <a:custGeom>
-                <a:avLst/>
-                <a:gdLst/>
-                <a:ahLst/>
-                <a:cxnLst/>
-                <a:rect l="0" t="0" r="r" b="b"/>
-                <a:pathLst>
-                  <a:path w="194" h="1135">
-                    <a:moveTo>
-                      <a:pt x="18" y="1135"/>
-                    </a:moveTo>
-                    <a:lnTo>
-                      <a:pt x="0" y="1135"/>
-                    </a:lnTo>
-                    <a:lnTo>
-                      <a:pt x="0" y="354"/>
-                    </a:lnTo>
-                    <a:lnTo>
-                      <a:pt x="176" y="177"/>
-                    </a:lnTo>
-                    <a:lnTo>
-                      <a:pt x="176" y="0"/>
-                    </a:lnTo>
-                    <a:lnTo>
-                      <a:pt x="194" y="0"/>
-                    </a:lnTo>
-                    <a:lnTo>
-                      <a:pt x="194" y="183"/>
-                    </a:lnTo>
-                    <a:lnTo>
-                      <a:pt x="18" y="360"/>
-                    </a:lnTo>
-                    <a:lnTo>
-                      <a:pt x="18" y="1135"/>
-                    </a:lnTo>
-                    <a:close/>
-                  </a:path>
-                </a:pathLst>
-              </a:custGeom>
-              <a:grpFill/>
-              <a:ln>
-                <a:noFill/>
-              </a:ln>
-              <a:extLst>
-                <a:ext uri="{91240B29-F687-4f45-9708-019B960494DF}">
-                  <a14:hiddenLine xmlns="" xmlns:a16="http://schemas.microsoft.com/office/drawing/2014/main" xmlns:p14="http://schemas.microsoft.com/office/powerpoint/2010/main" xmlns:a14="http://schemas.microsoft.com/office/drawing/2010/main" w="9525">
-                    <a:solidFill>
-                      <a:srgbClr val="000000"/>
-                    </a:solidFill>
-                    <a:round/>
-                    <a:headEnd/>
-                    <a:tailEnd/>
-                  </a14:hiddenLine>
-                </a:ext>
-              </a:extLst>
-            </p:spPr>
-          </p:sp>
-          <p:sp>
-            <p:nvSpPr>
-              <p:cNvPr id="145" name="Freeform 40">
-                <a:extLst>
-                  <a:ext uri="{FF2B5EF4-FFF2-40B4-BE49-F238E27FC236}">
-                    <a16:creationId xmlns:a16="http://schemas.microsoft.com/office/drawing/2014/main" id="{F9C0C5DE-6C8C-4CD0-9C91-6A132A06DA79}"/>
-                  </a:ext>
-                  <a:ext uri="{C183D7F6-B498-43B3-948B-1728B52AA6E4}">
-                    <adec:decorative xmlns:adec="http://schemas.microsoft.com/office/drawing/2017/decorative" val="1"/>
-                  </a:ext>
-                </a:extLst>
-              </p:cNvPr>
-              <p:cNvSpPr>
-                <a:spLocks noEditPoints="1"/>
-              </p:cNvSpPr>
-              <p:nvPr>
-                <p:extLst>
-                  <p:ext uri="{386F3935-93C4-4BCD-93E2-E3B085C9AB24}">
-                    <p16:designElem xmlns:p16="http://schemas.microsoft.com/office/powerpoint/2015/main" val="1"/>
-                  </p:ext>
-                </p:extLst>
-              </p:nvPr>
-            </p:nvSpPr>
-            <p:spPr bwMode="auto">
-              <a:xfrm>
-                <a:off x="11849100" y="6416675"/>
-                <a:ext cx="190500" cy="188913"/>
-              </a:xfrm>
-              <a:custGeom>
-                <a:avLst/>
-                <a:gdLst/>
-                <a:ahLst/>
-                <a:cxnLst/>
-                <a:rect l="0" t="0" r="r" b="b"/>
-                <a:pathLst>
-                  <a:path w="40" h="40">
-                    <a:moveTo>
-                      <a:pt x="20" y="40"/>
-                    </a:moveTo>
-                    <a:cubicBezTo>
-                      <a:pt x="9" y="40"/>
-                      <a:pt x="0" y="31"/>
-                      <a:pt x="0" y="20"/>
-                    </a:cubicBezTo>
-                    <a:cubicBezTo>
-                      <a:pt x="0" y="9"/>
-                      <a:pt x="9" y="0"/>
-                      <a:pt x="20" y="0"/>
-                    </a:cubicBezTo>
-                    <a:cubicBezTo>
-                      <a:pt x="31" y="0"/>
-                      <a:pt x="40" y="9"/>
-                      <a:pt x="40" y="20"/>
-                    </a:cubicBezTo>
-                    <a:cubicBezTo>
-                      <a:pt x="40" y="31"/>
-                      <a:pt x="31" y="40"/>
-                      <a:pt x="20" y="40"/>
-                    </a:cubicBezTo>
-                    <a:close/>
-                    <a:moveTo>
-                      <a:pt x="20" y="4"/>
-                    </a:moveTo>
-                    <a:cubicBezTo>
-                      <a:pt x="12" y="4"/>
-                      <a:pt x="4" y="11"/>
-                      <a:pt x="4" y="20"/>
-                    </a:cubicBezTo>
-                    <a:cubicBezTo>
-                      <a:pt x="4" y="29"/>
-                      <a:pt x="12" y="36"/>
-                      <a:pt x="20" y="36"/>
-                    </a:cubicBezTo>
-                    <a:cubicBezTo>
-                      <a:pt x="29" y="36"/>
-                      <a:pt x="36" y="29"/>
-                      <a:pt x="36" y="20"/>
-                    </a:cubicBezTo>
-                    <a:cubicBezTo>
-                      <a:pt x="36" y="11"/>
-                      <a:pt x="29" y="4"/>
-                      <a:pt x="20" y="4"/>
-                    </a:cubicBezTo>
-                    <a:close/>
-                  </a:path>
-                </a:pathLst>
-              </a:custGeom>
-              <a:grpFill/>
-              <a:ln>
-                <a:noFill/>
-              </a:ln>
-              <a:extLst>
-                <a:ext uri="{91240B29-F687-4f45-9708-019B960494DF}">
-                  <a14:hiddenLine xmlns="" xmlns:a16="http://schemas.microsoft.com/office/drawing/2014/main" xmlns:p14="http://schemas.microsoft.com/office/powerpoint/2010/main" xmlns:a14="http://schemas.microsoft.com/office/drawing/2010/main" w="9525">
-                    <a:solidFill>
-                      <a:srgbClr val="000000"/>
-                    </a:solidFill>
-                    <a:round/>
-                    <a:headEnd/>
-                    <a:tailEnd/>
-                  </a14:hiddenLine>
-                </a:ext>
-              </a:extLst>
-            </p:spPr>
-          </p:sp>
-          <p:sp>
-            <p:nvSpPr>
-              <p:cNvPr id="146" name="Rectangle 41">
-                <a:extLst>
-                  <a:ext uri="{FF2B5EF4-FFF2-40B4-BE49-F238E27FC236}">
-                    <a16:creationId xmlns:a16="http://schemas.microsoft.com/office/drawing/2014/main" id="{955A7039-8B66-4CF0-8048-0AD0F4A5B853}"/>
-                  </a:ext>
-                  <a:ext uri="{C183D7F6-B498-43B3-948B-1728B52AA6E4}">
-                    <adec:decorative xmlns:adec="http://schemas.microsoft.com/office/drawing/2017/decorative" val="1"/>
-                  </a:ext>
-                </a:extLst>
-              </p:cNvPr>
-              <p:cNvSpPr>
-                <a:spLocks noChangeArrowheads="1"/>
-              </p:cNvSpPr>
-              <p:nvPr>
-                <p:extLst>
-                  <p:ext uri="{386F3935-93C4-4BCD-93E2-E3B085C9AB24}">
-                    <p16:designElem xmlns:p16="http://schemas.microsoft.com/office/powerpoint/2015/main" val="1"/>
-                  </p:ext>
-                </p:extLst>
-              </p:nvPr>
-            </p:nvSpPr>
-            <p:spPr bwMode="auto">
-              <a:xfrm>
-                <a:off x="11939587" y="6596063"/>
-                <a:ext cx="23813" cy="252413"/>
-              </a:xfrm>
-              <a:prstGeom prst="rect">
-                <a:avLst/>
-              </a:prstGeom>
-              <a:grpFill/>
-              <a:ln>
-                <a:noFill/>
-              </a:ln>
-              <a:extLst>
-                <a:ext uri="{91240B29-F687-4f45-9708-019B960494DF}">
-                  <a14:hiddenLine xmlns="" xmlns:a16="http://schemas.microsoft.com/office/drawing/2014/main" xmlns:p14="http://schemas.microsoft.com/office/powerpoint/2010/main" xmlns:a14="http://schemas.microsoft.com/office/drawing/2010/main" w="9525">
-                    <a:solidFill>
-                      <a:srgbClr val="000000"/>
-                    </a:solidFill>
-                    <a:miter lim="800000"/>
-                    <a:headEnd/>
-                    <a:tailEnd/>
-                  </a14:hiddenLine>
-                </a:ext>
-              </a:extLst>
-            </p:spPr>
-          </p:sp>
-        </p:grpSp>
-      </p:grpSp>
-      <p:grpSp>
-        <p:nvGrpSpPr>
-          <p:cNvPr id="175" name="Group 174">
-            <a:extLst>
-              <a:ext uri="{FF2B5EF4-FFF2-40B4-BE49-F238E27FC236}">
-                <a16:creationId xmlns:a16="http://schemas.microsoft.com/office/drawing/2014/main" id="{891D367A-4C8C-409F-93D9-FD02D0BC9FF6}"/>
-              </a:ext>
-              <a:ext uri="{C183D7F6-B498-43B3-948B-1728B52AA6E4}">
-                <adec:decorative xmlns:adec="http://schemas.microsoft.com/office/drawing/2017/decorative" val="1"/>
-              </a:ext>
-            </a:extLst>
-          </p:cNvPr>
-          <p:cNvGrpSpPr>
-            <a:grpSpLocks noGrp="1" noUngrp="1" noRot="1" noChangeAspect="1" noMove="1" noResize="1"/>
-          </p:cNvGrpSpPr>
-          <p:nvPr>
-            <p:extLst>
-              <p:ext uri="{386F3935-93C4-4BCD-93E2-E3B085C9AB24}">
-                <p16:designElem xmlns:p16="http://schemas.microsoft.com/office/powerpoint/2015/main" val="1"/>
-              </p:ext>
-            </p:extLst>
-          </p:nvPr>
-        </p:nvGrpSpPr>
-        <p:grpSpPr>
-          <a:xfrm>
-            <a:off x="0" y="0"/>
-            <a:ext cx="12192003" cy="6858001"/>
-            <a:chOff x="0" y="-1"/>
-            <a:chExt cx="12192003" cy="6858001"/>
-          </a:xfrm>
-        </p:grpSpPr>
-        <p:sp useBgFill="1">
-          <p:nvSpPr>
-            <p:cNvPr id="176" name="Rectangle 175">
-              <a:extLst>
-                <a:ext uri="{FF2B5EF4-FFF2-40B4-BE49-F238E27FC236}">
-                  <a16:creationId xmlns:a16="http://schemas.microsoft.com/office/drawing/2014/main" id="{50EC018E-7B11-4D3B-B7FE-DCFEC35F207A}"/>
-                </a:ext>
-                <a:ext uri="{C183D7F6-B498-43B3-948B-1728B52AA6E4}">
-                  <adec:decorative xmlns:adec="http://schemas.microsoft.com/office/drawing/2017/decorative" val="1"/>
-                </a:ext>
-              </a:extLst>
-            </p:cNvPr>
-            <p:cNvSpPr/>
-            <p:nvPr>
-              <p:extLst>
-                <p:ext uri="{386F3935-93C4-4BCD-93E2-E3B085C9AB24}">
-                  <p16:designElem xmlns:p16="http://schemas.microsoft.com/office/powerpoint/2015/main" val="1"/>
-                </p:ext>
-              </p:extLst>
-            </p:nvPr>
-          </p:nvSpPr>
-          <p:spPr>
-            <a:xfrm>
-              <a:off x="1" y="-1"/>
-              <a:ext cx="12192000" cy="6858000"/>
-            </a:xfrm>
-            <a:prstGeom prst="rect">
-              <a:avLst/>
-            </a:prstGeom>
-            <a:ln>
-              <a:noFill/>
-            </a:ln>
-          </p:spPr>
-          <p:style>
-            <a:lnRef idx="2">
-              <a:schemeClr val="accent1">
-                <a:shade val="50000"/>
-              </a:schemeClr>
-            </a:lnRef>
-            <a:fillRef idx="1">
-              <a:schemeClr val="accent1"/>
-            </a:fillRef>
-            <a:effectRef idx="0">
-              <a:schemeClr val="accent1"/>
-            </a:effectRef>
-            <a:fontRef idx="minor">
-              <a:schemeClr val="lt1"/>
-            </a:fontRef>
-          </p:style>
-          <p:txBody>
-            <a:bodyPr rtlCol="0" anchor="ctr"/>
-            <a:lstStyle/>
-            <a:p>
-              <a:pPr algn="ctr"/>
-              <a:endParaRPr lang="en-US"/>
-            </a:p>
-          </p:txBody>
-        </p:sp>
-        <p:pic>
-          <p:nvPicPr>
-            <p:cNvPr id="187" name="Picture 2">
-              <a:extLst>
-                <a:ext uri="{FF2B5EF4-FFF2-40B4-BE49-F238E27FC236}">
-                  <a16:creationId xmlns:a16="http://schemas.microsoft.com/office/drawing/2014/main" id="{667FA462-522C-4B1C-A264-8880D5F357B3}"/>
-                </a:ext>
-                <a:ext uri="{C183D7F6-B498-43B3-948B-1728B52AA6E4}">
-                  <adec:decorative xmlns:adec="http://schemas.microsoft.com/office/drawing/2017/decorative" val="1"/>
-                </a:ext>
-              </a:extLst>
-            </p:cNvPr>
-            <p:cNvPicPr>
-              <a:picLocks noChangeAspect="1" noChangeArrowheads="1"/>
-            </p:cNvPicPr>
-            <p:nvPr>
-              <p:extLst>
-                <p:ext uri="{386F3935-93C4-4BCD-93E2-E3B085C9AB24}">
-                  <p16:designElem xmlns:p16="http://schemas.microsoft.com/office/powerpoint/2015/main" val="1"/>
-                </p:ext>
-              </p:extLst>
-            </p:nvPr>
-          </p:nvPicPr>
-          <p:blipFill>
-            <a:blip r:embed="rId3">
-              <a:alphaModFix amt="30000"/>
-              <a:duotone>
-                <a:prstClr val="black"/>
-                <a:schemeClr val="tx2">
-                  <a:tint val="45000"/>
-                  <a:satMod val="400000"/>
-                </a:schemeClr>
-              </a:duotone>
-              <a:extLst>
-                <a:ext uri="{28A0092B-C50C-407E-A947-70E740481C1C}">
-                  <a14:useLocalDpi xmlns:a14="http://schemas.microsoft.com/office/drawing/2010/main" val="0"/>
-                </a:ext>
-              </a:extLst>
-            </a:blip>
-            <a:srcRect/>
-            <a:stretch>
-              <a:fillRect/>
-            </a:stretch>
-          </p:blipFill>
-          <p:spPr bwMode="auto">
-            <a:xfrm>
-              <a:off x="0" y="-1"/>
-              <a:ext cx="12192003" cy="6858001"/>
-            </a:xfrm>
-            <a:prstGeom prst="rect">
-              <a:avLst/>
-            </a:prstGeom>
-            <a:noFill/>
-            <a:extLst>
-              <a:ext uri="{909E8E84-426E-40dd-AFC4-6F175D3DCCD1}">
-                <a14:hiddenFill xmlns="" xmlns:a16="http://schemas.microsoft.com/office/drawing/2014/main" xmlns:p14="http://schemas.microsoft.com/office/powerpoint/2010/main" xmlns:a14="http://schemas.microsoft.com/office/drawing/2010/main">
-                  <a:solidFill>
-                    <a:srgbClr val="FFFFFF"/>
-                  </a:solidFill>
-                </a14:hiddenFill>
-              </a:ext>
-            </a:extLst>
-          </p:spPr>
-        </p:pic>
-      </p:grpSp>
-      <p:pic>
-        <p:nvPicPr>
-          <p:cNvPr id="179" name="Picture 2">
-            <a:extLst>
-              <a:ext uri="{FF2B5EF4-FFF2-40B4-BE49-F238E27FC236}">
-                <a16:creationId xmlns:a16="http://schemas.microsoft.com/office/drawing/2014/main" id="{7589240B-26BC-45BE-A858-3DF47A39229B}"/>
-              </a:ext>
-              <a:ext uri="{C183D7F6-B498-43B3-948B-1728B52AA6E4}">
-                <adec:decorative xmlns:adec="http://schemas.microsoft.com/office/drawing/2017/decorative" val="1"/>
-              </a:ext>
-            </a:extLst>
-          </p:cNvPr>
-          <p:cNvPicPr>
-            <a:picLocks noGrp="1" noRot="1" noChangeAspect="1" noMove="1" noResize="1" noEditPoints="1" noAdjustHandles="1" noChangeArrowheads="1" noChangeShapeType="1" noCrop="1"/>
-          </p:cNvPicPr>
-          <p:nvPr>
-            <p:extLst>
-              <p:ext uri="{386F3935-93C4-4BCD-93E2-E3B085C9AB24}">
-                <p16:designElem xmlns:p16="http://schemas.microsoft.com/office/powerpoint/2015/main" val="1"/>
-              </p:ext>
-            </p:extLst>
-          </p:nvPr>
-        </p:nvPicPr>
-        <p:blipFill>
-          <a:blip r:embed="rId3">
-            <a:alphaModFix amt="30000"/>
-            <a:extLst>
-              <a:ext uri="{28A0092B-C50C-407E-A947-70E740481C1C}">
-                <a14:useLocalDpi xmlns:a14="http://schemas.microsoft.com/office/drawing/2010/main" val="0"/>
-              </a:ext>
-            </a:extLst>
-          </a:blip>
-          <a:srcRect/>
-          <a:stretch>
-            <a:fillRect/>
-          </a:stretch>
-        </p:blipFill>
-        <p:spPr bwMode="auto">
-          <a:xfrm>
-            <a:off x="0" y="0"/>
-            <a:ext cx="12192003" cy="6858001"/>
-          </a:xfrm>
-          <a:prstGeom prst="rect">
-            <a:avLst/>
-          </a:prstGeom>
-          <a:noFill/>
-          <a:extLst>
-            <a:ext uri="{909E8E84-426E-40dd-AFC4-6F175D3DCCD1}">
-              <a14:hiddenFill xmlns="" xmlns:a16="http://schemas.microsoft.com/office/drawing/2014/main" xmlns:p14="http://schemas.microsoft.com/office/powerpoint/2010/main" xmlns:a14="http://schemas.microsoft.com/office/drawing/2010/main">
-                <a:solidFill>
-                  <a:srgbClr val="FFFFFF"/>
-                </a:solidFill>
-              </a14:hiddenFill>
-            </a:ext>
-          </a:extLst>
-        </p:spPr>
-      </p:pic>
-      <p:sp>
-        <p:nvSpPr>
-          <p:cNvPr id="181" name="Round Diagonal Corner Rectangle 6">
-            <a:extLst>
-              <a:ext uri="{FF2B5EF4-FFF2-40B4-BE49-F238E27FC236}">
-                <a16:creationId xmlns:a16="http://schemas.microsoft.com/office/drawing/2014/main" id="{81E18780-A505-4639-9939-E204348C7317}"/>
-              </a:ext>
-              <a:ext uri="{C183D7F6-B498-43B3-948B-1728B52AA6E4}">
-                <adec:decorative xmlns:adec="http://schemas.microsoft.com/office/drawing/2017/decorative" val="1"/>
-              </a:ext>
-            </a:extLst>
-          </p:cNvPr>
-          <p:cNvSpPr>
-            <a:spLocks noGrp="1" noRot="1" noChangeAspect="1" noMove="1" noResize="1" noEditPoints="1" noAdjustHandles="1" noChangeArrowheads="1" noChangeShapeType="1" noTextEdit="1"/>
-          </p:cNvSpPr>
-          <p:nvPr>
-            <p:extLst>
-              <p:ext uri="{386F3935-93C4-4BCD-93E2-E3B085C9AB24}">
-                <p16:designElem xmlns:p16="http://schemas.microsoft.com/office/powerpoint/2015/main" val="1"/>
-              </p:ext>
-            </p:extLst>
-          </p:nvPr>
-        </p:nvSpPr>
-        <p:spPr>
-          <a:xfrm>
-            <a:off x="643464" y="643466"/>
-            <a:ext cx="10890781" cy="5571067"/>
-          </a:xfrm>
-          <a:prstGeom prst="round2DiagRect">
-            <a:avLst>
-              <a:gd name="adj1" fmla="val 6185"/>
-              <a:gd name="adj2" fmla="val 0"/>
-            </a:avLst>
-          </a:prstGeom>
-          <a:solidFill>
-            <a:srgbClr val="FFFFFF"/>
-          </a:solidFill>
-          <a:ln w="19050" cap="sq">
-            <a:solidFill>
-              <a:schemeClr val="tx2">
-                <a:lumMod val="60000"/>
-                <a:lumOff val="40000"/>
-                <a:alpha val="60000"/>
-              </a:schemeClr>
-            </a:solidFill>
-            <a:miter lim="800000"/>
-          </a:ln>
-          <a:effectLst>
-            <a:outerShdw blurRad="88900" dist="38100" dir="5400000" algn="t" rotWithShape="0">
-              <a:prstClr val="black">
-                <a:alpha val="40000"/>
-              </a:prstClr>
-            </a:outerShdw>
-          </a:effectLst>
-        </p:spPr>
-        <p:style>
-          <a:lnRef idx="2">
-            <a:schemeClr val="accent1">
-              <a:shade val="50000"/>
-            </a:schemeClr>
-          </a:lnRef>
-          <a:fillRef idx="1">
-            <a:schemeClr val="accent1"/>
-          </a:fillRef>
-          <a:effectRef idx="0">
-            <a:schemeClr val="accent1"/>
-          </a:effectRef>
-          <a:fontRef idx="minor">
-            <a:schemeClr val="lt1"/>
-          </a:fontRef>
-        </p:style>
-        <p:txBody>
-          <a:bodyPr rtlCol="0" anchor="ctr"/>
-          <a:lstStyle/>
-          <a:p>
-            <a:pPr algn="ctr"/>
-            <a:endParaRPr lang="en-US"/>
-          </a:p>
-        </p:txBody>
-      </p:sp>
-      <p:pic>
-        <p:nvPicPr>
-          <p:cNvPr id="4" name="Content Placeholder 4" descr="A diagram of a software application&#10;&#10;Description automatically generated">
-            <a:extLst>
-              <a:ext uri="{FF2B5EF4-FFF2-40B4-BE49-F238E27FC236}">
-                <a16:creationId xmlns:a16="http://schemas.microsoft.com/office/drawing/2014/main" id="{5D409377-FF93-0332-2674-E5D35C6BA038}"/>
-              </a:ext>
-            </a:extLst>
-          </p:cNvPr>
-          <p:cNvPicPr>
-            <a:picLocks noChangeAspect="1"/>
-          </p:cNvPicPr>
-          <p:nvPr/>
-        </p:nvPicPr>
-        <p:blipFill>
-          <a:blip r:embed="rId4">
-            <a:extLst>
-              <a:ext uri="{28A0092B-C50C-407E-A947-70E740481C1C}">
-                <a14:useLocalDpi xmlns:a14="http://schemas.microsoft.com/office/drawing/2010/main" val="0"/>
-              </a:ext>
-            </a:extLst>
-          </a:blip>
-          <a:stretch>
-            <a:fillRect/>
-          </a:stretch>
-        </p:blipFill>
-        <p:spPr>
-          <a:xfrm>
-            <a:off x="2303589" y="966256"/>
-            <a:ext cx="7570530" cy="4939770"/>
-          </a:xfrm>
-          <a:prstGeom prst="rect">
-            <a:avLst/>
-          </a:prstGeom>
-        </p:spPr>
-      </p:pic>
-    </p:spTree>
-    <p:extLst>
-      <p:ext uri="{BB962C8B-B14F-4D97-AF65-F5344CB8AC3E}">
-        <p14:creationId xmlns:p14="http://schemas.microsoft.com/office/powerpoint/2010/main" val="4202154326"/>
-      </p:ext>
-    </p:extLst>
-  </p:cSld>
-  <p:clrMapOvr>
-    <a:masterClrMapping/>
-  </p:clrMapOvr>
-</p:sld>
-</file>
-
-<file path=ppt/slides/slide6.xml><?xml version="1.0" encoding="utf-8"?>
-<p:sld xmlns:a="http://schemas.openxmlformats.org/drawingml/2006/main" xmlns:r="http://schemas.openxmlformats.org/officeDocument/2006/relationships" xmlns:p="http://schemas.openxmlformats.org/presentationml/2006/main">
-  <p:cSld>
-    <p:spTree>
-      <p:nvGrpSpPr>
-        <p:cNvPr id="1" name=""/>
-        <p:cNvGrpSpPr/>
-        <p:nvPr/>
-      </p:nvGrpSpPr>
-      <p:grpSpPr>
-        <a:xfrm>
-          <a:off x="0" y="0"/>
-          <a:ext cx="0" cy="0"/>
-          <a:chOff x="0" y="0"/>
-          <a:chExt cx="0" cy="0"/>
-        </a:xfrm>
-      </p:grpSpPr>
-      <p:sp>
-        <p:nvSpPr>
-          <p:cNvPr id="2" name="Title 1">
-            <a:extLst>
-              <a:ext uri="{FF2B5EF4-FFF2-40B4-BE49-F238E27FC236}">
-                <a16:creationId xmlns:a16="http://schemas.microsoft.com/office/drawing/2014/main" id="{EBB1CEBE-B74C-1D01-7BBC-5DD1D9F44114}"/>
-              </a:ext>
-            </a:extLst>
-          </p:cNvPr>
-          <p:cNvSpPr>
-            <a:spLocks noGrp="1"/>
-          </p:cNvSpPr>
-          <p:nvPr>
-            <p:ph type="title"/>
-          </p:nvPr>
-        </p:nvSpPr>
-        <p:spPr>
-          <a:xfrm>
-            <a:off x="1143001" y="189309"/>
-            <a:ext cx="9905998" cy="1478570"/>
-          </a:xfrm>
-        </p:spPr>
-        <p:txBody>
-          <a:bodyPr/>
-          <a:lstStyle/>
-          <a:p>
-            <a:r>
-              <a:rPr lang="en-US" dirty="0"/>
-              <a:t>Red hat </a:t>
-            </a:r>
-            <a:r>
-              <a:rPr lang="en-US" dirty="0" err="1"/>
-              <a:t>openshift</a:t>
-            </a:r>
-            <a:r>
-              <a:rPr lang="en-US" dirty="0"/>
-              <a:t> container platform </a:t>
-            </a:r>
-          </a:p>
-        </p:txBody>
-      </p:sp>
-      <p:pic>
-        <p:nvPicPr>
-          <p:cNvPr id="5" name="Content Placeholder 4" descr="A screenshot of a computer&#10;&#10;Description automatically generated">
-            <a:extLst>
-              <a:ext uri="{FF2B5EF4-FFF2-40B4-BE49-F238E27FC236}">
-                <a16:creationId xmlns:a16="http://schemas.microsoft.com/office/drawing/2014/main" id="{34CC670B-E09D-4055-FFEE-618964ED9D68}"/>
-              </a:ext>
-            </a:extLst>
-          </p:cNvPr>
-          <p:cNvPicPr>
-            <a:picLocks noGrp="1" noChangeAspect="1"/>
-          </p:cNvPicPr>
-          <p:nvPr>
-            <p:ph idx="1"/>
-          </p:nvPr>
-        </p:nvPicPr>
-        <p:blipFill>
-          <a:blip r:embed="rId2">
-            <a:extLst>
-              <a:ext uri="{28A0092B-C50C-407E-A947-70E740481C1C}">
-                <a14:useLocalDpi xmlns:a14="http://schemas.microsoft.com/office/drawing/2010/main" val="0"/>
-              </a:ext>
-            </a:extLst>
-          </a:blip>
-          <a:stretch>
-            <a:fillRect/>
-          </a:stretch>
-        </p:blipFill>
-        <p:spPr>
-          <a:xfrm>
-            <a:off x="839739" y="1289017"/>
-            <a:ext cx="10512522" cy="5188585"/>
-          </a:xfrm>
-        </p:spPr>
-      </p:pic>
-    </p:spTree>
-    <p:extLst>
-      <p:ext uri="{BB962C8B-B14F-4D97-AF65-F5344CB8AC3E}">
-        <p14:creationId xmlns:p14="http://schemas.microsoft.com/office/powerpoint/2010/main" val="2832464232"/>
-      </p:ext>
-    </p:extLst>
-  </p:cSld>
-  <p:clrMapOvr>
-    <a:masterClrMapping/>
-  </p:clrMapOvr>
-</p:sld>
-</file>
-
-<file path=ppt/slides/slide7.xml><?xml version="1.0" encoding="utf-8"?>
-<p:sld xmlns:a="http://schemas.openxmlformats.org/drawingml/2006/main" xmlns:r="http://schemas.openxmlformats.org/officeDocument/2006/relationships" xmlns:p="http://schemas.openxmlformats.org/presentationml/2006/main">
-  <p:cSld>
-    <p:spTree>
-      <p:nvGrpSpPr>
-        <p:cNvPr id="1" name=""/>
-        <p:cNvGrpSpPr/>
-        <p:nvPr/>
-      </p:nvGrpSpPr>
-      <p:grpSpPr>
-        <a:xfrm>
-          <a:off x="0" y="0"/>
-          <a:ext cx="0" cy="0"/>
-          <a:chOff x="0" y="0"/>
-          <a:chExt cx="0" cy="0"/>
-        </a:xfrm>
-      </p:grpSpPr>
-      <p:sp>
-        <p:nvSpPr>
-          <p:cNvPr id="2" name="Title 1">
-            <a:extLst>
-              <a:ext uri="{FF2B5EF4-FFF2-40B4-BE49-F238E27FC236}">
-                <a16:creationId xmlns:a16="http://schemas.microsoft.com/office/drawing/2014/main" id="{8700ADE9-CDBC-B1AB-805F-FF7E5B7904BC}"/>
-              </a:ext>
-            </a:extLst>
-          </p:cNvPr>
-          <p:cNvSpPr>
-            <a:spLocks noGrp="1"/>
-          </p:cNvSpPr>
-          <p:nvPr>
-            <p:ph type="title"/>
-          </p:nvPr>
-        </p:nvSpPr>
-        <p:spPr>
-          <a:xfrm>
-            <a:off x="912813" y="151793"/>
-            <a:ext cx="9905998" cy="1478570"/>
-          </a:xfrm>
-        </p:spPr>
-        <p:txBody>
-          <a:bodyPr/>
-          <a:lstStyle/>
-          <a:p>
-            <a:r>
-              <a:rPr lang="en-US" dirty="0"/>
-              <a:t>Google cloud</a:t>
-            </a:r>
-          </a:p>
-        </p:txBody>
-      </p:sp>
-      <p:pic>
-        <p:nvPicPr>
-          <p:cNvPr id="1026" name="Picture 2" descr="Изображение">
-            <a:extLst>
-              <a:ext uri="{FF2B5EF4-FFF2-40B4-BE49-F238E27FC236}">
-                <a16:creationId xmlns:a16="http://schemas.microsoft.com/office/drawing/2014/main" id="{FE38002D-2E05-1391-3B90-50EB2381D956}"/>
-              </a:ext>
-            </a:extLst>
-          </p:cNvPr>
-          <p:cNvPicPr>
-            <a:picLocks noGrp="1" noChangeAspect="1" noChangeArrowheads="1"/>
-          </p:cNvPicPr>
-          <p:nvPr>
-            <p:ph idx="1"/>
-          </p:nvPr>
-        </p:nvPicPr>
-        <p:blipFill>
-          <a:blip r:embed="rId2">
-            <a:extLst>
-              <a:ext uri="{28A0092B-C50C-407E-A947-70E740481C1C}">
-                <a14:useLocalDpi xmlns:a14="http://schemas.microsoft.com/office/drawing/2010/main" val="0"/>
-              </a:ext>
-            </a:extLst>
-          </a:blip>
-          <a:srcRect/>
-          <a:stretch>
-            <a:fillRect/>
-          </a:stretch>
-        </p:blipFill>
-        <p:spPr bwMode="auto">
-          <a:xfrm>
-            <a:off x="2431256" y="1357803"/>
-            <a:ext cx="7326312" cy="5045646"/>
-          </a:xfrm>
-          <a:prstGeom prst="rect">
-            <a:avLst/>
-          </a:prstGeom>
-          <a:noFill/>
-          <a:extLst>
-            <a:ext uri="{909E8E84-426E-40DD-AFC4-6F175D3DCCD1}">
-              <a14:hiddenFill xmlns:a14="http://schemas.microsoft.com/office/drawing/2010/main">
-                <a:solidFill>
-                  <a:srgbClr val="FFFFFF"/>
-                </a:solidFill>
-              </a14:hiddenFill>
-            </a:ext>
-          </a:extLst>
-        </p:spPr>
-      </p:pic>
-    </p:spTree>
-    <p:extLst>
-      <p:ext uri="{BB962C8B-B14F-4D97-AF65-F5344CB8AC3E}">
-        <p14:creationId xmlns:p14="http://schemas.microsoft.com/office/powerpoint/2010/main" val="1895423221"/>
-      </p:ext>
-    </p:extLst>
-  </p:cSld>
-  <p:clrMapOvr>
-    <a:masterClrMapping/>
-  </p:clrMapOvr>
-</p:sld>
-</file>
-
-<file path=ppt/slides/slide8.xml><?xml version="1.0" encoding="utf-8"?>
 <p:sld xmlns:a="http://schemas.openxmlformats.org/drawingml/2006/main" xmlns:r="http://schemas.openxmlformats.org/officeDocument/2006/relationships" xmlns:p="http://schemas.openxmlformats.org/presentationml/2006/main">
   <p:cSld>
     <p:bg>
@@ -20381,6 +16827,4090 @@
     <p:extLst>
       <p:ext uri="{BB962C8B-B14F-4D97-AF65-F5344CB8AC3E}">
         <p14:creationId xmlns:p14="http://schemas.microsoft.com/office/powerpoint/2010/main" val="1359418074"/>
+      </p:ext>
+    </p:extLst>
+  </p:cSld>
+  <p:clrMapOvr>
+    <a:masterClrMapping/>
+  </p:clrMapOvr>
+</p:sld>
+</file>
+
+<file path=ppt/slides/slide6.xml><?xml version="1.0" encoding="utf-8"?>
+<p:sld xmlns:a="http://schemas.openxmlformats.org/drawingml/2006/main" xmlns:r="http://schemas.openxmlformats.org/officeDocument/2006/relationships" xmlns:p="http://schemas.openxmlformats.org/presentationml/2006/main">
+  <p:cSld>
+    <p:bg>
+      <p:bgPr>
+        <a:blipFill>
+          <a:blip r:embed="rId2">
+            <a:duotone>
+              <a:schemeClr val="bg2">
+                <a:shade val="88000"/>
+                <a:hueMod val="106000"/>
+                <a:satMod val="140000"/>
+                <a:lumMod val="54000"/>
+              </a:schemeClr>
+              <a:schemeClr val="bg2">
+                <a:tint val="98000"/>
+                <a:hueMod val="90000"/>
+                <a:satMod val="150000"/>
+                <a:lumMod val="160000"/>
+              </a:schemeClr>
+            </a:duotone>
+          </a:blip>
+          <a:stretch/>
+        </a:blipFill>
+        <a:effectLst/>
+      </p:bgPr>
+    </p:bg>
+    <p:spTree>
+      <p:nvGrpSpPr>
+        <p:cNvPr id="1" name=""/>
+        <p:cNvGrpSpPr/>
+        <p:nvPr/>
+      </p:nvGrpSpPr>
+      <p:grpSpPr>
+        <a:xfrm>
+          <a:off x="0" y="0"/>
+          <a:ext cx="0" cy="0"/>
+          <a:chOff x="0" y="0"/>
+          <a:chExt cx="0" cy="0"/>
+        </a:xfrm>
+      </p:grpSpPr>
+      <p:pic>
+        <p:nvPicPr>
+          <p:cNvPr id="132" name="Picture 2">
+            <a:extLst>
+              <a:ext uri="{FF2B5EF4-FFF2-40B4-BE49-F238E27FC236}">
+                <a16:creationId xmlns:a16="http://schemas.microsoft.com/office/drawing/2014/main" id="{EA8ADA9F-99E3-4964-8962-1118D1439FBA}"/>
+              </a:ext>
+              <a:ext uri="{C183D7F6-B498-43B3-948B-1728B52AA6E4}">
+                <adec:decorative xmlns:adec="http://schemas.microsoft.com/office/drawing/2017/decorative" val="1"/>
+              </a:ext>
+            </a:extLst>
+          </p:cNvPr>
+          <p:cNvPicPr>
+            <a:picLocks noGrp="1" noRot="1" noChangeAspect="1" noMove="1" noResize="1" noEditPoints="1" noAdjustHandles="1" noChangeArrowheads="1" noChangeShapeType="1" noCrop="1"/>
+          </p:cNvPicPr>
+          <p:nvPr>
+            <p:extLst>
+              <p:ext uri="{386F3935-93C4-4BCD-93E2-E3B085C9AB24}">
+                <p16:designElem xmlns:p16="http://schemas.microsoft.com/office/powerpoint/2015/main" val="1"/>
+              </p:ext>
+            </p:extLst>
+          </p:nvPr>
+        </p:nvPicPr>
+        <p:blipFill>
+          <a:blip r:embed="rId3">
+            <a:alphaModFix amt="30000"/>
+            <a:extLst>
+              <a:ext uri="{28A0092B-C50C-407E-A947-70E740481C1C}">
+                <a14:useLocalDpi xmlns:a14="http://schemas.microsoft.com/office/drawing/2010/main" val="0"/>
+              </a:ext>
+            </a:extLst>
+          </a:blip>
+          <a:srcRect/>
+          <a:stretch>
+            <a:fillRect/>
+          </a:stretch>
+        </p:blipFill>
+        <p:spPr bwMode="auto">
+          <a:xfrm>
+            <a:off x="0" y="-1"/>
+            <a:ext cx="12192003" cy="6858001"/>
+          </a:xfrm>
+          <a:prstGeom prst="rect">
+            <a:avLst/>
+          </a:prstGeom>
+          <a:noFill/>
+          <a:extLst>
+            <a:ext uri="{909E8E84-426E-40dd-AFC4-6F175D3DCCD1}">
+              <a14:hiddenFill xmlns:a14="http://schemas.microsoft.com/office/drawing/2010/main" xmlns:p14="http://schemas.microsoft.com/office/powerpoint/2010/main" xmlns:a16="http://schemas.microsoft.com/office/drawing/2014/main" xmlns="">
+                <a:solidFill>
+                  <a:srgbClr val="FFFFFF"/>
+                </a:solidFill>
+              </a14:hiddenFill>
+            </a:ext>
+          </a:extLst>
+        </p:spPr>
+      </p:pic>
+      <p:grpSp>
+        <p:nvGrpSpPr>
+          <p:cNvPr id="134" name="Group 133">
+            <a:extLst>
+              <a:ext uri="{FF2B5EF4-FFF2-40B4-BE49-F238E27FC236}">
+                <a16:creationId xmlns:a16="http://schemas.microsoft.com/office/drawing/2014/main" id="{366C3164-AA9F-47E3-913A-4F002BC00F6E}"/>
+              </a:ext>
+              <a:ext uri="{C183D7F6-B498-43B3-948B-1728B52AA6E4}">
+                <adec:decorative xmlns:adec="http://schemas.microsoft.com/office/drawing/2017/decorative" val="1"/>
+              </a:ext>
+            </a:extLst>
+          </p:cNvPr>
+          <p:cNvGrpSpPr>
+            <a:grpSpLocks noGrp="1" noUngrp="1" noRot="1" noChangeAspect="1" noMove="1" noResize="1"/>
+          </p:cNvGrpSpPr>
+          <p:nvPr>
+            <p:extLst>
+              <p:ext uri="{386F3935-93C4-4BCD-93E2-E3B085C9AB24}">
+                <p16:designElem xmlns:p16="http://schemas.microsoft.com/office/powerpoint/2015/main" val="1"/>
+              </p:ext>
+            </p:extLst>
+          </p:nvPr>
+        </p:nvGrpSpPr>
+        <p:grpSpPr>
+          <a:xfrm>
+            <a:off x="-14288" y="0"/>
+            <a:ext cx="12053888" cy="6858001"/>
+            <a:chOff x="-14288" y="0"/>
+            <a:chExt cx="12053888" cy="6858001"/>
+          </a:xfrm>
+        </p:grpSpPr>
+        <p:grpSp>
+          <p:nvGrpSpPr>
+            <p:cNvPr id="135" name="Group 134">
+              <a:extLst>
+                <a:ext uri="{FF2B5EF4-FFF2-40B4-BE49-F238E27FC236}">
+                  <a16:creationId xmlns:a16="http://schemas.microsoft.com/office/drawing/2014/main" id="{23FFBAC2-26D2-48B6-B2AA-34AEA0E79E28}"/>
+                </a:ext>
+                <a:ext uri="{C183D7F6-B498-43B3-948B-1728B52AA6E4}">
+                  <adec:decorative xmlns:adec="http://schemas.microsoft.com/office/drawing/2017/decorative" val="1"/>
+                </a:ext>
+              </a:extLst>
+            </p:cNvPr>
+            <p:cNvGrpSpPr/>
+            <p:nvPr>
+              <p:extLst>
+                <p:ext uri="{386F3935-93C4-4BCD-93E2-E3B085C9AB24}">
+                  <p16:designElem xmlns:p16="http://schemas.microsoft.com/office/powerpoint/2015/main" val="1"/>
+                </p:ext>
+              </p:extLst>
+            </p:nvPr>
+          </p:nvGrpSpPr>
+          <p:grpSpPr>
+            <a:xfrm>
+              <a:off x="-14288" y="0"/>
+              <a:ext cx="1220788" cy="6858001"/>
+              <a:chOff x="-14288" y="0"/>
+              <a:chExt cx="1220788" cy="6858001"/>
+            </a:xfrm>
+            <a:gradFill flip="none" rotWithShape="1">
+              <a:gsLst>
+                <a:gs pos="0">
+                  <a:schemeClr val="tx2"/>
+                </a:gs>
+                <a:gs pos="100000">
+                  <a:schemeClr val="bg2">
+                    <a:lumMod val="60000"/>
+                    <a:lumOff val="40000"/>
+                  </a:schemeClr>
+                </a:gs>
+              </a:gsLst>
+              <a:lin ang="5400000" scaled="0"/>
+              <a:tileRect/>
+            </a:gradFill>
+          </p:grpSpPr>
+          <p:sp>
+            <p:nvSpPr>
+              <p:cNvPr id="147" name="Rectangle 5">
+                <a:extLst>
+                  <a:ext uri="{FF2B5EF4-FFF2-40B4-BE49-F238E27FC236}">
+                    <a16:creationId xmlns:a16="http://schemas.microsoft.com/office/drawing/2014/main" id="{9B164BCB-27D3-4B8C-AC13-0A6F461082B7}"/>
+                  </a:ext>
+                  <a:ext uri="{C183D7F6-B498-43B3-948B-1728B52AA6E4}">
+                    <adec:decorative xmlns:adec="http://schemas.microsoft.com/office/drawing/2017/decorative" val="1"/>
+                  </a:ext>
+                </a:extLst>
+              </p:cNvPr>
+              <p:cNvSpPr>
+                <a:spLocks noChangeArrowheads="1"/>
+              </p:cNvSpPr>
+              <p:nvPr>
+                <p:extLst>
+                  <p:ext uri="{386F3935-93C4-4BCD-93E2-E3B085C9AB24}">
+                    <p16:designElem xmlns:p16="http://schemas.microsoft.com/office/powerpoint/2015/main" val="1"/>
+                  </p:ext>
+                </p:extLst>
+              </p:nvPr>
+            </p:nvSpPr>
+            <p:spPr bwMode="auto">
+              <a:xfrm>
+                <a:off x="114300" y="4763"/>
+                <a:ext cx="23813" cy="2181225"/>
+              </a:xfrm>
+              <a:prstGeom prst="rect">
+                <a:avLst/>
+              </a:prstGeom>
+              <a:grpFill/>
+              <a:ln>
+                <a:noFill/>
+              </a:ln>
+              <a:extLst>
+                <a:ext uri="{91240B29-F687-4f45-9708-019B960494DF}">
+                  <a14:hiddenLine xmlns:a14="http://schemas.microsoft.com/office/drawing/2010/main" xmlns:p14="http://schemas.microsoft.com/office/powerpoint/2010/main" xmlns:a16="http://schemas.microsoft.com/office/drawing/2014/main" xmlns="" w="9525">
+                    <a:solidFill>
+                      <a:srgbClr val="000000"/>
+                    </a:solidFill>
+                    <a:miter lim="800000"/>
+                    <a:headEnd/>
+                    <a:tailEnd/>
+                  </a14:hiddenLine>
+                </a:ext>
+              </a:extLst>
+            </p:spPr>
+          </p:sp>
+          <p:sp>
+            <p:nvSpPr>
+              <p:cNvPr id="148" name="Freeform 6">
+                <a:extLst>
+                  <a:ext uri="{FF2B5EF4-FFF2-40B4-BE49-F238E27FC236}">
+                    <a16:creationId xmlns:a16="http://schemas.microsoft.com/office/drawing/2014/main" id="{10B247BE-F4A2-4259-9B20-FB9A555D2802}"/>
+                  </a:ext>
+                  <a:ext uri="{C183D7F6-B498-43B3-948B-1728B52AA6E4}">
+                    <adec:decorative xmlns:adec="http://schemas.microsoft.com/office/drawing/2017/decorative" val="1"/>
+                  </a:ext>
+                </a:extLst>
+              </p:cNvPr>
+              <p:cNvSpPr>
+                <a:spLocks noEditPoints="1"/>
+              </p:cNvSpPr>
+              <p:nvPr>
+                <p:extLst>
+                  <p:ext uri="{386F3935-93C4-4BCD-93E2-E3B085C9AB24}">
+                    <p16:designElem xmlns:p16="http://schemas.microsoft.com/office/powerpoint/2015/main" val="1"/>
+                  </p:ext>
+                </p:extLst>
+              </p:nvPr>
+            </p:nvSpPr>
+            <p:spPr bwMode="auto">
+              <a:xfrm>
+                <a:off x="33337" y="2176463"/>
+                <a:ext cx="190500" cy="190500"/>
+              </a:xfrm>
+              <a:custGeom>
+                <a:avLst/>
+                <a:gdLst/>
+                <a:ahLst/>
+                <a:cxnLst/>
+                <a:rect l="0" t="0" r="r" b="b"/>
+                <a:pathLst>
+                  <a:path w="40" h="40">
+                    <a:moveTo>
+                      <a:pt x="20" y="40"/>
+                    </a:moveTo>
+                    <a:cubicBezTo>
+                      <a:pt x="9" y="40"/>
+                      <a:pt x="0" y="31"/>
+                      <a:pt x="0" y="20"/>
+                    </a:cubicBezTo>
+                    <a:cubicBezTo>
+                      <a:pt x="0" y="9"/>
+                      <a:pt x="9" y="0"/>
+                      <a:pt x="20" y="0"/>
+                    </a:cubicBezTo>
+                    <a:cubicBezTo>
+                      <a:pt x="31" y="0"/>
+                      <a:pt x="40" y="9"/>
+                      <a:pt x="40" y="20"/>
+                    </a:cubicBezTo>
+                    <a:cubicBezTo>
+                      <a:pt x="40" y="31"/>
+                      <a:pt x="31" y="40"/>
+                      <a:pt x="20" y="40"/>
+                    </a:cubicBezTo>
+                    <a:close/>
+                    <a:moveTo>
+                      <a:pt x="20" y="4"/>
+                    </a:moveTo>
+                    <a:cubicBezTo>
+                      <a:pt x="11" y="4"/>
+                      <a:pt x="4" y="11"/>
+                      <a:pt x="4" y="20"/>
+                    </a:cubicBezTo>
+                    <a:cubicBezTo>
+                      <a:pt x="4" y="29"/>
+                      <a:pt x="11" y="36"/>
+                      <a:pt x="20" y="36"/>
+                    </a:cubicBezTo>
+                    <a:cubicBezTo>
+                      <a:pt x="28" y="36"/>
+                      <a:pt x="36" y="29"/>
+                      <a:pt x="36" y="20"/>
+                    </a:cubicBezTo>
+                    <a:cubicBezTo>
+                      <a:pt x="36" y="11"/>
+                      <a:pt x="28" y="4"/>
+                      <a:pt x="20" y="4"/>
+                    </a:cubicBezTo>
+                    <a:close/>
+                  </a:path>
+                </a:pathLst>
+              </a:custGeom>
+              <a:grpFill/>
+              <a:ln>
+                <a:noFill/>
+              </a:ln>
+              <a:extLst>
+                <a:ext uri="{91240B29-F687-4f45-9708-019B960494DF}">
+                  <a14:hiddenLine xmlns:a14="http://schemas.microsoft.com/office/drawing/2010/main" xmlns:p14="http://schemas.microsoft.com/office/powerpoint/2010/main" xmlns:a16="http://schemas.microsoft.com/office/drawing/2014/main" xmlns="" w="9525">
+                    <a:solidFill>
+                      <a:srgbClr val="000000"/>
+                    </a:solidFill>
+                    <a:round/>
+                    <a:headEnd/>
+                    <a:tailEnd/>
+                  </a14:hiddenLine>
+                </a:ext>
+              </a:extLst>
+            </p:spPr>
+          </p:sp>
+          <p:sp>
+            <p:nvSpPr>
+              <p:cNvPr id="149" name="Freeform 7">
+                <a:extLst>
+                  <a:ext uri="{FF2B5EF4-FFF2-40B4-BE49-F238E27FC236}">
+                    <a16:creationId xmlns:a16="http://schemas.microsoft.com/office/drawing/2014/main" id="{39322C5A-DB6D-4B28-8C1C-1B1E89678918}"/>
+                  </a:ext>
+                  <a:ext uri="{C183D7F6-B498-43B3-948B-1728B52AA6E4}">
+                    <adec:decorative xmlns:adec="http://schemas.microsoft.com/office/drawing/2017/decorative" val="1"/>
+                  </a:ext>
+                </a:extLst>
+              </p:cNvPr>
+              <p:cNvSpPr>
+                <a:spLocks noEditPoints="1"/>
+              </p:cNvSpPr>
+              <p:nvPr>
+                <p:extLst>
+                  <p:ext uri="{386F3935-93C4-4BCD-93E2-E3B085C9AB24}">
+                    <p16:designElem xmlns:p16="http://schemas.microsoft.com/office/powerpoint/2015/main" val="1"/>
+                  </p:ext>
+                </p:extLst>
+              </p:nvPr>
+            </p:nvSpPr>
+            <p:spPr bwMode="auto">
+              <a:xfrm>
+                <a:off x="28575" y="4021138"/>
+                <a:ext cx="190500" cy="188913"/>
+              </a:xfrm>
+              <a:custGeom>
+                <a:avLst/>
+                <a:gdLst/>
+                <a:ahLst/>
+                <a:cxnLst/>
+                <a:rect l="0" t="0" r="r" b="b"/>
+                <a:pathLst>
+                  <a:path w="40" h="40">
+                    <a:moveTo>
+                      <a:pt x="20" y="40"/>
+                    </a:moveTo>
+                    <a:cubicBezTo>
+                      <a:pt x="9" y="40"/>
+                      <a:pt x="0" y="31"/>
+                      <a:pt x="0" y="20"/>
+                    </a:cubicBezTo>
+                    <a:cubicBezTo>
+                      <a:pt x="0" y="9"/>
+                      <a:pt x="9" y="0"/>
+                      <a:pt x="20" y="0"/>
+                    </a:cubicBezTo>
+                    <a:cubicBezTo>
+                      <a:pt x="31" y="0"/>
+                      <a:pt x="40" y="9"/>
+                      <a:pt x="40" y="20"/>
+                    </a:cubicBezTo>
+                    <a:cubicBezTo>
+                      <a:pt x="40" y="31"/>
+                      <a:pt x="31" y="40"/>
+                      <a:pt x="20" y="40"/>
+                    </a:cubicBezTo>
+                    <a:close/>
+                    <a:moveTo>
+                      <a:pt x="20" y="4"/>
+                    </a:moveTo>
+                    <a:cubicBezTo>
+                      <a:pt x="12" y="4"/>
+                      <a:pt x="4" y="11"/>
+                      <a:pt x="4" y="20"/>
+                    </a:cubicBezTo>
+                    <a:cubicBezTo>
+                      <a:pt x="4" y="29"/>
+                      <a:pt x="12" y="36"/>
+                      <a:pt x="20" y="36"/>
+                    </a:cubicBezTo>
+                    <a:cubicBezTo>
+                      <a:pt x="29" y="36"/>
+                      <a:pt x="36" y="29"/>
+                      <a:pt x="36" y="20"/>
+                    </a:cubicBezTo>
+                    <a:cubicBezTo>
+                      <a:pt x="36" y="11"/>
+                      <a:pt x="29" y="4"/>
+                      <a:pt x="20" y="4"/>
+                    </a:cubicBezTo>
+                    <a:close/>
+                  </a:path>
+                </a:pathLst>
+              </a:custGeom>
+              <a:grpFill/>
+              <a:ln>
+                <a:noFill/>
+              </a:ln>
+              <a:extLst>
+                <a:ext uri="{91240B29-F687-4f45-9708-019B960494DF}">
+                  <a14:hiddenLine xmlns:a14="http://schemas.microsoft.com/office/drawing/2010/main" xmlns:p14="http://schemas.microsoft.com/office/powerpoint/2010/main" xmlns:a16="http://schemas.microsoft.com/office/drawing/2014/main" xmlns="" w="9525">
+                    <a:solidFill>
+                      <a:srgbClr val="000000"/>
+                    </a:solidFill>
+                    <a:round/>
+                    <a:headEnd/>
+                    <a:tailEnd/>
+                  </a14:hiddenLine>
+                </a:ext>
+              </a:extLst>
+            </p:spPr>
+          </p:sp>
+          <p:sp>
+            <p:nvSpPr>
+              <p:cNvPr id="150" name="Freeform 8">
+                <a:extLst>
+                  <a:ext uri="{FF2B5EF4-FFF2-40B4-BE49-F238E27FC236}">
+                    <a16:creationId xmlns:a16="http://schemas.microsoft.com/office/drawing/2014/main" id="{67009B08-E345-4516-96EC-ED0AB1F30BAF}"/>
+                  </a:ext>
+                  <a:ext uri="{C183D7F6-B498-43B3-948B-1728B52AA6E4}">
+                    <adec:decorative xmlns:adec="http://schemas.microsoft.com/office/drawing/2017/decorative" val="1"/>
+                  </a:ext>
+                </a:extLst>
+              </p:cNvPr>
+              <p:cNvSpPr/>
+              <p:nvPr>
+                <p:extLst>
+                  <p:ext uri="{386F3935-93C4-4BCD-93E2-E3B085C9AB24}">
+                    <p16:designElem xmlns:p16="http://schemas.microsoft.com/office/powerpoint/2015/main" val="1"/>
+                  </p:ext>
+                </p:extLst>
+              </p:nvPr>
+            </p:nvSpPr>
+            <p:spPr bwMode="auto">
+              <a:xfrm>
+                <a:off x="200025" y="4763"/>
+                <a:ext cx="369888" cy="1811338"/>
+              </a:xfrm>
+              <a:custGeom>
+                <a:avLst/>
+                <a:gdLst/>
+                <a:ahLst/>
+                <a:cxnLst/>
+                <a:rect l="0" t="0" r="r" b="b"/>
+                <a:pathLst>
+                  <a:path w="233" h="1141">
+                    <a:moveTo>
+                      <a:pt x="218" y="1141"/>
+                    </a:moveTo>
+                    <a:lnTo>
+                      <a:pt x="0" y="626"/>
+                    </a:lnTo>
+                    <a:lnTo>
+                      <a:pt x="0" y="0"/>
+                    </a:lnTo>
+                    <a:lnTo>
+                      <a:pt x="15" y="0"/>
+                    </a:lnTo>
+                    <a:lnTo>
+                      <a:pt x="15" y="623"/>
+                    </a:lnTo>
+                    <a:lnTo>
+                      <a:pt x="233" y="1135"/>
+                    </a:lnTo>
+                    <a:lnTo>
+                      <a:pt x="218" y="1141"/>
+                    </a:lnTo>
+                    <a:close/>
+                  </a:path>
+                </a:pathLst>
+              </a:custGeom>
+              <a:grpFill/>
+              <a:ln>
+                <a:noFill/>
+              </a:ln>
+              <a:extLst>
+                <a:ext uri="{91240B29-F687-4f45-9708-019B960494DF}">
+                  <a14:hiddenLine xmlns:a14="http://schemas.microsoft.com/office/drawing/2010/main" xmlns:p14="http://schemas.microsoft.com/office/powerpoint/2010/main" xmlns:a16="http://schemas.microsoft.com/office/drawing/2014/main" xmlns="" w="9525">
+                    <a:solidFill>
+                      <a:srgbClr val="000000"/>
+                    </a:solidFill>
+                    <a:round/>
+                    <a:headEnd/>
+                    <a:tailEnd/>
+                  </a14:hiddenLine>
+                </a:ext>
+              </a:extLst>
+            </p:spPr>
+          </p:sp>
+          <p:sp>
+            <p:nvSpPr>
+              <p:cNvPr id="151" name="Freeform 9">
+                <a:extLst>
+                  <a:ext uri="{FF2B5EF4-FFF2-40B4-BE49-F238E27FC236}">
+                    <a16:creationId xmlns:a16="http://schemas.microsoft.com/office/drawing/2014/main" id="{DFE2793C-165C-4635-A26E-C569C8E0C536}"/>
+                  </a:ext>
+                  <a:ext uri="{C183D7F6-B498-43B3-948B-1728B52AA6E4}">
+                    <adec:decorative xmlns:adec="http://schemas.microsoft.com/office/drawing/2017/decorative" val="1"/>
+                  </a:ext>
+                </a:extLst>
+              </p:cNvPr>
+              <p:cNvSpPr>
+                <a:spLocks noEditPoints="1"/>
+              </p:cNvSpPr>
+              <p:nvPr>
+                <p:extLst>
+                  <p:ext uri="{386F3935-93C4-4BCD-93E2-E3B085C9AB24}">
+                    <p16:designElem xmlns:p16="http://schemas.microsoft.com/office/powerpoint/2015/main" val="1"/>
+                  </p:ext>
+                </p:extLst>
+              </p:nvPr>
+            </p:nvSpPr>
+            <p:spPr bwMode="auto">
+              <a:xfrm>
+                <a:off x="503237" y="1801813"/>
+                <a:ext cx="190500" cy="188913"/>
+              </a:xfrm>
+              <a:custGeom>
+                <a:avLst/>
+                <a:gdLst/>
+                <a:ahLst/>
+                <a:cxnLst/>
+                <a:rect l="0" t="0" r="r" b="b"/>
+                <a:pathLst>
+                  <a:path w="40" h="40">
+                    <a:moveTo>
+                      <a:pt x="20" y="40"/>
+                    </a:moveTo>
+                    <a:cubicBezTo>
+                      <a:pt x="9" y="40"/>
+                      <a:pt x="0" y="31"/>
+                      <a:pt x="0" y="20"/>
+                    </a:cubicBezTo>
+                    <a:cubicBezTo>
+                      <a:pt x="0" y="9"/>
+                      <a:pt x="9" y="0"/>
+                      <a:pt x="20" y="0"/>
+                    </a:cubicBezTo>
+                    <a:cubicBezTo>
+                      <a:pt x="33" y="0"/>
+                      <a:pt x="40" y="6"/>
+                      <a:pt x="40" y="20"/>
+                    </a:cubicBezTo>
+                    <a:cubicBezTo>
+                      <a:pt x="40" y="31"/>
+                      <a:pt x="31" y="40"/>
+                      <a:pt x="20" y="40"/>
+                    </a:cubicBezTo>
+                    <a:close/>
+                    <a:moveTo>
+                      <a:pt x="20" y="4"/>
+                    </a:moveTo>
+                    <a:cubicBezTo>
+                      <a:pt x="11" y="4"/>
+                      <a:pt x="4" y="11"/>
+                      <a:pt x="4" y="20"/>
+                    </a:cubicBezTo>
+                    <a:cubicBezTo>
+                      <a:pt x="4" y="29"/>
+                      <a:pt x="11" y="36"/>
+                      <a:pt x="20" y="36"/>
+                    </a:cubicBezTo>
+                    <a:cubicBezTo>
+                      <a:pt x="28" y="36"/>
+                      <a:pt x="36" y="29"/>
+                      <a:pt x="36" y="20"/>
+                    </a:cubicBezTo>
+                    <a:cubicBezTo>
+                      <a:pt x="36" y="9"/>
+                      <a:pt x="31" y="4"/>
+                      <a:pt x="20" y="4"/>
+                    </a:cubicBezTo>
+                    <a:close/>
+                  </a:path>
+                </a:pathLst>
+              </a:custGeom>
+              <a:grpFill/>
+              <a:ln>
+                <a:noFill/>
+              </a:ln>
+              <a:extLst>
+                <a:ext uri="{91240B29-F687-4f45-9708-019B960494DF}">
+                  <a14:hiddenLine xmlns:a14="http://schemas.microsoft.com/office/drawing/2010/main" xmlns:p14="http://schemas.microsoft.com/office/powerpoint/2010/main" xmlns:a16="http://schemas.microsoft.com/office/drawing/2014/main" xmlns="" w="9525">
+                    <a:solidFill>
+                      <a:srgbClr val="000000"/>
+                    </a:solidFill>
+                    <a:round/>
+                    <a:headEnd/>
+                    <a:tailEnd/>
+                  </a14:hiddenLine>
+                </a:ext>
+              </a:extLst>
+            </p:spPr>
+          </p:sp>
+          <p:sp>
+            <p:nvSpPr>
+              <p:cNvPr id="152" name="Freeform 10">
+                <a:extLst>
+                  <a:ext uri="{FF2B5EF4-FFF2-40B4-BE49-F238E27FC236}">
+                    <a16:creationId xmlns:a16="http://schemas.microsoft.com/office/drawing/2014/main" id="{ECDFEF2C-7B0A-41A1-BB61-C92CB3E3A773}"/>
+                  </a:ext>
+                  <a:ext uri="{C183D7F6-B498-43B3-948B-1728B52AA6E4}">
+                    <adec:decorative xmlns:adec="http://schemas.microsoft.com/office/drawing/2017/decorative" val="1"/>
+                  </a:ext>
+                </a:extLst>
+              </p:cNvPr>
+              <p:cNvSpPr/>
+              <p:nvPr>
+                <p:extLst>
+                  <p:ext uri="{386F3935-93C4-4BCD-93E2-E3B085C9AB24}">
+                    <p16:designElem xmlns:p16="http://schemas.microsoft.com/office/powerpoint/2015/main" val="1"/>
+                  </p:ext>
+                </p:extLst>
+              </p:nvPr>
+            </p:nvSpPr>
+            <p:spPr bwMode="auto">
+              <a:xfrm>
+                <a:off x="285750" y="4763"/>
+                <a:ext cx="369888" cy="1430338"/>
+              </a:xfrm>
+              <a:custGeom>
+                <a:avLst/>
+                <a:gdLst/>
+                <a:ahLst/>
+                <a:cxnLst/>
+                <a:rect l="0" t="0" r="r" b="b"/>
+                <a:pathLst>
+                  <a:path w="233" h="901">
+                    <a:moveTo>
+                      <a:pt x="221" y="901"/>
+                    </a:moveTo>
+                    <a:lnTo>
+                      <a:pt x="0" y="383"/>
+                    </a:lnTo>
+                    <a:lnTo>
+                      <a:pt x="0" y="0"/>
+                    </a:lnTo>
+                    <a:lnTo>
+                      <a:pt x="18" y="0"/>
+                    </a:lnTo>
+                    <a:lnTo>
+                      <a:pt x="18" y="380"/>
+                    </a:lnTo>
+                    <a:lnTo>
+                      <a:pt x="233" y="895"/>
+                    </a:lnTo>
+                    <a:lnTo>
+                      <a:pt x="221" y="901"/>
+                    </a:lnTo>
+                    <a:close/>
+                  </a:path>
+                </a:pathLst>
+              </a:custGeom>
+              <a:grpFill/>
+              <a:ln>
+                <a:noFill/>
+              </a:ln>
+              <a:extLst>
+                <a:ext uri="{91240B29-F687-4f45-9708-019B960494DF}">
+                  <a14:hiddenLine xmlns:a14="http://schemas.microsoft.com/office/drawing/2010/main" xmlns:p14="http://schemas.microsoft.com/office/powerpoint/2010/main" xmlns:a16="http://schemas.microsoft.com/office/drawing/2014/main" xmlns="" w="9525">
+                    <a:solidFill>
+                      <a:srgbClr val="000000"/>
+                    </a:solidFill>
+                    <a:round/>
+                    <a:headEnd/>
+                    <a:tailEnd/>
+                  </a14:hiddenLine>
+                </a:ext>
+              </a:extLst>
+            </p:spPr>
+          </p:sp>
+          <p:sp>
+            <p:nvSpPr>
+              <p:cNvPr id="153" name="Freeform 11">
+                <a:extLst>
+                  <a:ext uri="{FF2B5EF4-FFF2-40B4-BE49-F238E27FC236}">
+                    <a16:creationId xmlns:a16="http://schemas.microsoft.com/office/drawing/2014/main" id="{0012A396-1946-4B40-AA39-0790157CE932}"/>
+                  </a:ext>
+                  <a:ext uri="{C183D7F6-B498-43B3-948B-1728B52AA6E4}">
+                    <adec:decorative xmlns:adec="http://schemas.microsoft.com/office/drawing/2017/decorative" val="1"/>
+                  </a:ext>
+                </a:extLst>
+              </p:cNvPr>
+              <p:cNvSpPr/>
+              <p:nvPr>
+                <p:extLst>
+                  <p:ext uri="{386F3935-93C4-4BCD-93E2-E3B085C9AB24}">
+                    <p16:designElem xmlns:p16="http://schemas.microsoft.com/office/powerpoint/2015/main" val="1"/>
+                  </p:ext>
+                </p:extLst>
+              </p:nvPr>
+            </p:nvSpPr>
+            <p:spPr bwMode="auto">
+              <a:xfrm>
+                <a:off x="546100" y="0"/>
+                <a:ext cx="152400" cy="912813"/>
+              </a:xfrm>
+              <a:custGeom>
+                <a:avLst/>
+                <a:gdLst/>
+                <a:ahLst/>
+                <a:cxnLst/>
+                <a:rect l="0" t="0" r="r" b="b"/>
+                <a:pathLst>
+                  <a:path w="96" h="575">
+                    <a:moveTo>
+                      <a:pt x="96" y="575"/>
+                    </a:moveTo>
+                    <a:lnTo>
+                      <a:pt x="78" y="575"/>
+                    </a:lnTo>
+                    <a:lnTo>
+                      <a:pt x="78" y="192"/>
+                    </a:lnTo>
+                    <a:lnTo>
+                      <a:pt x="0" y="6"/>
+                    </a:lnTo>
+                    <a:lnTo>
+                      <a:pt x="15" y="0"/>
+                    </a:lnTo>
+                    <a:lnTo>
+                      <a:pt x="96" y="189"/>
+                    </a:lnTo>
+                    <a:lnTo>
+                      <a:pt x="96" y="575"/>
+                    </a:lnTo>
+                    <a:close/>
+                  </a:path>
+                </a:pathLst>
+              </a:custGeom>
+              <a:grpFill/>
+              <a:ln>
+                <a:noFill/>
+              </a:ln>
+              <a:extLst>
+                <a:ext uri="{91240B29-F687-4f45-9708-019B960494DF}">
+                  <a14:hiddenLine xmlns:a14="http://schemas.microsoft.com/office/drawing/2010/main" xmlns:p14="http://schemas.microsoft.com/office/powerpoint/2010/main" xmlns:a16="http://schemas.microsoft.com/office/drawing/2014/main" xmlns="" w="9525">
+                    <a:solidFill>
+                      <a:srgbClr val="000000"/>
+                    </a:solidFill>
+                    <a:round/>
+                    <a:headEnd/>
+                    <a:tailEnd/>
+                  </a14:hiddenLine>
+                </a:ext>
+              </a:extLst>
+            </p:spPr>
+          </p:sp>
+          <p:sp>
+            <p:nvSpPr>
+              <p:cNvPr id="154" name="Freeform 12">
+                <a:extLst>
+                  <a:ext uri="{FF2B5EF4-FFF2-40B4-BE49-F238E27FC236}">
+                    <a16:creationId xmlns:a16="http://schemas.microsoft.com/office/drawing/2014/main" id="{CD6C6024-F73D-4991-97B9-BE53FF24E311}"/>
+                  </a:ext>
+                  <a:ext uri="{C183D7F6-B498-43B3-948B-1728B52AA6E4}">
+                    <adec:decorative xmlns:adec="http://schemas.microsoft.com/office/drawing/2017/decorative" val="1"/>
+                  </a:ext>
+                </a:extLst>
+              </p:cNvPr>
+              <p:cNvSpPr>
+                <a:spLocks noEditPoints="1"/>
+              </p:cNvSpPr>
+              <p:nvPr>
+                <p:extLst>
+                  <p:ext uri="{386F3935-93C4-4BCD-93E2-E3B085C9AB24}">
+                    <p16:designElem xmlns:p16="http://schemas.microsoft.com/office/powerpoint/2015/main" val="1"/>
+                  </p:ext>
+                </p:extLst>
+              </p:nvPr>
+            </p:nvSpPr>
+            <p:spPr bwMode="auto">
+              <a:xfrm>
+                <a:off x="588962" y="1420813"/>
+                <a:ext cx="190500" cy="190500"/>
+              </a:xfrm>
+              <a:custGeom>
+                <a:avLst/>
+                <a:gdLst/>
+                <a:ahLst/>
+                <a:cxnLst/>
+                <a:rect l="0" t="0" r="r" b="b"/>
+                <a:pathLst>
+                  <a:path w="40" h="40">
+                    <a:moveTo>
+                      <a:pt x="20" y="40"/>
+                    </a:moveTo>
+                    <a:cubicBezTo>
+                      <a:pt x="9" y="40"/>
+                      <a:pt x="0" y="31"/>
+                      <a:pt x="0" y="20"/>
+                    </a:cubicBezTo>
+                    <a:cubicBezTo>
+                      <a:pt x="0" y="9"/>
+                      <a:pt x="9" y="0"/>
+                      <a:pt x="20" y="0"/>
+                    </a:cubicBezTo>
+                    <a:cubicBezTo>
+                      <a:pt x="33" y="0"/>
+                      <a:pt x="40" y="7"/>
+                      <a:pt x="40" y="20"/>
+                    </a:cubicBezTo>
+                    <a:cubicBezTo>
+                      <a:pt x="40" y="31"/>
+                      <a:pt x="31" y="40"/>
+                      <a:pt x="20" y="40"/>
+                    </a:cubicBezTo>
+                    <a:close/>
+                    <a:moveTo>
+                      <a:pt x="20" y="4"/>
+                    </a:moveTo>
+                    <a:cubicBezTo>
+                      <a:pt x="11" y="4"/>
+                      <a:pt x="4" y="11"/>
+                      <a:pt x="4" y="20"/>
+                    </a:cubicBezTo>
+                    <a:cubicBezTo>
+                      <a:pt x="4" y="29"/>
+                      <a:pt x="11" y="36"/>
+                      <a:pt x="20" y="36"/>
+                    </a:cubicBezTo>
+                    <a:cubicBezTo>
+                      <a:pt x="29" y="36"/>
+                      <a:pt x="36" y="29"/>
+                      <a:pt x="36" y="20"/>
+                    </a:cubicBezTo>
+                    <a:cubicBezTo>
+                      <a:pt x="36" y="9"/>
+                      <a:pt x="31" y="4"/>
+                      <a:pt x="20" y="4"/>
+                    </a:cubicBezTo>
+                    <a:close/>
+                  </a:path>
+                </a:pathLst>
+              </a:custGeom>
+              <a:grpFill/>
+              <a:ln>
+                <a:noFill/>
+              </a:ln>
+              <a:extLst>
+                <a:ext uri="{91240B29-F687-4f45-9708-019B960494DF}">
+                  <a14:hiddenLine xmlns:a14="http://schemas.microsoft.com/office/drawing/2010/main" xmlns:p14="http://schemas.microsoft.com/office/powerpoint/2010/main" xmlns:a16="http://schemas.microsoft.com/office/drawing/2014/main" xmlns="" w="9525">
+                    <a:solidFill>
+                      <a:srgbClr val="000000"/>
+                    </a:solidFill>
+                    <a:round/>
+                    <a:headEnd/>
+                    <a:tailEnd/>
+                  </a14:hiddenLine>
+                </a:ext>
+              </a:extLst>
+            </p:spPr>
+          </p:sp>
+          <p:sp>
+            <p:nvSpPr>
+              <p:cNvPr id="155" name="Freeform 13">
+                <a:extLst>
+                  <a:ext uri="{FF2B5EF4-FFF2-40B4-BE49-F238E27FC236}">
+                    <a16:creationId xmlns:a16="http://schemas.microsoft.com/office/drawing/2014/main" id="{5977EDD1-3D10-43FA-B800-7A7C8112B774}"/>
+                  </a:ext>
+                  <a:ext uri="{C183D7F6-B498-43B3-948B-1728B52AA6E4}">
+                    <adec:decorative xmlns:adec="http://schemas.microsoft.com/office/drawing/2017/decorative" val="1"/>
+                  </a:ext>
+                </a:extLst>
+              </p:cNvPr>
+              <p:cNvSpPr>
+                <a:spLocks noEditPoints="1"/>
+              </p:cNvSpPr>
+              <p:nvPr>
+                <p:extLst>
+                  <p:ext uri="{386F3935-93C4-4BCD-93E2-E3B085C9AB24}">
+                    <p16:designElem xmlns:p16="http://schemas.microsoft.com/office/powerpoint/2015/main" val="1"/>
+                  </p:ext>
+                </p:extLst>
+              </p:nvPr>
+            </p:nvSpPr>
+            <p:spPr bwMode="auto">
+              <a:xfrm>
+                <a:off x="588962" y="903288"/>
+                <a:ext cx="190500" cy="190500"/>
+              </a:xfrm>
+              <a:custGeom>
+                <a:avLst/>
+                <a:gdLst/>
+                <a:ahLst/>
+                <a:cxnLst/>
+                <a:rect l="0" t="0" r="r" b="b"/>
+                <a:pathLst>
+                  <a:path w="40" h="40">
+                    <a:moveTo>
+                      <a:pt x="20" y="40"/>
+                    </a:moveTo>
+                    <a:cubicBezTo>
+                      <a:pt x="9" y="40"/>
+                      <a:pt x="0" y="31"/>
+                      <a:pt x="0" y="20"/>
+                    </a:cubicBezTo>
+                    <a:cubicBezTo>
+                      <a:pt x="0" y="9"/>
+                      <a:pt x="9" y="0"/>
+                      <a:pt x="20" y="0"/>
+                    </a:cubicBezTo>
+                    <a:cubicBezTo>
+                      <a:pt x="31" y="0"/>
+                      <a:pt x="40" y="9"/>
+                      <a:pt x="40" y="20"/>
+                    </a:cubicBezTo>
+                    <a:cubicBezTo>
+                      <a:pt x="40" y="31"/>
+                      <a:pt x="31" y="40"/>
+                      <a:pt x="20" y="40"/>
+                    </a:cubicBezTo>
+                    <a:close/>
+                    <a:moveTo>
+                      <a:pt x="20" y="4"/>
+                    </a:moveTo>
+                    <a:cubicBezTo>
+                      <a:pt x="11" y="4"/>
+                      <a:pt x="4" y="11"/>
+                      <a:pt x="4" y="20"/>
+                    </a:cubicBezTo>
+                    <a:cubicBezTo>
+                      <a:pt x="4" y="29"/>
+                      <a:pt x="11" y="36"/>
+                      <a:pt x="20" y="36"/>
+                    </a:cubicBezTo>
+                    <a:cubicBezTo>
+                      <a:pt x="29" y="36"/>
+                      <a:pt x="36" y="29"/>
+                      <a:pt x="36" y="20"/>
+                    </a:cubicBezTo>
+                    <a:cubicBezTo>
+                      <a:pt x="36" y="11"/>
+                      <a:pt x="29" y="4"/>
+                      <a:pt x="20" y="4"/>
+                    </a:cubicBezTo>
+                    <a:close/>
+                  </a:path>
+                </a:pathLst>
+              </a:custGeom>
+              <a:grpFill/>
+              <a:ln>
+                <a:noFill/>
+              </a:ln>
+              <a:extLst>
+                <a:ext uri="{91240B29-F687-4f45-9708-019B960494DF}">
+                  <a14:hiddenLine xmlns:a14="http://schemas.microsoft.com/office/drawing/2010/main" xmlns:p14="http://schemas.microsoft.com/office/powerpoint/2010/main" xmlns:a16="http://schemas.microsoft.com/office/drawing/2014/main" xmlns="" w="9525">
+                    <a:solidFill>
+                      <a:srgbClr val="000000"/>
+                    </a:solidFill>
+                    <a:round/>
+                    <a:headEnd/>
+                    <a:tailEnd/>
+                  </a14:hiddenLine>
+                </a:ext>
+              </a:extLst>
+            </p:spPr>
+          </p:sp>
+          <p:sp>
+            <p:nvSpPr>
+              <p:cNvPr id="156" name="Freeform 14">
+                <a:extLst>
+                  <a:ext uri="{FF2B5EF4-FFF2-40B4-BE49-F238E27FC236}">
+                    <a16:creationId xmlns:a16="http://schemas.microsoft.com/office/drawing/2014/main" id="{D37988CF-9FC6-48F5-82F8-D2EB0178A3B9}"/>
+                  </a:ext>
+                  <a:ext uri="{C183D7F6-B498-43B3-948B-1728B52AA6E4}">
+                    <adec:decorative xmlns:adec="http://schemas.microsoft.com/office/drawing/2017/decorative" val="1"/>
+                  </a:ext>
+                </a:extLst>
+              </p:cNvPr>
+              <p:cNvSpPr/>
+              <p:nvPr>
+                <p:extLst>
+                  <p:ext uri="{386F3935-93C4-4BCD-93E2-E3B085C9AB24}">
+                    <p16:designElem xmlns:p16="http://schemas.microsoft.com/office/powerpoint/2015/main" val="1"/>
+                  </p:ext>
+                </p:extLst>
+              </p:nvPr>
+            </p:nvSpPr>
+            <p:spPr bwMode="auto">
+              <a:xfrm>
+                <a:off x="641350" y="0"/>
+                <a:ext cx="422275" cy="527050"/>
+              </a:xfrm>
+              <a:custGeom>
+                <a:avLst/>
+                <a:gdLst/>
+                <a:ahLst/>
+                <a:cxnLst/>
+                <a:rect l="0" t="0" r="r" b="b"/>
+                <a:pathLst>
+                  <a:path w="266" h="332">
+                    <a:moveTo>
+                      <a:pt x="257" y="332"/>
+                    </a:moveTo>
+                    <a:lnTo>
+                      <a:pt x="48" y="123"/>
+                    </a:lnTo>
+                    <a:lnTo>
+                      <a:pt x="0" y="6"/>
+                    </a:lnTo>
+                    <a:lnTo>
+                      <a:pt x="15" y="0"/>
+                    </a:lnTo>
+                    <a:lnTo>
+                      <a:pt x="63" y="114"/>
+                    </a:lnTo>
+                    <a:lnTo>
+                      <a:pt x="266" y="320"/>
+                    </a:lnTo>
+                    <a:lnTo>
+                      <a:pt x="257" y="332"/>
+                    </a:lnTo>
+                    <a:close/>
+                  </a:path>
+                </a:pathLst>
+              </a:custGeom>
+              <a:grpFill/>
+              <a:ln>
+                <a:noFill/>
+              </a:ln>
+              <a:extLst>
+                <a:ext uri="{91240B29-F687-4f45-9708-019B960494DF}">
+                  <a14:hiddenLine xmlns:a14="http://schemas.microsoft.com/office/drawing/2010/main" xmlns:p14="http://schemas.microsoft.com/office/powerpoint/2010/main" xmlns:a16="http://schemas.microsoft.com/office/drawing/2014/main" xmlns="" w="9525">
+                    <a:solidFill>
+                      <a:srgbClr val="000000"/>
+                    </a:solidFill>
+                    <a:round/>
+                    <a:headEnd/>
+                    <a:tailEnd/>
+                  </a14:hiddenLine>
+                </a:ext>
+              </a:extLst>
+            </p:spPr>
+          </p:sp>
+          <p:sp>
+            <p:nvSpPr>
+              <p:cNvPr id="157" name="Freeform 15">
+                <a:extLst>
+                  <a:ext uri="{FF2B5EF4-FFF2-40B4-BE49-F238E27FC236}">
+                    <a16:creationId xmlns:a16="http://schemas.microsoft.com/office/drawing/2014/main" id="{EC5BB05B-491C-414A-91C3-B1CAB785A84C}"/>
+                  </a:ext>
+                  <a:ext uri="{C183D7F6-B498-43B3-948B-1728B52AA6E4}">
+                    <adec:decorative xmlns:adec="http://schemas.microsoft.com/office/drawing/2017/decorative" val="1"/>
+                  </a:ext>
+                </a:extLst>
+              </p:cNvPr>
+              <p:cNvSpPr>
+                <a:spLocks noEditPoints="1"/>
+              </p:cNvSpPr>
+              <p:nvPr>
+                <p:extLst>
+                  <p:ext uri="{386F3935-93C4-4BCD-93E2-E3B085C9AB24}">
+                    <p16:designElem xmlns:p16="http://schemas.microsoft.com/office/powerpoint/2015/main" val="1"/>
+                  </p:ext>
+                </p:extLst>
+              </p:nvPr>
+            </p:nvSpPr>
+            <p:spPr bwMode="auto">
+              <a:xfrm>
+                <a:off x="1020762" y="488950"/>
+                <a:ext cx="161925" cy="147638"/>
+              </a:xfrm>
+              <a:custGeom>
+                <a:avLst/>
+                <a:gdLst/>
+                <a:ahLst/>
+                <a:cxnLst/>
+                <a:rect l="0" t="0" r="r" b="b"/>
+                <a:pathLst>
+                  <a:path w="34" h="31">
+                    <a:moveTo>
+                      <a:pt x="17" y="31"/>
+                    </a:moveTo>
+                    <a:cubicBezTo>
+                      <a:pt x="13" y="31"/>
+                      <a:pt x="9" y="30"/>
+                      <a:pt x="6" y="27"/>
+                    </a:cubicBezTo>
+                    <a:cubicBezTo>
+                      <a:pt x="0" y="20"/>
+                      <a:pt x="0" y="10"/>
+                      <a:pt x="6" y="4"/>
+                    </a:cubicBezTo>
+                    <a:cubicBezTo>
+                      <a:pt x="9" y="1"/>
+                      <a:pt x="13" y="0"/>
+                      <a:pt x="17" y="0"/>
+                    </a:cubicBezTo>
+                    <a:cubicBezTo>
+                      <a:pt x="21" y="0"/>
+                      <a:pt x="25" y="1"/>
+                      <a:pt x="28" y="4"/>
+                    </a:cubicBezTo>
+                    <a:cubicBezTo>
+                      <a:pt x="34" y="10"/>
+                      <a:pt x="34" y="20"/>
+                      <a:pt x="28" y="27"/>
+                    </a:cubicBezTo>
+                    <a:cubicBezTo>
+                      <a:pt x="25" y="30"/>
+                      <a:pt x="21" y="31"/>
+                      <a:pt x="17" y="31"/>
+                    </a:cubicBezTo>
+                    <a:close/>
+                    <a:moveTo>
+                      <a:pt x="17" y="4"/>
+                    </a:moveTo>
+                    <a:cubicBezTo>
+                      <a:pt x="14" y="4"/>
+                      <a:pt x="11" y="5"/>
+                      <a:pt x="9" y="7"/>
+                    </a:cubicBezTo>
+                    <a:cubicBezTo>
+                      <a:pt x="4" y="12"/>
+                      <a:pt x="4" y="19"/>
+                      <a:pt x="9" y="24"/>
+                    </a:cubicBezTo>
+                    <a:cubicBezTo>
+                      <a:pt x="11" y="26"/>
+                      <a:pt x="14" y="27"/>
+                      <a:pt x="17" y="27"/>
+                    </a:cubicBezTo>
+                    <a:cubicBezTo>
+                      <a:pt x="20" y="27"/>
+                      <a:pt x="23" y="26"/>
+                      <a:pt x="25" y="24"/>
+                    </a:cubicBezTo>
+                    <a:cubicBezTo>
+                      <a:pt x="30" y="19"/>
+                      <a:pt x="30" y="12"/>
+                      <a:pt x="25" y="7"/>
+                    </a:cubicBezTo>
+                    <a:cubicBezTo>
+                      <a:pt x="23" y="5"/>
+                      <a:pt x="20" y="4"/>
+                      <a:pt x="17" y="4"/>
+                    </a:cubicBezTo>
+                    <a:close/>
+                  </a:path>
+                </a:pathLst>
+              </a:custGeom>
+              <a:grpFill/>
+              <a:ln>
+                <a:noFill/>
+              </a:ln>
+              <a:extLst>
+                <a:ext uri="{91240B29-F687-4f45-9708-019B960494DF}">
+                  <a14:hiddenLine xmlns:a14="http://schemas.microsoft.com/office/drawing/2010/main" xmlns:p14="http://schemas.microsoft.com/office/powerpoint/2010/main" xmlns:a16="http://schemas.microsoft.com/office/drawing/2014/main" xmlns="" w="9525">
+                    <a:solidFill>
+                      <a:srgbClr val="000000"/>
+                    </a:solidFill>
+                    <a:round/>
+                    <a:headEnd/>
+                    <a:tailEnd/>
+                  </a14:hiddenLine>
+                </a:ext>
+              </a:extLst>
+            </p:spPr>
+          </p:sp>
+          <p:sp>
+            <p:nvSpPr>
+              <p:cNvPr id="158" name="Line 16">
+                <a:extLst>
+                  <a:ext uri="{FF2B5EF4-FFF2-40B4-BE49-F238E27FC236}">
+                    <a16:creationId xmlns:a16="http://schemas.microsoft.com/office/drawing/2014/main" id="{F3180CB6-F8D2-4596-B6CB-F9CEF5D3894E}"/>
+                  </a:ext>
+                  <a:ext uri="{C183D7F6-B498-43B3-948B-1728B52AA6E4}">
+                    <adec:decorative xmlns:adec="http://schemas.microsoft.com/office/drawing/2017/decorative" val="1"/>
+                  </a:ext>
+                </a:extLst>
+              </p:cNvPr>
+              <p:cNvSpPr>
+                <a:spLocks noChangeShapeType="1"/>
+              </p:cNvSpPr>
+              <p:nvPr>
+                <p:extLst>
+                  <p:ext uri="{386F3935-93C4-4BCD-93E2-E3B085C9AB24}">
+                    <p16:designElem xmlns:p16="http://schemas.microsoft.com/office/powerpoint/2015/main" val="1"/>
+                  </p:ext>
+                </p:extLst>
+              </p:nvPr>
+            </p:nvSpPr>
+            <p:spPr bwMode="auto">
+              <a:xfrm>
+                <a:off x="-4763" y="9525"/>
+                <a:ext cx="0" cy="0"/>
+              </a:xfrm>
+              <a:prstGeom prst="line">
+                <a:avLst/>
+              </a:prstGeom>
+              <a:grpFill/>
+              <a:ln w="15" cap="flat">
+                <a:solidFill>
+                  <a:srgbClr val="FFFFFF"/>
+                </a:solidFill>
+                <a:prstDash val="solid"/>
+                <a:miter lim="800000"/>
+                <a:headEnd/>
+                <a:tailEnd/>
+              </a:ln>
+            </p:spPr>
+          </p:sp>
+          <p:sp>
+            <p:nvSpPr>
+              <p:cNvPr id="159" name="Freeform 17">
+                <a:extLst>
+                  <a:ext uri="{FF2B5EF4-FFF2-40B4-BE49-F238E27FC236}">
+                    <a16:creationId xmlns:a16="http://schemas.microsoft.com/office/drawing/2014/main" id="{DF338DD3-80F8-4F68-AC7C-361ABF2A9BF7}"/>
+                  </a:ext>
+                  <a:ext uri="{C183D7F6-B498-43B3-948B-1728B52AA6E4}">
+                    <adec:decorative xmlns:adec="http://schemas.microsoft.com/office/drawing/2017/decorative" val="1"/>
+                  </a:ext>
+                </a:extLst>
+              </p:cNvPr>
+              <p:cNvSpPr/>
+              <p:nvPr>
+                <p:extLst>
+                  <p:ext uri="{386F3935-93C4-4BCD-93E2-E3B085C9AB24}">
+                    <p16:designElem xmlns:p16="http://schemas.microsoft.com/office/powerpoint/2015/main" val="1"/>
+                  </p:ext>
+                </p:extLst>
+              </p:nvPr>
+            </p:nvSpPr>
+            <p:spPr bwMode="auto">
+              <a:xfrm>
+                <a:off x="9525" y="1801813"/>
+                <a:ext cx="123825" cy="127000"/>
+              </a:xfrm>
+              <a:custGeom>
+                <a:avLst/>
+                <a:gdLst/>
+                <a:ahLst/>
+                <a:cxnLst/>
+                <a:rect l="0" t="0" r="r" b="b"/>
+                <a:pathLst>
+                  <a:path w="78" h="80">
+                    <a:moveTo>
+                      <a:pt x="6" y="80"/>
+                    </a:moveTo>
+                    <a:lnTo>
+                      <a:pt x="0" y="71"/>
+                    </a:lnTo>
+                    <a:lnTo>
+                      <a:pt x="69" y="0"/>
+                    </a:lnTo>
+                    <a:lnTo>
+                      <a:pt x="78" y="9"/>
+                    </a:lnTo>
+                    <a:lnTo>
+                      <a:pt x="6" y="80"/>
+                    </a:lnTo>
+                    <a:close/>
+                  </a:path>
+                </a:pathLst>
+              </a:custGeom>
+              <a:grpFill/>
+              <a:ln>
+                <a:noFill/>
+              </a:ln>
+              <a:extLst>
+                <a:ext uri="{91240B29-F687-4f45-9708-019B960494DF}">
+                  <a14:hiddenLine xmlns:a14="http://schemas.microsoft.com/office/drawing/2010/main" xmlns:p14="http://schemas.microsoft.com/office/powerpoint/2010/main" xmlns:a16="http://schemas.microsoft.com/office/drawing/2014/main" xmlns="" w="9525">
+                    <a:solidFill>
+                      <a:srgbClr val="000000"/>
+                    </a:solidFill>
+                    <a:round/>
+                    <a:headEnd/>
+                    <a:tailEnd/>
+                  </a14:hiddenLine>
+                </a:ext>
+              </a:extLst>
+            </p:spPr>
+          </p:sp>
+          <p:sp>
+            <p:nvSpPr>
+              <p:cNvPr id="160" name="Freeform 18">
+                <a:extLst>
+                  <a:ext uri="{FF2B5EF4-FFF2-40B4-BE49-F238E27FC236}">
+                    <a16:creationId xmlns:a16="http://schemas.microsoft.com/office/drawing/2014/main" id="{9666E4DB-B855-4A4E-BB50-1880738C11D7}"/>
+                  </a:ext>
+                  <a:ext uri="{C183D7F6-B498-43B3-948B-1728B52AA6E4}">
+                    <adec:decorative xmlns:adec="http://schemas.microsoft.com/office/drawing/2017/decorative" val="1"/>
+                  </a:ext>
+                </a:extLst>
+              </p:cNvPr>
+              <p:cNvSpPr/>
+              <p:nvPr>
+                <p:extLst>
+                  <p:ext uri="{386F3935-93C4-4BCD-93E2-E3B085C9AB24}">
+                    <p16:designElem xmlns:p16="http://schemas.microsoft.com/office/powerpoint/2015/main" val="1"/>
+                  </p:ext>
+                </p:extLst>
+              </p:nvPr>
+            </p:nvSpPr>
+            <p:spPr bwMode="auto">
+              <a:xfrm>
+                <a:off x="-9525" y="3549650"/>
+                <a:ext cx="147638" cy="481013"/>
+              </a:xfrm>
+              <a:custGeom>
+                <a:avLst/>
+                <a:gdLst/>
+                <a:ahLst/>
+                <a:cxnLst/>
+                <a:rect l="0" t="0" r="r" b="b"/>
+                <a:pathLst>
+                  <a:path w="93" h="303">
+                    <a:moveTo>
+                      <a:pt x="93" y="303"/>
+                    </a:moveTo>
+                    <a:lnTo>
+                      <a:pt x="78" y="303"/>
+                    </a:lnTo>
+                    <a:lnTo>
+                      <a:pt x="78" y="78"/>
+                    </a:lnTo>
+                    <a:lnTo>
+                      <a:pt x="0" y="12"/>
+                    </a:lnTo>
+                    <a:lnTo>
+                      <a:pt x="12" y="0"/>
+                    </a:lnTo>
+                    <a:lnTo>
+                      <a:pt x="93" y="69"/>
+                    </a:lnTo>
+                    <a:lnTo>
+                      <a:pt x="93" y="303"/>
+                    </a:lnTo>
+                    <a:close/>
+                  </a:path>
+                </a:pathLst>
+              </a:custGeom>
+              <a:grpFill/>
+              <a:ln>
+                <a:noFill/>
+              </a:ln>
+              <a:extLst>
+                <a:ext uri="{91240B29-F687-4f45-9708-019B960494DF}">
+                  <a14:hiddenLine xmlns:a14="http://schemas.microsoft.com/office/drawing/2010/main" xmlns:p14="http://schemas.microsoft.com/office/powerpoint/2010/main" xmlns:a16="http://schemas.microsoft.com/office/drawing/2014/main" xmlns="" w="9525">
+                    <a:solidFill>
+                      <a:srgbClr val="000000"/>
+                    </a:solidFill>
+                    <a:round/>
+                    <a:headEnd/>
+                    <a:tailEnd/>
+                  </a14:hiddenLine>
+                </a:ext>
+              </a:extLst>
+            </p:spPr>
+          </p:sp>
+          <p:sp>
+            <p:nvSpPr>
+              <p:cNvPr id="161" name="Freeform 19">
+                <a:extLst>
+                  <a:ext uri="{FF2B5EF4-FFF2-40B4-BE49-F238E27FC236}">
+                    <a16:creationId xmlns:a16="http://schemas.microsoft.com/office/drawing/2014/main" id="{F570FD9C-B435-4EF1-962C-621F1261AA5B}"/>
+                  </a:ext>
+                  <a:ext uri="{C183D7F6-B498-43B3-948B-1728B52AA6E4}">
+                    <adec:decorative xmlns:adec="http://schemas.microsoft.com/office/drawing/2017/decorative" val="1"/>
+                  </a:ext>
+                </a:extLst>
+              </p:cNvPr>
+              <p:cNvSpPr/>
+              <p:nvPr>
+                <p:extLst>
+                  <p:ext uri="{386F3935-93C4-4BCD-93E2-E3B085C9AB24}">
+                    <p16:designElem xmlns:p16="http://schemas.microsoft.com/office/powerpoint/2015/main" val="1"/>
+                  </p:ext>
+                </p:extLst>
+              </p:nvPr>
+            </p:nvSpPr>
+            <p:spPr bwMode="auto">
+              <a:xfrm>
+                <a:off x="128587" y="1382713"/>
+                <a:ext cx="142875" cy="476250"/>
+              </a:xfrm>
+              <a:custGeom>
+                <a:avLst/>
+                <a:gdLst/>
+                <a:ahLst/>
+                <a:cxnLst/>
+                <a:rect l="0" t="0" r="r" b="b"/>
+                <a:pathLst>
+                  <a:path w="90" h="300">
+                    <a:moveTo>
+                      <a:pt x="90" y="300"/>
+                    </a:moveTo>
+                    <a:lnTo>
+                      <a:pt x="78" y="300"/>
+                    </a:lnTo>
+                    <a:lnTo>
+                      <a:pt x="78" y="84"/>
+                    </a:lnTo>
+                    <a:lnTo>
+                      <a:pt x="0" y="9"/>
+                    </a:lnTo>
+                    <a:lnTo>
+                      <a:pt x="9" y="0"/>
+                    </a:lnTo>
+                    <a:lnTo>
+                      <a:pt x="90" y="81"/>
+                    </a:lnTo>
+                    <a:lnTo>
+                      <a:pt x="90" y="300"/>
+                    </a:lnTo>
+                    <a:close/>
+                  </a:path>
+                </a:pathLst>
+              </a:custGeom>
+              <a:grpFill/>
+              <a:ln>
+                <a:noFill/>
+              </a:ln>
+              <a:extLst>
+                <a:ext uri="{91240B29-F687-4f45-9708-019B960494DF}">
+                  <a14:hiddenLine xmlns:a14="http://schemas.microsoft.com/office/drawing/2010/main" xmlns:p14="http://schemas.microsoft.com/office/powerpoint/2010/main" xmlns:a16="http://schemas.microsoft.com/office/drawing/2014/main" xmlns="" w="9525">
+                    <a:solidFill>
+                      <a:srgbClr val="000000"/>
+                    </a:solidFill>
+                    <a:round/>
+                    <a:headEnd/>
+                    <a:tailEnd/>
+                  </a14:hiddenLine>
+                </a:ext>
+              </a:extLst>
+            </p:spPr>
+          </p:sp>
+          <p:sp>
+            <p:nvSpPr>
+              <p:cNvPr id="162" name="Freeform 20">
+                <a:extLst>
+                  <a:ext uri="{FF2B5EF4-FFF2-40B4-BE49-F238E27FC236}">
+                    <a16:creationId xmlns:a16="http://schemas.microsoft.com/office/drawing/2014/main" id="{E236AF0B-3BDC-43C3-8FFC-2A94121E9463}"/>
+                  </a:ext>
+                  <a:ext uri="{C183D7F6-B498-43B3-948B-1728B52AA6E4}">
+                    <adec:decorative xmlns:adec="http://schemas.microsoft.com/office/drawing/2017/decorative" val="1"/>
+                  </a:ext>
+                </a:extLst>
+              </p:cNvPr>
+              <p:cNvSpPr>
+                <a:spLocks noEditPoints="1"/>
+              </p:cNvSpPr>
+              <p:nvPr>
+                <p:extLst>
+                  <p:ext uri="{386F3935-93C4-4BCD-93E2-E3B085C9AB24}">
+                    <p16:designElem xmlns:p16="http://schemas.microsoft.com/office/powerpoint/2015/main" val="1"/>
+                  </p:ext>
+                </p:extLst>
+              </p:nvPr>
+            </p:nvSpPr>
+            <p:spPr bwMode="auto">
+              <a:xfrm>
+                <a:off x="204787" y="1849438"/>
+                <a:ext cx="114300" cy="107950"/>
+              </a:xfrm>
+              <a:custGeom>
+                <a:avLst/>
+                <a:gdLst/>
+                <a:ahLst/>
+                <a:cxnLst/>
+                <a:rect l="0" t="0" r="r" b="b"/>
+                <a:pathLst>
+                  <a:path w="24" h="23">
+                    <a:moveTo>
+                      <a:pt x="12" y="23"/>
+                    </a:moveTo>
+                    <a:cubicBezTo>
+                      <a:pt x="6" y="23"/>
+                      <a:pt x="0" y="18"/>
+                      <a:pt x="0" y="12"/>
+                    </a:cubicBezTo>
+                    <a:cubicBezTo>
+                      <a:pt x="0" y="5"/>
+                      <a:pt x="6" y="0"/>
+                      <a:pt x="12" y="0"/>
+                    </a:cubicBezTo>
+                    <a:cubicBezTo>
+                      <a:pt x="18" y="0"/>
+                      <a:pt x="24" y="5"/>
+                      <a:pt x="24" y="12"/>
+                    </a:cubicBezTo>
+                    <a:cubicBezTo>
+                      <a:pt x="24" y="18"/>
+                      <a:pt x="18" y="23"/>
+                      <a:pt x="12" y="23"/>
+                    </a:cubicBezTo>
+                    <a:close/>
+                    <a:moveTo>
+                      <a:pt x="12" y="4"/>
+                    </a:moveTo>
+                    <a:cubicBezTo>
+                      <a:pt x="8" y="4"/>
+                      <a:pt x="4" y="8"/>
+                      <a:pt x="4" y="12"/>
+                    </a:cubicBezTo>
+                    <a:cubicBezTo>
+                      <a:pt x="4" y="16"/>
+                      <a:pt x="8" y="19"/>
+                      <a:pt x="12" y="19"/>
+                    </a:cubicBezTo>
+                    <a:cubicBezTo>
+                      <a:pt x="16" y="19"/>
+                      <a:pt x="20" y="16"/>
+                      <a:pt x="20" y="12"/>
+                    </a:cubicBezTo>
+                    <a:cubicBezTo>
+                      <a:pt x="20" y="8"/>
+                      <a:pt x="16" y="4"/>
+                      <a:pt x="12" y="4"/>
+                    </a:cubicBezTo>
+                    <a:close/>
+                  </a:path>
+                </a:pathLst>
+              </a:custGeom>
+              <a:grpFill/>
+              <a:ln>
+                <a:noFill/>
+              </a:ln>
+              <a:extLst>
+                <a:ext uri="{91240B29-F687-4f45-9708-019B960494DF}">
+                  <a14:hiddenLine xmlns:a14="http://schemas.microsoft.com/office/drawing/2010/main" xmlns:p14="http://schemas.microsoft.com/office/powerpoint/2010/main" xmlns:a16="http://schemas.microsoft.com/office/drawing/2014/main" xmlns="" w="9525">
+                    <a:solidFill>
+                      <a:srgbClr val="000000"/>
+                    </a:solidFill>
+                    <a:round/>
+                    <a:headEnd/>
+                    <a:tailEnd/>
+                  </a14:hiddenLine>
+                </a:ext>
+              </a:extLst>
+            </p:spPr>
+          </p:sp>
+          <p:sp>
+            <p:nvSpPr>
+              <p:cNvPr id="163" name="Rectangle 21">
+                <a:extLst>
+                  <a:ext uri="{FF2B5EF4-FFF2-40B4-BE49-F238E27FC236}">
+                    <a16:creationId xmlns:a16="http://schemas.microsoft.com/office/drawing/2014/main" id="{3BA2C208-5097-4497-AA2C-ADDDAB48B6A5}"/>
+                  </a:ext>
+                  <a:ext uri="{C183D7F6-B498-43B3-948B-1728B52AA6E4}">
+                    <adec:decorative xmlns:adec="http://schemas.microsoft.com/office/drawing/2017/decorative" val="1"/>
+                  </a:ext>
+                </a:extLst>
+              </p:cNvPr>
+              <p:cNvSpPr>
+                <a:spLocks noChangeArrowheads="1"/>
+              </p:cNvSpPr>
+              <p:nvPr>
+                <p:extLst>
+                  <p:ext uri="{386F3935-93C4-4BCD-93E2-E3B085C9AB24}">
+                    <p16:designElem xmlns:p16="http://schemas.microsoft.com/office/powerpoint/2015/main" val="1"/>
+                  </p:ext>
+                </p:extLst>
+              </p:nvPr>
+            </p:nvSpPr>
+            <p:spPr bwMode="auto">
+              <a:xfrm>
+                <a:off x="133350" y="4662488"/>
+                <a:ext cx="23813" cy="2181225"/>
+              </a:xfrm>
+              <a:prstGeom prst="rect">
+                <a:avLst/>
+              </a:prstGeom>
+              <a:grpFill/>
+              <a:ln>
+                <a:noFill/>
+              </a:ln>
+              <a:extLst>
+                <a:ext uri="{91240B29-F687-4f45-9708-019B960494DF}">
+                  <a14:hiddenLine xmlns:a14="http://schemas.microsoft.com/office/drawing/2010/main" xmlns:p14="http://schemas.microsoft.com/office/powerpoint/2010/main" xmlns:a16="http://schemas.microsoft.com/office/drawing/2014/main" xmlns="" w="9525">
+                    <a:solidFill>
+                      <a:srgbClr val="000000"/>
+                    </a:solidFill>
+                    <a:miter lim="800000"/>
+                    <a:headEnd/>
+                    <a:tailEnd/>
+                  </a14:hiddenLine>
+                </a:ext>
+              </a:extLst>
+            </p:spPr>
+          </p:sp>
+          <p:sp>
+            <p:nvSpPr>
+              <p:cNvPr id="164" name="Freeform 22">
+                <a:extLst>
+                  <a:ext uri="{FF2B5EF4-FFF2-40B4-BE49-F238E27FC236}">
+                    <a16:creationId xmlns:a16="http://schemas.microsoft.com/office/drawing/2014/main" id="{6A45DD96-8D07-43CA-B036-6FDA880A17B2}"/>
+                  </a:ext>
+                  <a:ext uri="{C183D7F6-B498-43B3-948B-1728B52AA6E4}">
+                    <adec:decorative xmlns:adec="http://schemas.microsoft.com/office/drawing/2017/decorative" val="1"/>
+                  </a:ext>
+                </a:extLst>
+              </p:cNvPr>
+              <p:cNvSpPr/>
+              <p:nvPr>
+                <p:extLst>
+                  <p:ext uri="{386F3935-93C4-4BCD-93E2-E3B085C9AB24}">
+                    <p16:designElem xmlns:p16="http://schemas.microsoft.com/office/powerpoint/2015/main" val="1"/>
+                  </p:ext>
+                </p:extLst>
+              </p:nvPr>
+            </p:nvSpPr>
+            <p:spPr bwMode="auto">
+              <a:xfrm>
+                <a:off x="223837" y="5041900"/>
+                <a:ext cx="369888" cy="1801813"/>
+              </a:xfrm>
+              <a:custGeom>
+                <a:avLst/>
+                <a:gdLst/>
+                <a:ahLst/>
+                <a:cxnLst/>
+                <a:rect l="0" t="0" r="r" b="b"/>
+                <a:pathLst>
+                  <a:path w="233" h="1135">
+                    <a:moveTo>
+                      <a:pt x="15" y="1135"/>
+                    </a:moveTo>
+                    <a:lnTo>
+                      <a:pt x="0" y="1135"/>
+                    </a:lnTo>
+                    <a:lnTo>
+                      <a:pt x="0" y="515"/>
+                    </a:lnTo>
+                    <a:lnTo>
+                      <a:pt x="0" y="512"/>
+                    </a:lnTo>
+                    <a:lnTo>
+                      <a:pt x="218" y="0"/>
+                    </a:lnTo>
+                    <a:lnTo>
+                      <a:pt x="233" y="6"/>
+                    </a:lnTo>
+                    <a:lnTo>
+                      <a:pt x="15" y="518"/>
+                    </a:lnTo>
+                    <a:lnTo>
+                      <a:pt x="15" y="1135"/>
+                    </a:lnTo>
+                    <a:close/>
+                  </a:path>
+                </a:pathLst>
+              </a:custGeom>
+              <a:grpFill/>
+              <a:ln>
+                <a:noFill/>
+              </a:ln>
+              <a:extLst>
+                <a:ext uri="{91240B29-F687-4f45-9708-019B960494DF}">
+                  <a14:hiddenLine xmlns:a14="http://schemas.microsoft.com/office/drawing/2010/main" xmlns:p14="http://schemas.microsoft.com/office/powerpoint/2010/main" xmlns:a16="http://schemas.microsoft.com/office/drawing/2014/main" xmlns="" w="9525">
+                    <a:solidFill>
+                      <a:srgbClr val="000000"/>
+                    </a:solidFill>
+                    <a:round/>
+                    <a:headEnd/>
+                    <a:tailEnd/>
+                  </a14:hiddenLine>
+                </a:ext>
+              </a:extLst>
+            </p:spPr>
+          </p:sp>
+          <p:sp>
+            <p:nvSpPr>
+              <p:cNvPr id="165" name="Freeform 23">
+                <a:extLst>
+                  <a:ext uri="{FF2B5EF4-FFF2-40B4-BE49-F238E27FC236}">
+                    <a16:creationId xmlns:a16="http://schemas.microsoft.com/office/drawing/2014/main" id="{AF7F7CBB-E154-4CD5-9ED0-D5DDC1DFEAE0}"/>
+                  </a:ext>
+                  <a:ext uri="{C183D7F6-B498-43B3-948B-1728B52AA6E4}">
+                    <adec:decorative xmlns:adec="http://schemas.microsoft.com/office/drawing/2017/decorative" val="1"/>
+                  </a:ext>
+                </a:extLst>
+              </p:cNvPr>
+              <p:cNvSpPr>
+                <a:spLocks noEditPoints="1"/>
+              </p:cNvSpPr>
+              <p:nvPr>
+                <p:extLst>
+                  <p:ext uri="{386F3935-93C4-4BCD-93E2-E3B085C9AB24}">
+                    <p16:designElem xmlns:p16="http://schemas.microsoft.com/office/powerpoint/2015/main" val="1"/>
+                  </p:ext>
+                </p:extLst>
+              </p:nvPr>
+            </p:nvSpPr>
+            <p:spPr bwMode="auto">
+              <a:xfrm>
+                <a:off x="52387" y="4481513"/>
+                <a:ext cx="190500" cy="190500"/>
+              </a:xfrm>
+              <a:custGeom>
+                <a:avLst/>
+                <a:gdLst/>
+                <a:ahLst/>
+                <a:cxnLst/>
+                <a:rect l="0" t="0" r="r" b="b"/>
+                <a:pathLst>
+                  <a:path w="40" h="40">
+                    <a:moveTo>
+                      <a:pt x="20" y="40"/>
+                    </a:moveTo>
+                    <a:cubicBezTo>
+                      <a:pt x="9" y="40"/>
+                      <a:pt x="0" y="31"/>
+                      <a:pt x="0" y="20"/>
+                    </a:cubicBezTo>
+                    <a:cubicBezTo>
+                      <a:pt x="0" y="9"/>
+                      <a:pt x="9" y="0"/>
+                      <a:pt x="20" y="0"/>
+                    </a:cubicBezTo>
+                    <a:cubicBezTo>
+                      <a:pt x="31" y="0"/>
+                      <a:pt x="40" y="9"/>
+                      <a:pt x="40" y="20"/>
+                    </a:cubicBezTo>
+                    <a:cubicBezTo>
+                      <a:pt x="40" y="31"/>
+                      <a:pt x="31" y="40"/>
+                      <a:pt x="20" y="40"/>
+                    </a:cubicBezTo>
+                    <a:close/>
+                    <a:moveTo>
+                      <a:pt x="20" y="4"/>
+                    </a:moveTo>
+                    <a:cubicBezTo>
+                      <a:pt x="11" y="4"/>
+                      <a:pt x="4" y="11"/>
+                      <a:pt x="4" y="20"/>
+                    </a:cubicBezTo>
+                    <a:cubicBezTo>
+                      <a:pt x="4" y="29"/>
+                      <a:pt x="11" y="36"/>
+                      <a:pt x="20" y="36"/>
+                    </a:cubicBezTo>
+                    <a:cubicBezTo>
+                      <a:pt x="28" y="36"/>
+                      <a:pt x="36" y="29"/>
+                      <a:pt x="36" y="20"/>
+                    </a:cubicBezTo>
+                    <a:cubicBezTo>
+                      <a:pt x="36" y="11"/>
+                      <a:pt x="28" y="4"/>
+                      <a:pt x="20" y="4"/>
+                    </a:cubicBezTo>
+                    <a:close/>
+                  </a:path>
+                </a:pathLst>
+              </a:custGeom>
+              <a:grpFill/>
+              <a:ln>
+                <a:noFill/>
+              </a:ln>
+              <a:extLst>
+                <a:ext uri="{91240B29-F687-4f45-9708-019B960494DF}">
+                  <a14:hiddenLine xmlns:a14="http://schemas.microsoft.com/office/drawing/2010/main" xmlns:p14="http://schemas.microsoft.com/office/powerpoint/2010/main" xmlns:a16="http://schemas.microsoft.com/office/drawing/2014/main" xmlns="" w="9525">
+                    <a:solidFill>
+                      <a:srgbClr val="000000"/>
+                    </a:solidFill>
+                    <a:round/>
+                    <a:headEnd/>
+                    <a:tailEnd/>
+                  </a14:hiddenLine>
+                </a:ext>
+              </a:extLst>
+            </p:spPr>
+          </p:sp>
+          <p:sp>
+            <p:nvSpPr>
+              <p:cNvPr id="166" name="Freeform 24">
+                <a:extLst>
+                  <a:ext uri="{FF2B5EF4-FFF2-40B4-BE49-F238E27FC236}">
+                    <a16:creationId xmlns:a16="http://schemas.microsoft.com/office/drawing/2014/main" id="{EFF4AB16-41DD-4877-8C28-ED78F4CA7FEA}"/>
+                  </a:ext>
+                  <a:ext uri="{C183D7F6-B498-43B3-948B-1728B52AA6E4}">
+                    <adec:decorative xmlns:adec="http://schemas.microsoft.com/office/drawing/2017/decorative" val="1"/>
+                  </a:ext>
+                </a:extLst>
+              </p:cNvPr>
+              <p:cNvSpPr/>
+              <p:nvPr>
+                <p:extLst>
+                  <p:ext uri="{386F3935-93C4-4BCD-93E2-E3B085C9AB24}">
+                    <p16:designElem xmlns:p16="http://schemas.microsoft.com/office/powerpoint/2015/main" val="1"/>
+                  </p:ext>
+                </p:extLst>
+              </p:nvPr>
+            </p:nvSpPr>
+            <p:spPr bwMode="auto">
+              <a:xfrm>
+                <a:off x="-14288" y="5627688"/>
+                <a:ext cx="85725" cy="1216025"/>
+              </a:xfrm>
+              <a:custGeom>
+                <a:avLst/>
+                <a:gdLst/>
+                <a:ahLst/>
+                <a:cxnLst/>
+                <a:rect l="0" t="0" r="r" b="b"/>
+                <a:pathLst>
+                  <a:path w="54" h="766">
+                    <a:moveTo>
+                      <a:pt x="54" y="766"/>
+                    </a:moveTo>
+                    <a:lnTo>
+                      <a:pt x="36" y="766"/>
+                    </a:lnTo>
+                    <a:lnTo>
+                      <a:pt x="36" y="149"/>
+                    </a:lnTo>
+                    <a:lnTo>
+                      <a:pt x="0" y="3"/>
+                    </a:lnTo>
+                    <a:lnTo>
+                      <a:pt x="18" y="0"/>
+                    </a:lnTo>
+                    <a:lnTo>
+                      <a:pt x="54" y="146"/>
+                    </a:lnTo>
+                    <a:lnTo>
+                      <a:pt x="54" y="766"/>
+                    </a:lnTo>
+                    <a:close/>
+                  </a:path>
+                </a:pathLst>
+              </a:custGeom>
+              <a:grpFill/>
+              <a:ln>
+                <a:noFill/>
+              </a:ln>
+              <a:extLst>
+                <a:ext uri="{91240B29-F687-4f45-9708-019B960494DF}">
+                  <a14:hiddenLine xmlns:a14="http://schemas.microsoft.com/office/drawing/2010/main" xmlns:p14="http://schemas.microsoft.com/office/powerpoint/2010/main" xmlns:a16="http://schemas.microsoft.com/office/drawing/2014/main" xmlns="" w="9525">
+                    <a:solidFill>
+                      <a:srgbClr val="000000"/>
+                    </a:solidFill>
+                    <a:round/>
+                    <a:headEnd/>
+                    <a:tailEnd/>
+                  </a14:hiddenLine>
+                </a:ext>
+              </a:extLst>
+            </p:spPr>
+          </p:sp>
+          <p:sp>
+            <p:nvSpPr>
+              <p:cNvPr id="167" name="Freeform 25">
+                <a:extLst>
+                  <a:ext uri="{FF2B5EF4-FFF2-40B4-BE49-F238E27FC236}">
+                    <a16:creationId xmlns:a16="http://schemas.microsoft.com/office/drawing/2014/main" id="{30BCBD5D-92EB-487E-B1D0-F9000D45D100}"/>
+                  </a:ext>
+                  <a:ext uri="{C183D7F6-B498-43B3-948B-1728B52AA6E4}">
+                    <adec:decorative xmlns:adec="http://schemas.microsoft.com/office/drawing/2017/decorative" val="1"/>
+                  </a:ext>
+                </a:extLst>
+              </p:cNvPr>
+              <p:cNvSpPr>
+                <a:spLocks noEditPoints="1"/>
+              </p:cNvSpPr>
+              <p:nvPr>
+                <p:extLst>
+                  <p:ext uri="{386F3935-93C4-4BCD-93E2-E3B085C9AB24}">
+                    <p16:designElem xmlns:p16="http://schemas.microsoft.com/office/powerpoint/2015/main" val="1"/>
+                  </p:ext>
+                </p:extLst>
+              </p:nvPr>
+            </p:nvSpPr>
+            <p:spPr bwMode="auto">
+              <a:xfrm>
+                <a:off x="527050" y="4867275"/>
+                <a:ext cx="190500" cy="188913"/>
+              </a:xfrm>
+              <a:custGeom>
+                <a:avLst/>
+                <a:gdLst/>
+                <a:ahLst/>
+                <a:cxnLst/>
+                <a:rect l="0" t="0" r="r" b="b"/>
+                <a:pathLst>
+                  <a:path w="40" h="40">
+                    <a:moveTo>
+                      <a:pt x="20" y="40"/>
+                    </a:moveTo>
+                    <a:cubicBezTo>
+                      <a:pt x="9" y="40"/>
+                      <a:pt x="0" y="31"/>
+                      <a:pt x="0" y="20"/>
+                    </a:cubicBezTo>
+                    <a:cubicBezTo>
+                      <a:pt x="0" y="9"/>
+                      <a:pt x="9" y="0"/>
+                      <a:pt x="20" y="0"/>
+                    </a:cubicBezTo>
+                    <a:cubicBezTo>
+                      <a:pt x="31" y="0"/>
+                      <a:pt x="40" y="9"/>
+                      <a:pt x="40" y="20"/>
+                    </a:cubicBezTo>
+                    <a:cubicBezTo>
+                      <a:pt x="40" y="31"/>
+                      <a:pt x="31" y="40"/>
+                      <a:pt x="20" y="40"/>
+                    </a:cubicBezTo>
+                    <a:close/>
+                    <a:moveTo>
+                      <a:pt x="20" y="4"/>
+                    </a:moveTo>
+                    <a:cubicBezTo>
+                      <a:pt x="11" y="4"/>
+                      <a:pt x="4" y="11"/>
+                      <a:pt x="4" y="20"/>
+                    </a:cubicBezTo>
+                    <a:cubicBezTo>
+                      <a:pt x="4" y="29"/>
+                      <a:pt x="11" y="36"/>
+                      <a:pt x="20" y="36"/>
+                    </a:cubicBezTo>
+                    <a:cubicBezTo>
+                      <a:pt x="29" y="36"/>
+                      <a:pt x="36" y="29"/>
+                      <a:pt x="36" y="20"/>
+                    </a:cubicBezTo>
+                    <a:cubicBezTo>
+                      <a:pt x="36" y="11"/>
+                      <a:pt x="29" y="4"/>
+                      <a:pt x="20" y="4"/>
+                    </a:cubicBezTo>
+                    <a:close/>
+                  </a:path>
+                </a:pathLst>
+              </a:custGeom>
+              <a:grpFill/>
+              <a:ln>
+                <a:noFill/>
+              </a:ln>
+              <a:extLst>
+                <a:ext uri="{91240B29-F687-4f45-9708-019B960494DF}">
+                  <a14:hiddenLine xmlns:a14="http://schemas.microsoft.com/office/drawing/2010/main" xmlns:p14="http://schemas.microsoft.com/office/powerpoint/2010/main" xmlns:a16="http://schemas.microsoft.com/office/drawing/2014/main" xmlns="" w="9525">
+                    <a:solidFill>
+                      <a:srgbClr val="000000"/>
+                    </a:solidFill>
+                    <a:round/>
+                    <a:headEnd/>
+                    <a:tailEnd/>
+                  </a14:hiddenLine>
+                </a:ext>
+              </a:extLst>
+            </p:spPr>
+          </p:sp>
+          <p:sp>
+            <p:nvSpPr>
+              <p:cNvPr id="168" name="Freeform 26">
+                <a:extLst>
+                  <a:ext uri="{FF2B5EF4-FFF2-40B4-BE49-F238E27FC236}">
+                    <a16:creationId xmlns:a16="http://schemas.microsoft.com/office/drawing/2014/main" id="{DA07BDB8-9827-4EBF-9B99-6C503EA0BC64}"/>
+                  </a:ext>
+                  <a:ext uri="{C183D7F6-B498-43B3-948B-1728B52AA6E4}">
+                    <adec:decorative xmlns:adec="http://schemas.microsoft.com/office/drawing/2017/decorative" val="1"/>
+                  </a:ext>
+                </a:extLst>
+              </p:cNvPr>
+              <p:cNvSpPr/>
+              <p:nvPr>
+                <p:extLst>
+                  <p:ext uri="{386F3935-93C4-4BCD-93E2-E3B085C9AB24}">
+                    <p16:designElem xmlns:p16="http://schemas.microsoft.com/office/powerpoint/2015/main" val="1"/>
+                  </p:ext>
+                </p:extLst>
+              </p:nvPr>
+            </p:nvSpPr>
+            <p:spPr bwMode="auto">
+              <a:xfrm>
+                <a:off x="309562" y="5422900"/>
+                <a:ext cx="374650" cy="1425575"/>
+              </a:xfrm>
+              <a:custGeom>
+                <a:avLst/>
+                <a:gdLst/>
+                <a:ahLst/>
+                <a:cxnLst/>
+                <a:rect l="0" t="0" r="r" b="b"/>
+                <a:pathLst>
+                  <a:path w="236" h="898">
+                    <a:moveTo>
+                      <a:pt x="18" y="898"/>
+                    </a:moveTo>
+                    <a:lnTo>
+                      <a:pt x="0" y="898"/>
+                    </a:lnTo>
+                    <a:lnTo>
+                      <a:pt x="0" y="515"/>
+                    </a:lnTo>
+                    <a:lnTo>
+                      <a:pt x="3" y="512"/>
+                    </a:lnTo>
+                    <a:lnTo>
+                      <a:pt x="221" y="0"/>
+                    </a:lnTo>
+                    <a:lnTo>
+                      <a:pt x="236" y="6"/>
+                    </a:lnTo>
+                    <a:lnTo>
+                      <a:pt x="18" y="518"/>
+                    </a:lnTo>
+                    <a:lnTo>
+                      <a:pt x="18" y="898"/>
+                    </a:lnTo>
+                    <a:close/>
+                  </a:path>
+                </a:pathLst>
+              </a:custGeom>
+              <a:grpFill/>
+              <a:ln>
+                <a:noFill/>
+              </a:ln>
+              <a:extLst>
+                <a:ext uri="{91240B29-F687-4f45-9708-019B960494DF}">
+                  <a14:hiddenLine xmlns:a14="http://schemas.microsoft.com/office/drawing/2010/main" xmlns:p14="http://schemas.microsoft.com/office/powerpoint/2010/main" xmlns:a16="http://schemas.microsoft.com/office/drawing/2014/main" xmlns="" w="9525">
+                    <a:solidFill>
+                      <a:srgbClr val="000000"/>
+                    </a:solidFill>
+                    <a:round/>
+                    <a:headEnd/>
+                    <a:tailEnd/>
+                  </a14:hiddenLine>
+                </a:ext>
+              </a:extLst>
+            </p:spPr>
+          </p:sp>
+          <p:sp>
+            <p:nvSpPr>
+              <p:cNvPr id="169" name="Freeform 27">
+                <a:extLst>
+                  <a:ext uri="{FF2B5EF4-FFF2-40B4-BE49-F238E27FC236}">
+                    <a16:creationId xmlns:a16="http://schemas.microsoft.com/office/drawing/2014/main" id="{7F41FB05-1B3F-450A-A1A7-8C8BD182A540}"/>
+                  </a:ext>
+                  <a:ext uri="{C183D7F6-B498-43B3-948B-1728B52AA6E4}">
+                    <adec:decorative xmlns:adec="http://schemas.microsoft.com/office/drawing/2017/decorative" val="1"/>
+                  </a:ext>
+                </a:extLst>
+              </p:cNvPr>
+              <p:cNvSpPr/>
+              <p:nvPr>
+                <p:extLst>
+                  <p:ext uri="{386F3935-93C4-4BCD-93E2-E3B085C9AB24}">
+                    <p16:designElem xmlns:p16="http://schemas.microsoft.com/office/powerpoint/2015/main" val="1"/>
+                  </p:ext>
+                </p:extLst>
+              </p:nvPr>
+            </p:nvSpPr>
+            <p:spPr bwMode="auto">
+              <a:xfrm>
+                <a:off x="569912" y="5945188"/>
+                <a:ext cx="152400" cy="912813"/>
+              </a:xfrm>
+              <a:custGeom>
+                <a:avLst/>
+                <a:gdLst/>
+                <a:ahLst/>
+                <a:cxnLst/>
+                <a:rect l="0" t="0" r="r" b="b"/>
+                <a:pathLst>
+                  <a:path w="96" h="575">
+                    <a:moveTo>
+                      <a:pt x="15" y="575"/>
+                    </a:moveTo>
+                    <a:lnTo>
+                      <a:pt x="0" y="569"/>
+                    </a:lnTo>
+                    <a:lnTo>
+                      <a:pt x="81" y="383"/>
+                    </a:lnTo>
+                    <a:lnTo>
+                      <a:pt x="81" y="0"/>
+                    </a:lnTo>
+                    <a:lnTo>
+                      <a:pt x="96" y="0"/>
+                    </a:lnTo>
+                    <a:lnTo>
+                      <a:pt x="96" y="386"/>
+                    </a:lnTo>
+                    <a:lnTo>
+                      <a:pt x="15" y="575"/>
+                    </a:lnTo>
+                    <a:close/>
+                  </a:path>
+                </a:pathLst>
+              </a:custGeom>
+              <a:grpFill/>
+              <a:ln>
+                <a:noFill/>
+              </a:ln>
+              <a:extLst>
+                <a:ext uri="{91240B29-F687-4f45-9708-019B960494DF}">
+                  <a14:hiddenLine xmlns:a14="http://schemas.microsoft.com/office/drawing/2010/main" xmlns:p14="http://schemas.microsoft.com/office/powerpoint/2010/main" xmlns:a16="http://schemas.microsoft.com/office/drawing/2014/main" xmlns="" w="9525">
+                    <a:solidFill>
+                      <a:srgbClr val="000000"/>
+                    </a:solidFill>
+                    <a:round/>
+                    <a:headEnd/>
+                    <a:tailEnd/>
+                  </a14:hiddenLine>
+                </a:ext>
+              </a:extLst>
+            </p:spPr>
+          </p:sp>
+          <p:sp>
+            <p:nvSpPr>
+              <p:cNvPr id="170" name="Freeform 28">
+                <a:extLst>
+                  <a:ext uri="{FF2B5EF4-FFF2-40B4-BE49-F238E27FC236}">
+                    <a16:creationId xmlns:a16="http://schemas.microsoft.com/office/drawing/2014/main" id="{0629E219-1F32-41C1-B921-05E4561179BE}"/>
+                  </a:ext>
+                  <a:ext uri="{C183D7F6-B498-43B3-948B-1728B52AA6E4}">
+                    <adec:decorative xmlns:adec="http://schemas.microsoft.com/office/drawing/2017/decorative" val="1"/>
+                  </a:ext>
+                </a:extLst>
+              </p:cNvPr>
+              <p:cNvSpPr>
+                <a:spLocks noEditPoints="1"/>
+              </p:cNvSpPr>
+              <p:nvPr>
+                <p:extLst>
+                  <p:ext uri="{386F3935-93C4-4BCD-93E2-E3B085C9AB24}">
+                    <p16:designElem xmlns:p16="http://schemas.microsoft.com/office/powerpoint/2015/main" val="1"/>
+                  </p:ext>
+                </p:extLst>
+              </p:nvPr>
+            </p:nvSpPr>
+            <p:spPr bwMode="auto">
+              <a:xfrm>
+                <a:off x="612775" y="5246688"/>
+                <a:ext cx="190500" cy="190500"/>
+              </a:xfrm>
+              <a:custGeom>
+                <a:avLst/>
+                <a:gdLst/>
+                <a:ahLst/>
+                <a:cxnLst/>
+                <a:rect l="0" t="0" r="r" b="b"/>
+                <a:pathLst>
+                  <a:path w="40" h="40">
+                    <a:moveTo>
+                      <a:pt x="20" y="40"/>
+                    </a:moveTo>
+                    <a:cubicBezTo>
+                      <a:pt x="9" y="40"/>
+                      <a:pt x="0" y="31"/>
+                      <a:pt x="0" y="20"/>
+                    </a:cubicBezTo>
+                    <a:cubicBezTo>
+                      <a:pt x="0" y="9"/>
+                      <a:pt x="9" y="0"/>
+                      <a:pt x="20" y="0"/>
+                    </a:cubicBezTo>
+                    <a:cubicBezTo>
+                      <a:pt x="31" y="0"/>
+                      <a:pt x="40" y="9"/>
+                      <a:pt x="40" y="20"/>
+                    </a:cubicBezTo>
+                    <a:cubicBezTo>
+                      <a:pt x="40" y="31"/>
+                      <a:pt x="31" y="40"/>
+                      <a:pt x="20" y="40"/>
+                    </a:cubicBezTo>
+                    <a:close/>
+                    <a:moveTo>
+                      <a:pt x="20" y="4"/>
+                    </a:moveTo>
+                    <a:cubicBezTo>
+                      <a:pt x="12" y="4"/>
+                      <a:pt x="4" y="11"/>
+                      <a:pt x="4" y="20"/>
+                    </a:cubicBezTo>
+                    <a:cubicBezTo>
+                      <a:pt x="4" y="29"/>
+                      <a:pt x="12" y="36"/>
+                      <a:pt x="20" y="36"/>
+                    </a:cubicBezTo>
+                    <a:cubicBezTo>
+                      <a:pt x="29" y="36"/>
+                      <a:pt x="36" y="29"/>
+                      <a:pt x="36" y="20"/>
+                    </a:cubicBezTo>
+                    <a:cubicBezTo>
+                      <a:pt x="36" y="11"/>
+                      <a:pt x="29" y="4"/>
+                      <a:pt x="20" y="4"/>
+                    </a:cubicBezTo>
+                    <a:close/>
+                  </a:path>
+                </a:pathLst>
+              </a:custGeom>
+              <a:grpFill/>
+              <a:ln>
+                <a:noFill/>
+              </a:ln>
+              <a:extLst>
+                <a:ext uri="{91240B29-F687-4f45-9708-019B960494DF}">
+                  <a14:hiddenLine xmlns:a14="http://schemas.microsoft.com/office/drawing/2010/main" xmlns:p14="http://schemas.microsoft.com/office/powerpoint/2010/main" xmlns:a16="http://schemas.microsoft.com/office/drawing/2014/main" xmlns="" w="9525">
+                    <a:solidFill>
+                      <a:srgbClr val="000000"/>
+                    </a:solidFill>
+                    <a:round/>
+                    <a:headEnd/>
+                    <a:tailEnd/>
+                  </a14:hiddenLine>
+                </a:ext>
+              </a:extLst>
+            </p:spPr>
+          </p:sp>
+          <p:sp>
+            <p:nvSpPr>
+              <p:cNvPr id="171" name="Freeform 29">
+                <a:extLst>
+                  <a:ext uri="{FF2B5EF4-FFF2-40B4-BE49-F238E27FC236}">
+                    <a16:creationId xmlns:a16="http://schemas.microsoft.com/office/drawing/2014/main" id="{8081FB28-486E-4C09-9D15-0B2657B56FB0}"/>
+                  </a:ext>
+                  <a:ext uri="{C183D7F6-B498-43B3-948B-1728B52AA6E4}">
+                    <adec:decorative xmlns:adec="http://schemas.microsoft.com/office/drawing/2017/decorative" val="1"/>
+                  </a:ext>
+                </a:extLst>
+              </p:cNvPr>
+              <p:cNvSpPr>
+                <a:spLocks noEditPoints="1"/>
+              </p:cNvSpPr>
+              <p:nvPr>
+                <p:extLst>
+                  <p:ext uri="{386F3935-93C4-4BCD-93E2-E3B085C9AB24}">
+                    <p16:designElem xmlns:p16="http://schemas.microsoft.com/office/powerpoint/2015/main" val="1"/>
+                  </p:ext>
+                </p:extLst>
+              </p:nvPr>
+            </p:nvSpPr>
+            <p:spPr bwMode="auto">
+              <a:xfrm>
+                <a:off x="612775" y="5764213"/>
+                <a:ext cx="190500" cy="190500"/>
+              </a:xfrm>
+              <a:custGeom>
+                <a:avLst/>
+                <a:gdLst/>
+                <a:ahLst/>
+                <a:cxnLst/>
+                <a:rect l="0" t="0" r="r" b="b"/>
+                <a:pathLst>
+                  <a:path w="40" h="40">
+                    <a:moveTo>
+                      <a:pt x="20" y="40"/>
+                    </a:moveTo>
+                    <a:cubicBezTo>
+                      <a:pt x="9" y="40"/>
+                      <a:pt x="0" y="31"/>
+                      <a:pt x="0" y="20"/>
+                    </a:cubicBezTo>
+                    <a:cubicBezTo>
+                      <a:pt x="0" y="9"/>
+                      <a:pt x="9" y="0"/>
+                      <a:pt x="20" y="0"/>
+                    </a:cubicBezTo>
+                    <a:cubicBezTo>
+                      <a:pt x="31" y="0"/>
+                      <a:pt x="40" y="9"/>
+                      <a:pt x="40" y="20"/>
+                    </a:cubicBezTo>
+                    <a:cubicBezTo>
+                      <a:pt x="40" y="31"/>
+                      <a:pt x="31" y="40"/>
+                      <a:pt x="20" y="40"/>
+                    </a:cubicBezTo>
+                    <a:close/>
+                    <a:moveTo>
+                      <a:pt x="20" y="4"/>
+                    </a:moveTo>
+                    <a:cubicBezTo>
+                      <a:pt x="12" y="4"/>
+                      <a:pt x="4" y="11"/>
+                      <a:pt x="4" y="20"/>
+                    </a:cubicBezTo>
+                    <a:cubicBezTo>
+                      <a:pt x="4" y="29"/>
+                      <a:pt x="12" y="36"/>
+                      <a:pt x="20" y="36"/>
+                    </a:cubicBezTo>
+                    <a:cubicBezTo>
+                      <a:pt x="29" y="36"/>
+                      <a:pt x="36" y="29"/>
+                      <a:pt x="36" y="20"/>
+                    </a:cubicBezTo>
+                    <a:cubicBezTo>
+                      <a:pt x="36" y="11"/>
+                      <a:pt x="29" y="4"/>
+                      <a:pt x="20" y="4"/>
+                    </a:cubicBezTo>
+                    <a:close/>
+                  </a:path>
+                </a:pathLst>
+              </a:custGeom>
+              <a:grpFill/>
+              <a:ln>
+                <a:noFill/>
+              </a:ln>
+              <a:extLst>
+                <a:ext uri="{91240B29-F687-4f45-9708-019B960494DF}">
+                  <a14:hiddenLine xmlns:a14="http://schemas.microsoft.com/office/drawing/2010/main" xmlns:p14="http://schemas.microsoft.com/office/powerpoint/2010/main" xmlns:a16="http://schemas.microsoft.com/office/drawing/2014/main" xmlns="" w="9525">
+                    <a:solidFill>
+                      <a:srgbClr val="000000"/>
+                    </a:solidFill>
+                    <a:round/>
+                    <a:headEnd/>
+                    <a:tailEnd/>
+                  </a14:hiddenLine>
+                </a:ext>
+              </a:extLst>
+            </p:spPr>
+          </p:sp>
+          <p:sp>
+            <p:nvSpPr>
+              <p:cNvPr id="172" name="Freeform 30">
+                <a:extLst>
+                  <a:ext uri="{FF2B5EF4-FFF2-40B4-BE49-F238E27FC236}">
+                    <a16:creationId xmlns:a16="http://schemas.microsoft.com/office/drawing/2014/main" id="{CB547EFB-F29D-4336-9644-0AE7A94EA4CD}"/>
+                  </a:ext>
+                  <a:ext uri="{C183D7F6-B498-43B3-948B-1728B52AA6E4}">
+                    <adec:decorative xmlns:adec="http://schemas.microsoft.com/office/drawing/2017/decorative" val="1"/>
+                  </a:ext>
+                </a:extLst>
+              </p:cNvPr>
+              <p:cNvSpPr/>
+              <p:nvPr>
+                <p:extLst>
+                  <p:ext uri="{386F3935-93C4-4BCD-93E2-E3B085C9AB24}">
+                    <p16:designElem xmlns:p16="http://schemas.microsoft.com/office/powerpoint/2015/main" val="1"/>
+                  </p:ext>
+                </p:extLst>
+              </p:nvPr>
+            </p:nvSpPr>
+            <p:spPr bwMode="auto">
+              <a:xfrm>
+                <a:off x="669925" y="6330950"/>
+                <a:ext cx="417513" cy="517525"/>
+              </a:xfrm>
+              <a:custGeom>
+                <a:avLst/>
+                <a:gdLst/>
+                <a:ahLst/>
+                <a:cxnLst/>
+                <a:rect l="0" t="0" r="r" b="b"/>
+                <a:pathLst>
+                  <a:path w="263" h="326">
+                    <a:moveTo>
+                      <a:pt x="15" y="326"/>
+                    </a:moveTo>
+                    <a:lnTo>
+                      <a:pt x="0" y="320"/>
+                    </a:lnTo>
+                    <a:lnTo>
+                      <a:pt x="45" y="206"/>
+                    </a:lnTo>
+                    <a:lnTo>
+                      <a:pt x="48" y="206"/>
+                    </a:lnTo>
+                    <a:lnTo>
+                      <a:pt x="254" y="0"/>
+                    </a:lnTo>
+                    <a:lnTo>
+                      <a:pt x="263" y="12"/>
+                    </a:lnTo>
+                    <a:lnTo>
+                      <a:pt x="60" y="215"/>
+                    </a:lnTo>
+                    <a:lnTo>
+                      <a:pt x="15" y="326"/>
+                    </a:lnTo>
+                    <a:close/>
+                  </a:path>
+                </a:pathLst>
+              </a:custGeom>
+              <a:grpFill/>
+              <a:ln>
+                <a:noFill/>
+              </a:ln>
+              <a:extLst>
+                <a:ext uri="{91240B29-F687-4f45-9708-019B960494DF}">
+                  <a14:hiddenLine xmlns:a14="http://schemas.microsoft.com/office/drawing/2010/main" xmlns:p14="http://schemas.microsoft.com/office/powerpoint/2010/main" xmlns:a16="http://schemas.microsoft.com/office/drawing/2014/main" xmlns="" w="9525">
+                    <a:solidFill>
+                      <a:srgbClr val="000000"/>
+                    </a:solidFill>
+                    <a:round/>
+                    <a:headEnd/>
+                    <a:tailEnd/>
+                  </a14:hiddenLine>
+                </a:ext>
+              </a:extLst>
+            </p:spPr>
+          </p:sp>
+          <p:sp>
+            <p:nvSpPr>
+              <p:cNvPr id="173" name="Freeform 31">
+                <a:extLst>
+                  <a:ext uri="{FF2B5EF4-FFF2-40B4-BE49-F238E27FC236}">
+                    <a16:creationId xmlns:a16="http://schemas.microsoft.com/office/drawing/2014/main" id="{BB2793F4-FAD7-459A-BC46-06BB1D4FAAC3}"/>
+                  </a:ext>
+                  <a:ext uri="{C183D7F6-B498-43B3-948B-1728B52AA6E4}">
+                    <adec:decorative xmlns:adec="http://schemas.microsoft.com/office/drawing/2017/decorative" val="1"/>
+                  </a:ext>
+                </a:extLst>
+              </p:cNvPr>
+              <p:cNvSpPr>
+                <a:spLocks noEditPoints="1"/>
+              </p:cNvSpPr>
+              <p:nvPr>
+                <p:extLst>
+                  <p:ext uri="{386F3935-93C4-4BCD-93E2-E3B085C9AB24}">
+                    <p16:designElem xmlns:p16="http://schemas.microsoft.com/office/powerpoint/2015/main" val="1"/>
+                  </p:ext>
+                </p:extLst>
+              </p:nvPr>
+            </p:nvSpPr>
+            <p:spPr bwMode="auto">
+              <a:xfrm>
+                <a:off x="1049337" y="6221413"/>
+                <a:ext cx="157163" cy="147638"/>
+              </a:xfrm>
+              <a:custGeom>
+                <a:avLst/>
+                <a:gdLst/>
+                <a:ahLst/>
+                <a:cxnLst/>
+                <a:rect l="0" t="0" r="r" b="b"/>
+                <a:pathLst>
+                  <a:path w="33" h="31">
+                    <a:moveTo>
+                      <a:pt x="16" y="31"/>
+                    </a:moveTo>
+                    <a:cubicBezTo>
+                      <a:pt x="12" y="31"/>
+                      <a:pt x="8" y="29"/>
+                      <a:pt x="5" y="26"/>
+                    </a:cubicBezTo>
+                    <a:cubicBezTo>
+                      <a:pt x="2" y="24"/>
+                      <a:pt x="0" y="20"/>
+                      <a:pt x="0" y="15"/>
+                    </a:cubicBezTo>
+                    <a:cubicBezTo>
+                      <a:pt x="0" y="11"/>
+                      <a:pt x="2" y="7"/>
+                      <a:pt x="5" y="4"/>
+                    </a:cubicBezTo>
+                    <a:cubicBezTo>
+                      <a:pt x="8" y="1"/>
+                      <a:pt x="12" y="0"/>
+                      <a:pt x="16" y="0"/>
+                    </a:cubicBezTo>
+                    <a:cubicBezTo>
+                      <a:pt x="20" y="0"/>
+                      <a:pt x="24" y="1"/>
+                      <a:pt x="27" y="4"/>
+                    </a:cubicBezTo>
+                    <a:cubicBezTo>
+                      <a:pt x="33" y="10"/>
+                      <a:pt x="33" y="20"/>
+                      <a:pt x="27" y="26"/>
+                    </a:cubicBezTo>
+                    <a:cubicBezTo>
+                      <a:pt x="24" y="29"/>
+                      <a:pt x="20" y="31"/>
+                      <a:pt x="16" y="31"/>
+                    </a:cubicBezTo>
+                    <a:close/>
+                    <a:moveTo>
+                      <a:pt x="16" y="4"/>
+                    </a:moveTo>
+                    <a:cubicBezTo>
+                      <a:pt x="13" y="4"/>
+                      <a:pt x="10" y="5"/>
+                      <a:pt x="8" y="7"/>
+                    </a:cubicBezTo>
+                    <a:cubicBezTo>
+                      <a:pt x="6" y="9"/>
+                      <a:pt x="4" y="12"/>
+                      <a:pt x="4" y="15"/>
+                    </a:cubicBezTo>
+                    <a:cubicBezTo>
+                      <a:pt x="4" y="19"/>
+                      <a:pt x="6" y="21"/>
+                      <a:pt x="8" y="24"/>
+                    </a:cubicBezTo>
+                    <a:cubicBezTo>
+                      <a:pt x="10" y="26"/>
+                      <a:pt x="13" y="27"/>
+                      <a:pt x="16" y="27"/>
+                    </a:cubicBezTo>
+                    <a:cubicBezTo>
+                      <a:pt x="19" y="27"/>
+                      <a:pt x="22" y="26"/>
+                      <a:pt x="24" y="24"/>
+                    </a:cubicBezTo>
+                    <a:cubicBezTo>
+                      <a:pt x="29" y="19"/>
+                      <a:pt x="29" y="12"/>
+                      <a:pt x="24" y="7"/>
+                    </a:cubicBezTo>
+                    <a:cubicBezTo>
+                      <a:pt x="22" y="5"/>
+                      <a:pt x="19" y="4"/>
+                      <a:pt x="16" y="4"/>
+                    </a:cubicBezTo>
+                    <a:close/>
+                  </a:path>
+                </a:pathLst>
+              </a:custGeom>
+              <a:grpFill/>
+              <a:ln>
+                <a:noFill/>
+              </a:ln>
+              <a:extLst>
+                <a:ext uri="{91240B29-F687-4f45-9708-019B960494DF}">
+                  <a14:hiddenLine xmlns:a14="http://schemas.microsoft.com/office/drawing/2010/main" xmlns:p14="http://schemas.microsoft.com/office/powerpoint/2010/main" xmlns:a16="http://schemas.microsoft.com/office/drawing/2014/main" xmlns="" w="9525">
+                    <a:solidFill>
+                      <a:srgbClr val="000000"/>
+                    </a:solidFill>
+                    <a:round/>
+                    <a:headEnd/>
+                    <a:tailEnd/>
+                  </a14:hiddenLine>
+                </a:ext>
+              </a:extLst>
+            </p:spPr>
+          </p:sp>
+        </p:grpSp>
+        <p:grpSp>
+          <p:nvGrpSpPr>
+            <p:cNvPr id="136" name="Group 135">
+              <a:extLst>
+                <a:ext uri="{FF2B5EF4-FFF2-40B4-BE49-F238E27FC236}">
+                  <a16:creationId xmlns:a16="http://schemas.microsoft.com/office/drawing/2014/main" id="{FC01589C-0235-4B21-B264-777746D4D595}"/>
+                </a:ext>
+                <a:ext uri="{C183D7F6-B498-43B3-948B-1728B52AA6E4}">
+                  <adec:decorative xmlns:adec="http://schemas.microsoft.com/office/drawing/2017/decorative" val="1"/>
+                </a:ext>
+              </a:extLst>
+            </p:cNvPr>
+            <p:cNvGrpSpPr/>
+            <p:nvPr>
+              <p:extLst>
+                <p:ext uri="{386F3935-93C4-4BCD-93E2-E3B085C9AB24}">
+                  <p16:designElem xmlns:p16="http://schemas.microsoft.com/office/powerpoint/2015/main" val="1"/>
+                </p:ext>
+              </p:extLst>
+            </p:nvPr>
+          </p:nvGrpSpPr>
+          <p:grpSpPr>
+            <a:xfrm>
+              <a:off x="11364912" y="0"/>
+              <a:ext cx="674688" cy="6848476"/>
+              <a:chOff x="11364912" y="0"/>
+              <a:chExt cx="674688" cy="6848476"/>
+            </a:xfrm>
+            <a:gradFill flip="none" rotWithShape="1">
+              <a:gsLst>
+                <a:gs pos="0">
+                  <a:schemeClr val="tx2">
+                    <a:alpha val="80000"/>
+                  </a:schemeClr>
+                </a:gs>
+                <a:gs pos="100000">
+                  <a:schemeClr val="bg2">
+                    <a:lumMod val="60000"/>
+                    <a:lumOff val="40000"/>
+                    <a:alpha val="60000"/>
+                  </a:schemeClr>
+                </a:gs>
+              </a:gsLst>
+              <a:lin ang="5400000" scaled="0"/>
+              <a:tileRect/>
+            </a:gradFill>
+          </p:grpSpPr>
+          <p:sp>
+            <p:nvSpPr>
+              <p:cNvPr id="137" name="Freeform 32">
+                <a:extLst>
+                  <a:ext uri="{FF2B5EF4-FFF2-40B4-BE49-F238E27FC236}">
+                    <a16:creationId xmlns:a16="http://schemas.microsoft.com/office/drawing/2014/main" id="{678F5669-8CE7-445E-8D54-49C5E2013B4D}"/>
+                  </a:ext>
+                  <a:ext uri="{C183D7F6-B498-43B3-948B-1728B52AA6E4}">
+                    <adec:decorative xmlns:adec="http://schemas.microsoft.com/office/drawing/2017/decorative" val="1"/>
+                  </a:ext>
+                </a:extLst>
+              </p:cNvPr>
+              <p:cNvSpPr/>
+              <p:nvPr>
+                <p:extLst>
+                  <p:ext uri="{386F3935-93C4-4BCD-93E2-E3B085C9AB24}">
+                    <p16:designElem xmlns:p16="http://schemas.microsoft.com/office/powerpoint/2015/main" val="1"/>
+                  </p:ext>
+                </p:extLst>
+              </p:nvPr>
+            </p:nvSpPr>
+            <p:spPr bwMode="auto">
+              <a:xfrm>
+                <a:off x="11483975" y="0"/>
+                <a:ext cx="417513" cy="512763"/>
+              </a:xfrm>
+              <a:custGeom>
+                <a:avLst/>
+                <a:gdLst/>
+                <a:ahLst/>
+                <a:cxnLst/>
+                <a:rect l="0" t="0" r="r" b="b"/>
+                <a:pathLst>
+                  <a:path w="263" h="323">
+                    <a:moveTo>
+                      <a:pt x="12" y="323"/>
+                    </a:moveTo>
+                    <a:lnTo>
+                      <a:pt x="0" y="314"/>
+                    </a:lnTo>
+                    <a:lnTo>
+                      <a:pt x="203" y="108"/>
+                    </a:lnTo>
+                    <a:lnTo>
+                      <a:pt x="248" y="0"/>
+                    </a:lnTo>
+                    <a:lnTo>
+                      <a:pt x="263" y="6"/>
+                    </a:lnTo>
+                    <a:lnTo>
+                      <a:pt x="218" y="117"/>
+                    </a:lnTo>
+                    <a:lnTo>
+                      <a:pt x="218" y="117"/>
+                    </a:lnTo>
+                    <a:lnTo>
+                      <a:pt x="12" y="323"/>
+                    </a:lnTo>
+                    <a:close/>
+                  </a:path>
+                </a:pathLst>
+              </a:custGeom>
+              <a:grpFill/>
+              <a:ln>
+                <a:noFill/>
+              </a:ln>
+              <a:extLst>
+                <a:ext uri="{91240B29-F687-4f45-9708-019B960494DF}">
+                  <a14:hiddenLine xmlns:a14="http://schemas.microsoft.com/office/drawing/2010/main" xmlns:p14="http://schemas.microsoft.com/office/powerpoint/2010/main" xmlns:a16="http://schemas.microsoft.com/office/drawing/2014/main" xmlns="" w="9525">
+                    <a:solidFill>
+                      <a:srgbClr val="000000"/>
+                    </a:solidFill>
+                    <a:round/>
+                    <a:headEnd/>
+                    <a:tailEnd/>
+                  </a14:hiddenLine>
+                </a:ext>
+              </a:extLst>
+            </p:spPr>
+          </p:sp>
+          <p:sp>
+            <p:nvSpPr>
+              <p:cNvPr id="138" name="Freeform 33">
+                <a:extLst>
+                  <a:ext uri="{FF2B5EF4-FFF2-40B4-BE49-F238E27FC236}">
+                    <a16:creationId xmlns:a16="http://schemas.microsoft.com/office/drawing/2014/main" id="{E93A3F8E-D876-485E-9EDC-43E315DE1EE4}"/>
+                  </a:ext>
+                  <a:ext uri="{C183D7F6-B498-43B3-948B-1728B52AA6E4}">
+                    <adec:decorative xmlns:adec="http://schemas.microsoft.com/office/drawing/2017/decorative" val="1"/>
+                  </a:ext>
+                </a:extLst>
+              </p:cNvPr>
+              <p:cNvSpPr>
+                <a:spLocks noEditPoints="1"/>
+              </p:cNvSpPr>
+              <p:nvPr>
+                <p:extLst>
+                  <p:ext uri="{386F3935-93C4-4BCD-93E2-E3B085C9AB24}">
+                    <p16:designElem xmlns:p16="http://schemas.microsoft.com/office/powerpoint/2015/main" val="1"/>
+                  </p:ext>
+                </p:extLst>
+              </p:nvPr>
+            </p:nvSpPr>
+            <p:spPr bwMode="auto">
+              <a:xfrm>
+                <a:off x="11364912" y="474663"/>
+                <a:ext cx="157163" cy="152400"/>
+              </a:xfrm>
+              <a:custGeom>
+                <a:avLst/>
+                <a:gdLst/>
+                <a:ahLst/>
+                <a:cxnLst/>
+                <a:rect l="0" t="0" r="r" b="b"/>
+                <a:pathLst>
+                  <a:path w="33" h="32">
+                    <a:moveTo>
+                      <a:pt x="17" y="32"/>
+                    </a:moveTo>
+                    <a:cubicBezTo>
+                      <a:pt x="13" y="32"/>
+                      <a:pt x="9" y="30"/>
+                      <a:pt x="6" y="27"/>
+                    </a:cubicBezTo>
+                    <a:cubicBezTo>
+                      <a:pt x="0" y="21"/>
+                      <a:pt x="0" y="11"/>
+                      <a:pt x="6" y="5"/>
+                    </a:cubicBezTo>
+                    <a:cubicBezTo>
+                      <a:pt x="9" y="2"/>
+                      <a:pt x="13" y="0"/>
+                      <a:pt x="17" y="0"/>
+                    </a:cubicBezTo>
+                    <a:cubicBezTo>
+                      <a:pt x="21" y="0"/>
+                      <a:pt x="25" y="2"/>
+                      <a:pt x="28" y="5"/>
+                    </a:cubicBezTo>
+                    <a:cubicBezTo>
+                      <a:pt x="31" y="8"/>
+                      <a:pt x="33" y="12"/>
+                      <a:pt x="33" y="16"/>
+                    </a:cubicBezTo>
+                    <a:cubicBezTo>
+                      <a:pt x="33" y="20"/>
+                      <a:pt x="31" y="24"/>
+                      <a:pt x="28" y="27"/>
+                    </a:cubicBezTo>
+                    <a:cubicBezTo>
+                      <a:pt x="25" y="30"/>
+                      <a:pt x="21" y="32"/>
+                      <a:pt x="17" y="32"/>
+                    </a:cubicBezTo>
+                    <a:close/>
+                    <a:moveTo>
+                      <a:pt x="17" y="4"/>
+                    </a:moveTo>
+                    <a:cubicBezTo>
+                      <a:pt x="14" y="4"/>
+                      <a:pt x="11" y="6"/>
+                      <a:pt x="9" y="8"/>
+                    </a:cubicBezTo>
+                    <a:cubicBezTo>
+                      <a:pt x="4" y="12"/>
+                      <a:pt x="4" y="20"/>
+                      <a:pt x="9" y="24"/>
+                    </a:cubicBezTo>
+                    <a:cubicBezTo>
+                      <a:pt x="11" y="27"/>
+                      <a:pt x="14" y="28"/>
+                      <a:pt x="17" y="28"/>
+                    </a:cubicBezTo>
+                    <a:cubicBezTo>
+                      <a:pt x="20" y="28"/>
+                      <a:pt x="23" y="27"/>
+                      <a:pt x="26" y="24"/>
+                    </a:cubicBezTo>
+                    <a:cubicBezTo>
+                      <a:pt x="30" y="20"/>
+                      <a:pt x="30" y="12"/>
+                      <a:pt x="26" y="8"/>
+                    </a:cubicBezTo>
+                    <a:cubicBezTo>
+                      <a:pt x="23" y="6"/>
+                      <a:pt x="20" y="4"/>
+                      <a:pt x="17" y="4"/>
+                    </a:cubicBezTo>
+                    <a:close/>
+                  </a:path>
+                </a:pathLst>
+              </a:custGeom>
+              <a:grpFill/>
+              <a:ln>
+                <a:noFill/>
+              </a:ln>
+              <a:extLst>
+                <a:ext uri="{91240B29-F687-4f45-9708-019B960494DF}">
+                  <a14:hiddenLine xmlns:a14="http://schemas.microsoft.com/office/drawing/2010/main" xmlns:p14="http://schemas.microsoft.com/office/powerpoint/2010/main" xmlns:a16="http://schemas.microsoft.com/office/drawing/2014/main" xmlns="" w="9525">
+                    <a:solidFill>
+                      <a:srgbClr val="000000"/>
+                    </a:solidFill>
+                    <a:round/>
+                    <a:headEnd/>
+                    <a:tailEnd/>
+                  </a14:hiddenLine>
+                </a:ext>
+              </a:extLst>
+            </p:spPr>
+          </p:sp>
+          <p:sp>
+            <p:nvSpPr>
+              <p:cNvPr id="139" name="Freeform 34">
+                <a:extLst>
+                  <a:ext uri="{FF2B5EF4-FFF2-40B4-BE49-F238E27FC236}">
+                    <a16:creationId xmlns:a16="http://schemas.microsoft.com/office/drawing/2014/main" id="{B4F848A6-931A-4CC9-9B29-C7A9CEA3ACED}"/>
+                  </a:ext>
+                  <a:ext uri="{C183D7F6-B498-43B3-948B-1728B52AA6E4}">
+                    <adec:decorative xmlns:adec="http://schemas.microsoft.com/office/drawing/2017/decorative" val="1"/>
+                  </a:ext>
+                </a:extLst>
+              </p:cNvPr>
+              <p:cNvSpPr>
+                <a:spLocks noEditPoints="1"/>
+              </p:cNvSpPr>
+              <p:nvPr>
+                <p:extLst>
+                  <p:ext uri="{386F3935-93C4-4BCD-93E2-E3B085C9AB24}">
+                    <p16:designElem xmlns:p16="http://schemas.microsoft.com/office/powerpoint/2015/main" val="1"/>
+                  </p:ext>
+                </p:extLst>
+              </p:nvPr>
+            </p:nvSpPr>
+            <p:spPr bwMode="auto">
+              <a:xfrm>
+                <a:off x="11631612" y="1539875"/>
+                <a:ext cx="188913" cy="190500"/>
+              </a:xfrm>
+              <a:custGeom>
+                <a:avLst/>
+                <a:gdLst/>
+                <a:ahLst/>
+                <a:cxnLst/>
+                <a:rect l="0" t="0" r="r" b="b"/>
+                <a:pathLst>
+                  <a:path w="40" h="40">
+                    <a:moveTo>
+                      <a:pt x="20" y="40"/>
+                    </a:moveTo>
+                    <a:cubicBezTo>
+                      <a:pt x="9" y="40"/>
+                      <a:pt x="0" y="31"/>
+                      <a:pt x="0" y="20"/>
+                    </a:cubicBezTo>
+                    <a:cubicBezTo>
+                      <a:pt x="0" y="9"/>
+                      <a:pt x="9" y="0"/>
+                      <a:pt x="20" y="0"/>
+                    </a:cubicBezTo>
+                    <a:cubicBezTo>
+                      <a:pt x="31" y="0"/>
+                      <a:pt x="40" y="9"/>
+                      <a:pt x="40" y="20"/>
+                    </a:cubicBezTo>
+                    <a:cubicBezTo>
+                      <a:pt x="40" y="31"/>
+                      <a:pt x="31" y="40"/>
+                      <a:pt x="20" y="40"/>
+                    </a:cubicBezTo>
+                    <a:close/>
+                    <a:moveTo>
+                      <a:pt x="20" y="4"/>
+                    </a:moveTo>
+                    <a:cubicBezTo>
+                      <a:pt x="11" y="4"/>
+                      <a:pt x="4" y="11"/>
+                      <a:pt x="4" y="20"/>
+                    </a:cubicBezTo>
+                    <a:cubicBezTo>
+                      <a:pt x="4" y="29"/>
+                      <a:pt x="11" y="36"/>
+                      <a:pt x="20" y="36"/>
+                    </a:cubicBezTo>
+                    <a:cubicBezTo>
+                      <a:pt x="29" y="36"/>
+                      <a:pt x="36" y="29"/>
+                      <a:pt x="36" y="20"/>
+                    </a:cubicBezTo>
+                    <a:cubicBezTo>
+                      <a:pt x="36" y="11"/>
+                      <a:pt x="29" y="4"/>
+                      <a:pt x="20" y="4"/>
+                    </a:cubicBezTo>
+                    <a:close/>
+                  </a:path>
+                </a:pathLst>
+              </a:custGeom>
+              <a:grpFill/>
+              <a:ln>
+                <a:noFill/>
+              </a:ln>
+              <a:extLst>
+                <a:ext uri="{91240B29-F687-4f45-9708-019B960494DF}">
+                  <a14:hiddenLine xmlns:a14="http://schemas.microsoft.com/office/drawing/2010/main" xmlns:p14="http://schemas.microsoft.com/office/powerpoint/2010/main" xmlns:a16="http://schemas.microsoft.com/office/drawing/2014/main" xmlns="" w="9525">
+                    <a:solidFill>
+                      <a:srgbClr val="000000"/>
+                    </a:solidFill>
+                    <a:round/>
+                    <a:headEnd/>
+                    <a:tailEnd/>
+                  </a14:hiddenLine>
+                </a:ext>
+              </a:extLst>
+            </p:spPr>
+          </p:sp>
+          <p:sp>
+            <p:nvSpPr>
+              <p:cNvPr id="140" name="Freeform 35">
+                <a:extLst>
+                  <a:ext uri="{FF2B5EF4-FFF2-40B4-BE49-F238E27FC236}">
+                    <a16:creationId xmlns:a16="http://schemas.microsoft.com/office/drawing/2014/main" id="{5C4204D4-6782-4DB1-8FF8-86CC698AF2F1}"/>
+                  </a:ext>
+                  <a:ext uri="{C183D7F6-B498-43B3-948B-1728B52AA6E4}">
+                    <adec:decorative xmlns:adec="http://schemas.microsoft.com/office/drawing/2017/decorative" val="1"/>
+                  </a:ext>
+                </a:extLst>
+              </p:cNvPr>
+              <p:cNvSpPr/>
+              <p:nvPr>
+                <p:extLst>
+                  <p:ext uri="{386F3935-93C4-4BCD-93E2-E3B085C9AB24}">
+                    <p16:designElem xmlns:p16="http://schemas.microsoft.com/office/powerpoint/2015/main" val="1"/>
+                  </p:ext>
+                </p:extLst>
+              </p:nvPr>
+            </p:nvSpPr>
+            <p:spPr bwMode="auto">
+              <a:xfrm>
+                <a:off x="11531600" y="5694363"/>
+                <a:ext cx="298450" cy="1154113"/>
+              </a:xfrm>
+              <a:custGeom>
+                <a:avLst/>
+                <a:gdLst/>
+                <a:ahLst/>
+                <a:cxnLst/>
+                <a:rect l="0" t="0" r="r" b="b"/>
+                <a:pathLst>
+                  <a:path w="188" h="727">
+                    <a:moveTo>
+                      <a:pt x="15" y="727"/>
+                    </a:moveTo>
+                    <a:lnTo>
+                      <a:pt x="0" y="727"/>
+                    </a:lnTo>
+                    <a:lnTo>
+                      <a:pt x="0" y="407"/>
+                    </a:lnTo>
+                    <a:lnTo>
+                      <a:pt x="0" y="407"/>
+                    </a:lnTo>
+                    <a:lnTo>
+                      <a:pt x="176" y="0"/>
+                    </a:lnTo>
+                    <a:lnTo>
+                      <a:pt x="188" y="6"/>
+                    </a:lnTo>
+                    <a:lnTo>
+                      <a:pt x="15" y="410"/>
+                    </a:lnTo>
+                    <a:lnTo>
+                      <a:pt x="15" y="727"/>
+                    </a:lnTo>
+                    <a:close/>
+                  </a:path>
+                </a:pathLst>
+              </a:custGeom>
+              <a:grpFill/>
+              <a:ln>
+                <a:noFill/>
+              </a:ln>
+              <a:extLst>
+                <a:ext uri="{91240B29-F687-4f45-9708-019B960494DF}">
+                  <a14:hiddenLine xmlns:a14="http://schemas.microsoft.com/office/drawing/2010/main" xmlns:p14="http://schemas.microsoft.com/office/powerpoint/2010/main" xmlns:a16="http://schemas.microsoft.com/office/drawing/2014/main" xmlns="" w="9525">
+                    <a:solidFill>
+                      <a:srgbClr val="000000"/>
+                    </a:solidFill>
+                    <a:round/>
+                    <a:headEnd/>
+                    <a:tailEnd/>
+                  </a14:hiddenLine>
+                </a:ext>
+              </a:extLst>
+            </p:spPr>
+          </p:sp>
+          <p:sp>
+            <p:nvSpPr>
+              <p:cNvPr id="141" name="Freeform 36">
+                <a:extLst>
+                  <a:ext uri="{FF2B5EF4-FFF2-40B4-BE49-F238E27FC236}">
+                    <a16:creationId xmlns:a16="http://schemas.microsoft.com/office/drawing/2014/main" id="{3907C583-5764-43DC-8AF9-992D3472F678}"/>
+                  </a:ext>
+                  <a:ext uri="{C183D7F6-B498-43B3-948B-1728B52AA6E4}">
+                    <adec:decorative xmlns:adec="http://schemas.microsoft.com/office/drawing/2017/decorative" val="1"/>
+                  </a:ext>
+                </a:extLst>
+              </p:cNvPr>
+              <p:cNvSpPr>
+                <a:spLocks noEditPoints="1"/>
+              </p:cNvSpPr>
+              <p:nvPr>
+                <p:extLst>
+                  <p:ext uri="{386F3935-93C4-4BCD-93E2-E3B085C9AB24}">
+                    <p16:designElem xmlns:p16="http://schemas.microsoft.com/office/powerpoint/2015/main" val="1"/>
+                  </p:ext>
+                </p:extLst>
+              </p:nvPr>
+            </p:nvSpPr>
+            <p:spPr bwMode="auto">
+              <a:xfrm>
+                <a:off x="11772900" y="5551488"/>
+                <a:ext cx="157163" cy="155575"/>
+              </a:xfrm>
+              <a:custGeom>
+                <a:avLst/>
+                <a:gdLst/>
+                <a:ahLst/>
+                <a:cxnLst/>
+                <a:rect l="0" t="0" r="r" b="b"/>
+                <a:pathLst>
+                  <a:path w="33" h="33">
+                    <a:moveTo>
+                      <a:pt x="17" y="33"/>
+                    </a:moveTo>
+                    <a:cubicBezTo>
+                      <a:pt x="8" y="33"/>
+                      <a:pt x="0" y="25"/>
+                      <a:pt x="0" y="16"/>
+                    </a:cubicBezTo>
+                    <a:cubicBezTo>
+                      <a:pt x="0" y="7"/>
+                      <a:pt x="8" y="0"/>
+                      <a:pt x="17" y="0"/>
+                    </a:cubicBezTo>
+                    <a:cubicBezTo>
+                      <a:pt x="26" y="0"/>
+                      <a:pt x="33" y="7"/>
+                      <a:pt x="33" y="16"/>
+                    </a:cubicBezTo>
+                    <a:cubicBezTo>
+                      <a:pt x="33" y="25"/>
+                      <a:pt x="26" y="33"/>
+                      <a:pt x="17" y="33"/>
+                    </a:cubicBezTo>
+                    <a:close/>
+                    <a:moveTo>
+                      <a:pt x="17" y="4"/>
+                    </a:moveTo>
+                    <a:cubicBezTo>
+                      <a:pt x="10" y="4"/>
+                      <a:pt x="4" y="9"/>
+                      <a:pt x="4" y="16"/>
+                    </a:cubicBezTo>
+                    <a:cubicBezTo>
+                      <a:pt x="4" y="23"/>
+                      <a:pt x="10" y="29"/>
+                      <a:pt x="17" y="29"/>
+                    </a:cubicBezTo>
+                    <a:cubicBezTo>
+                      <a:pt x="23" y="29"/>
+                      <a:pt x="29" y="23"/>
+                      <a:pt x="29" y="16"/>
+                    </a:cubicBezTo>
+                    <a:cubicBezTo>
+                      <a:pt x="29" y="9"/>
+                      <a:pt x="23" y="4"/>
+                      <a:pt x="17" y="4"/>
+                    </a:cubicBezTo>
+                    <a:close/>
+                  </a:path>
+                </a:pathLst>
+              </a:custGeom>
+              <a:grpFill/>
+              <a:ln>
+                <a:noFill/>
+              </a:ln>
+              <a:extLst>
+                <a:ext uri="{91240B29-F687-4f45-9708-019B960494DF}">
+                  <a14:hiddenLine xmlns:a14="http://schemas.microsoft.com/office/drawing/2010/main" xmlns:p14="http://schemas.microsoft.com/office/powerpoint/2010/main" xmlns:a16="http://schemas.microsoft.com/office/drawing/2014/main" xmlns="" w="9525">
+                    <a:solidFill>
+                      <a:srgbClr val="000000"/>
+                    </a:solidFill>
+                    <a:round/>
+                    <a:headEnd/>
+                    <a:tailEnd/>
+                  </a14:hiddenLine>
+                </a:ext>
+              </a:extLst>
+            </p:spPr>
+          </p:sp>
+          <p:sp>
+            <p:nvSpPr>
+              <p:cNvPr id="142" name="Freeform 37">
+                <a:extLst>
+                  <a:ext uri="{FF2B5EF4-FFF2-40B4-BE49-F238E27FC236}">
+                    <a16:creationId xmlns:a16="http://schemas.microsoft.com/office/drawing/2014/main" id="{56CE3D6E-1121-4EF2-9DFB-7F3937FCCD05}"/>
+                  </a:ext>
+                  <a:ext uri="{C183D7F6-B498-43B3-948B-1728B52AA6E4}">
+                    <adec:decorative xmlns:adec="http://schemas.microsoft.com/office/drawing/2017/decorative" val="1"/>
+                  </a:ext>
+                </a:extLst>
+              </p:cNvPr>
+              <p:cNvSpPr/>
+              <p:nvPr>
+                <p:extLst>
+                  <p:ext uri="{386F3935-93C4-4BCD-93E2-E3B085C9AB24}">
+                    <p16:designElem xmlns:p16="http://schemas.microsoft.com/office/powerpoint/2015/main" val="1"/>
+                  </p:ext>
+                </p:extLst>
+              </p:nvPr>
+            </p:nvSpPr>
+            <p:spPr bwMode="auto">
+              <a:xfrm>
+                <a:off x="11710987" y="4763"/>
+                <a:ext cx="304800" cy="1544638"/>
+              </a:xfrm>
+              <a:custGeom>
+                <a:avLst/>
+                <a:gdLst/>
+                <a:ahLst/>
+                <a:cxnLst/>
+                <a:rect l="0" t="0" r="r" b="b"/>
+                <a:pathLst>
+                  <a:path w="192" h="973">
+                    <a:moveTo>
+                      <a:pt x="15" y="973"/>
+                    </a:moveTo>
+                    <a:lnTo>
+                      <a:pt x="0" y="973"/>
+                    </a:lnTo>
+                    <a:lnTo>
+                      <a:pt x="0" y="790"/>
+                    </a:lnTo>
+                    <a:lnTo>
+                      <a:pt x="174" y="614"/>
+                    </a:lnTo>
+                    <a:lnTo>
+                      <a:pt x="174" y="0"/>
+                    </a:lnTo>
+                    <a:lnTo>
+                      <a:pt x="192" y="0"/>
+                    </a:lnTo>
+                    <a:lnTo>
+                      <a:pt x="192" y="620"/>
+                    </a:lnTo>
+                    <a:lnTo>
+                      <a:pt x="15" y="796"/>
+                    </a:lnTo>
+                    <a:lnTo>
+                      <a:pt x="15" y="973"/>
+                    </a:lnTo>
+                    <a:close/>
+                  </a:path>
+                </a:pathLst>
+              </a:custGeom>
+              <a:grpFill/>
+              <a:ln>
+                <a:noFill/>
+              </a:ln>
+              <a:extLst>
+                <a:ext uri="{91240B29-F687-4f45-9708-019B960494DF}">
+                  <a14:hiddenLine xmlns:a14="http://schemas.microsoft.com/office/drawing/2010/main" xmlns:p14="http://schemas.microsoft.com/office/powerpoint/2010/main" xmlns:a16="http://schemas.microsoft.com/office/drawing/2014/main" xmlns="" w="9525">
+                    <a:solidFill>
+                      <a:srgbClr val="000000"/>
+                    </a:solidFill>
+                    <a:round/>
+                    <a:headEnd/>
+                    <a:tailEnd/>
+                  </a14:hiddenLine>
+                </a:ext>
+              </a:extLst>
+            </p:spPr>
+          </p:sp>
+          <p:sp>
+            <p:nvSpPr>
+              <p:cNvPr id="143" name="Freeform 38">
+                <a:extLst>
+                  <a:ext uri="{FF2B5EF4-FFF2-40B4-BE49-F238E27FC236}">
+                    <a16:creationId xmlns:a16="http://schemas.microsoft.com/office/drawing/2014/main" id="{3AEB7245-E197-4AE5-BCFC-7821E49EFE4F}"/>
+                  </a:ext>
+                  <a:ext uri="{C183D7F6-B498-43B3-948B-1728B52AA6E4}">
+                    <adec:decorative xmlns:adec="http://schemas.microsoft.com/office/drawing/2017/decorative" val="1"/>
+                  </a:ext>
+                </a:extLst>
+              </p:cNvPr>
+              <p:cNvSpPr>
+                <a:spLocks noEditPoints="1"/>
+              </p:cNvSpPr>
+              <p:nvPr>
+                <p:extLst>
+                  <p:ext uri="{386F3935-93C4-4BCD-93E2-E3B085C9AB24}">
+                    <p16:designElem xmlns:p16="http://schemas.microsoft.com/office/powerpoint/2015/main" val="1"/>
+                  </p:ext>
+                </p:extLst>
+              </p:nvPr>
+            </p:nvSpPr>
+            <p:spPr bwMode="auto">
+              <a:xfrm>
+                <a:off x="11636375" y="4867275"/>
+                <a:ext cx="188913" cy="188913"/>
+              </a:xfrm>
+              <a:custGeom>
+                <a:avLst/>
+                <a:gdLst/>
+                <a:ahLst/>
+                <a:cxnLst/>
+                <a:rect l="0" t="0" r="r" b="b"/>
+                <a:pathLst>
+                  <a:path w="40" h="40">
+                    <a:moveTo>
+                      <a:pt x="20" y="40"/>
+                    </a:moveTo>
+                    <a:cubicBezTo>
+                      <a:pt x="9" y="40"/>
+                      <a:pt x="0" y="31"/>
+                      <a:pt x="0" y="20"/>
+                    </a:cubicBezTo>
+                    <a:cubicBezTo>
+                      <a:pt x="0" y="9"/>
+                      <a:pt x="9" y="0"/>
+                      <a:pt x="20" y="0"/>
+                    </a:cubicBezTo>
+                    <a:cubicBezTo>
+                      <a:pt x="31" y="0"/>
+                      <a:pt x="40" y="9"/>
+                      <a:pt x="40" y="20"/>
+                    </a:cubicBezTo>
+                    <a:cubicBezTo>
+                      <a:pt x="40" y="31"/>
+                      <a:pt x="31" y="40"/>
+                      <a:pt x="20" y="40"/>
+                    </a:cubicBezTo>
+                    <a:close/>
+                    <a:moveTo>
+                      <a:pt x="20" y="4"/>
+                    </a:moveTo>
+                    <a:cubicBezTo>
+                      <a:pt x="11" y="4"/>
+                      <a:pt x="4" y="11"/>
+                      <a:pt x="4" y="20"/>
+                    </a:cubicBezTo>
+                    <a:cubicBezTo>
+                      <a:pt x="4" y="29"/>
+                      <a:pt x="11" y="36"/>
+                      <a:pt x="20" y="36"/>
+                    </a:cubicBezTo>
+                    <a:cubicBezTo>
+                      <a:pt x="29" y="36"/>
+                      <a:pt x="36" y="29"/>
+                      <a:pt x="36" y="20"/>
+                    </a:cubicBezTo>
+                    <a:cubicBezTo>
+                      <a:pt x="36" y="11"/>
+                      <a:pt x="29" y="4"/>
+                      <a:pt x="20" y="4"/>
+                    </a:cubicBezTo>
+                    <a:close/>
+                  </a:path>
+                </a:pathLst>
+              </a:custGeom>
+              <a:grpFill/>
+              <a:ln>
+                <a:noFill/>
+              </a:ln>
+              <a:extLst>
+                <a:ext uri="{91240B29-F687-4f45-9708-019B960494DF}">
+                  <a14:hiddenLine xmlns:a14="http://schemas.microsoft.com/office/drawing/2010/main" xmlns:p14="http://schemas.microsoft.com/office/powerpoint/2010/main" xmlns:a16="http://schemas.microsoft.com/office/drawing/2014/main" xmlns="" w="9525">
+                    <a:solidFill>
+                      <a:srgbClr val="000000"/>
+                    </a:solidFill>
+                    <a:round/>
+                    <a:headEnd/>
+                    <a:tailEnd/>
+                  </a14:hiddenLine>
+                </a:ext>
+              </a:extLst>
+            </p:spPr>
+          </p:sp>
+          <p:sp>
+            <p:nvSpPr>
+              <p:cNvPr id="144" name="Freeform 39">
+                <a:extLst>
+                  <a:ext uri="{FF2B5EF4-FFF2-40B4-BE49-F238E27FC236}">
+                    <a16:creationId xmlns:a16="http://schemas.microsoft.com/office/drawing/2014/main" id="{801E9C76-F4FB-4C4D-9350-B526F294E012}"/>
+                  </a:ext>
+                  <a:ext uri="{C183D7F6-B498-43B3-948B-1728B52AA6E4}">
+                    <adec:decorative xmlns:adec="http://schemas.microsoft.com/office/drawing/2017/decorative" val="1"/>
+                  </a:ext>
+                </a:extLst>
+              </p:cNvPr>
+              <p:cNvSpPr/>
+              <p:nvPr>
+                <p:extLst>
+                  <p:ext uri="{386F3935-93C4-4BCD-93E2-E3B085C9AB24}">
+                    <p16:designElem xmlns:p16="http://schemas.microsoft.com/office/powerpoint/2015/main" val="1"/>
+                  </p:ext>
+                </p:extLst>
+              </p:nvPr>
+            </p:nvSpPr>
+            <p:spPr bwMode="auto">
+              <a:xfrm>
+                <a:off x="11441112" y="5046663"/>
+                <a:ext cx="307975" cy="1801813"/>
+              </a:xfrm>
+              <a:custGeom>
+                <a:avLst/>
+                <a:gdLst/>
+                <a:ahLst/>
+                <a:cxnLst/>
+                <a:rect l="0" t="0" r="r" b="b"/>
+                <a:pathLst>
+                  <a:path w="194" h="1135">
+                    <a:moveTo>
+                      <a:pt x="18" y="1135"/>
+                    </a:moveTo>
+                    <a:lnTo>
+                      <a:pt x="0" y="1135"/>
+                    </a:lnTo>
+                    <a:lnTo>
+                      <a:pt x="0" y="354"/>
+                    </a:lnTo>
+                    <a:lnTo>
+                      <a:pt x="176" y="177"/>
+                    </a:lnTo>
+                    <a:lnTo>
+                      <a:pt x="176" y="0"/>
+                    </a:lnTo>
+                    <a:lnTo>
+                      <a:pt x="194" y="0"/>
+                    </a:lnTo>
+                    <a:lnTo>
+                      <a:pt x="194" y="183"/>
+                    </a:lnTo>
+                    <a:lnTo>
+                      <a:pt x="18" y="360"/>
+                    </a:lnTo>
+                    <a:lnTo>
+                      <a:pt x="18" y="1135"/>
+                    </a:lnTo>
+                    <a:close/>
+                  </a:path>
+                </a:pathLst>
+              </a:custGeom>
+              <a:grpFill/>
+              <a:ln>
+                <a:noFill/>
+              </a:ln>
+              <a:extLst>
+                <a:ext uri="{91240B29-F687-4f45-9708-019B960494DF}">
+                  <a14:hiddenLine xmlns:a14="http://schemas.microsoft.com/office/drawing/2010/main" xmlns:p14="http://schemas.microsoft.com/office/powerpoint/2010/main" xmlns:a16="http://schemas.microsoft.com/office/drawing/2014/main" xmlns="" w="9525">
+                    <a:solidFill>
+                      <a:srgbClr val="000000"/>
+                    </a:solidFill>
+                    <a:round/>
+                    <a:headEnd/>
+                    <a:tailEnd/>
+                  </a14:hiddenLine>
+                </a:ext>
+              </a:extLst>
+            </p:spPr>
+          </p:sp>
+          <p:sp>
+            <p:nvSpPr>
+              <p:cNvPr id="145" name="Freeform 40">
+                <a:extLst>
+                  <a:ext uri="{FF2B5EF4-FFF2-40B4-BE49-F238E27FC236}">
+                    <a16:creationId xmlns:a16="http://schemas.microsoft.com/office/drawing/2014/main" id="{F9C0C5DE-6C8C-4CD0-9C91-6A132A06DA79}"/>
+                  </a:ext>
+                  <a:ext uri="{C183D7F6-B498-43B3-948B-1728B52AA6E4}">
+                    <adec:decorative xmlns:adec="http://schemas.microsoft.com/office/drawing/2017/decorative" val="1"/>
+                  </a:ext>
+                </a:extLst>
+              </p:cNvPr>
+              <p:cNvSpPr>
+                <a:spLocks noEditPoints="1"/>
+              </p:cNvSpPr>
+              <p:nvPr>
+                <p:extLst>
+                  <p:ext uri="{386F3935-93C4-4BCD-93E2-E3B085C9AB24}">
+                    <p16:designElem xmlns:p16="http://schemas.microsoft.com/office/powerpoint/2015/main" val="1"/>
+                  </p:ext>
+                </p:extLst>
+              </p:nvPr>
+            </p:nvSpPr>
+            <p:spPr bwMode="auto">
+              <a:xfrm>
+                <a:off x="11849100" y="6416675"/>
+                <a:ext cx="190500" cy="188913"/>
+              </a:xfrm>
+              <a:custGeom>
+                <a:avLst/>
+                <a:gdLst/>
+                <a:ahLst/>
+                <a:cxnLst/>
+                <a:rect l="0" t="0" r="r" b="b"/>
+                <a:pathLst>
+                  <a:path w="40" h="40">
+                    <a:moveTo>
+                      <a:pt x="20" y="40"/>
+                    </a:moveTo>
+                    <a:cubicBezTo>
+                      <a:pt x="9" y="40"/>
+                      <a:pt x="0" y="31"/>
+                      <a:pt x="0" y="20"/>
+                    </a:cubicBezTo>
+                    <a:cubicBezTo>
+                      <a:pt x="0" y="9"/>
+                      <a:pt x="9" y="0"/>
+                      <a:pt x="20" y="0"/>
+                    </a:cubicBezTo>
+                    <a:cubicBezTo>
+                      <a:pt x="31" y="0"/>
+                      <a:pt x="40" y="9"/>
+                      <a:pt x="40" y="20"/>
+                    </a:cubicBezTo>
+                    <a:cubicBezTo>
+                      <a:pt x="40" y="31"/>
+                      <a:pt x="31" y="40"/>
+                      <a:pt x="20" y="40"/>
+                    </a:cubicBezTo>
+                    <a:close/>
+                    <a:moveTo>
+                      <a:pt x="20" y="4"/>
+                    </a:moveTo>
+                    <a:cubicBezTo>
+                      <a:pt x="12" y="4"/>
+                      <a:pt x="4" y="11"/>
+                      <a:pt x="4" y="20"/>
+                    </a:cubicBezTo>
+                    <a:cubicBezTo>
+                      <a:pt x="4" y="29"/>
+                      <a:pt x="12" y="36"/>
+                      <a:pt x="20" y="36"/>
+                    </a:cubicBezTo>
+                    <a:cubicBezTo>
+                      <a:pt x="29" y="36"/>
+                      <a:pt x="36" y="29"/>
+                      <a:pt x="36" y="20"/>
+                    </a:cubicBezTo>
+                    <a:cubicBezTo>
+                      <a:pt x="36" y="11"/>
+                      <a:pt x="29" y="4"/>
+                      <a:pt x="20" y="4"/>
+                    </a:cubicBezTo>
+                    <a:close/>
+                  </a:path>
+                </a:pathLst>
+              </a:custGeom>
+              <a:grpFill/>
+              <a:ln>
+                <a:noFill/>
+              </a:ln>
+              <a:extLst>
+                <a:ext uri="{91240B29-F687-4f45-9708-019B960494DF}">
+                  <a14:hiddenLine xmlns:a14="http://schemas.microsoft.com/office/drawing/2010/main" xmlns:p14="http://schemas.microsoft.com/office/powerpoint/2010/main" xmlns:a16="http://schemas.microsoft.com/office/drawing/2014/main" xmlns="" w="9525">
+                    <a:solidFill>
+                      <a:srgbClr val="000000"/>
+                    </a:solidFill>
+                    <a:round/>
+                    <a:headEnd/>
+                    <a:tailEnd/>
+                  </a14:hiddenLine>
+                </a:ext>
+              </a:extLst>
+            </p:spPr>
+          </p:sp>
+          <p:sp>
+            <p:nvSpPr>
+              <p:cNvPr id="146" name="Rectangle 41">
+                <a:extLst>
+                  <a:ext uri="{FF2B5EF4-FFF2-40B4-BE49-F238E27FC236}">
+                    <a16:creationId xmlns:a16="http://schemas.microsoft.com/office/drawing/2014/main" id="{955A7039-8B66-4CF0-8048-0AD0F4A5B853}"/>
+                  </a:ext>
+                  <a:ext uri="{C183D7F6-B498-43B3-948B-1728B52AA6E4}">
+                    <adec:decorative xmlns:adec="http://schemas.microsoft.com/office/drawing/2017/decorative" val="1"/>
+                  </a:ext>
+                </a:extLst>
+              </p:cNvPr>
+              <p:cNvSpPr>
+                <a:spLocks noChangeArrowheads="1"/>
+              </p:cNvSpPr>
+              <p:nvPr>
+                <p:extLst>
+                  <p:ext uri="{386F3935-93C4-4BCD-93E2-E3B085C9AB24}">
+                    <p16:designElem xmlns:p16="http://schemas.microsoft.com/office/powerpoint/2015/main" val="1"/>
+                  </p:ext>
+                </p:extLst>
+              </p:nvPr>
+            </p:nvSpPr>
+            <p:spPr bwMode="auto">
+              <a:xfrm>
+                <a:off x="11939587" y="6596063"/>
+                <a:ext cx="23813" cy="252413"/>
+              </a:xfrm>
+              <a:prstGeom prst="rect">
+                <a:avLst/>
+              </a:prstGeom>
+              <a:grpFill/>
+              <a:ln>
+                <a:noFill/>
+              </a:ln>
+              <a:extLst>
+                <a:ext uri="{91240B29-F687-4f45-9708-019B960494DF}">
+                  <a14:hiddenLine xmlns:a14="http://schemas.microsoft.com/office/drawing/2010/main" xmlns:p14="http://schemas.microsoft.com/office/powerpoint/2010/main" xmlns:a16="http://schemas.microsoft.com/office/drawing/2014/main" xmlns="" w="9525">
+                    <a:solidFill>
+                      <a:srgbClr val="000000"/>
+                    </a:solidFill>
+                    <a:miter lim="800000"/>
+                    <a:headEnd/>
+                    <a:tailEnd/>
+                  </a14:hiddenLine>
+                </a:ext>
+              </a:extLst>
+            </p:spPr>
+          </p:sp>
+        </p:grpSp>
+      </p:grpSp>
+      <p:grpSp>
+        <p:nvGrpSpPr>
+          <p:cNvPr id="175" name="Group 174">
+            <a:extLst>
+              <a:ext uri="{FF2B5EF4-FFF2-40B4-BE49-F238E27FC236}">
+                <a16:creationId xmlns:a16="http://schemas.microsoft.com/office/drawing/2014/main" id="{891D367A-4C8C-409F-93D9-FD02D0BC9FF6}"/>
+              </a:ext>
+              <a:ext uri="{C183D7F6-B498-43B3-948B-1728B52AA6E4}">
+                <adec:decorative xmlns:adec="http://schemas.microsoft.com/office/drawing/2017/decorative" val="1"/>
+              </a:ext>
+            </a:extLst>
+          </p:cNvPr>
+          <p:cNvGrpSpPr>
+            <a:grpSpLocks noGrp="1" noUngrp="1" noRot="1" noChangeAspect="1" noMove="1" noResize="1"/>
+          </p:cNvGrpSpPr>
+          <p:nvPr>
+            <p:extLst>
+              <p:ext uri="{386F3935-93C4-4BCD-93E2-E3B085C9AB24}">
+                <p16:designElem xmlns:p16="http://schemas.microsoft.com/office/powerpoint/2015/main" val="1"/>
+              </p:ext>
+            </p:extLst>
+          </p:nvPr>
+        </p:nvGrpSpPr>
+        <p:grpSpPr>
+          <a:xfrm>
+            <a:off x="0" y="0"/>
+            <a:ext cx="12192003" cy="6858001"/>
+            <a:chOff x="0" y="-1"/>
+            <a:chExt cx="12192003" cy="6858001"/>
+          </a:xfrm>
+        </p:grpSpPr>
+        <p:sp useBgFill="1">
+          <p:nvSpPr>
+            <p:cNvPr id="176" name="Rectangle 175">
+              <a:extLst>
+                <a:ext uri="{FF2B5EF4-FFF2-40B4-BE49-F238E27FC236}">
+                  <a16:creationId xmlns:a16="http://schemas.microsoft.com/office/drawing/2014/main" id="{50EC018E-7B11-4D3B-B7FE-DCFEC35F207A}"/>
+                </a:ext>
+                <a:ext uri="{C183D7F6-B498-43B3-948B-1728B52AA6E4}">
+                  <adec:decorative xmlns:adec="http://schemas.microsoft.com/office/drawing/2017/decorative" val="1"/>
+                </a:ext>
+              </a:extLst>
+            </p:cNvPr>
+            <p:cNvSpPr/>
+            <p:nvPr>
+              <p:extLst>
+                <p:ext uri="{386F3935-93C4-4BCD-93E2-E3B085C9AB24}">
+                  <p16:designElem xmlns:p16="http://schemas.microsoft.com/office/powerpoint/2015/main" val="1"/>
+                </p:ext>
+              </p:extLst>
+            </p:nvPr>
+          </p:nvSpPr>
+          <p:spPr>
+            <a:xfrm>
+              <a:off x="1" y="-1"/>
+              <a:ext cx="12192000" cy="6858000"/>
+            </a:xfrm>
+            <a:prstGeom prst="rect">
+              <a:avLst/>
+            </a:prstGeom>
+            <a:ln>
+              <a:noFill/>
+            </a:ln>
+          </p:spPr>
+          <p:style>
+            <a:lnRef idx="2">
+              <a:schemeClr val="accent1">
+                <a:shade val="50000"/>
+              </a:schemeClr>
+            </a:lnRef>
+            <a:fillRef idx="1">
+              <a:schemeClr val="accent1"/>
+            </a:fillRef>
+            <a:effectRef idx="0">
+              <a:schemeClr val="accent1"/>
+            </a:effectRef>
+            <a:fontRef idx="minor">
+              <a:schemeClr val="lt1"/>
+            </a:fontRef>
+          </p:style>
+          <p:txBody>
+            <a:bodyPr rtlCol="0" anchor="ctr"/>
+            <a:lstStyle/>
+            <a:p>
+              <a:pPr algn="ctr"/>
+              <a:endParaRPr lang="en-US"/>
+            </a:p>
+          </p:txBody>
+        </p:sp>
+        <p:pic>
+          <p:nvPicPr>
+            <p:cNvPr id="187" name="Picture 2">
+              <a:extLst>
+                <a:ext uri="{FF2B5EF4-FFF2-40B4-BE49-F238E27FC236}">
+                  <a16:creationId xmlns:a16="http://schemas.microsoft.com/office/drawing/2014/main" id="{667FA462-522C-4B1C-A264-8880D5F357B3}"/>
+                </a:ext>
+                <a:ext uri="{C183D7F6-B498-43B3-948B-1728B52AA6E4}">
+                  <adec:decorative xmlns:adec="http://schemas.microsoft.com/office/drawing/2017/decorative" val="1"/>
+                </a:ext>
+              </a:extLst>
+            </p:cNvPr>
+            <p:cNvPicPr>
+              <a:picLocks noChangeAspect="1" noChangeArrowheads="1"/>
+            </p:cNvPicPr>
+            <p:nvPr>
+              <p:extLst>
+                <p:ext uri="{386F3935-93C4-4BCD-93E2-E3B085C9AB24}">
+                  <p16:designElem xmlns:p16="http://schemas.microsoft.com/office/powerpoint/2015/main" val="1"/>
+                </p:ext>
+              </p:extLst>
+            </p:nvPr>
+          </p:nvPicPr>
+          <p:blipFill>
+            <a:blip r:embed="rId3">
+              <a:alphaModFix amt="30000"/>
+              <a:duotone>
+                <a:prstClr val="black"/>
+                <a:schemeClr val="tx2">
+                  <a:tint val="45000"/>
+                  <a:satMod val="400000"/>
+                </a:schemeClr>
+              </a:duotone>
+              <a:extLst>
+                <a:ext uri="{28A0092B-C50C-407E-A947-70E740481C1C}">
+                  <a14:useLocalDpi xmlns:a14="http://schemas.microsoft.com/office/drawing/2010/main" val="0"/>
+                </a:ext>
+              </a:extLst>
+            </a:blip>
+            <a:srcRect/>
+            <a:stretch>
+              <a:fillRect/>
+            </a:stretch>
+          </p:blipFill>
+          <p:spPr bwMode="auto">
+            <a:xfrm>
+              <a:off x="0" y="-1"/>
+              <a:ext cx="12192003" cy="6858001"/>
+            </a:xfrm>
+            <a:prstGeom prst="rect">
+              <a:avLst/>
+            </a:prstGeom>
+            <a:noFill/>
+            <a:extLst>
+              <a:ext uri="{909E8E84-426E-40dd-AFC4-6F175D3DCCD1}">
+                <a14:hiddenFill xmlns:a14="http://schemas.microsoft.com/office/drawing/2010/main" xmlns:p14="http://schemas.microsoft.com/office/powerpoint/2010/main" xmlns:a16="http://schemas.microsoft.com/office/drawing/2014/main" xmlns="">
+                  <a:solidFill>
+                    <a:srgbClr val="FFFFFF"/>
+                  </a:solidFill>
+                </a14:hiddenFill>
+              </a:ext>
+            </a:extLst>
+          </p:spPr>
+        </p:pic>
+      </p:grpSp>
+      <p:pic>
+        <p:nvPicPr>
+          <p:cNvPr id="179" name="Picture 2">
+            <a:extLst>
+              <a:ext uri="{FF2B5EF4-FFF2-40B4-BE49-F238E27FC236}">
+                <a16:creationId xmlns:a16="http://schemas.microsoft.com/office/drawing/2014/main" id="{7589240B-26BC-45BE-A858-3DF47A39229B}"/>
+              </a:ext>
+              <a:ext uri="{C183D7F6-B498-43B3-948B-1728B52AA6E4}">
+                <adec:decorative xmlns:adec="http://schemas.microsoft.com/office/drawing/2017/decorative" val="1"/>
+              </a:ext>
+            </a:extLst>
+          </p:cNvPr>
+          <p:cNvPicPr>
+            <a:picLocks noGrp="1" noRot="1" noChangeAspect="1" noMove="1" noResize="1" noEditPoints="1" noAdjustHandles="1" noChangeArrowheads="1" noChangeShapeType="1" noCrop="1"/>
+          </p:cNvPicPr>
+          <p:nvPr>
+            <p:extLst>
+              <p:ext uri="{386F3935-93C4-4BCD-93E2-E3B085C9AB24}">
+                <p16:designElem xmlns:p16="http://schemas.microsoft.com/office/powerpoint/2015/main" val="1"/>
+              </p:ext>
+            </p:extLst>
+          </p:nvPr>
+        </p:nvPicPr>
+        <p:blipFill>
+          <a:blip r:embed="rId3">
+            <a:alphaModFix amt="30000"/>
+            <a:extLst>
+              <a:ext uri="{28A0092B-C50C-407E-A947-70E740481C1C}">
+                <a14:useLocalDpi xmlns:a14="http://schemas.microsoft.com/office/drawing/2010/main" val="0"/>
+              </a:ext>
+            </a:extLst>
+          </a:blip>
+          <a:srcRect/>
+          <a:stretch>
+            <a:fillRect/>
+          </a:stretch>
+        </p:blipFill>
+        <p:spPr bwMode="auto">
+          <a:xfrm>
+            <a:off x="0" y="0"/>
+            <a:ext cx="12192003" cy="6858001"/>
+          </a:xfrm>
+          <a:prstGeom prst="rect">
+            <a:avLst/>
+          </a:prstGeom>
+          <a:noFill/>
+          <a:extLst>
+            <a:ext uri="{909E8E84-426E-40dd-AFC4-6F175D3DCCD1}">
+              <a14:hiddenFill xmlns:a14="http://schemas.microsoft.com/office/drawing/2010/main" xmlns:p14="http://schemas.microsoft.com/office/powerpoint/2010/main" xmlns:a16="http://schemas.microsoft.com/office/drawing/2014/main" xmlns="">
+                <a:solidFill>
+                  <a:srgbClr val="FFFFFF"/>
+                </a:solidFill>
+              </a14:hiddenFill>
+            </a:ext>
+          </a:extLst>
+        </p:spPr>
+      </p:pic>
+      <p:sp>
+        <p:nvSpPr>
+          <p:cNvPr id="181" name="Round Diagonal Corner Rectangle 6">
+            <a:extLst>
+              <a:ext uri="{FF2B5EF4-FFF2-40B4-BE49-F238E27FC236}">
+                <a16:creationId xmlns:a16="http://schemas.microsoft.com/office/drawing/2014/main" id="{81E18780-A505-4639-9939-E204348C7317}"/>
+              </a:ext>
+              <a:ext uri="{C183D7F6-B498-43B3-948B-1728B52AA6E4}">
+                <adec:decorative xmlns:adec="http://schemas.microsoft.com/office/drawing/2017/decorative" val="1"/>
+              </a:ext>
+            </a:extLst>
+          </p:cNvPr>
+          <p:cNvSpPr>
+            <a:spLocks noGrp="1" noRot="1" noChangeAspect="1" noMove="1" noResize="1" noEditPoints="1" noAdjustHandles="1" noChangeArrowheads="1" noChangeShapeType="1" noTextEdit="1"/>
+          </p:cNvSpPr>
+          <p:nvPr>
+            <p:extLst>
+              <p:ext uri="{386F3935-93C4-4BCD-93E2-E3B085C9AB24}">
+                <p16:designElem xmlns:p16="http://schemas.microsoft.com/office/powerpoint/2015/main" val="1"/>
+              </p:ext>
+            </p:extLst>
+          </p:nvPr>
+        </p:nvSpPr>
+        <p:spPr>
+          <a:xfrm>
+            <a:off x="643464" y="643466"/>
+            <a:ext cx="10890781" cy="5571067"/>
+          </a:xfrm>
+          <a:prstGeom prst="round2DiagRect">
+            <a:avLst>
+              <a:gd name="adj1" fmla="val 6185"/>
+              <a:gd name="adj2" fmla="val 0"/>
+            </a:avLst>
+          </a:prstGeom>
+          <a:solidFill>
+            <a:srgbClr val="FFFFFF"/>
+          </a:solidFill>
+          <a:ln w="19050" cap="sq">
+            <a:solidFill>
+              <a:schemeClr val="tx2">
+                <a:lumMod val="60000"/>
+                <a:lumOff val="40000"/>
+                <a:alpha val="60000"/>
+              </a:schemeClr>
+            </a:solidFill>
+            <a:miter lim="800000"/>
+          </a:ln>
+          <a:effectLst>
+            <a:outerShdw blurRad="88900" dist="38100" dir="5400000" algn="t" rotWithShape="0">
+              <a:prstClr val="black">
+                <a:alpha val="40000"/>
+              </a:prstClr>
+            </a:outerShdw>
+          </a:effectLst>
+        </p:spPr>
+        <p:style>
+          <a:lnRef idx="2">
+            <a:schemeClr val="accent1">
+              <a:shade val="50000"/>
+            </a:schemeClr>
+          </a:lnRef>
+          <a:fillRef idx="1">
+            <a:schemeClr val="accent1"/>
+          </a:fillRef>
+          <a:effectRef idx="0">
+            <a:schemeClr val="accent1"/>
+          </a:effectRef>
+          <a:fontRef idx="minor">
+            <a:schemeClr val="lt1"/>
+          </a:fontRef>
+        </p:style>
+        <p:txBody>
+          <a:bodyPr rtlCol="0" anchor="ctr"/>
+          <a:lstStyle/>
+          <a:p>
+            <a:pPr algn="ctr"/>
+            <a:endParaRPr lang="en-US"/>
+          </a:p>
+        </p:txBody>
+      </p:sp>
+      <p:pic>
+        <p:nvPicPr>
+          <p:cNvPr id="4" name="Content Placeholder 4" descr="A diagram of a software application&#10;&#10;Description automatically generated">
+            <a:extLst>
+              <a:ext uri="{FF2B5EF4-FFF2-40B4-BE49-F238E27FC236}">
+                <a16:creationId xmlns:a16="http://schemas.microsoft.com/office/drawing/2014/main" id="{5D409377-FF93-0332-2674-E5D35C6BA038}"/>
+              </a:ext>
+            </a:extLst>
+          </p:cNvPr>
+          <p:cNvPicPr>
+            <a:picLocks noChangeAspect="1"/>
+          </p:cNvPicPr>
+          <p:nvPr/>
+        </p:nvPicPr>
+        <p:blipFill>
+          <a:blip r:embed="rId4">
+            <a:extLst>
+              <a:ext uri="{28A0092B-C50C-407E-A947-70E740481C1C}">
+                <a14:useLocalDpi xmlns:a14="http://schemas.microsoft.com/office/drawing/2010/main" val="0"/>
+              </a:ext>
+            </a:extLst>
+          </a:blip>
+          <a:stretch>
+            <a:fillRect/>
+          </a:stretch>
+        </p:blipFill>
+        <p:spPr>
+          <a:xfrm>
+            <a:off x="2303589" y="966256"/>
+            <a:ext cx="7570530" cy="4939770"/>
+          </a:xfrm>
+          <a:prstGeom prst="rect">
+            <a:avLst/>
+          </a:prstGeom>
+        </p:spPr>
+      </p:pic>
+    </p:spTree>
+    <p:extLst>
+      <p:ext uri="{BB962C8B-B14F-4D97-AF65-F5344CB8AC3E}">
+        <p14:creationId xmlns:p14="http://schemas.microsoft.com/office/powerpoint/2010/main" val="4202154326"/>
+      </p:ext>
+    </p:extLst>
+  </p:cSld>
+  <p:clrMapOvr>
+    <a:masterClrMapping/>
+  </p:clrMapOvr>
+</p:sld>
+</file>
+
+<file path=ppt/slides/slide7.xml><?xml version="1.0" encoding="utf-8"?>
+<p:sld xmlns:a="http://schemas.openxmlformats.org/drawingml/2006/main" xmlns:r="http://schemas.openxmlformats.org/officeDocument/2006/relationships" xmlns:p="http://schemas.openxmlformats.org/presentationml/2006/main">
+  <p:cSld>
+    <p:spTree>
+      <p:nvGrpSpPr>
+        <p:cNvPr id="1" name=""/>
+        <p:cNvGrpSpPr/>
+        <p:nvPr/>
+      </p:nvGrpSpPr>
+      <p:grpSpPr>
+        <a:xfrm>
+          <a:off x="0" y="0"/>
+          <a:ext cx="0" cy="0"/>
+          <a:chOff x="0" y="0"/>
+          <a:chExt cx="0" cy="0"/>
+        </a:xfrm>
+      </p:grpSpPr>
+      <p:sp>
+        <p:nvSpPr>
+          <p:cNvPr id="2" name="Title 1">
+            <a:extLst>
+              <a:ext uri="{FF2B5EF4-FFF2-40B4-BE49-F238E27FC236}">
+                <a16:creationId xmlns:a16="http://schemas.microsoft.com/office/drawing/2014/main" id="{EBB1CEBE-B74C-1D01-7BBC-5DD1D9F44114}"/>
+              </a:ext>
+            </a:extLst>
+          </p:cNvPr>
+          <p:cNvSpPr>
+            <a:spLocks noGrp="1"/>
+          </p:cNvSpPr>
+          <p:nvPr>
+            <p:ph type="title"/>
+          </p:nvPr>
+        </p:nvSpPr>
+        <p:spPr>
+          <a:xfrm>
+            <a:off x="1143001" y="189309"/>
+            <a:ext cx="9905998" cy="1478570"/>
+          </a:xfrm>
+        </p:spPr>
+        <p:txBody>
+          <a:bodyPr/>
+          <a:lstStyle/>
+          <a:p>
+            <a:r>
+              <a:rPr lang="en-US" dirty="0"/>
+              <a:t>Red hat </a:t>
+            </a:r>
+            <a:r>
+              <a:rPr lang="en-US" dirty="0" err="1"/>
+              <a:t>openshift</a:t>
+            </a:r>
+            <a:r>
+              <a:rPr lang="en-US" dirty="0"/>
+              <a:t> container platform </a:t>
+            </a:r>
+          </a:p>
+        </p:txBody>
+      </p:sp>
+      <p:pic>
+        <p:nvPicPr>
+          <p:cNvPr id="5" name="Content Placeholder 4" descr="A screenshot of a computer&#10;&#10;Description automatically generated">
+            <a:extLst>
+              <a:ext uri="{FF2B5EF4-FFF2-40B4-BE49-F238E27FC236}">
+                <a16:creationId xmlns:a16="http://schemas.microsoft.com/office/drawing/2014/main" id="{34CC670B-E09D-4055-FFEE-618964ED9D68}"/>
+              </a:ext>
+            </a:extLst>
+          </p:cNvPr>
+          <p:cNvPicPr>
+            <a:picLocks noGrp="1" noChangeAspect="1"/>
+          </p:cNvPicPr>
+          <p:nvPr>
+            <p:ph idx="1"/>
+          </p:nvPr>
+        </p:nvPicPr>
+        <p:blipFill>
+          <a:blip r:embed="rId2">
+            <a:extLst>
+              <a:ext uri="{28A0092B-C50C-407E-A947-70E740481C1C}">
+                <a14:useLocalDpi xmlns:a14="http://schemas.microsoft.com/office/drawing/2010/main" val="0"/>
+              </a:ext>
+            </a:extLst>
+          </a:blip>
+          <a:stretch>
+            <a:fillRect/>
+          </a:stretch>
+        </p:blipFill>
+        <p:spPr>
+          <a:xfrm>
+            <a:off x="839739" y="1289017"/>
+            <a:ext cx="10512522" cy="5188585"/>
+          </a:xfrm>
+        </p:spPr>
+      </p:pic>
+    </p:spTree>
+    <p:extLst>
+      <p:ext uri="{BB962C8B-B14F-4D97-AF65-F5344CB8AC3E}">
+        <p14:creationId xmlns:p14="http://schemas.microsoft.com/office/powerpoint/2010/main" val="2832464232"/>
+      </p:ext>
+    </p:extLst>
+  </p:cSld>
+  <p:clrMapOvr>
+    <a:masterClrMapping/>
+  </p:clrMapOvr>
+</p:sld>
+</file>
+
+<file path=ppt/slides/slide8.xml><?xml version="1.0" encoding="utf-8"?>
+<p:sld xmlns:a="http://schemas.openxmlformats.org/drawingml/2006/main" xmlns:r="http://schemas.openxmlformats.org/officeDocument/2006/relationships" xmlns:p="http://schemas.openxmlformats.org/presentationml/2006/main">
+  <p:cSld>
+    <p:spTree>
+      <p:nvGrpSpPr>
+        <p:cNvPr id="1" name=""/>
+        <p:cNvGrpSpPr/>
+        <p:nvPr/>
+      </p:nvGrpSpPr>
+      <p:grpSpPr>
+        <a:xfrm>
+          <a:off x="0" y="0"/>
+          <a:ext cx="0" cy="0"/>
+          <a:chOff x="0" y="0"/>
+          <a:chExt cx="0" cy="0"/>
+        </a:xfrm>
+      </p:grpSpPr>
+      <p:sp>
+        <p:nvSpPr>
+          <p:cNvPr id="2" name="Title 1">
+            <a:extLst>
+              <a:ext uri="{FF2B5EF4-FFF2-40B4-BE49-F238E27FC236}">
+                <a16:creationId xmlns:a16="http://schemas.microsoft.com/office/drawing/2014/main" id="{8700ADE9-CDBC-B1AB-805F-FF7E5B7904BC}"/>
+              </a:ext>
+            </a:extLst>
+          </p:cNvPr>
+          <p:cNvSpPr>
+            <a:spLocks noGrp="1"/>
+          </p:cNvSpPr>
+          <p:nvPr>
+            <p:ph type="title"/>
+          </p:nvPr>
+        </p:nvSpPr>
+        <p:spPr>
+          <a:xfrm>
+            <a:off x="912813" y="151793"/>
+            <a:ext cx="9905998" cy="1478570"/>
+          </a:xfrm>
+        </p:spPr>
+        <p:txBody>
+          <a:bodyPr/>
+          <a:lstStyle/>
+          <a:p>
+            <a:r>
+              <a:rPr lang="en-US" dirty="0"/>
+              <a:t>Google cloud</a:t>
+            </a:r>
+          </a:p>
+        </p:txBody>
+      </p:sp>
+      <p:pic>
+        <p:nvPicPr>
+          <p:cNvPr id="1026" name="Picture 2" descr="Изображение">
+            <a:extLst>
+              <a:ext uri="{FF2B5EF4-FFF2-40B4-BE49-F238E27FC236}">
+                <a16:creationId xmlns:a16="http://schemas.microsoft.com/office/drawing/2014/main" id="{FE38002D-2E05-1391-3B90-50EB2381D956}"/>
+              </a:ext>
+            </a:extLst>
+          </p:cNvPr>
+          <p:cNvPicPr>
+            <a:picLocks noGrp="1" noChangeAspect="1" noChangeArrowheads="1"/>
+          </p:cNvPicPr>
+          <p:nvPr>
+            <p:ph idx="1"/>
+          </p:nvPr>
+        </p:nvPicPr>
+        <p:blipFill>
+          <a:blip r:embed="rId2">
+            <a:extLst>
+              <a:ext uri="{28A0092B-C50C-407E-A947-70E740481C1C}">
+                <a14:useLocalDpi xmlns:a14="http://schemas.microsoft.com/office/drawing/2010/main" val="0"/>
+              </a:ext>
+            </a:extLst>
+          </a:blip>
+          <a:srcRect/>
+          <a:stretch>
+            <a:fillRect/>
+          </a:stretch>
+        </p:blipFill>
+        <p:spPr bwMode="auto">
+          <a:xfrm>
+            <a:off x="2431256" y="1357803"/>
+            <a:ext cx="7326312" cy="5045646"/>
+          </a:xfrm>
+          <a:prstGeom prst="rect">
+            <a:avLst/>
+          </a:prstGeom>
+          <a:noFill/>
+          <a:extLst>
+            <a:ext uri="{909E8E84-426E-40DD-AFC4-6F175D3DCCD1}">
+              <a14:hiddenFill xmlns:a14="http://schemas.microsoft.com/office/drawing/2010/main">
+                <a:solidFill>
+                  <a:srgbClr val="FFFFFF"/>
+                </a:solidFill>
+              </a14:hiddenFill>
+            </a:ext>
+          </a:extLst>
+        </p:spPr>
+      </p:pic>
+    </p:spTree>
+    <p:extLst>
+      <p:ext uri="{BB962C8B-B14F-4D97-AF65-F5344CB8AC3E}">
+        <p14:creationId xmlns:p14="http://schemas.microsoft.com/office/powerpoint/2010/main" val="1895423221"/>
       </p:ext>
     </p:extLst>
   </p:cSld>
